--- a/docs/diagrams/HighLevelSequenceDiagrams.pptx
+++ b/docs/diagrams/HighLevelSequenceDiagrams.pptx
@@ -5,10 +5,13 @@
     <p:sldMasterId id="2147483648" r:id="rId1"/>
   </p:sldMasterIdLst>
   <p:notesMasterIdLst>
-    <p:notesMasterId r:id="rId3"/>
+    <p:notesMasterId r:id="rId6"/>
   </p:notesMasterIdLst>
   <p:sldIdLst>
     <p:sldId id="266" r:id="rId2"/>
+    <p:sldId id="267" r:id="rId3"/>
+    <p:sldId id="268" r:id="rId4"/>
+    <p:sldId id="269" r:id="rId5"/>
   </p:sldIdLst>
   <p:sldSz cx="9144000" cy="6858000" type="screen4x3"/>
   <p:notesSz cx="6858000" cy="9144000"/>
@@ -107,6 +110,22 @@
       </a:defRPr>
     </a:lvl9pPr>
   </p:defaultTextStyle>
+  <p:extLst>
+    <p:ext uri="{EFAFB233-063F-42B5-8137-9DF3F51BA10A}">
+      <p15:sldGuideLst xmlns:p15="http://schemas.microsoft.com/office/powerpoint/2012/main">
+        <p15:guide id="1" orient="horz" pos="1488">
+          <p15:clr>
+            <a:srgbClr val="A4A3A4"/>
+          </p15:clr>
+        </p15:guide>
+        <p15:guide id="2" pos="2880">
+          <p15:clr>
+            <a:srgbClr val="A4A3A4"/>
+          </p15:clr>
+        </p15:guide>
+      </p15:sldGuideLst>
+    </p:ext>
+  </p:extLst>
 </p:presentation>
 </file>
 
@@ -192,7 +211,7 @@
           <a:p>
             <a:fld id="{F5CC4B3F-88C1-4FFA-B1B6-F41C21DC6924}" type="datetimeFigureOut">
               <a:rPr lang="en-US" smtClean="0"/>
-              <a:t>10/16/2016</a:t>
+              <a:t>11/6/2018</a:t>
             </a:fld>
             <a:endParaRPr lang="en-US"/>
           </a:p>
@@ -460,6 +479,270 @@
 </p:notesMaster>
 </file>
 
+<file path=ppt/notesSlides/notesSlide1.xml><?xml version="1.0" encoding="utf-8"?>
+<p:notes xmlns:a="http://schemas.openxmlformats.org/drawingml/2006/main" xmlns:r="http://schemas.openxmlformats.org/officeDocument/2006/relationships" xmlns:p="http://schemas.openxmlformats.org/presentationml/2006/main">
+  <p:cSld>
+    <p:spTree>
+      <p:nvGrpSpPr>
+        <p:cNvPr id="1" name=""/>
+        <p:cNvGrpSpPr/>
+        <p:nvPr/>
+      </p:nvGrpSpPr>
+      <p:grpSpPr>
+        <a:xfrm>
+          <a:off x="0" y="0"/>
+          <a:ext cx="0" cy="0"/>
+          <a:chOff x="0" y="0"/>
+          <a:chExt cx="0" cy="0"/>
+        </a:xfrm>
+      </p:grpSpPr>
+      <p:sp>
+        <p:nvSpPr>
+          <p:cNvPr id="2" name="Slide Image Placeholder 1"/>
+          <p:cNvSpPr>
+            <a:spLocks noGrp="1" noRot="1" noChangeAspect="1"/>
+          </p:cNvSpPr>
+          <p:nvPr>
+            <p:ph type="sldImg"/>
+          </p:nvPr>
+        </p:nvSpPr>
+        <p:spPr/>
+      </p:sp>
+      <p:sp>
+        <p:nvSpPr>
+          <p:cNvPr id="3" name="Notes Placeholder 2"/>
+          <p:cNvSpPr>
+            <a:spLocks noGrp="1"/>
+          </p:cNvSpPr>
+          <p:nvPr>
+            <p:ph type="body" idx="1"/>
+          </p:nvPr>
+        </p:nvSpPr>
+        <p:spPr/>
+        <p:txBody>
+          <a:bodyPr/>
+          <a:lstStyle/>
+          <a:p>
+            <a:r>
+              <a:rPr lang="en-SG" dirty="0" smtClean="0"/>
+              <a:t>Backup command</a:t>
+            </a:r>
+            <a:endParaRPr lang="en-SG" dirty="0"/>
+          </a:p>
+        </p:txBody>
+      </p:sp>
+      <p:sp>
+        <p:nvSpPr>
+          <p:cNvPr id="4" name="Slide Number Placeholder 3"/>
+          <p:cNvSpPr>
+            <a:spLocks noGrp="1"/>
+          </p:cNvSpPr>
+          <p:nvPr>
+            <p:ph type="sldNum" sz="quarter" idx="10"/>
+          </p:nvPr>
+        </p:nvSpPr>
+        <p:spPr/>
+        <p:txBody>
+          <a:bodyPr/>
+          <a:lstStyle/>
+          <a:p>
+            <a:fld id="{5A7AB025-77E3-4BD1-A2FD-B3183DBA47A3}" type="slidenum">
+              <a:rPr lang="en-US" smtClean="0"/>
+              <a:t>2</a:t>
+            </a:fld>
+            <a:endParaRPr lang="en-US"/>
+          </a:p>
+        </p:txBody>
+      </p:sp>
+    </p:spTree>
+    <p:extLst>
+      <p:ext uri="{BB962C8B-B14F-4D97-AF65-F5344CB8AC3E}">
+        <p14:creationId xmlns:p14="http://schemas.microsoft.com/office/powerpoint/2010/main" val="4172203375"/>
+      </p:ext>
+    </p:extLst>
+  </p:cSld>
+  <p:clrMapOvr>
+    <a:masterClrMapping/>
+  </p:clrMapOvr>
+</p:notes>
+</file>
+
+<file path=ppt/notesSlides/notesSlide2.xml><?xml version="1.0" encoding="utf-8"?>
+<p:notes xmlns:a="http://schemas.openxmlformats.org/drawingml/2006/main" xmlns:r="http://schemas.openxmlformats.org/officeDocument/2006/relationships" xmlns:p="http://schemas.openxmlformats.org/presentationml/2006/main">
+  <p:cSld>
+    <p:spTree>
+      <p:nvGrpSpPr>
+        <p:cNvPr id="1" name=""/>
+        <p:cNvGrpSpPr/>
+        <p:nvPr/>
+      </p:nvGrpSpPr>
+      <p:grpSpPr>
+        <a:xfrm>
+          <a:off x="0" y="0"/>
+          <a:ext cx="0" cy="0"/>
+          <a:chOff x="0" y="0"/>
+          <a:chExt cx="0" cy="0"/>
+        </a:xfrm>
+      </p:grpSpPr>
+      <p:sp>
+        <p:nvSpPr>
+          <p:cNvPr id="2" name="Slide Image Placeholder 1"/>
+          <p:cNvSpPr>
+            <a:spLocks noGrp="1" noRot="1" noChangeAspect="1"/>
+          </p:cNvSpPr>
+          <p:nvPr>
+            <p:ph type="sldImg"/>
+          </p:nvPr>
+        </p:nvSpPr>
+        <p:spPr/>
+      </p:sp>
+      <p:sp>
+        <p:nvSpPr>
+          <p:cNvPr id="3" name="Notes Placeholder 2"/>
+          <p:cNvSpPr>
+            <a:spLocks noGrp="1"/>
+          </p:cNvSpPr>
+          <p:nvPr>
+            <p:ph type="body" idx="1"/>
+          </p:nvPr>
+        </p:nvSpPr>
+        <p:spPr/>
+        <p:txBody>
+          <a:bodyPr/>
+          <a:lstStyle/>
+          <a:p>
+            <a:r>
+              <a:rPr lang="en-SG" dirty="0" smtClean="0"/>
+              <a:t>Backup command</a:t>
+            </a:r>
+            <a:endParaRPr lang="en-SG" dirty="0"/>
+          </a:p>
+        </p:txBody>
+      </p:sp>
+      <p:sp>
+        <p:nvSpPr>
+          <p:cNvPr id="4" name="Slide Number Placeholder 3"/>
+          <p:cNvSpPr>
+            <a:spLocks noGrp="1"/>
+          </p:cNvSpPr>
+          <p:nvPr>
+            <p:ph type="sldNum" sz="quarter" idx="10"/>
+          </p:nvPr>
+        </p:nvSpPr>
+        <p:spPr/>
+        <p:txBody>
+          <a:bodyPr/>
+          <a:lstStyle/>
+          <a:p>
+            <a:fld id="{5A7AB025-77E3-4BD1-A2FD-B3183DBA47A3}" type="slidenum">
+              <a:rPr lang="en-US" smtClean="0"/>
+              <a:t>3</a:t>
+            </a:fld>
+            <a:endParaRPr lang="en-US"/>
+          </a:p>
+        </p:txBody>
+      </p:sp>
+    </p:spTree>
+    <p:extLst>
+      <p:ext uri="{BB962C8B-B14F-4D97-AF65-F5344CB8AC3E}">
+        <p14:creationId xmlns:p14="http://schemas.microsoft.com/office/powerpoint/2010/main" val="1647289409"/>
+      </p:ext>
+    </p:extLst>
+  </p:cSld>
+  <p:clrMapOvr>
+    <a:masterClrMapping/>
+  </p:clrMapOvr>
+</p:notes>
+</file>
+
+<file path=ppt/notesSlides/notesSlide3.xml><?xml version="1.0" encoding="utf-8"?>
+<p:notes xmlns:a="http://schemas.openxmlformats.org/drawingml/2006/main" xmlns:r="http://schemas.openxmlformats.org/officeDocument/2006/relationships" xmlns:p="http://schemas.openxmlformats.org/presentationml/2006/main">
+  <p:cSld>
+    <p:spTree>
+      <p:nvGrpSpPr>
+        <p:cNvPr id="1" name=""/>
+        <p:cNvGrpSpPr/>
+        <p:nvPr/>
+      </p:nvGrpSpPr>
+      <p:grpSpPr>
+        <a:xfrm>
+          <a:off x="0" y="0"/>
+          <a:ext cx="0" cy="0"/>
+          <a:chOff x="0" y="0"/>
+          <a:chExt cx="0" cy="0"/>
+        </a:xfrm>
+      </p:grpSpPr>
+      <p:sp>
+        <p:nvSpPr>
+          <p:cNvPr id="2" name="Slide Image Placeholder 1"/>
+          <p:cNvSpPr>
+            <a:spLocks noGrp="1" noRot="1" noChangeAspect="1"/>
+          </p:cNvSpPr>
+          <p:nvPr>
+            <p:ph type="sldImg"/>
+          </p:nvPr>
+        </p:nvSpPr>
+        <p:spPr/>
+      </p:sp>
+      <p:sp>
+        <p:nvSpPr>
+          <p:cNvPr id="3" name="Notes Placeholder 2"/>
+          <p:cNvSpPr>
+            <a:spLocks noGrp="1"/>
+          </p:cNvSpPr>
+          <p:nvPr>
+            <p:ph type="body" idx="1"/>
+          </p:nvPr>
+        </p:nvSpPr>
+        <p:spPr/>
+        <p:txBody>
+          <a:bodyPr/>
+          <a:lstStyle/>
+          <a:p>
+            <a:r>
+              <a:rPr lang="en-SG" dirty="0" smtClean="0"/>
+              <a:t>Backup command</a:t>
+            </a:r>
+            <a:endParaRPr lang="en-SG" dirty="0"/>
+          </a:p>
+        </p:txBody>
+      </p:sp>
+      <p:sp>
+        <p:nvSpPr>
+          <p:cNvPr id="4" name="Slide Number Placeholder 3"/>
+          <p:cNvSpPr>
+            <a:spLocks noGrp="1"/>
+          </p:cNvSpPr>
+          <p:nvPr>
+            <p:ph type="sldNum" sz="quarter" idx="10"/>
+          </p:nvPr>
+        </p:nvSpPr>
+        <p:spPr/>
+        <p:txBody>
+          <a:bodyPr/>
+          <a:lstStyle/>
+          <a:p>
+            <a:fld id="{5A7AB025-77E3-4BD1-A2FD-B3183DBA47A3}" type="slidenum">
+              <a:rPr lang="en-US" smtClean="0"/>
+              <a:t>4</a:t>
+            </a:fld>
+            <a:endParaRPr lang="en-US"/>
+          </a:p>
+        </p:txBody>
+      </p:sp>
+    </p:spTree>
+    <p:extLst>
+      <p:ext uri="{BB962C8B-B14F-4D97-AF65-F5344CB8AC3E}">
+        <p14:creationId xmlns:p14="http://schemas.microsoft.com/office/powerpoint/2010/main" val="114219948"/>
+      </p:ext>
+    </p:extLst>
+  </p:cSld>
+  <p:clrMapOvr>
+    <a:masterClrMapping/>
+  </p:clrMapOvr>
+</p:notes>
+</file>
+
 <file path=ppt/slideLayouts/slideLayout1.xml><?xml version="1.0" encoding="utf-8"?>
 <p:sldLayout xmlns:a="http://schemas.openxmlformats.org/drawingml/2006/main" xmlns:r="http://schemas.openxmlformats.org/officeDocument/2006/relationships" xmlns:p="http://schemas.openxmlformats.org/presentationml/2006/main" type="title" preserve="1">
   <p:cSld name="Title Slide">
@@ -641,7 +924,7 @@
           <a:p>
             <a:fld id="{78C97017-6FC3-485B-9764-EAC9E56C1D49}" type="datetimeFigureOut">
               <a:rPr lang="en-US" smtClean="0"/>
-              <a:t>10/16/2016</a:t>
+              <a:t>11/6/2018</a:t>
             </a:fld>
             <a:endParaRPr lang="en-US"/>
           </a:p>
@@ -811,7 +1094,7 @@
           <a:p>
             <a:fld id="{78C97017-6FC3-485B-9764-EAC9E56C1D49}" type="datetimeFigureOut">
               <a:rPr lang="en-US" smtClean="0"/>
-              <a:t>10/16/2016</a:t>
+              <a:t>11/6/2018</a:t>
             </a:fld>
             <a:endParaRPr lang="en-US"/>
           </a:p>
@@ -991,7 +1274,7 @@
           <a:p>
             <a:fld id="{78C97017-6FC3-485B-9764-EAC9E56C1D49}" type="datetimeFigureOut">
               <a:rPr lang="en-US" smtClean="0"/>
-              <a:t>10/16/2016</a:t>
+              <a:t>11/6/2018</a:t>
             </a:fld>
             <a:endParaRPr lang="en-US"/>
           </a:p>
@@ -1161,7 +1444,7 @@
           <a:p>
             <a:fld id="{78C97017-6FC3-485B-9764-EAC9E56C1D49}" type="datetimeFigureOut">
               <a:rPr lang="en-US" smtClean="0"/>
-              <a:t>10/16/2016</a:t>
+              <a:t>11/6/2018</a:t>
             </a:fld>
             <a:endParaRPr lang="en-US"/>
           </a:p>
@@ -1407,7 +1690,7 @@
           <a:p>
             <a:fld id="{78C97017-6FC3-485B-9764-EAC9E56C1D49}" type="datetimeFigureOut">
               <a:rPr lang="en-US" smtClean="0"/>
-              <a:t>10/16/2016</a:t>
+              <a:t>11/6/2018</a:t>
             </a:fld>
             <a:endParaRPr lang="en-US"/>
           </a:p>
@@ -1695,7 +1978,7 @@
           <a:p>
             <a:fld id="{78C97017-6FC3-485B-9764-EAC9E56C1D49}" type="datetimeFigureOut">
               <a:rPr lang="en-US" smtClean="0"/>
-              <a:t>10/16/2016</a:t>
+              <a:t>11/6/2018</a:t>
             </a:fld>
             <a:endParaRPr lang="en-US"/>
           </a:p>
@@ -2117,7 +2400,7 @@
           <a:p>
             <a:fld id="{78C97017-6FC3-485B-9764-EAC9E56C1D49}" type="datetimeFigureOut">
               <a:rPr lang="en-US" smtClean="0"/>
-              <a:t>10/16/2016</a:t>
+              <a:t>11/6/2018</a:t>
             </a:fld>
             <a:endParaRPr lang="en-US"/>
           </a:p>
@@ -2235,7 +2518,7 @@
           <a:p>
             <a:fld id="{78C97017-6FC3-485B-9764-EAC9E56C1D49}" type="datetimeFigureOut">
               <a:rPr lang="en-US" smtClean="0"/>
-              <a:t>10/16/2016</a:t>
+              <a:t>11/6/2018</a:t>
             </a:fld>
             <a:endParaRPr lang="en-US"/>
           </a:p>
@@ -2330,7 +2613,7 @@
           <a:p>
             <a:fld id="{78C97017-6FC3-485B-9764-EAC9E56C1D49}" type="datetimeFigureOut">
               <a:rPr lang="en-US" smtClean="0"/>
-              <a:t>10/16/2016</a:t>
+              <a:t>11/6/2018</a:t>
             </a:fld>
             <a:endParaRPr lang="en-US"/>
           </a:p>
@@ -2607,7 +2890,7 @@
           <a:p>
             <a:fld id="{78C97017-6FC3-485B-9764-EAC9E56C1D49}" type="datetimeFigureOut">
               <a:rPr lang="en-US" smtClean="0"/>
-              <a:t>10/16/2016</a:t>
+              <a:t>11/6/2018</a:t>
             </a:fld>
             <a:endParaRPr lang="en-US"/>
           </a:p>
@@ -2860,7 +3143,7 @@
           <a:p>
             <a:fld id="{78C97017-6FC3-485B-9764-EAC9E56C1D49}" type="datetimeFigureOut">
               <a:rPr lang="en-US" smtClean="0"/>
-              <a:t>10/16/2016</a:t>
+              <a:t>11/6/2018</a:t>
             </a:fld>
             <a:endParaRPr lang="en-US"/>
           </a:p>
@@ -3073,7 +3356,7 @@
           <a:p>
             <a:fld id="{78C97017-6FC3-485B-9764-EAC9E56C1D49}" type="datetimeFigureOut">
               <a:rPr lang="en-US" smtClean="0"/>
-              <a:t>10/16/2016</a:t>
+              <a:t>11/6/2018</a:t>
             </a:fld>
             <a:endParaRPr lang="en-US"/>
           </a:p>
@@ -6069,6 +6352,8477 @@
     <p:extLst>
       <p:ext uri="{BB962C8B-B14F-4D97-AF65-F5344CB8AC3E}">
         <p14:creationId xmlns:p14="http://schemas.microsoft.com/office/powerpoint/2010/main" val="4023378879"/>
+      </p:ext>
+    </p:extLst>
+  </p:cSld>
+  <p:clrMapOvr>
+    <a:masterClrMapping/>
+  </p:clrMapOvr>
+</p:sld>
+</file>
+
+<file path=ppt/slides/slide2.xml><?xml version="1.0" encoding="utf-8"?>
+<p:sld xmlns:a="http://schemas.openxmlformats.org/drawingml/2006/main" xmlns:r="http://schemas.openxmlformats.org/officeDocument/2006/relationships" xmlns:p="http://schemas.openxmlformats.org/presentationml/2006/main">
+  <p:cSld>
+    <p:spTree>
+      <p:nvGrpSpPr>
+        <p:cNvPr id="1" name=""/>
+        <p:cNvGrpSpPr/>
+        <p:nvPr/>
+      </p:nvGrpSpPr>
+      <p:grpSpPr>
+        <a:xfrm>
+          <a:off x="0" y="0"/>
+          <a:ext cx="0" cy="0"/>
+          <a:chOff x="0" y="0"/>
+          <a:chExt cx="0" cy="0"/>
+        </a:xfrm>
+      </p:grpSpPr>
+      <p:cxnSp>
+        <p:nvCxnSpPr>
+          <p:cNvPr id="81" name="Straight Arrow Connector 80"/>
+          <p:cNvCxnSpPr/>
+          <p:nvPr/>
+        </p:nvCxnSpPr>
+        <p:spPr>
+          <a:xfrm flipV="1">
+            <a:off x="5562600" y="4876800"/>
+            <a:ext cx="2061404" cy="1"/>
+          </a:xfrm>
+          <a:prstGeom prst="straightConnector1">
+            <a:avLst/>
+          </a:prstGeom>
+          <a:ln w="19050">
+            <a:solidFill>
+              <a:srgbClr val="E46C0A"/>
+            </a:solidFill>
+            <a:headEnd type="none" w="med" len="med"/>
+            <a:tailEnd type="arrow" w="med" len="med"/>
+          </a:ln>
+        </p:spPr>
+        <p:style>
+          <a:lnRef idx="1">
+            <a:schemeClr val="accent1"/>
+          </a:lnRef>
+          <a:fillRef idx="0">
+            <a:schemeClr val="accent1"/>
+          </a:fillRef>
+          <a:effectRef idx="0">
+            <a:schemeClr val="accent1"/>
+          </a:effectRef>
+          <a:fontRef idx="minor">
+            <a:schemeClr val="tx1"/>
+          </a:fontRef>
+        </p:style>
+      </p:cxnSp>
+      <p:sp>
+        <p:nvSpPr>
+          <p:cNvPr id="2" name="Rectangle 62"/>
+          <p:cNvSpPr/>
+          <p:nvPr/>
+        </p:nvSpPr>
+        <p:spPr>
+          <a:xfrm>
+            <a:off x="1111860" y="988926"/>
+            <a:ext cx="1093635" cy="346760"/>
+          </a:xfrm>
+          <a:prstGeom prst="rect">
+            <a:avLst/>
+          </a:prstGeom>
+          <a:solidFill>
+            <a:srgbClr val="00B050"/>
+          </a:solidFill>
+          <a:ln w="19050">
+            <a:solidFill>
+              <a:srgbClr val="00B050"/>
+            </a:solidFill>
+          </a:ln>
+          <a:effectLst/>
+        </p:spPr>
+        <p:style>
+          <a:lnRef idx="1">
+            <a:schemeClr val="accent2"/>
+          </a:lnRef>
+          <a:fillRef idx="2">
+            <a:schemeClr val="accent2"/>
+          </a:fillRef>
+          <a:effectRef idx="1">
+            <a:schemeClr val="accent2"/>
+          </a:effectRef>
+          <a:fontRef idx="minor">
+            <a:schemeClr val="dk1"/>
+          </a:fontRef>
+        </p:style>
+        <p:txBody>
+          <a:bodyPr rtlCol="0" anchor="ctr"/>
+          <a:lstStyle/>
+          <a:p>
+            <a:pPr algn="ctr"/>
+            <a:r>
+              <a:rPr lang="en-US" sz="1600" dirty="0" smtClean="0">
+                <a:solidFill>
+                  <a:schemeClr val="bg1"/>
+                </a:solidFill>
+              </a:rPr>
+              <a:t>:UI</a:t>
+            </a:r>
+            <a:endParaRPr lang="en-SG" sz="1600" dirty="0">
+              <a:solidFill>
+                <a:schemeClr val="bg1"/>
+              </a:solidFill>
+            </a:endParaRPr>
+          </a:p>
+        </p:txBody>
+      </p:sp>
+      <p:cxnSp>
+        <p:nvCxnSpPr>
+          <p:cNvPr id="5" name="Straight Connector 4"/>
+          <p:cNvCxnSpPr/>
+          <p:nvPr/>
+        </p:nvCxnSpPr>
+        <p:spPr>
+          <a:xfrm>
+            <a:off x="1658677" y="1352597"/>
+            <a:ext cx="0" cy="1723059"/>
+          </a:xfrm>
+          <a:prstGeom prst="line">
+            <a:avLst/>
+          </a:prstGeom>
+          <a:ln w="19050">
+            <a:solidFill>
+              <a:srgbClr val="00B050"/>
+            </a:solidFill>
+            <a:prstDash val="sysDash"/>
+          </a:ln>
+          <a:effectLst/>
+        </p:spPr>
+        <p:style>
+          <a:lnRef idx="1">
+            <a:schemeClr val="accent1"/>
+          </a:lnRef>
+          <a:fillRef idx="2">
+            <a:schemeClr val="accent1"/>
+          </a:fillRef>
+          <a:effectRef idx="1">
+            <a:schemeClr val="accent1"/>
+          </a:effectRef>
+          <a:fontRef idx="minor">
+            <a:schemeClr val="dk1"/>
+          </a:fontRef>
+        </p:style>
+      </p:cxnSp>
+      <p:sp>
+        <p:nvSpPr>
+          <p:cNvPr id="6" name="Rectangle 5"/>
+          <p:cNvSpPr/>
+          <p:nvPr/>
+        </p:nvSpPr>
+        <p:spPr>
+          <a:xfrm>
+            <a:off x="1586669" y="1703292"/>
+            <a:ext cx="152400" cy="1019910"/>
+          </a:xfrm>
+          <a:prstGeom prst="rect">
+            <a:avLst/>
+          </a:prstGeom>
+          <a:solidFill>
+            <a:srgbClr val="00B050"/>
+          </a:solidFill>
+          <a:ln>
+            <a:solidFill>
+              <a:srgbClr val="00B050"/>
+            </a:solidFill>
+          </a:ln>
+          <a:effectLst/>
+        </p:spPr>
+        <p:style>
+          <a:lnRef idx="1">
+            <a:schemeClr val="accent3"/>
+          </a:lnRef>
+          <a:fillRef idx="2">
+            <a:schemeClr val="accent3"/>
+          </a:fillRef>
+          <a:effectRef idx="1">
+            <a:schemeClr val="accent3"/>
+          </a:effectRef>
+          <a:fontRef idx="minor">
+            <a:schemeClr val="dk1"/>
+          </a:fontRef>
+        </p:style>
+        <p:txBody>
+          <a:bodyPr rtlCol="0" anchor="ctr"/>
+          <a:lstStyle/>
+          <a:p>
+            <a:pPr algn="ctr"/>
+            <a:endParaRPr lang="en-SG" sz="1400">
+              <a:solidFill>
+                <a:schemeClr val="dk1"/>
+              </a:solidFill>
+            </a:endParaRPr>
+          </a:p>
+        </p:txBody>
+      </p:sp>
+      <p:grpSp>
+        <p:nvGrpSpPr>
+          <p:cNvPr id="7" name="Actor"/>
+          <p:cNvGrpSpPr/>
+          <p:nvPr/>
+        </p:nvGrpSpPr>
+        <p:grpSpPr>
+          <a:xfrm>
+            <a:off x="152400" y="914400"/>
+            <a:ext cx="324036" cy="573410"/>
+            <a:chOff x="3239901" y="4149080"/>
+            <a:chExt cx="648072" cy="1146820"/>
+          </a:xfrm>
+        </p:grpSpPr>
+        <p:sp>
+          <p:nvSpPr>
+            <p:cNvPr id="8" name="Flowchart: Connector 7"/>
+            <p:cNvSpPr/>
+            <p:nvPr/>
+          </p:nvSpPr>
+          <p:spPr>
+            <a:xfrm>
+              <a:off x="3419872" y="4149080"/>
+              <a:ext cx="288032" cy="288032"/>
+            </a:xfrm>
+            <a:prstGeom prst="flowChartConnector">
+              <a:avLst/>
+            </a:prstGeom>
+            <a:solidFill>
+              <a:schemeClr val="bg1">
+                <a:lumMod val="85000"/>
+              </a:schemeClr>
+            </a:solidFill>
+            <a:ln w="28575">
+              <a:solidFill>
+                <a:schemeClr val="tx1"/>
+              </a:solidFill>
+            </a:ln>
+            <a:effectLst/>
+          </p:spPr>
+          <p:style>
+            <a:lnRef idx="1">
+              <a:schemeClr val="accent4"/>
+            </a:lnRef>
+            <a:fillRef idx="2">
+              <a:schemeClr val="accent4"/>
+            </a:fillRef>
+            <a:effectRef idx="1">
+              <a:schemeClr val="accent4"/>
+            </a:effectRef>
+            <a:fontRef idx="minor">
+              <a:schemeClr val="dk1"/>
+            </a:fontRef>
+          </p:style>
+          <p:txBody>
+            <a:bodyPr rtlCol="0" anchor="ctr"/>
+            <a:lstStyle/>
+            <a:p>
+              <a:pPr algn="ctr"/>
+              <a:endParaRPr lang="en-SG"/>
+            </a:p>
+          </p:txBody>
+        </p:sp>
+        <p:cxnSp>
+          <p:nvCxnSpPr>
+            <p:cNvPr id="9" name="Straight Connector 8"/>
+            <p:cNvCxnSpPr>
+              <a:stCxn id="8" idx="4"/>
+            </p:cNvCxnSpPr>
+            <p:nvPr/>
+          </p:nvCxnSpPr>
+          <p:spPr>
+            <a:xfrm>
+              <a:off x="3563888" y="4437112"/>
+              <a:ext cx="0" cy="504056"/>
+            </a:xfrm>
+            <a:prstGeom prst="line">
+              <a:avLst/>
+            </a:prstGeom>
+            <a:ln w="28575">
+              <a:solidFill>
+                <a:schemeClr val="tx1"/>
+              </a:solidFill>
+            </a:ln>
+            <a:effectLst/>
+          </p:spPr>
+          <p:style>
+            <a:lnRef idx="1">
+              <a:schemeClr val="accent4"/>
+            </a:lnRef>
+            <a:fillRef idx="2">
+              <a:schemeClr val="accent4"/>
+            </a:fillRef>
+            <a:effectRef idx="1">
+              <a:schemeClr val="accent4"/>
+            </a:effectRef>
+            <a:fontRef idx="minor">
+              <a:schemeClr val="dk1"/>
+            </a:fontRef>
+          </p:style>
+        </p:cxnSp>
+        <p:sp>
+          <p:nvSpPr>
+            <p:cNvPr id="10" name="Freeform 9"/>
+            <p:cNvSpPr/>
+            <p:nvPr/>
+          </p:nvSpPr>
+          <p:spPr>
+            <a:xfrm>
+              <a:off x="3324225" y="4933950"/>
+              <a:ext cx="479425" cy="361950"/>
+            </a:xfrm>
+            <a:custGeom>
+              <a:avLst/>
+              <a:gdLst>
+                <a:gd name="connsiteX0" fmla="*/ 0 w 479425"/>
+                <a:gd name="connsiteY0" fmla="*/ 355600 h 361950"/>
+                <a:gd name="connsiteX1" fmla="*/ 241300 w 479425"/>
+                <a:gd name="connsiteY1" fmla="*/ 0 h 361950"/>
+                <a:gd name="connsiteX2" fmla="*/ 479425 w 479425"/>
+                <a:gd name="connsiteY2" fmla="*/ 361950 h 361950"/>
+              </a:gdLst>
+              <a:ahLst/>
+              <a:cxnLst>
+                <a:cxn ang="0">
+                  <a:pos x="connsiteX0" y="connsiteY0"/>
+                </a:cxn>
+                <a:cxn ang="0">
+                  <a:pos x="connsiteX1" y="connsiteY1"/>
+                </a:cxn>
+                <a:cxn ang="0">
+                  <a:pos x="connsiteX2" y="connsiteY2"/>
+                </a:cxn>
+              </a:cxnLst>
+              <a:rect l="l" t="t" r="r" b="b"/>
+              <a:pathLst>
+                <a:path w="479425" h="361950">
+                  <a:moveTo>
+                    <a:pt x="0" y="355600"/>
+                  </a:moveTo>
+                  <a:lnTo>
+                    <a:pt x="241300" y="0"/>
+                  </a:lnTo>
+                  <a:lnTo>
+                    <a:pt x="479425" y="361950"/>
+                  </a:lnTo>
+                </a:path>
+              </a:pathLst>
+            </a:custGeom>
+            <a:noFill/>
+            <a:ln w="28575">
+              <a:solidFill>
+                <a:schemeClr val="tx1"/>
+              </a:solidFill>
+            </a:ln>
+            <a:effectLst/>
+          </p:spPr>
+          <p:style>
+            <a:lnRef idx="1">
+              <a:schemeClr val="accent4"/>
+            </a:lnRef>
+            <a:fillRef idx="2">
+              <a:schemeClr val="accent4"/>
+            </a:fillRef>
+            <a:effectRef idx="1">
+              <a:schemeClr val="accent4"/>
+            </a:effectRef>
+            <a:fontRef idx="minor">
+              <a:schemeClr val="dk1"/>
+            </a:fontRef>
+          </p:style>
+          <p:txBody>
+            <a:bodyPr rtlCol="0" anchor="ctr"/>
+            <a:lstStyle/>
+            <a:p>
+              <a:pPr algn="ctr"/>
+              <a:endParaRPr lang="en-SG"/>
+            </a:p>
+          </p:txBody>
+        </p:sp>
+        <p:cxnSp>
+          <p:nvCxnSpPr>
+            <p:cNvPr id="11" name="Straight Connector 10"/>
+            <p:cNvCxnSpPr/>
+            <p:nvPr/>
+          </p:nvCxnSpPr>
+          <p:spPr>
+            <a:xfrm>
+              <a:off x="3239901" y="4509120"/>
+              <a:ext cx="648072" cy="0"/>
+            </a:xfrm>
+            <a:prstGeom prst="line">
+              <a:avLst/>
+            </a:prstGeom>
+            <a:ln w="28575">
+              <a:solidFill>
+                <a:schemeClr val="tx1"/>
+              </a:solidFill>
+            </a:ln>
+            <a:effectLst/>
+          </p:spPr>
+          <p:style>
+            <a:lnRef idx="1">
+              <a:schemeClr val="accent4"/>
+            </a:lnRef>
+            <a:fillRef idx="2">
+              <a:schemeClr val="accent4"/>
+            </a:fillRef>
+            <a:effectRef idx="1">
+              <a:schemeClr val="accent4"/>
+            </a:effectRef>
+            <a:fontRef idx="minor">
+              <a:schemeClr val="dk1"/>
+            </a:fontRef>
+          </p:style>
+        </p:cxnSp>
+      </p:grpSp>
+      <p:sp>
+        <p:nvSpPr>
+          <p:cNvPr id="16" name="Rectangle 62"/>
+          <p:cNvSpPr/>
+          <p:nvPr/>
+        </p:nvSpPr>
+        <p:spPr>
+          <a:xfrm>
+            <a:off x="3335583" y="992613"/>
+            <a:ext cx="1093635" cy="346760"/>
+          </a:xfrm>
+          <a:prstGeom prst="rect">
+            <a:avLst/>
+          </a:prstGeom>
+          <a:solidFill>
+            <a:srgbClr val="0070C0"/>
+          </a:solidFill>
+          <a:ln w="19050">
+            <a:solidFill>
+              <a:srgbClr val="0070C0"/>
+            </a:solidFill>
+          </a:ln>
+          <a:effectLst/>
+        </p:spPr>
+        <p:style>
+          <a:lnRef idx="1">
+            <a:schemeClr val="accent2"/>
+          </a:lnRef>
+          <a:fillRef idx="2">
+            <a:schemeClr val="accent2"/>
+          </a:fillRef>
+          <a:effectRef idx="1">
+            <a:schemeClr val="accent2"/>
+          </a:effectRef>
+          <a:fontRef idx="minor">
+            <a:schemeClr val="dk1"/>
+          </a:fontRef>
+        </p:style>
+        <p:txBody>
+          <a:bodyPr rtlCol="0" anchor="ctr"/>
+          <a:lstStyle/>
+          <a:p>
+            <a:pPr algn="ctr"/>
+            <a:r>
+              <a:rPr lang="en-US" sz="1600" dirty="0" smtClean="0">
+                <a:solidFill>
+                  <a:schemeClr val="bg1"/>
+                </a:solidFill>
+              </a:rPr>
+              <a:t>:Logic</a:t>
+            </a:r>
+            <a:endParaRPr lang="en-SG" sz="1600" dirty="0">
+              <a:solidFill>
+                <a:schemeClr val="bg1"/>
+              </a:solidFill>
+            </a:endParaRPr>
+          </a:p>
+        </p:txBody>
+      </p:sp>
+      <p:cxnSp>
+        <p:nvCxnSpPr>
+          <p:cNvPr id="17" name="Straight Connector 16"/>
+          <p:cNvCxnSpPr/>
+          <p:nvPr/>
+        </p:nvCxnSpPr>
+        <p:spPr>
+          <a:xfrm>
+            <a:off x="3882400" y="1356284"/>
+            <a:ext cx="0" cy="1723059"/>
+          </a:xfrm>
+          <a:prstGeom prst="line">
+            <a:avLst/>
+          </a:prstGeom>
+          <a:ln w="19050">
+            <a:solidFill>
+              <a:srgbClr val="0070C0"/>
+            </a:solidFill>
+            <a:prstDash val="sysDash"/>
+          </a:ln>
+          <a:effectLst/>
+        </p:spPr>
+        <p:style>
+          <a:lnRef idx="1">
+            <a:schemeClr val="accent1"/>
+          </a:lnRef>
+          <a:fillRef idx="2">
+            <a:schemeClr val="accent1"/>
+          </a:fillRef>
+          <a:effectRef idx="1">
+            <a:schemeClr val="accent1"/>
+          </a:effectRef>
+          <a:fontRef idx="minor">
+            <a:schemeClr val="dk1"/>
+          </a:fontRef>
+        </p:style>
+      </p:cxnSp>
+      <p:sp>
+        <p:nvSpPr>
+          <p:cNvPr id="18" name="Rectangle 17"/>
+          <p:cNvSpPr/>
+          <p:nvPr/>
+        </p:nvSpPr>
+        <p:spPr>
+          <a:xfrm>
+            <a:off x="3810392" y="1814477"/>
+            <a:ext cx="144016" cy="832525"/>
+          </a:xfrm>
+          <a:prstGeom prst="rect">
+            <a:avLst/>
+          </a:prstGeom>
+          <a:solidFill>
+            <a:srgbClr val="0070C0"/>
+          </a:solidFill>
+          <a:ln>
+            <a:solidFill>
+              <a:srgbClr val="0070C0"/>
+            </a:solidFill>
+          </a:ln>
+          <a:effectLst/>
+        </p:spPr>
+        <p:style>
+          <a:lnRef idx="1">
+            <a:schemeClr val="accent3"/>
+          </a:lnRef>
+          <a:fillRef idx="2">
+            <a:schemeClr val="accent3"/>
+          </a:fillRef>
+          <a:effectRef idx="1">
+            <a:schemeClr val="accent3"/>
+          </a:effectRef>
+          <a:fontRef idx="minor">
+            <a:schemeClr val="dk1"/>
+          </a:fontRef>
+        </p:style>
+        <p:txBody>
+          <a:bodyPr rtlCol="0" anchor="ctr"/>
+          <a:lstStyle/>
+          <a:p>
+            <a:pPr algn="ctr"/>
+            <a:endParaRPr lang="en-SG" sz="1400">
+              <a:solidFill>
+                <a:schemeClr val="dk1"/>
+              </a:solidFill>
+            </a:endParaRPr>
+          </a:p>
+        </p:txBody>
+      </p:sp>
+      <p:cxnSp>
+        <p:nvCxnSpPr>
+          <p:cNvPr id="23" name="Straight Arrow Connector 22"/>
+          <p:cNvCxnSpPr/>
+          <p:nvPr/>
+        </p:nvCxnSpPr>
+        <p:spPr>
+          <a:xfrm>
+            <a:off x="466818" y="1706979"/>
+            <a:ext cx="1119851" cy="0"/>
+          </a:xfrm>
+          <a:prstGeom prst="straightConnector1">
+            <a:avLst/>
+          </a:prstGeom>
+          <a:ln w="19050">
+            <a:solidFill>
+              <a:schemeClr val="tx1"/>
+            </a:solidFill>
+            <a:tailEnd type="arrow"/>
+          </a:ln>
+        </p:spPr>
+        <p:style>
+          <a:lnRef idx="1">
+            <a:schemeClr val="accent1"/>
+          </a:lnRef>
+          <a:fillRef idx="0">
+            <a:schemeClr val="accent1"/>
+          </a:fillRef>
+          <a:effectRef idx="0">
+            <a:schemeClr val="accent1"/>
+          </a:effectRef>
+          <a:fontRef idx="minor">
+            <a:schemeClr val="tx1"/>
+          </a:fontRef>
+        </p:style>
+      </p:cxnSp>
+      <p:sp>
+        <p:nvSpPr>
+          <p:cNvPr id="24" name="TextBox 23"/>
+          <p:cNvSpPr txBox="1"/>
+          <p:nvPr/>
+        </p:nvSpPr>
+        <p:spPr>
+          <a:xfrm>
+            <a:off x="466818" y="1726880"/>
+            <a:ext cx="860170" cy="215444"/>
+          </a:xfrm>
+          <a:prstGeom prst="rect">
+            <a:avLst/>
+          </a:prstGeom>
+          <a:noFill/>
+        </p:spPr>
+        <p:txBody>
+          <a:bodyPr wrap="square" lIns="0" tIns="0" rIns="0" bIns="0" rtlCol="0">
+            <a:spAutoFit/>
+          </a:bodyPr>
+          <a:lstStyle/>
+          <a:p>
+            <a:r>
+              <a:rPr lang="en-US" sz="1400" dirty="0" smtClean="0"/>
+              <a:t>backup</a:t>
+            </a:r>
+            <a:endParaRPr lang="en-US" sz="1400" dirty="0"/>
+          </a:p>
+        </p:txBody>
+      </p:sp>
+      <p:cxnSp>
+        <p:nvCxnSpPr>
+          <p:cNvPr id="25" name="Straight Arrow Connector 24"/>
+          <p:cNvCxnSpPr/>
+          <p:nvPr/>
+        </p:nvCxnSpPr>
+        <p:spPr>
+          <a:xfrm>
+            <a:off x="1739069" y="1814478"/>
+            <a:ext cx="2071323" cy="0"/>
+          </a:xfrm>
+          <a:prstGeom prst="straightConnector1">
+            <a:avLst/>
+          </a:prstGeom>
+          <a:ln w="19050">
+            <a:solidFill>
+              <a:srgbClr val="00B050"/>
+            </a:solidFill>
+            <a:tailEnd type="arrow"/>
+          </a:ln>
+        </p:spPr>
+        <p:style>
+          <a:lnRef idx="1">
+            <a:schemeClr val="accent1"/>
+          </a:lnRef>
+          <a:fillRef idx="0">
+            <a:schemeClr val="accent1"/>
+          </a:fillRef>
+          <a:effectRef idx="0">
+            <a:schemeClr val="accent1"/>
+          </a:effectRef>
+          <a:fontRef idx="minor">
+            <a:schemeClr val="tx1"/>
+          </a:fontRef>
+        </p:style>
+      </p:cxnSp>
+      <p:sp>
+        <p:nvSpPr>
+          <p:cNvPr id="26" name="TextBox 25"/>
+          <p:cNvSpPr txBox="1"/>
+          <p:nvPr/>
+        </p:nvSpPr>
+        <p:spPr>
+          <a:xfrm>
+            <a:off x="2166172" y="1834379"/>
+            <a:ext cx="1424846" cy="215444"/>
+          </a:xfrm>
+          <a:prstGeom prst="rect">
+            <a:avLst/>
+          </a:prstGeom>
+          <a:noFill/>
+        </p:spPr>
+        <p:txBody>
+          <a:bodyPr wrap="square" lIns="0" tIns="0" rIns="0" bIns="0" rtlCol="0">
+            <a:spAutoFit/>
+          </a:bodyPr>
+          <a:lstStyle/>
+          <a:p>
+            <a:r>
+              <a:rPr lang="en-US" sz="1400" dirty="0" smtClean="0">
+                <a:solidFill>
+                  <a:srgbClr val="0070C0"/>
+                </a:solidFill>
+              </a:rPr>
+              <a:t>execute</a:t>
+            </a:r>
+            <a:r>
+              <a:rPr lang="en-US" sz="1400" dirty="0" smtClean="0">
+                <a:solidFill>
+                  <a:srgbClr val="0070C0"/>
+                </a:solidFill>
+              </a:rPr>
+              <a:t>(“backup”)</a:t>
+            </a:r>
+            <a:endParaRPr lang="en-US" sz="1400" dirty="0">
+              <a:solidFill>
+                <a:srgbClr val="0070C0"/>
+              </a:solidFill>
+            </a:endParaRPr>
+          </a:p>
+        </p:txBody>
+      </p:sp>
+      <p:cxnSp>
+        <p:nvCxnSpPr>
+          <p:cNvPr id="28" name="Straight Arrow Connector 27"/>
+          <p:cNvCxnSpPr/>
+          <p:nvPr/>
+        </p:nvCxnSpPr>
+        <p:spPr>
+          <a:xfrm>
+            <a:off x="3986773" y="2230740"/>
+            <a:ext cx="4558021" cy="16371"/>
+          </a:xfrm>
+          <a:prstGeom prst="straightConnector1">
+            <a:avLst/>
+          </a:prstGeom>
+          <a:ln w="19050">
+            <a:solidFill>
+              <a:srgbClr val="0070C0"/>
+            </a:solidFill>
+            <a:tailEnd type="arrow"/>
+          </a:ln>
+        </p:spPr>
+        <p:style>
+          <a:lnRef idx="1">
+            <a:schemeClr val="accent1"/>
+          </a:lnRef>
+          <a:fillRef idx="0">
+            <a:schemeClr val="accent1"/>
+          </a:fillRef>
+          <a:effectRef idx="0">
+            <a:schemeClr val="accent1"/>
+          </a:effectRef>
+          <a:fontRef idx="minor">
+            <a:schemeClr val="tx1"/>
+          </a:fontRef>
+        </p:style>
+      </p:cxnSp>
+      <p:cxnSp>
+        <p:nvCxnSpPr>
+          <p:cNvPr id="35" name="Straight Arrow Connector 34"/>
+          <p:cNvCxnSpPr/>
+          <p:nvPr/>
+        </p:nvCxnSpPr>
+        <p:spPr>
+          <a:xfrm>
+            <a:off x="1739069" y="2647002"/>
+            <a:ext cx="2058118" cy="0"/>
+          </a:xfrm>
+          <a:prstGeom prst="straightConnector1">
+            <a:avLst/>
+          </a:prstGeom>
+          <a:ln w="19050">
+            <a:solidFill>
+              <a:srgbClr val="0070C0"/>
+            </a:solidFill>
+            <a:prstDash val="sysDash"/>
+            <a:headEnd type="arrow" w="med" len="med"/>
+            <a:tailEnd type="none" w="med" len="med"/>
+          </a:ln>
+        </p:spPr>
+        <p:style>
+          <a:lnRef idx="1">
+            <a:schemeClr val="accent1"/>
+          </a:lnRef>
+          <a:fillRef idx="0">
+            <a:schemeClr val="accent1"/>
+          </a:fillRef>
+          <a:effectRef idx="0">
+            <a:schemeClr val="accent1"/>
+          </a:effectRef>
+          <a:fontRef idx="minor">
+            <a:schemeClr val="tx1"/>
+          </a:fontRef>
+        </p:style>
+      </p:cxnSp>
+      <p:cxnSp>
+        <p:nvCxnSpPr>
+          <p:cNvPr id="37" name="Straight Arrow Connector 36"/>
+          <p:cNvCxnSpPr/>
+          <p:nvPr/>
+        </p:nvCxnSpPr>
+        <p:spPr>
+          <a:xfrm>
+            <a:off x="390618" y="2723202"/>
+            <a:ext cx="1196051" cy="0"/>
+          </a:xfrm>
+          <a:prstGeom prst="straightConnector1">
+            <a:avLst/>
+          </a:prstGeom>
+          <a:ln w="19050">
+            <a:solidFill>
+              <a:srgbClr val="00B050"/>
+            </a:solidFill>
+            <a:prstDash val="sysDash"/>
+            <a:headEnd type="arrow" w="med" len="med"/>
+            <a:tailEnd type="none" w="med" len="med"/>
+          </a:ln>
+        </p:spPr>
+        <p:style>
+          <a:lnRef idx="1">
+            <a:schemeClr val="accent1"/>
+          </a:lnRef>
+          <a:fillRef idx="0">
+            <a:schemeClr val="accent1"/>
+          </a:fillRef>
+          <a:effectRef idx="0">
+            <a:schemeClr val="accent1"/>
+          </a:effectRef>
+          <a:fontRef idx="minor">
+            <a:schemeClr val="tx1"/>
+          </a:fontRef>
+        </p:style>
+      </p:cxnSp>
+      <p:sp>
+        <p:nvSpPr>
+          <p:cNvPr id="39" name="Rectangle 62"/>
+          <p:cNvSpPr/>
+          <p:nvPr/>
+        </p:nvSpPr>
+        <p:spPr>
+          <a:xfrm>
+            <a:off x="7696200" y="972251"/>
+            <a:ext cx="1371600" cy="346760"/>
+          </a:xfrm>
+          <a:prstGeom prst="rect">
+            <a:avLst/>
+          </a:prstGeom>
+          <a:solidFill>
+            <a:schemeClr val="accent5">
+              <a:lumMod val="75000"/>
+            </a:schemeClr>
+          </a:solidFill>
+          <a:ln w="19050">
+            <a:solidFill>
+              <a:schemeClr val="accent5">
+                <a:lumMod val="75000"/>
+              </a:schemeClr>
+            </a:solidFill>
+          </a:ln>
+          <a:effectLst/>
+        </p:spPr>
+        <p:style>
+          <a:lnRef idx="1">
+            <a:schemeClr val="accent2"/>
+          </a:lnRef>
+          <a:fillRef idx="2">
+            <a:schemeClr val="accent2"/>
+          </a:fillRef>
+          <a:effectRef idx="1">
+            <a:schemeClr val="accent2"/>
+          </a:effectRef>
+          <a:fontRef idx="minor">
+            <a:schemeClr val="dk1"/>
+          </a:fontRef>
+        </p:style>
+        <p:txBody>
+          <a:bodyPr rtlCol="0" anchor="ctr"/>
+          <a:lstStyle/>
+          <a:p>
+            <a:pPr algn="ctr"/>
+            <a:r>
+              <a:rPr lang="en-US" sz="1600" dirty="0" smtClean="0">
+                <a:solidFill>
+                  <a:schemeClr val="bg1"/>
+                </a:solidFill>
+              </a:rPr>
+              <a:t>:</a:t>
+            </a:r>
+            <a:r>
+              <a:rPr lang="en-US" sz="1600" dirty="0" err="1" smtClean="0">
+                <a:solidFill>
+                  <a:schemeClr val="bg1"/>
+                </a:solidFill>
+              </a:rPr>
+              <a:t>EventsCenter</a:t>
+            </a:r>
+            <a:endParaRPr lang="en-SG" sz="1600" dirty="0">
+              <a:solidFill>
+                <a:schemeClr val="bg1"/>
+              </a:solidFill>
+            </a:endParaRPr>
+          </a:p>
+        </p:txBody>
+      </p:sp>
+      <p:cxnSp>
+        <p:nvCxnSpPr>
+          <p:cNvPr id="40" name="Straight Connector 39"/>
+          <p:cNvCxnSpPr/>
+          <p:nvPr/>
+        </p:nvCxnSpPr>
+        <p:spPr>
+          <a:xfrm>
+            <a:off x="8616802" y="1325305"/>
+            <a:ext cx="0" cy="1723059"/>
+          </a:xfrm>
+          <a:prstGeom prst="line">
+            <a:avLst/>
+          </a:prstGeom>
+          <a:ln w="19050">
+            <a:solidFill>
+              <a:schemeClr val="accent5">
+                <a:lumMod val="75000"/>
+              </a:schemeClr>
+            </a:solidFill>
+            <a:prstDash val="sysDash"/>
+          </a:ln>
+          <a:effectLst/>
+        </p:spPr>
+        <p:style>
+          <a:lnRef idx="1">
+            <a:schemeClr val="accent1"/>
+          </a:lnRef>
+          <a:fillRef idx="2">
+            <a:schemeClr val="accent1"/>
+          </a:fillRef>
+          <a:effectRef idx="1">
+            <a:schemeClr val="accent1"/>
+          </a:effectRef>
+          <a:fontRef idx="minor">
+            <a:schemeClr val="dk1"/>
+          </a:fontRef>
+        </p:style>
+      </p:cxnSp>
+      <p:sp>
+        <p:nvSpPr>
+          <p:cNvPr id="41" name="Rectangle 40"/>
+          <p:cNvSpPr/>
+          <p:nvPr/>
+        </p:nvSpPr>
+        <p:spPr>
+          <a:xfrm>
+            <a:off x="8545799" y="2223338"/>
+            <a:ext cx="142006" cy="176787"/>
+          </a:xfrm>
+          <a:prstGeom prst="rect">
+            <a:avLst/>
+          </a:prstGeom>
+          <a:solidFill>
+            <a:schemeClr val="accent5">
+              <a:lumMod val="75000"/>
+            </a:schemeClr>
+          </a:solidFill>
+          <a:ln>
+            <a:solidFill>
+              <a:schemeClr val="accent5">
+                <a:lumMod val="75000"/>
+              </a:schemeClr>
+            </a:solidFill>
+          </a:ln>
+          <a:effectLst/>
+        </p:spPr>
+        <p:style>
+          <a:lnRef idx="1">
+            <a:schemeClr val="accent3"/>
+          </a:lnRef>
+          <a:fillRef idx="2">
+            <a:schemeClr val="accent3"/>
+          </a:fillRef>
+          <a:effectRef idx="1">
+            <a:schemeClr val="accent3"/>
+          </a:effectRef>
+          <a:fontRef idx="minor">
+            <a:schemeClr val="dk1"/>
+          </a:fontRef>
+        </p:style>
+        <p:txBody>
+          <a:bodyPr rtlCol="0" anchor="ctr"/>
+          <a:lstStyle/>
+          <a:p>
+            <a:pPr algn="ctr"/>
+            <a:endParaRPr lang="en-SG" sz="1400">
+              <a:solidFill>
+                <a:schemeClr val="dk1"/>
+              </a:solidFill>
+            </a:endParaRPr>
+          </a:p>
+        </p:txBody>
+      </p:sp>
+      <p:cxnSp>
+        <p:nvCxnSpPr>
+          <p:cNvPr id="44" name="Straight Arrow Connector 43"/>
+          <p:cNvCxnSpPr/>
+          <p:nvPr/>
+        </p:nvCxnSpPr>
+        <p:spPr>
+          <a:xfrm flipV="1">
+            <a:off x="3953404" y="2395805"/>
+            <a:ext cx="4591390" cy="10828"/>
+          </a:xfrm>
+          <a:prstGeom prst="straightConnector1">
+            <a:avLst/>
+          </a:prstGeom>
+          <a:ln w="19050">
+            <a:solidFill>
+              <a:schemeClr val="accent5">
+                <a:lumMod val="75000"/>
+              </a:schemeClr>
+            </a:solidFill>
+            <a:prstDash val="sysDash"/>
+            <a:headEnd type="arrow" w="med" len="med"/>
+            <a:tailEnd type="none" w="med" len="med"/>
+          </a:ln>
+        </p:spPr>
+        <p:style>
+          <a:lnRef idx="1">
+            <a:schemeClr val="accent1"/>
+          </a:lnRef>
+          <a:fillRef idx="0">
+            <a:schemeClr val="accent1"/>
+          </a:fillRef>
+          <a:effectRef idx="0">
+            <a:schemeClr val="accent1"/>
+          </a:effectRef>
+          <a:fontRef idx="minor">
+            <a:schemeClr val="tx1"/>
+          </a:fontRef>
+        </p:style>
+      </p:cxnSp>
+      <p:sp>
+        <p:nvSpPr>
+          <p:cNvPr id="53" name="Rectangle 62"/>
+          <p:cNvSpPr/>
+          <p:nvPr/>
+        </p:nvSpPr>
+        <p:spPr>
+          <a:xfrm>
+            <a:off x="4953000" y="3657600"/>
+            <a:ext cx="1093635" cy="346760"/>
+          </a:xfrm>
+          <a:prstGeom prst="rect">
+            <a:avLst/>
+          </a:prstGeom>
+          <a:solidFill>
+            <a:schemeClr val="accent6">
+              <a:lumMod val="75000"/>
+            </a:schemeClr>
+          </a:solidFill>
+          <a:ln w="19050">
+            <a:solidFill>
+              <a:schemeClr val="accent6">
+                <a:lumMod val="75000"/>
+              </a:schemeClr>
+            </a:solidFill>
+          </a:ln>
+          <a:effectLst/>
+        </p:spPr>
+        <p:style>
+          <a:lnRef idx="1">
+            <a:schemeClr val="accent2"/>
+          </a:lnRef>
+          <a:fillRef idx="2">
+            <a:schemeClr val="accent2"/>
+          </a:fillRef>
+          <a:effectRef idx="1">
+            <a:schemeClr val="accent2"/>
+          </a:effectRef>
+          <a:fontRef idx="minor">
+            <a:schemeClr val="dk1"/>
+          </a:fontRef>
+        </p:style>
+        <p:txBody>
+          <a:bodyPr rtlCol="0" anchor="ctr"/>
+          <a:lstStyle/>
+          <a:p>
+            <a:pPr algn="ctr"/>
+            <a:r>
+              <a:rPr lang="en-US" sz="1600" dirty="0" smtClean="0">
+                <a:solidFill>
+                  <a:schemeClr val="bg1"/>
+                </a:solidFill>
+              </a:rPr>
+              <a:t>:Storage</a:t>
+            </a:r>
+            <a:endParaRPr lang="en-SG" sz="1600" dirty="0">
+              <a:solidFill>
+                <a:schemeClr val="bg1"/>
+              </a:solidFill>
+            </a:endParaRPr>
+          </a:p>
+        </p:txBody>
+      </p:sp>
+      <p:cxnSp>
+        <p:nvCxnSpPr>
+          <p:cNvPr id="54" name="Straight Connector 53"/>
+          <p:cNvCxnSpPr/>
+          <p:nvPr/>
+        </p:nvCxnSpPr>
+        <p:spPr>
+          <a:xfrm>
+            <a:off x="5499817" y="4021271"/>
+            <a:ext cx="19842" cy="1998529"/>
+          </a:xfrm>
+          <a:prstGeom prst="line">
+            <a:avLst/>
+          </a:prstGeom>
+          <a:ln w="19050">
+            <a:solidFill>
+              <a:schemeClr val="accent6">
+                <a:lumMod val="75000"/>
+              </a:schemeClr>
+            </a:solidFill>
+            <a:prstDash val="sysDash"/>
+          </a:ln>
+          <a:effectLst/>
+        </p:spPr>
+        <p:style>
+          <a:lnRef idx="1">
+            <a:schemeClr val="accent1"/>
+          </a:lnRef>
+          <a:fillRef idx="2">
+            <a:schemeClr val="accent1"/>
+          </a:fillRef>
+          <a:effectRef idx="1">
+            <a:schemeClr val="accent1"/>
+          </a:effectRef>
+          <a:fontRef idx="minor">
+            <a:schemeClr val="dk1"/>
+          </a:fontRef>
+        </p:style>
+      </p:cxnSp>
+      <p:sp>
+        <p:nvSpPr>
+          <p:cNvPr id="55" name="Rectangle 54"/>
+          <p:cNvSpPr/>
+          <p:nvPr/>
+        </p:nvSpPr>
+        <p:spPr>
+          <a:xfrm>
+            <a:off x="5443741" y="4724400"/>
+            <a:ext cx="97564" cy="598478"/>
+          </a:xfrm>
+          <a:prstGeom prst="rect">
+            <a:avLst/>
+          </a:prstGeom>
+          <a:solidFill>
+            <a:schemeClr val="accent6">
+              <a:lumMod val="75000"/>
+            </a:schemeClr>
+          </a:solidFill>
+          <a:ln>
+            <a:solidFill>
+              <a:schemeClr val="accent6">
+                <a:lumMod val="75000"/>
+              </a:schemeClr>
+            </a:solidFill>
+          </a:ln>
+          <a:effectLst/>
+        </p:spPr>
+        <p:style>
+          <a:lnRef idx="1">
+            <a:schemeClr val="accent3"/>
+          </a:lnRef>
+          <a:fillRef idx="2">
+            <a:schemeClr val="accent3"/>
+          </a:fillRef>
+          <a:effectRef idx="1">
+            <a:schemeClr val="accent3"/>
+          </a:effectRef>
+          <a:fontRef idx="minor">
+            <a:schemeClr val="dk1"/>
+          </a:fontRef>
+        </p:style>
+        <p:txBody>
+          <a:bodyPr rtlCol="0" anchor="ctr"/>
+          <a:lstStyle/>
+          <a:p>
+            <a:pPr algn="ctr"/>
+            <a:endParaRPr lang="en-SG" sz="1400">
+              <a:solidFill>
+                <a:schemeClr val="dk1"/>
+              </a:solidFill>
+            </a:endParaRPr>
+          </a:p>
+        </p:txBody>
+      </p:sp>
+      <p:sp>
+        <p:nvSpPr>
+          <p:cNvPr id="62" name="TextBox 61"/>
+          <p:cNvSpPr txBox="1"/>
+          <p:nvPr/>
+        </p:nvSpPr>
+        <p:spPr>
+          <a:xfrm>
+            <a:off x="1671321" y="4202655"/>
+            <a:ext cx="2716635" cy="184666"/>
+          </a:xfrm>
+          <a:prstGeom prst="rect">
+            <a:avLst/>
+          </a:prstGeom>
+          <a:noFill/>
+        </p:spPr>
+        <p:txBody>
+          <a:bodyPr wrap="square" lIns="0" tIns="0" rIns="0" bIns="0" rtlCol="0">
+            <a:spAutoFit/>
+          </a:bodyPr>
+          <a:lstStyle/>
+          <a:p>
+            <a:r>
+              <a:rPr lang="en-US" sz="1200" dirty="0">
+                <a:solidFill>
+                  <a:srgbClr val="0070C0"/>
+                </a:solidFill>
+              </a:rPr>
+              <a:t>post(</a:t>
+            </a:r>
+            <a:r>
+              <a:rPr lang="en-US" sz="1200" dirty="0" err="1">
+                <a:solidFill>
+                  <a:srgbClr val="0070C0"/>
+                </a:solidFill>
+              </a:rPr>
+              <a:t>LocalBackupEvent</a:t>
+            </a:r>
+            <a:r>
+              <a:rPr lang="en-US" sz="1200" dirty="0">
+                <a:solidFill>
+                  <a:srgbClr val="0070C0"/>
+                </a:solidFill>
+              </a:rPr>
+              <a:t>)</a:t>
+            </a:r>
+            <a:endParaRPr lang="en-US" sz="1200" dirty="0">
+              <a:solidFill>
+                <a:srgbClr val="0070C0"/>
+              </a:solidFill>
+            </a:endParaRPr>
+          </a:p>
+        </p:txBody>
+      </p:sp>
+      <p:cxnSp>
+        <p:nvCxnSpPr>
+          <p:cNvPr id="63" name="Straight Arrow Connector 62"/>
+          <p:cNvCxnSpPr>
+            <a:stCxn id="55" idx="2"/>
+          </p:cNvCxnSpPr>
+          <p:nvPr/>
+        </p:nvCxnSpPr>
+        <p:spPr>
+          <a:xfrm flipH="1">
+            <a:off x="3417118" y="5322878"/>
+            <a:ext cx="2075405" cy="0"/>
+          </a:xfrm>
+          <a:prstGeom prst="straightConnector1">
+            <a:avLst/>
+          </a:prstGeom>
+          <a:ln w="19050" cmpd="sng">
+            <a:solidFill>
+              <a:schemeClr val="accent6">
+                <a:lumMod val="75000"/>
+              </a:schemeClr>
+            </a:solidFill>
+            <a:prstDash val="solid"/>
+            <a:headEnd type="none" w="med" len="med"/>
+            <a:tailEnd type="arrow" w="med" len="med"/>
+          </a:ln>
+        </p:spPr>
+        <p:style>
+          <a:lnRef idx="1">
+            <a:schemeClr val="accent1"/>
+          </a:lnRef>
+          <a:fillRef idx="0">
+            <a:schemeClr val="accent1"/>
+          </a:fillRef>
+          <a:effectRef idx="0">
+            <a:schemeClr val="accent1"/>
+          </a:effectRef>
+          <a:fontRef idx="minor">
+            <a:schemeClr val="tx1"/>
+          </a:fontRef>
+        </p:style>
+      </p:cxnSp>
+      <p:sp>
+        <p:nvSpPr>
+          <p:cNvPr id="66" name="Rectangle 62"/>
+          <p:cNvSpPr/>
+          <p:nvPr/>
+        </p:nvSpPr>
+        <p:spPr>
+          <a:xfrm>
+            <a:off x="2720504" y="3674511"/>
+            <a:ext cx="1371600" cy="346760"/>
+          </a:xfrm>
+          <a:prstGeom prst="rect">
+            <a:avLst/>
+          </a:prstGeom>
+          <a:solidFill>
+            <a:schemeClr val="accent5">
+              <a:lumMod val="75000"/>
+            </a:schemeClr>
+          </a:solidFill>
+          <a:ln w="19050">
+            <a:solidFill>
+              <a:schemeClr val="accent5">
+                <a:lumMod val="75000"/>
+              </a:schemeClr>
+            </a:solidFill>
+          </a:ln>
+          <a:effectLst/>
+        </p:spPr>
+        <p:style>
+          <a:lnRef idx="1">
+            <a:schemeClr val="accent2"/>
+          </a:lnRef>
+          <a:fillRef idx="2">
+            <a:schemeClr val="accent2"/>
+          </a:fillRef>
+          <a:effectRef idx="1">
+            <a:schemeClr val="accent2"/>
+          </a:effectRef>
+          <a:fontRef idx="minor">
+            <a:schemeClr val="dk1"/>
+          </a:fontRef>
+        </p:style>
+        <p:txBody>
+          <a:bodyPr rtlCol="0" anchor="ctr"/>
+          <a:lstStyle/>
+          <a:p>
+            <a:pPr algn="ctr"/>
+            <a:r>
+              <a:rPr lang="en-US" sz="1600" dirty="0" smtClean="0">
+                <a:solidFill>
+                  <a:schemeClr val="bg1"/>
+                </a:solidFill>
+              </a:rPr>
+              <a:t>:</a:t>
+            </a:r>
+            <a:r>
+              <a:rPr lang="en-US" sz="1600" dirty="0" err="1" smtClean="0">
+                <a:solidFill>
+                  <a:schemeClr val="bg1"/>
+                </a:solidFill>
+              </a:rPr>
+              <a:t>EventsCenter</a:t>
+            </a:r>
+            <a:endParaRPr lang="en-SG" sz="1600" dirty="0">
+              <a:solidFill>
+                <a:schemeClr val="bg1"/>
+              </a:solidFill>
+            </a:endParaRPr>
+          </a:p>
+        </p:txBody>
+      </p:sp>
+      <p:cxnSp>
+        <p:nvCxnSpPr>
+          <p:cNvPr id="67" name="Straight Connector 66"/>
+          <p:cNvCxnSpPr/>
+          <p:nvPr/>
+        </p:nvCxnSpPr>
+        <p:spPr>
+          <a:xfrm flipH="1">
+            <a:off x="3380077" y="4027565"/>
+            <a:ext cx="6012" cy="1992235"/>
+          </a:xfrm>
+          <a:prstGeom prst="line">
+            <a:avLst/>
+          </a:prstGeom>
+          <a:ln w="19050">
+            <a:solidFill>
+              <a:schemeClr val="accent5">
+                <a:lumMod val="75000"/>
+              </a:schemeClr>
+            </a:solidFill>
+            <a:prstDash val="sysDash"/>
+          </a:ln>
+          <a:effectLst/>
+        </p:spPr>
+        <p:style>
+          <a:lnRef idx="1">
+            <a:schemeClr val="accent1"/>
+          </a:lnRef>
+          <a:fillRef idx="2">
+            <a:schemeClr val="accent1"/>
+          </a:fillRef>
+          <a:effectRef idx="1">
+            <a:schemeClr val="accent1"/>
+          </a:effectRef>
+          <a:fontRef idx="minor">
+            <a:schemeClr val="dk1"/>
+          </a:fontRef>
+        </p:style>
+      </p:cxnSp>
+      <p:sp>
+        <p:nvSpPr>
+          <p:cNvPr id="68" name="Rectangle 67"/>
+          <p:cNvSpPr/>
+          <p:nvPr/>
+        </p:nvSpPr>
+        <p:spPr>
+          <a:xfrm>
+            <a:off x="3314082" y="4450498"/>
+            <a:ext cx="138420" cy="1409068"/>
+          </a:xfrm>
+          <a:prstGeom prst="rect">
+            <a:avLst/>
+          </a:prstGeom>
+          <a:solidFill>
+            <a:schemeClr val="accent5">
+              <a:lumMod val="75000"/>
+            </a:schemeClr>
+          </a:solidFill>
+          <a:ln>
+            <a:solidFill>
+              <a:schemeClr val="accent5">
+                <a:lumMod val="75000"/>
+              </a:schemeClr>
+            </a:solidFill>
+          </a:ln>
+          <a:effectLst/>
+        </p:spPr>
+        <p:style>
+          <a:lnRef idx="1">
+            <a:schemeClr val="accent3"/>
+          </a:lnRef>
+          <a:fillRef idx="2">
+            <a:schemeClr val="accent3"/>
+          </a:fillRef>
+          <a:effectRef idx="1">
+            <a:schemeClr val="accent3"/>
+          </a:effectRef>
+          <a:fontRef idx="minor">
+            <a:schemeClr val="dk1"/>
+          </a:fontRef>
+        </p:style>
+        <p:txBody>
+          <a:bodyPr rtlCol="0" anchor="ctr"/>
+          <a:lstStyle/>
+          <a:p>
+            <a:pPr algn="ctr"/>
+            <a:endParaRPr lang="en-SG" sz="1400">
+              <a:solidFill>
+                <a:schemeClr val="dk1"/>
+              </a:solidFill>
+            </a:endParaRPr>
+          </a:p>
+        </p:txBody>
+      </p:sp>
+      <p:cxnSp>
+        <p:nvCxnSpPr>
+          <p:cNvPr id="69" name="Straight Arrow Connector 68"/>
+          <p:cNvCxnSpPr/>
+          <p:nvPr/>
+        </p:nvCxnSpPr>
+        <p:spPr>
+          <a:xfrm>
+            <a:off x="2008287" y="4450498"/>
+            <a:ext cx="1295400" cy="0"/>
+          </a:xfrm>
+          <a:prstGeom prst="straightConnector1">
+            <a:avLst/>
+          </a:prstGeom>
+          <a:ln w="19050">
+            <a:solidFill>
+              <a:srgbClr val="0070C0"/>
+            </a:solidFill>
+            <a:tailEnd type="arrow"/>
+          </a:ln>
+        </p:spPr>
+        <p:style>
+          <a:lnRef idx="1">
+            <a:schemeClr val="accent1"/>
+          </a:lnRef>
+          <a:fillRef idx="0">
+            <a:schemeClr val="accent1"/>
+          </a:fillRef>
+          <a:effectRef idx="0">
+            <a:schemeClr val="accent1"/>
+          </a:effectRef>
+          <a:fontRef idx="minor">
+            <a:schemeClr val="tx1"/>
+          </a:fontRef>
+        </p:style>
+      </p:cxnSp>
+      <p:cxnSp>
+        <p:nvCxnSpPr>
+          <p:cNvPr id="70" name="Straight Arrow Connector 69"/>
+          <p:cNvCxnSpPr/>
+          <p:nvPr/>
+        </p:nvCxnSpPr>
+        <p:spPr>
+          <a:xfrm>
+            <a:off x="1905000" y="5867400"/>
+            <a:ext cx="1448755" cy="0"/>
+          </a:xfrm>
+          <a:prstGeom prst="straightConnector1">
+            <a:avLst/>
+          </a:prstGeom>
+          <a:ln w="19050">
+            <a:solidFill>
+              <a:schemeClr val="accent5">
+                <a:lumMod val="75000"/>
+              </a:schemeClr>
+            </a:solidFill>
+            <a:prstDash val="sysDash"/>
+            <a:headEnd type="arrow" w="med" len="med"/>
+            <a:tailEnd type="none" w="med" len="med"/>
+          </a:ln>
+        </p:spPr>
+        <p:style>
+          <a:lnRef idx="1">
+            <a:schemeClr val="accent1"/>
+          </a:lnRef>
+          <a:fillRef idx="0">
+            <a:schemeClr val="accent1"/>
+          </a:fillRef>
+          <a:effectRef idx="0">
+            <a:schemeClr val="accent1"/>
+          </a:effectRef>
+          <a:fontRef idx="minor">
+            <a:schemeClr val="tx1"/>
+          </a:fontRef>
+        </p:style>
+      </p:cxnSp>
+      <p:cxnSp>
+        <p:nvCxnSpPr>
+          <p:cNvPr id="72" name="Straight Arrow Connector 71"/>
+          <p:cNvCxnSpPr/>
+          <p:nvPr/>
+        </p:nvCxnSpPr>
+        <p:spPr>
+          <a:xfrm>
+            <a:off x="3456087" y="4720292"/>
+            <a:ext cx="1971722" cy="0"/>
+          </a:xfrm>
+          <a:prstGeom prst="straightConnector1">
+            <a:avLst/>
+          </a:prstGeom>
+          <a:ln w="19050">
+            <a:solidFill>
+              <a:schemeClr val="accent5">
+                <a:lumMod val="75000"/>
+              </a:schemeClr>
+            </a:solidFill>
+            <a:headEnd type="none" w="med" len="med"/>
+            <a:tailEnd type="arrow" w="med" len="med"/>
+          </a:ln>
+        </p:spPr>
+        <p:style>
+          <a:lnRef idx="1">
+            <a:schemeClr val="accent1"/>
+          </a:lnRef>
+          <a:fillRef idx="0">
+            <a:schemeClr val="accent1"/>
+          </a:fillRef>
+          <a:effectRef idx="0">
+            <a:schemeClr val="accent1"/>
+          </a:effectRef>
+          <a:fontRef idx="minor">
+            <a:schemeClr val="tx1"/>
+          </a:fontRef>
+        </p:style>
+      </p:cxnSp>
+      <p:sp>
+        <p:nvSpPr>
+          <p:cNvPr id="74" name="TextBox 73"/>
+          <p:cNvSpPr txBox="1"/>
+          <p:nvPr/>
+        </p:nvSpPr>
+        <p:spPr>
+          <a:xfrm>
+            <a:off x="3706947" y="4498637"/>
+            <a:ext cx="1637348" cy="184666"/>
+          </a:xfrm>
+          <a:prstGeom prst="rect">
+            <a:avLst/>
+          </a:prstGeom>
+          <a:noFill/>
+        </p:spPr>
+        <p:txBody>
+          <a:bodyPr wrap="square" lIns="0" tIns="0" rIns="0" bIns="0" rtlCol="0">
+            <a:spAutoFit/>
+          </a:bodyPr>
+          <a:lstStyle/>
+          <a:p>
+            <a:r>
+              <a:rPr lang="en-US" sz="1200" dirty="0" err="1" smtClean="0">
+                <a:solidFill>
+                  <a:schemeClr val="accent6">
+                    <a:lumMod val="75000"/>
+                  </a:schemeClr>
+                </a:solidFill>
+              </a:rPr>
+              <a:t>handleLocalBackupEvent</a:t>
+            </a:r>
+            <a:r>
+              <a:rPr lang="en-US" sz="1200" dirty="0" smtClean="0">
+                <a:solidFill>
+                  <a:schemeClr val="accent6">
+                    <a:lumMod val="75000"/>
+                  </a:schemeClr>
+                </a:solidFill>
+              </a:rPr>
+              <a:t>()</a:t>
+            </a:r>
+            <a:endParaRPr lang="en-US" sz="1200" dirty="0">
+              <a:solidFill>
+                <a:schemeClr val="accent6">
+                  <a:lumMod val="75000"/>
+                </a:schemeClr>
+              </a:solidFill>
+            </a:endParaRPr>
+          </a:p>
+        </p:txBody>
+      </p:sp>
+      <p:cxnSp>
+        <p:nvCxnSpPr>
+          <p:cNvPr id="85" name="Straight Connector 84"/>
+          <p:cNvCxnSpPr/>
+          <p:nvPr/>
+        </p:nvCxnSpPr>
+        <p:spPr>
+          <a:xfrm flipH="1">
+            <a:off x="314394" y="1480672"/>
+            <a:ext cx="24" cy="1598671"/>
+          </a:xfrm>
+          <a:prstGeom prst="line">
+            <a:avLst/>
+          </a:prstGeom>
+          <a:ln w="19050">
+            <a:solidFill>
+              <a:schemeClr val="tx1"/>
+            </a:solidFill>
+            <a:prstDash val="sysDash"/>
+          </a:ln>
+          <a:effectLst/>
+        </p:spPr>
+        <p:style>
+          <a:lnRef idx="1">
+            <a:schemeClr val="accent1"/>
+          </a:lnRef>
+          <a:fillRef idx="2">
+            <a:schemeClr val="accent1"/>
+          </a:fillRef>
+          <a:effectRef idx="1">
+            <a:schemeClr val="accent1"/>
+          </a:effectRef>
+          <a:fontRef idx="minor">
+            <a:schemeClr val="dk1"/>
+          </a:fontRef>
+        </p:style>
+      </p:cxnSp>
+      <p:sp>
+        <p:nvSpPr>
+          <p:cNvPr id="45" name="Rectangle 62"/>
+          <p:cNvSpPr/>
+          <p:nvPr/>
+        </p:nvSpPr>
+        <p:spPr>
+          <a:xfrm>
+            <a:off x="450872" y="3657600"/>
+            <a:ext cx="1093635" cy="346760"/>
+          </a:xfrm>
+          <a:prstGeom prst="rect">
+            <a:avLst/>
+          </a:prstGeom>
+          <a:solidFill>
+            <a:srgbClr val="00B050"/>
+          </a:solidFill>
+          <a:ln w="19050">
+            <a:solidFill>
+              <a:srgbClr val="00B050"/>
+            </a:solidFill>
+          </a:ln>
+          <a:effectLst/>
+        </p:spPr>
+        <p:style>
+          <a:lnRef idx="1">
+            <a:schemeClr val="accent2"/>
+          </a:lnRef>
+          <a:fillRef idx="2">
+            <a:schemeClr val="accent2"/>
+          </a:fillRef>
+          <a:effectRef idx="1">
+            <a:schemeClr val="accent2"/>
+          </a:effectRef>
+          <a:fontRef idx="minor">
+            <a:schemeClr val="dk1"/>
+          </a:fontRef>
+        </p:style>
+        <p:txBody>
+          <a:bodyPr rtlCol="0" anchor="ctr"/>
+          <a:lstStyle/>
+          <a:p>
+            <a:pPr algn="ctr"/>
+            <a:r>
+              <a:rPr lang="en-US" sz="1600" dirty="0" smtClean="0">
+                <a:solidFill>
+                  <a:schemeClr val="bg1"/>
+                </a:solidFill>
+              </a:rPr>
+              <a:t>:UI</a:t>
+            </a:r>
+            <a:endParaRPr lang="en-SG" sz="1600" dirty="0">
+              <a:solidFill>
+                <a:schemeClr val="bg1"/>
+              </a:solidFill>
+            </a:endParaRPr>
+          </a:p>
+        </p:txBody>
+      </p:sp>
+      <p:cxnSp>
+        <p:nvCxnSpPr>
+          <p:cNvPr id="46" name="Straight Connector 45"/>
+          <p:cNvCxnSpPr/>
+          <p:nvPr/>
+        </p:nvCxnSpPr>
+        <p:spPr>
+          <a:xfrm flipH="1">
+            <a:off x="972994" y="4021271"/>
+            <a:ext cx="24695" cy="1998529"/>
+          </a:xfrm>
+          <a:prstGeom prst="line">
+            <a:avLst/>
+          </a:prstGeom>
+          <a:ln w="19050">
+            <a:solidFill>
+              <a:srgbClr val="00B050"/>
+            </a:solidFill>
+            <a:prstDash val="sysDash"/>
+          </a:ln>
+          <a:effectLst/>
+        </p:spPr>
+        <p:style>
+          <a:lnRef idx="1">
+            <a:schemeClr val="accent1"/>
+          </a:lnRef>
+          <a:fillRef idx="2">
+            <a:schemeClr val="accent1"/>
+          </a:fillRef>
+          <a:effectRef idx="1">
+            <a:schemeClr val="accent1"/>
+          </a:effectRef>
+          <a:fontRef idx="minor">
+            <a:schemeClr val="dk1"/>
+          </a:fontRef>
+        </p:style>
+      </p:cxnSp>
+      <p:sp>
+        <p:nvSpPr>
+          <p:cNvPr id="47" name="Rectangle 46"/>
+          <p:cNvSpPr/>
+          <p:nvPr/>
+        </p:nvSpPr>
+        <p:spPr>
+          <a:xfrm>
+            <a:off x="925682" y="5410200"/>
+            <a:ext cx="119320" cy="292823"/>
+          </a:xfrm>
+          <a:prstGeom prst="rect">
+            <a:avLst/>
+          </a:prstGeom>
+          <a:solidFill>
+            <a:srgbClr val="00B050"/>
+          </a:solidFill>
+          <a:ln>
+            <a:solidFill>
+              <a:srgbClr val="00B050"/>
+            </a:solidFill>
+          </a:ln>
+          <a:effectLst/>
+        </p:spPr>
+        <p:style>
+          <a:lnRef idx="1">
+            <a:schemeClr val="accent3"/>
+          </a:lnRef>
+          <a:fillRef idx="2">
+            <a:schemeClr val="accent3"/>
+          </a:fillRef>
+          <a:effectRef idx="1">
+            <a:schemeClr val="accent3"/>
+          </a:effectRef>
+          <a:fontRef idx="minor">
+            <a:schemeClr val="dk1"/>
+          </a:fontRef>
+        </p:style>
+        <p:txBody>
+          <a:bodyPr rtlCol="0" anchor="ctr"/>
+          <a:lstStyle/>
+          <a:p>
+            <a:pPr algn="ctr"/>
+            <a:endParaRPr lang="en-SG" sz="1400">
+              <a:solidFill>
+                <a:schemeClr val="dk1"/>
+              </a:solidFill>
+            </a:endParaRPr>
+          </a:p>
+        </p:txBody>
+      </p:sp>
+      <p:cxnSp>
+        <p:nvCxnSpPr>
+          <p:cNvPr id="49" name="Straight Arrow Connector 48"/>
+          <p:cNvCxnSpPr/>
+          <p:nvPr/>
+        </p:nvCxnSpPr>
+        <p:spPr>
+          <a:xfrm>
+            <a:off x="1078081" y="5410200"/>
+            <a:ext cx="2236000" cy="0"/>
+          </a:xfrm>
+          <a:prstGeom prst="straightConnector1">
+            <a:avLst/>
+          </a:prstGeom>
+          <a:ln w="19050">
+            <a:solidFill>
+              <a:schemeClr val="accent5">
+                <a:lumMod val="75000"/>
+              </a:schemeClr>
+            </a:solidFill>
+            <a:headEnd type="arrow" w="med" len="med"/>
+            <a:tailEnd type="none" w="med" len="med"/>
+          </a:ln>
+        </p:spPr>
+        <p:style>
+          <a:lnRef idx="1">
+            <a:schemeClr val="accent1"/>
+          </a:lnRef>
+          <a:fillRef idx="0">
+            <a:schemeClr val="accent1"/>
+          </a:fillRef>
+          <a:effectRef idx="0">
+            <a:schemeClr val="accent1"/>
+          </a:effectRef>
+          <a:fontRef idx="minor">
+            <a:schemeClr val="tx1"/>
+          </a:fontRef>
+        </p:style>
+      </p:cxnSp>
+      <p:sp>
+        <p:nvSpPr>
+          <p:cNvPr id="12" name="Freeform 11"/>
+          <p:cNvSpPr/>
+          <p:nvPr/>
+        </p:nvSpPr>
+        <p:spPr>
+          <a:xfrm rot="240000" flipV="1">
+            <a:off x="3949272" y="1936376"/>
+            <a:ext cx="284621" cy="110537"/>
+          </a:xfrm>
+          <a:custGeom>
+            <a:avLst/>
+            <a:gdLst>
+              <a:gd name="connsiteX0" fmla="*/ 0 w 226400"/>
+              <a:gd name="connsiteY0" fmla="*/ 32920 h 171466"/>
+              <a:gd name="connsiteX1" fmla="*/ 157018 w 226400"/>
+              <a:gd name="connsiteY1" fmla="*/ 5211 h 171466"/>
+              <a:gd name="connsiteX2" fmla="*/ 221673 w 226400"/>
+              <a:gd name="connsiteY2" fmla="*/ 125284 h 171466"/>
+              <a:gd name="connsiteX3" fmla="*/ 36945 w 226400"/>
+              <a:gd name="connsiteY3" fmla="*/ 171466 h 171466"/>
+              <a:gd name="connsiteX0" fmla="*/ 88797 w 315197"/>
+              <a:gd name="connsiteY0" fmla="*/ 32920 h 172727"/>
+              <a:gd name="connsiteX1" fmla="*/ 245815 w 315197"/>
+              <a:gd name="connsiteY1" fmla="*/ 5211 h 172727"/>
+              <a:gd name="connsiteX2" fmla="*/ 310470 w 315197"/>
+              <a:gd name="connsiteY2" fmla="*/ 125284 h 172727"/>
+              <a:gd name="connsiteX3" fmla="*/ 0 w 315197"/>
+              <a:gd name="connsiteY3" fmla="*/ 172727 h 172727"/>
+            </a:gdLst>
+            <a:ahLst/>
+            <a:cxnLst>
+              <a:cxn ang="0">
+                <a:pos x="connsiteX0" y="connsiteY0"/>
+              </a:cxn>
+              <a:cxn ang="0">
+                <a:pos x="connsiteX1" y="connsiteY1"/>
+              </a:cxn>
+              <a:cxn ang="0">
+                <a:pos x="connsiteX2" y="connsiteY2"/>
+              </a:cxn>
+              <a:cxn ang="0">
+                <a:pos x="connsiteX3" y="connsiteY3"/>
+              </a:cxn>
+            </a:cxnLst>
+            <a:rect l="l" t="t" r="r" b="b"/>
+            <a:pathLst>
+              <a:path w="315197" h="172727">
+                <a:moveTo>
+                  <a:pt x="88797" y="32920"/>
+                </a:moveTo>
+                <a:cubicBezTo>
+                  <a:pt x="148833" y="11368"/>
+                  <a:pt x="208870" y="-10183"/>
+                  <a:pt x="245815" y="5211"/>
+                </a:cubicBezTo>
+                <a:cubicBezTo>
+                  <a:pt x="282760" y="20605"/>
+                  <a:pt x="330482" y="97575"/>
+                  <a:pt x="310470" y="125284"/>
+                </a:cubicBezTo>
+                <a:cubicBezTo>
+                  <a:pt x="290458" y="152993"/>
+                  <a:pt x="82358" y="163490"/>
+                  <a:pt x="0" y="172727"/>
+                </a:cubicBezTo>
+              </a:path>
+            </a:pathLst>
+          </a:custGeom>
+          <a:ln w="19050">
+            <a:solidFill>
+              <a:srgbClr val="0070C0"/>
+            </a:solidFill>
+            <a:headEnd type="arrow" w="med" len="med"/>
+            <a:tailEnd type="none" w="med" len="med"/>
+          </a:ln>
+        </p:spPr>
+        <p:style>
+          <a:lnRef idx="1">
+            <a:schemeClr val="accent1"/>
+          </a:lnRef>
+          <a:fillRef idx="0">
+            <a:schemeClr val="accent1"/>
+          </a:fillRef>
+          <a:effectRef idx="0">
+            <a:schemeClr val="accent1"/>
+          </a:effectRef>
+          <a:fontRef idx="minor">
+            <a:schemeClr val="tx1"/>
+          </a:fontRef>
+        </p:style>
+        <p:txBody>
+          <a:bodyPr rtlCol="0" anchor="ctr"/>
+          <a:lstStyle/>
+          <a:p>
+            <a:pPr algn="ctr"/>
+            <a:endParaRPr lang="en-SG"/>
+          </a:p>
+        </p:txBody>
+      </p:sp>
+      <p:sp>
+        <p:nvSpPr>
+          <p:cNvPr id="57" name="TextBox 56"/>
+          <p:cNvSpPr txBox="1"/>
+          <p:nvPr/>
+        </p:nvSpPr>
+        <p:spPr>
+          <a:xfrm>
+            <a:off x="-76200" y="4823849"/>
+            <a:ext cx="794081" cy="738664"/>
+          </a:xfrm>
+          <a:prstGeom prst="rect">
+            <a:avLst/>
+          </a:prstGeom>
+          <a:noFill/>
+        </p:spPr>
+        <p:txBody>
+          <a:bodyPr wrap="square" lIns="0" tIns="0" rIns="0" bIns="0" rtlCol="0">
+            <a:spAutoFit/>
+          </a:bodyPr>
+          <a:lstStyle/>
+          <a:p>
+            <a:pPr algn="r"/>
+            <a:r>
+              <a:rPr lang="en-US" sz="1200" dirty="0" smtClean="0">
+                <a:solidFill>
+                  <a:srgbClr val="00B050"/>
+                </a:solidFill>
+              </a:rPr>
+              <a:t>Show backup success notification</a:t>
+            </a:r>
+            <a:endParaRPr lang="en-US" sz="1200" dirty="0">
+              <a:solidFill>
+                <a:srgbClr val="00B050"/>
+              </a:solidFill>
+            </a:endParaRPr>
+          </a:p>
+        </p:txBody>
+      </p:sp>
+      <p:grpSp>
+        <p:nvGrpSpPr>
+          <p:cNvPr id="58" name="Group 57"/>
+          <p:cNvGrpSpPr/>
+          <p:nvPr/>
+        </p:nvGrpSpPr>
+        <p:grpSpPr>
+          <a:xfrm flipH="1">
+            <a:off x="5519659" y="4686664"/>
+            <a:ext cx="210433" cy="547920"/>
+            <a:chOff x="1035051" y="5548116"/>
+            <a:chExt cx="210433" cy="416884"/>
+          </a:xfrm>
+        </p:grpSpPr>
+        <p:sp>
+          <p:nvSpPr>
+            <p:cNvPr id="59" name="Freeform 58"/>
+            <p:cNvSpPr/>
+            <p:nvPr/>
+          </p:nvSpPr>
+          <p:spPr>
+            <a:xfrm rot="4080000" flipH="1" flipV="1">
+              <a:off x="1048157" y="5535010"/>
+              <a:ext cx="127405" cy="153618"/>
+            </a:xfrm>
+            <a:custGeom>
+              <a:avLst/>
+              <a:gdLst>
+                <a:gd name="connsiteX0" fmla="*/ 0 w 226400"/>
+                <a:gd name="connsiteY0" fmla="*/ 32920 h 171466"/>
+                <a:gd name="connsiteX1" fmla="*/ 157018 w 226400"/>
+                <a:gd name="connsiteY1" fmla="*/ 5211 h 171466"/>
+                <a:gd name="connsiteX2" fmla="*/ 221673 w 226400"/>
+                <a:gd name="connsiteY2" fmla="*/ 125284 h 171466"/>
+                <a:gd name="connsiteX3" fmla="*/ 36945 w 226400"/>
+                <a:gd name="connsiteY3" fmla="*/ 171466 h 171466"/>
+              </a:gdLst>
+              <a:ahLst/>
+              <a:cxnLst>
+                <a:cxn ang="0">
+                  <a:pos x="connsiteX0" y="connsiteY0"/>
+                </a:cxn>
+                <a:cxn ang="0">
+                  <a:pos x="connsiteX1" y="connsiteY1"/>
+                </a:cxn>
+                <a:cxn ang="0">
+                  <a:pos x="connsiteX2" y="connsiteY2"/>
+                </a:cxn>
+                <a:cxn ang="0">
+                  <a:pos x="connsiteX3" y="connsiteY3"/>
+                </a:cxn>
+              </a:cxnLst>
+              <a:rect l="l" t="t" r="r" b="b"/>
+              <a:pathLst>
+                <a:path w="226400" h="171466">
+                  <a:moveTo>
+                    <a:pt x="0" y="32920"/>
+                  </a:moveTo>
+                  <a:cubicBezTo>
+                    <a:pt x="60036" y="11368"/>
+                    <a:pt x="120073" y="-10183"/>
+                    <a:pt x="157018" y="5211"/>
+                  </a:cubicBezTo>
+                  <a:cubicBezTo>
+                    <a:pt x="193963" y="20605"/>
+                    <a:pt x="241685" y="97575"/>
+                    <a:pt x="221673" y="125284"/>
+                  </a:cubicBezTo>
+                  <a:cubicBezTo>
+                    <a:pt x="201661" y="152993"/>
+                    <a:pt x="119303" y="162229"/>
+                    <a:pt x="36945" y="171466"/>
+                  </a:cubicBezTo>
+                </a:path>
+              </a:pathLst>
+            </a:custGeom>
+            <a:ln w="19050">
+              <a:solidFill>
+                <a:schemeClr val="accent6">
+                  <a:lumMod val="75000"/>
+                </a:schemeClr>
+              </a:solidFill>
+              <a:headEnd type="arrow" w="med" len="med"/>
+              <a:tailEnd type="none" w="med" len="med"/>
+            </a:ln>
+          </p:spPr>
+          <p:style>
+            <a:lnRef idx="1">
+              <a:schemeClr val="accent1"/>
+            </a:lnRef>
+            <a:fillRef idx="0">
+              <a:schemeClr val="accent1"/>
+            </a:fillRef>
+            <a:effectRef idx="0">
+              <a:schemeClr val="accent1"/>
+            </a:effectRef>
+            <a:fontRef idx="minor">
+              <a:schemeClr val="tx1"/>
+            </a:fontRef>
+          </p:style>
+          <p:txBody>
+            <a:bodyPr rtlCol="0" anchor="ctr"/>
+            <a:lstStyle/>
+            <a:p>
+              <a:pPr algn="ctr"/>
+              <a:endParaRPr lang="en-SG"/>
+            </a:p>
+          </p:txBody>
+        </p:sp>
+        <p:sp>
+          <p:nvSpPr>
+            <p:cNvPr id="60" name="Rectangle 59"/>
+            <p:cNvSpPr/>
+            <p:nvPr/>
+          </p:nvSpPr>
+          <p:spPr>
+            <a:xfrm>
+              <a:off x="1132795" y="5615058"/>
+              <a:ext cx="112689" cy="349942"/>
+            </a:xfrm>
+            <a:prstGeom prst="rect">
+              <a:avLst/>
+            </a:prstGeom>
+            <a:solidFill>
+              <a:schemeClr val="accent6">
+                <a:lumMod val="75000"/>
+              </a:schemeClr>
+            </a:solidFill>
+            <a:ln>
+              <a:solidFill>
+                <a:schemeClr val="bg1"/>
+              </a:solidFill>
+            </a:ln>
+            <a:effectLst/>
+          </p:spPr>
+          <p:style>
+            <a:lnRef idx="1">
+              <a:schemeClr val="accent3"/>
+            </a:lnRef>
+            <a:fillRef idx="2">
+              <a:schemeClr val="accent3"/>
+            </a:fillRef>
+            <a:effectRef idx="1">
+              <a:schemeClr val="accent3"/>
+            </a:effectRef>
+            <a:fontRef idx="minor">
+              <a:schemeClr val="dk1"/>
+            </a:fontRef>
+          </p:style>
+          <p:txBody>
+            <a:bodyPr rtlCol="0" anchor="ctr"/>
+            <a:lstStyle/>
+            <a:p>
+              <a:pPr algn="ctr"/>
+              <a:endParaRPr lang="en-SG" sz="1400">
+                <a:solidFill>
+                  <a:schemeClr val="dk1"/>
+                </a:solidFill>
+              </a:endParaRPr>
+            </a:p>
+          </p:txBody>
+        </p:sp>
+      </p:grpSp>
+      <p:sp>
+        <p:nvSpPr>
+          <p:cNvPr id="61" name="TextBox 60"/>
+          <p:cNvSpPr txBox="1"/>
+          <p:nvPr/>
+        </p:nvSpPr>
+        <p:spPr>
+          <a:xfrm>
+            <a:off x="5591268" y="4421028"/>
+            <a:ext cx="1316263" cy="184666"/>
+          </a:xfrm>
+          <a:prstGeom prst="rect">
+            <a:avLst/>
+          </a:prstGeom>
+          <a:noFill/>
+        </p:spPr>
+        <p:txBody>
+          <a:bodyPr wrap="square" lIns="0" tIns="0" rIns="0" bIns="0" rtlCol="0">
+            <a:spAutoFit/>
+          </a:bodyPr>
+          <a:lstStyle/>
+          <a:p>
+            <a:r>
+              <a:rPr lang="en-US" sz="1200" dirty="0" err="1" smtClean="0">
+                <a:solidFill>
+                  <a:schemeClr val="accent6">
+                    <a:lumMod val="75000"/>
+                  </a:schemeClr>
+                </a:solidFill>
+              </a:rPr>
+              <a:t>backupLocal</a:t>
+            </a:r>
+            <a:r>
+              <a:rPr lang="en-US" sz="1200" dirty="0" smtClean="0">
+                <a:solidFill>
+                  <a:schemeClr val="accent6">
+                    <a:lumMod val="75000"/>
+                  </a:schemeClr>
+                </a:solidFill>
+              </a:rPr>
+              <a:t>(data…)</a:t>
+            </a:r>
+            <a:endParaRPr lang="en-US" sz="1200" dirty="0">
+              <a:solidFill>
+                <a:schemeClr val="accent6">
+                  <a:lumMod val="75000"/>
+                </a:schemeClr>
+              </a:solidFill>
+            </a:endParaRPr>
+          </a:p>
+        </p:txBody>
+      </p:sp>
+      <p:sp>
+        <p:nvSpPr>
+          <p:cNvPr id="71" name="Rectangle 70"/>
+          <p:cNvSpPr/>
+          <p:nvPr/>
+        </p:nvSpPr>
+        <p:spPr>
+          <a:xfrm>
+            <a:off x="3905368" y="1991645"/>
+            <a:ext cx="121048" cy="251360"/>
+          </a:xfrm>
+          <a:prstGeom prst="rect">
+            <a:avLst/>
+          </a:prstGeom>
+          <a:solidFill>
+            <a:srgbClr val="0070C0"/>
+          </a:solidFill>
+          <a:ln>
+            <a:solidFill>
+              <a:schemeClr val="bg1"/>
+            </a:solidFill>
+          </a:ln>
+          <a:effectLst/>
+        </p:spPr>
+        <p:style>
+          <a:lnRef idx="1">
+            <a:schemeClr val="accent3"/>
+          </a:lnRef>
+          <a:fillRef idx="2">
+            <a:schemeClr val="accent3"/>
+          </a:fillRef>
+          <a:effectRef idx="1">
+            <a:schemeClr val="accent3"/>
+          </a:effectRef>
+          <a:fontRef idx="minor">
+            <a:schemeClr val="dk1"/>
+          </a:fontRef>
+        </p:style>
+        <p:txBody>
+          <a:bodyPr rtlCol="0" anchor="ctr"/>
+          <a:lstStyle/>
+          <a:p>
+            <a:pPr algn="ctr"/>
+            <a:endParaRPr lang="en-SG" sz="1400">
+              <a:solidFill>
+                <a:schemeClr val="dk1"/>
+              </a:solidFill>
+            </a:endParaRPr>
+          </a:p>
+        </p:txBody>
+      </p:sp>
+      <p:sp>
+        <p:nvSpPr>
+          <p:cNvPr id="73" name="TextBox 72"/>
+          <p:cNvSpPr txBox="1"/>
+          <p:nvPr/>
+        </p:nvSpPr>
+        <p:spPr>
+          <a:xfrm>
+            <a:off x="3986773" y="1683371"/>
+            <a:ext cx="2234601" cy="184666"/>
+          </a:xfrm>
+          <a:prstGeom prst="rect">
+            <a:avLst/>
+          </a:prstGeom>
+          <a:noFill/>
+        </p:spPr>
+        <p:txBody>
+          <a:bodyPr wrap="square" lIns="0" tIns="0" rIns="0" bIns="0" rtlCol="0">
+            <a:spAutoFit/>
+          </a:bodyPr>
+          <a:lstStyle/>
+          <a:p>
+            <a:r>
+              <a:rPr lang="en-US" sz="1200" dirty="0" err="1" smtClean="0">
+                <a:solidFill>
+                  <a:srgbClr val="0070C0"/>
+                </a:solidFill>
+              </a:rPr>
+              <a:t>localBackupCommand</a:t>
+            </a:r>
+            <a:r>
+              <a:rPr lang="en-US" sz="1200" dirty="0" smtClean="0">
+                <a:solidFill>
+                  <a:srgbClr val="0070C0"/>
+                </a:solidFill>
+              </a:rPr>
+              <a:t>(model)</a:t>
+            </a:r>
+            <a:endParaRPr lang="en-US" sz="1200" dirty="0">
+              <a:solidFill>
+                <a:srgbClr val="0070C0"/>
+              </a:solidFill>
+            </a:endParaRPr>
+          </a:p>
+        </p:txBody>
+      </p:sp>
+      <p:sp>
+        <p:nvSpPr>
+          <p:cNvPr id="75" name="TextBox 74"/>
+          <p:cNvSpPr txBox="1"/>
+          <p:nvPr/>
+        </p:nvSpPr>
+        <p:spPr>
+          <a:xfrm>
+            <a:off x="5360428" y="1976357"/>
+            <a:ext cx="1634331" cy="184666"/>
+          </a:xfrm>
+          <a:prstGeom prst="rect">
+            <a:avLst/>
+          </a:prstGeom>
+          <a:noFill/>
+        </p:spPr>
+        <p:txBody>
+          <a:bodyPr wrap="square" lIns="0" tIns="0" rIns="0" bIns="0" rtlCol="0">
+            <a:spAutoFit/>
+          </a:bodyPr>
+          <a:lstStyle/>
+          <a:p>
+            <a:r>
+              <a:rPr lang="en-US" sz="1200" dirty="0" smtClean="0">
+                <a:solidFill>
+                  <a:srgbClr val="0070C0"/>
+                </a:solidFill>
+              </a:rPr>
+              <a:t>post(</a:t>
+            </a:r>
+            <a:r>
+              <a:rPr lang="en-US" sz="1200" dirty="0" err="1" smtClean="0">
+                <a:solidFill>
+                  <a:srgbClr val="0070C0"/>
+                </a:solidFill>
+              </a:rPr>
+              <a:t>LocalBackupEvent</a:t>
+            </a:r>
+            <a:r>
+              <a:rPr lang="en-US" sz="1200" dirty="0" smtClean="0">
+                <a:solidFill>
+                  <a:srgbClr val="0070C0"/>
+                </a:solidFill>
+              </a:rPr>
+              <a:t>)</a:t>
+            </a:r>
+            <a:endParaRPr lang="en-US" sz="1200" dirty="0">
+              <a:solidFill>
+                <a:srgbClr val="0070C0"/>
+              </a:solidFill>
+            </a:endParaRPr>
+          </a:p>
+        </p:txBody>
+      </p:sp>
+      <p:sp>
+        <p:nvSpPr>
+          <p:cNvPr id="78" name="Rectangle 62"/>
+          <p:cNvSpPr/>
+          <p:nvPr/>
+        </p:nvSpPr>
+        <p:spPr>
+          <a:xfrm>
+            <a:off x="6847231" y="3674511"/>
+            <a:ext cx="1697564" cy="346760"/>
+          </a:xfrm>
+          <a:prstGeom prst="rect">
+            <a:avLst/>
+          </a:prstGeom>
+          <a:solidFill>
+            <a:srgbClr val="7030A0"/>
+          </a:solidFill>
+          <a:ln w="19050">
+            <a:solidFill>
+              <a:srgbClr val="7030A0"/>
+            </a:solidFill>
+          </a:ln>
+          <a:effectLst/>
+        </p:spPr>
+        <p:style>
+          <a:lnRef idx="1">
+            <a:schemeClr val="accent2"/>
+          </a:lnRef>
+          <a:fillRef idx="2">
+            <a:schemeClr val="accent2"/>
+          </a:fillRef>
+          <a:effectRef idx="1">
+            <a:schemeClr val="accent2"/>
+          </a:effectRef>
+          <a:fontRef idx="minor">
+            <a:schemeClr val="dk1"/>
+          </a:fontRef>
+        </p:style>
+        <p:txBody>
+          <a:bodyPr rtlCol="0" anchor="ctr"/>
+          <a:lstStyle/>
+          <a:p>
+            <a:pPr algn="ctr"/>
+            <a:r>
+              <a:rPr lang="en-US" sz="1600" dirty="0" smtClean="0">
+                <a:solidFill>
+                  <a:schemeClr val="bg1"/>
+                </a:solidFill>
+              </a:rPr>
+              <a:t>:</a:t>
+            </a:r>
+            <a:r>
+              <a:rPr lang="en-US" sz="1600" dirty="0" err="1" smtClean="0">
+                <a:solidFill>
+                  <a:schemeClr val="bg1"/>
+                </a:solidFill>
+              </a:rPr>
+              <a:t>ExecutorService</a:t>
+            </a:r>
+            <a:endParaRPr lang="en-SG" sz="1600" dirty="0">
+              <a:solidFill>
+                <a:schemeClr val="bg1"/>
+              </a:solidFill>
+            </a:endParaRPr>
+          </a:p>
+        </p:txBody>
+      </p:sp>
+      <p:cxnSp>
+        <p:nvCxnSpPr>
+          <p:cNvPr id="79" name="Straight Connector 78"/>
+          <p:cNvCxnSpPr/>
+          <p:nvPr/>
+        </p:nvCxnSpPr>
+        <p:spPr>
+          <a:xfrm flipH="1">
+            <a:off x="7695613" y="4038182"/>
+            <a:ext cx="399" cy="1981618"/>
+          </a:xfrm>
+          <a:prstGeom prst="line">
+            <a:avLst/>
+          </a:prstGeom>
+          <a:ln w="19050">
+            <a:solidFill>
+              <a:srgbClr val="7030A0"/>
+            </a:solidFill>
+            <a:prstDash val="sysDash"/>
+          </a:ln>
+          <a:effectLst/>
+        </p:spPr>
+        <p:style>
+          <a:lnRef idx="1">
+            <a:schemeClr val="accent1"/>
+          </a:lnRef>
+          <a:fillRef idx="2">
+            <a:schemeClr val="accent1"/>
+          </a:fillRef>
+          <a:effectRef idx="1">
+            <a:schemeClr val="accent1"/>
+          </a:effectRef>
+          <a:fontRef idx="minor">
+            <a:schemeClr val="dk1"/>
+          </a:fontRef>
+        </p:style>
+      </p:cxnSp>
+      <p:sp>
+        <p:nvSpPr>
+          <p:cNvPr id="80" name="Rectangle 79"/>
+          <p:cNvSpPr/>
+          <p:nvPr/>
+        </p:nvSpPr>
+        <p:spPr>
+          <a:xfrm>
+            <a:off x="7624004" y="4876801"/>
+            <a:ext cx="142006" cy="355640"/>
+          </a:xfrm>
+          <a:prstGeom prst="rect">
+            <a:avLst/>
+          </a:prstGeom>
+          <a:solidFill>
+            <a:srgbClr val="7030A0"/>
+          </a:solidFill>
+          <a:ln>
+            <a:solidFill>
+              <a:srgbClr val="7030A0"/>
+            </a:solidFill>
+          </a:ln>
+          <a:effectLst/>
+        </p:spPr>
+        <p:style>
+          <a:lnRef idx="1">
+            <a:schemeClr val="accent3"/>
+          </a:lnRef>
+          <a:fillRef idx="2">
+            <a:schemeClr val="accent3"/>
+          </a:fillRef>
+          <a:effectRef idx="1">
+            <a:schemeClr val="accent3"/>
+          </a:effectRef>
+          <a:fontRef idx="minor">
+            <a:schemeClr val="dk1"/>
+          </a:fontRef>
+        </p:style>
+        <p:txBody>
+          <a:bodyPr rtlCol="0" anchor="ctr"/>
+          <a:lstStyle/>
+          <a:p>
+            <a:pPr algn="ctr"/>
+            <a:endParaRPr lang="en-SG" sz="1400">
+              <a:solidFill>
+                <a:schemeClr val="dk1"/>
+              </a:solidFill>
+            </a:endParaRPr>
+          </a:p>
+        </p:txBody>
+      </p:sp>
+      <p:sp>
+        <p:nvSpPr>
+          <p:cNvPr id="87" name="Rectangle 86"/>
+          <p:cNvSpPr/>
+          <p:nvPr/>
+        </p:nvSpPr>
+        <p:spPr>
+          <a:xfrm>
+            <a:off x="7624004" y="4918343"/>
+            <a:ext cx="1138996" cy="272147"/>
+          </a:xfrm>
+          <a:prstGeom prst="rect">
+            <a:avLst/>
+          </a:prstGeom>
+          <a:solidFill>
+            <a:schemeClr val="bg1"/>
+          </a:solidFill>
+          <a:ln>
+            <a:solidFill>
+              <a:schemeClr val="tx1"/>
+            </a:solidFill>
+          </a:ln>
+        </p:spPr>
+        <p:style>
+          <a:lnRef idx="2">
+            <a:schemeClr val="accent4">
+              <a:shade val="50000"/>
+            </a:schemeClr>
+          </a:lnRef>
+          <a:fillRef idx="1">
+            <a:schemeClr val="accent4"/>
+          </a:fillRef>
+          <a:effectRef idx="0">
+            <a:schemeClr val="accent4"/>
+          </a:effectRef>
+          <a:fontRef idx="minor">
+            <a:schemeClr val="lt1"/>
+          </a:fontRef>
+        </p:style>
+        <p:txBody>
+          <a:bodyPr rtlCol="0" anchor="ctr"/>
+          <a:lstStyle/>
+          <a:p>
+            <a:pPr algn="ctr"/>
+            <a:endParaRPr lang="en-SG" sz="600" dirty="0">
+              <a:solidFill>
+                <a:schemeClr val="tx1"/>
+              </a:solidFill>
+            </a:endParaRPr>
+          </a:p>
+        </p:txBody>
+      </p:sp>
+      <p:cxnSp>
+        <p:nvCxnSpPr>
+          <p:cNvPr id="91" name="Straight Connector 90"/>
+          <p:cNvCxnSpPr/>
+          <p:nvPr/>
+        </p:nvCxnSpPr>
+        <p:spPr>
+          <a:xfrm>
+            <a:off x="7924800" y="4918344"/>
+            <a:ext cx="0" cy="73127"/>
+          </a:xfrm>
+          <a:prstGeom prst="line">
+            <a:avLst/>
+          </a:prstGeom>
+          <a:ln>
+            <a:solidFill>
+              <a:srgbClr val="7030A0"/>
+            </a:solidFill>
+          </a:ln>
+        </p:spPr>
+        <p:style>
+          <a:lnRef idx="1">
+            <a:schemeClr val="accent1"/>
+          </a:lnRef>
+          <a:fillRef idx="0">
+            <a:schemeClr val="accent1"/>
+          </a:fillRef>
+          <a:effectRef idx="0">
+            <a:schemeClr val="accent1"/>
+          </a:effectRef>
+          <a:fontRef idx="minor">
+            <a:schemeClr val="tx1"/>
+          </a:fontRef>
+        </p:style>
+      </p:cxnSp>
+      <p:cxnSp>
+        <p:nvCxnSpPr>
+          <p:cNvPr id="94" name="Straight Connector 93"/>
+          <p:cNvCxnSpPr/>
+          <p:nvPr/>
+        </p:nvCxnSpPr>
+        <p:spPr>
+          <a:xfrm>
+            <a:off x="7620000" y="5049750"/>
+            <a:ext cx="263506" cy="0"/>
+          </a:xfrm>
+          <a:prstGeom prst="line">
+            <a:avLst/>
+          </a:prstGeom>
+          <a:ln>
+            <a:solidFill>
+              <a:srgbClr val="7030A0"/>
+            </a:solidFill>
+          </a:ln>
+        </p:spPr>
+        <p:style>
+          <a:lnRef idx="1">
+            <a:schemeClr val="accent1"/>
+          </a:lnRef>
+          <a:fillRef idx="0">
+            <a:schemeClr val="accent1"/>
+          </a:fillRef>
+          <a:effectRef idx="0">
+            <a:schemeClr val="accent1"/>
+          </a:effectRef>
+          <a:fontRef idx="minor">
+            <a:schemeClr val="tx1"/>
+          </a:fontRef>
+        </p:style>
+      </p:cxnSp>
+      <p:cxnSp>
+        <p:nvCxnSpPr>
+          <p:cNvPr id="97" name="Straight Connector 96"/>
+          <p:cNvCxnSpPr/>
+          <p:nvPr/>
+        </p:nvCxnSpPr>
+        <p:spPr>
+          <a:xfrm flipH="1">
+            <a:off x="7883506" y="4991471"/>
+            <a:ext cx="41294" cy="58279"/>
+          </a:xfrm>
+          <a:prstGeom prst="line">
+            <a:avLst/>
+          </a:prstGeom>
+          <a:ln>
+            <a:solidFill>
+              <a:srgbClr val="7030A0"/>
+            </a:solidFill>
+          </a:ln>
+        </p:spPr>
+        <p:style>
+          <a:lnRef idx="1">
+            <a:schemeClr val="accent1"/>
+          </a:lnRef>
+          <a:fillRef idx="0">
+            <a:schemeClr val="accent1"/>
+          </a:fillRef>
+          <a:effectRef idx="0">
+            <a:schemeClr val="accent1"/>
+          </a:effectRef>
+          <a:fontRef idx="minor">
+            <a:schemeClr val="tx1"/>
+          </a:fontRef>
+        </p:style>
+      </p:cxnSp>
+      <p:sp>
+        <p:nvSpPr>
+          <p:cNvPr id="102" name="TextBox 101"/>
+          <p:cNvSpPr txBox="1"/>
+          <p:nvPr/>
+        </p:nvSpPr>
+        <p:spPr>
+          <a:xfrm>
+            <a:off x="7620000" y="4889540"/>
+            <a:ext cx="304800" cy="200055"/>
+          </a:xfrm>
+          <a:prstGeom prst="rect">
+            <a:avLst/>
+          </a:prstGeom>
+          <a:noFill/>
+        </p:spPr>
+        <p:txBody>
+          <a:bodyPr wrap="square" rtlCol="0">
+            <a:spAutoFit/>
+          </a:bodyPr>
+          <a:lstStyle/>
+          <a:p>
+            <a:r>
+              <a:rPr lang="en-SG" sz="700" dirty="0" smtClean="0"/>
+              <a:t>ref</a:t>
+            </a:r>
+            <a:endParaRPr lang="en-SG" sz="700" dirty="0"/>
+          </a:p>
+        </p:txBody>
+      </p:sp>
+      <p:sp>
+        <p:nvSpPr>
+          <p:cNvPr id="103" name="Rectangle 102"/>
+          <p:cNvSpPr/>
+          <p:nvPr/>
+        </p:nvSpPr>
+        <p:spPr>
+          <a:xfrm>
+            <a:off x="7613545" y="5022057"/>
+            <a:ext cx="1140056" cy="184666"/>
+          </a:xfrm>
+          <a:prstGeom prst="rect">
+            <a:avLst/>
+          </a:prstGeom>
+        </p:spPr>
+        <p:txBody>
+          <a:bodyPr wrap="none">
+            <a:spAutoFit/>
+          </a:bodyPr>
+          <a:lstStyle/>
+          <a:p>
+            <a:pPr algn="ctr"/>
+            <a:r>
+              <a:rPr lang="en-SG" sz="600" dirty="0"/>
+              <a:t>Multithread local backup tasks</a:t>
+            </a:r>
+            <a:endParaRPr lang="en-SG" sz="600" dirty="0"/>
+          </a:p>
+        </p:txBody>
+      </p:sp>
+      <p:cxnSp>
+        <p:nvCxnSpPr>
+          <p:cNvPr id="105" name="Straight Arrow Connector 104"/>
+          <p:cNvCxnSpPr/>
+          <p:nvPr/>
+        </p:nvCxnSpPr>
+        <p:spPr>
+          <a:xfrm flipH="1" flipV="1">
+            <a:off x="5591316" y="5202942"/>
+            <a:ext cx="2035178" cy="22296"/>
+          </a:xfrm>
+          <a:prstGeom prst="straightConnector1">
+            <a:avLst/>
+          </a:prstGeom>
+          <a:ln w="19050">
+            <a:solidFill>
+              <a:schemeClr val="accent6">
+                <a:lumMod val="75000"/>
+              </a:schemeClr>
+            </a:solidFill>
+            <a:prstDash val="sysDash"/>
+            <a:headEnd type="none" w="med" len="med"/>
+            <a:tailEnd type="arrow" w="med" len="med"/>
+          </a:ln>
+        </p:spPr>
+        <p:style>
+          <a:lnRef idx="1">
+            <a:schemeClr val="accent1"/>
+          </a:lnRef>
+          <a:fillRef idx="0">
+            <a:schemeClr val="accent1"/>
+          </a:fillRef>
+          <a:effectRef idx="0">
+            <a:schemeClr val="accent1"/>
+          </a:effectRef>
+          <a:fontRef idx="minor">
+            <a:schemeClr val="tx1"/>
+          </a:fontRef>
+        </p:style>
+      </p:cxnSp>
+      <p:sp>
+        <p:nvSpPr>
+          <p:cNvPr id="115" name="Rectangle 114"/>
+          <p:cNvSpPr/>
+          <p:nvPr/>
+        </p:nvSpPr>
+        <p:spPr>
+          <a:xfrm>
+            <a:off x="3455933" y="5082806"/>
+            <a:ext cx="2106667" cy="246221"/>
+          </a:xfrm>
+          <a:prstGeom prst="rect">
+            <a:avLst/>
+          </a:prstGeom>
+        </p:spPr>
+        <p:txBody>
+          <a:bodyPr wrap="none">
+            <a:spAutoFit/>
+          </a:bodyPr>
+          <a:lstStyle/>
+          <a:p>
+            <a:r>
+              <a:rPr lang="en-SG" sz="1000" dirty="0" smtClean="0">
+                <a:solidFill>
+                  <a:srgbClr val="E46C0A"/>
+                </a:solidFill>
+              </a:rPr>
+              <a:t>post(</a:t>
+            </a:r>
+            <a:r>
+              <a:rPr lang="en-SG" sz="1000" dirty="0" err="1" smtClean="0">
+                <a:solidFill>
+                  <a:srgbClr val="E46C0A"/>
+                </a:solidFill>
+              </a:rPr>
+              <a:t>NewNotificationAvailableEvent</a:t>
+            </a:r>
+            <a:r>
+              <a:rPr lang="en-SG" sz="1000" dirty="0" smtClean="0">
+                <a:solidFill>
+                  <a:srgbClr val="E46C0A"/>
+                </a:solidFill>
+              </a:rPr>
+              <a:t>)</a:t>
+            </a:r>
+            <a:endParaRPr lang="en-SG" sz="1000" dirty="0">
+              <a:solidFill>
+                <a:srgbClr val="E46C0A"/>
+              </a:solidFill>
+            </a:endParaRPr>
+          </a:p>
+        </p:txBody>
+      </p:sp>
+      <p:sp>
+        <p:nvSpPr>
+          <p:cNvPr id="124" name="TextBox 123"/>
+          <p:cNvSpPr txBox="1"/>
+          <p:nvPr/>
+        </p:nvSpPr>
+        <p:spPr>
+          <a:xfrm>
+            <a:off x="1187586" y="5206517"/>
+            <a:ext cx="2659870" cy="153888"/>
+          </a:xfrm>
+          <a:prstGeom prst="rect">
+            <a:avLst/>
+          </a:prstGeom>
+          <a:noFill/>
+        </p:spPr>
+        <p:txBody>
+          <a:bodyPr wrap="square" lIns="0" tIns="0" rIns="0" bIns="0" rtlCol="0">
+            <a:spAutoFit/>
+          </a:bodyPr>
+          <a:lstStyle/>
+          <a:p>
+            <a:r>
+              <a:rPr lang="en-US" sz="1000" dirty="0" smtClean="0">
+                <a:solidFill>
+                  <a:srgbClr val="00B050"/>
+                </a:solidFill>
+              </a:rPr>
+              <a:t>handle</a:t>
+            </a:r>
+            <a:r>
+              <a:rPr lang="en-SG" sz="1000" dirty="0" err="1" smtClean="0">
+                <a:solidFill>
+                  <a:srgbClr val="00B050"/>
+                </a:solidFill>
+              </a:rPr>
+              <a:t>NewNotificationAvailableEvent</a:t>
+            </a:r>
+            <a:r>
+              <a:rPr lang="en-US" sz="1000" dirty="0" smtClean="0">
+                <a:solidFill>
+                  <a:srgbClr val="00B050"/>
+                </a:solidFill>
+              </a:rPr>
+              <a:t>()</a:t>
+            </a:r>
+            <a:endParaRPr lang="en-US" sz="1000" dirty="0">
+              <a:solidFill>
+                <a:srgbClr val="00B050"/>
+              </a:solidFill>
+            </a:endParaRPr>
+          </a:p>
+        </p:txBody>
+      </p:sp>
+      <p:grpSp>
+        <p:nvGrpSpPr>
+          <p:cNvPr id="125" name="Group 124"/>
+          <p:cNvGrpSpPr/>
+          <p:nvPr/>
+        </p:nvGrpSpPr>
+        <p:grpSpPr>
+          <a:xfrm>
+            <a:off x="755645" y="5368893"/>
+            <a:ext cx="217349" cy="270072"/>
+            <a:chOff x="1028134" y="5612032"/>
+            <a:chExt cx="217349" cy="270072"/>
+          </a:xfrm>
+        </p:grpSpPr>
+        <p:sp>
+          <p:nvSpPr>
+            <p:cNvPr id="126" name="Freeform 125"/>
+            <p:cNvSpPr/>
+            <p:nvPr/>
+          </p:nvSpPr>
+          <p:spPr>
+            <a:xfrm rot="2600998" flipH="1" flipV="1">
+              <a:off x="1028134" y="5612032"/>
+              <a:ext cx="167452" cy="116880"/>
+            </a:xfrm>
+            <a:custGeom>
+              <a:avLst/>
+              <a:gdLst>
+                <a:gd name="connsiteX0" fmla="*/ 0 w 226400"/>
+                <a:gd name="connsiteY0" fmla="*/ 32920 h 171466"/>
+                <a:gd name="connsiteX1" fmla="*/ 157018 w 226400"/>
+                <a:gd name="connsiteY1" fmla="*/ 5211 h 171466"/>
+                <a:gd name="connsiteX2" fmla="*/ 221673 w 226400"/>
+                <a:gd name="connsiteY2" fmla="*/ 125284 h 171466"/>
+                <a:gd name="connsiteX3" fmla="*/ 36945 w 226400"/>
+                <a:gd name="connsiteY3" fmla="*/ 171466 h 171466"/>
+              </a:gdLst>
+              <a:ahLst/>
+              <a:cxnLst>
+                <a:cxn ang="0">
+                  <a:pos x="connsiteX0" y="connsiteY0"/>
+                </a:cxn>
+                <a:cxn ang="0">
+                  <a:pos x="connsiteX1" y="connsiteY1"/>
+                </a:cxn>
+                <a:cxn ang="0">
+                  <a:pos x="connsiteX2" y="connsiteY2"/>
+                </a:cxn>
+                <a:cxn ang="0">
+                  <a:pos x="connsiteX3" y="connsiteY3"/>
+                </a:cxn>
+              </a:cxnLst>
+              <a:rect l="l" t="t" r="r" b="b"/>
+              <a:pathLst>
+                <a:path w="226400" h="171466">
+                  <a:moveTo>
+                    <a:pt x="0" y="32920"/>
+                  </a:moveTo>
+                  <a:cubicBezTo>
+                    <a:pt x="60036" y="11368"/>
+                    <a:pt x="120073" y="-10183"/>
+                    <a:pt x="157018" y="5211"/>
+                  </a:cubicBezTo>
+                  <a:cubicBezTo>
+                    <a:pt x="193963" y="20605"/>
+                    <a:pt x="241685" y="97575"/>
+                    <a:pt x="221673" y="125284"/>
+                  </a:cubicBezTo>
+                  <a:cubicBezTo>
+                    <a:pt x="201661" y="152993"/>
+                    <a:pt x="119303" y="162229"/>
+                    <a:pt x="36945" y="171466"/>
+                  </a:cubicBezTo>
+                </a:path>
+              </a:pathLst>
+            </a:custGeom>
+            <a:ln w="19050">
+              <a:solidFill>
+                <a:srgbClr val="00B050"/>
+              </a:solidFill>
+              <a:headEnd type="arrow" w="med" len="med"/>
+              <a:tailEnd type="none" w="med" len="med"/>
+            </a:ln>
+          </p:spPr>
+          <p:style>
+            <a:lnRef idx="1">
+              <a:schemeClr val="accent1"/>
+            </a:lnRef>
+            <a:fillRef idx="0">
+              <a:schemeClr val="accent1"/>
+            </a:fillRef>
+            <a:effectRef idx="0">
+              <a:schemeClr val="accent1"/>
+            </a:effectRef>
+            <a:fontRef idx="minor">
+              <a:schemeClr val="tx1"/>
+            </a:fontRef>
+          </p:style>
+          <p:txBody>
+            <a:bodyPr rtlCol="0" anchor="ctr"/>
+            <a:lstStyle/>
+            <a:p>
+              <a:pPr algn="ctr"/>
+              <a:endParaRPr lang="en-SG"/>
+            </a:p>
+          </p:txBody>
+        </p:sp>
+        <p:sp>
+          <p:nvSpPr>
+            <p:cNvPr id="127" name="Rectangle 126"/>
+            <p:cNvSpPr/>
+            <p:nvPr/>
+          </p:nvSpPr>
+          <p:spPr>
+            <a:xfrm>
+              <a:off x="1147403" y="5712513"/>
+              <a:ext cx="98080" cy="169591"/>
+            </a:xfrm>
+            <a:prstGeom prst="rect">
+              <a:avLst/>
+            </a:prstGeom>
+            <a:solidFill>
+              <a:srgbClr val="00B050"/>
+            </a:solidFill>
+            <a:ln>
+              <a:solidFill>
+                <a:schemeClr val="bg1"/>
+              </a:solidFill>
+            </a:ln>
+            <a:effectLst/>
+          </p:spPr>
+          <p:style>
+            <a:lnRef idx="1">
+              <a:schemeClr val="accent3"/>
+            </a:lnRef>
+            <a:fillRef idx="2">
+              <a:schemeClr val="accent3"/>
+            </a:fillRef>
+            <a:effectRef idx="1">
+              <a:schemeClr val="accent3"/>
+            </a:effectRef>
+            <a:fontRef idx="minor">
+              <a:schemeClr val="dk1"/>
+            </a:fontRef>
+          </p:style>
+          <p:txBody>
+            <a:bodyPr rtlCol="0" anchor="ctr"/>
+            <a:lstStyle/>
+            <a:p>
+              <a:pPr algn="ctr"/>
+              <a:endParaRPr lang="en-SG" sz="1400">
+                <a:solidFill>
+                  <a:schemeClr val="dk1"/>
+                </a:solidFill>
+              </a:endParaRPr>
+            </a:p>
+          </p:txBody>
+        </p:sp>
+      </p:grpSp>
+      <p:cxnSp>
+        <p:nvCxnSpPr>
+          <p:cNvPr id="133" name="Straight Arrow Connector 132"/>
+          <p:cNvCxnSpPr/>
+          <p:nvPr/>
+        </p:nvCxnSpPr>
+        <p:spPr>
+          <a:xfrm flipH="1">
+            <a:off x="1078081" y="5715000"/>
+            <a:ext cx="2236000" cy="0"/>
+          </a:xfrm>
+          <a:prstGeom prst="straightConnector1">
+            <a:avLst/>
+          </a:prstGeom>
+          <a:ln w="19050">
+            <a:solidFill>
+              <a:srgbClr val="00B050"/>
+            </a:solidFill>
+            <a:prstDash val="sysDash"/>
+            <a:headEnd type="arrow" w="med" len="med"/>
+            <a:tailEnd type="none" w="med" len="med"/>
+          </a:ln>
+        </p:spPr>
+        <p:style>
+          <a:lnRef idx="1">
+            <a:schemeClr val="accent1"/>
+          </a:lnRef>
+          <a:fillRef idx="0">
+            <a:schemeClr val="accent1"/>
+          </a:fillRef>
+          <a:effectRef idx="0">
+            <a:schemeClr val="accent1"/>
+          </a:effectRef>
+          <a:fontRef idx="minor">
+            <a:schemeClr val="tx1"/>
+          </a:fontRef>
+        </p:style>
+      </p:cxnSp>
+    </p:spTree>
+    <p:extLst>
+      <p:ext uri="{BB962C8B-B14F-4D97-AF65-F5344CB8AC3E}">
+        <p14:creationId xmlns:p14="http://schemas.microsoft.com/office/powerpoint/2010/main" val="918645405"/>
+      </p:ext>
+    </p:extLst>
+  </p:cSld>
+  <p:clrMapOvr>
+    <a:masterClrMapping/>
+  </p:clrMapOvr>
+</p:sld>
+</file>
+
+<file path=ppt/slides/slide3.xml><?xml version="1.0" encoding="utf-8"?>
+<p:sld xmlns:a="http://schemas.openxmlformats.org/drawingml/2006/main" xmlns:r="http://schemas.openxmlformats.org/officeDocument/2006/relationships" xmlns:p="http://schemas.openxmlformats.org/presentationml/2006/main">
+  <p:cSld>
+    <p:spTree>
+      <p:nvGrpSpPr>
+        <p:cNvPr id="1" name=""/>
+        <p:cNvGrpSpPr/>
+        <p:nvPr/>
+      </p:nvGrpSpPr>
+      <p:grpSpPr>
+        <a:xfrm>
+          <a:off x="0" y="0"/>
+          <a:ext cx="0" cy="0"/>
+          <a:chOff x="0" y="0"/>
+          <a:chExt cx="0" cy="0"/>
+        </a:xfrm>
+      </p:grpSpPr>
+      <p:cxnSp>
+        <p:nvCxnSpPr>
+          <p:cNvPr id="81" name="Straight Arrow Connector 80"/>
+          <p:cNvCxnSpPr/>
+          <p:nvPr/>
+        </p:nvCxnSpPr>
+        <p:spPr>
+          <a:xfrm flipV="1">
+            <a:off x="5562600" y="4495800"/>
+            <a:ext cx="2061404" cy="1"/>
+          </a:xfrm>
+          <a:prstGeom prst="straightConnector1">
+            <a:avLst/>
+          </a:prstGeom>
+          <a:ln w="19050">
+            <a:solidFill>
+              <a:srgbClr val="E46C0A"/>
+            </a:solidFill>
+            <a:headEnd type="none" w="med" len="med"/>
+            <a:tailEnd type="arrow" w="med" len="med"/>
+          </a:ln>
+        </p:spPr>
+        <p:style>
+          <a:lnRef idx="1">
+            <a:schemeClr val="accent1"/>
+          </a:lnRef>
+          <a:fillRef idx="0">
+            <a:schemeClr val="accent1"/>
+          </a:fillRef>
+          <a:effectRef idx="0">
+            <a:schemeClr val="accent1"/>
+          </a:effectRef>
+          <a:fontRef idx="minor">
+            <a:schemeClr val="tx1"/>
+          </a:fontRef>
+        </p:style>
+      </p:cxnSp>
+      <p:sp>
+        <p:nvSpPr>
+          <p:cNvPr id="2" name="Rectangle 62"/>
+          <p:cNvSpPr/>
+          <p:nvPr/>
+        </p:nvSpPr>
+        <p:spPr>
+          <a:xfrm>
+            <a:off x="1111860" y="836526"/>
+            <a:ext cx="1093635" cy="346760"/>
+          </a:xfrm>
+          <a:prstGeom prst="rect">
+            <a:avLst/>
+          </a:prstGeom>
+          <a:solidFill>
+            <a:srgbClr val="00B050"/>
+          </a:solidFill>
+          <a:ln w="19050">
+            <a:solidFill>
+              <a:srgbClr val="00B050"/>
+            </a:solidFill>
+          </a:ln>
+          <a:effectLst/>
+        </p:spPr>
+        <p:style>
+          <a:lnRef idx="1">
+            <a:schemeClr val="accent2"/>
+          </a:lnRef>
+          <a:fillRef idx="2">
+            <a:schemeClr val="accent2"/>
+          </a:fillRef>
+          <a:effectRef idx="1">
+            <a:schemeClr val="accent2"/>
+          </a:effectRef>
+          <a:fontRef idx="minor">
+            <a:schemeClr val="dk1"/>
+          </a:fontRef>
+        </p:style>
+        <p:txBody>
+          <a:bodyPr rtlCol="0" anchor="ctr"/>
+          <a:lstStyle/>
+          <a:p>
+            <a:pPr algn="ctr"/>
+            <a:r>
+              <a:rPr lang="en-US" sz="1600" dirty="0" smtClean="0">
+                <a:solidFill>
+                  <a:schemeClr val="bg1"/>
+                </a:solidFill>
+              </a:rPr>
+              <a:t>:UI</a:t>
+            </a:r>
+            <a:endParaRPr lang="en-SG" sz="1600" dirty="0">
+              <a:solidFill>
+                <a:schemeClr val="bg1"/>
+              </a:solidFill>
+            </a:endParaRPr>
+          </a:p>
+        </p:txBody>
+      </p:sp>
+      <p:cxnSp>
+        <p:nvCxnSpPr>
+          <p:cNvPr id="5" name="Straight Connector 4"/>
+          <p:cNvCxnSpPr/>
+          <p:nvPr/>
+        </p:nvCxnSpPr>
+        <p:spPr>
+          <a:xfrm>
+            <a:off x="1658677" y="1200197"/>
+            <a:ext cx="0" cy="1723059"/>
+          </a:xfrm>
+          <a:prstGeom prst="line">
+            <a:avLst/>
+          </a:prstGeom>
+          <a:ln w="19050">
+            <a:solidFill>
+              <a:srgbClr val="00B050"/>
+            </a:solidFill>
+            <a:prstDash val="sysDash"/>
+          </a:ln>
+          <a:effectLst/>
+        </p:spPr>
+        <p:style>
+          <a:lnRef idx="1">
+            <a:schemeClr val="accent1"/>
+          </a:lnRef>
+          <a:fillRef idx="2">
+            <a:schemeClr val="accent1"/>
+          </a:fillRef>
+          <a:effectRef idx="1">
+            <a:schemeClr val="accent1"/>
+          </a:effectRef>
+          <a:fontRef idx="minor">
+            <a:schemeClr val="dk1"/>
+          </a:fontRef>
+        </p:style>
+      </p:cxnSp>
+      <p:sp>
+        <p:nvSpPr>
+          <p:cNvPr id="6" name="Rectangle 5"/>
+          <p:cNvSpPr/>
+          <p:nvPr/>
+        </p:nvSpPr>
+        <p:spPr>
+          <a:xfrm>
+            <a:off x="1586669" y="1550892"/>
+            <a:ext cx="152400" cy="1019910"/>
+          </a:xfrm>
+          <a:prstGeom prst="rect">
+            <a:avLst/>
+          </a:prstGeom>
+          <a:solidFill>
+            <a:srgbClr val="00B050"/>
+          </a:solidFill>
+          <a:ln>
+            <a:solidFill>
+              <a:srgbClr val="00B050"/>
+            </a:solidFill>
+          </a:ln>
+          <a:effectLst/>
+        </p:spPr>
+        <p:style>
+          <a:lnRef idx="1">
+            <a:schemeClr val="accent3"/>
+          </a:lnRef>
+          <a:fillRef idx="2">
+            <a:schemeClr val="accent3"/>
+          </a:fillRef>
+          <a:effectRef idx="1">
+            <a:schemeClr val="accent3"/>
+          </a:effectRef>
+          <a:fontRef idx="minor">
+            <a:schemeClr val="dk1"/>
+          </a:fontRef>
+        </p:style>
+        <p:txBody>
+          <a:bodyPr rtlCol="0" anchor="ctr"/>
+          <a:lstStyle/>
+          <a:p>
+            <a:pPr algn="ctr"/>
+            <a:endParaRPr lang="en-SG" sz="1400">
+              <a:solidFill>
+                <a:schemeClr val="dk1"/>
+              </a:solidFill>
+            </a:endParaRPr>
+          </a:p>
+        </p:txBody>
+      </p:sp>
+      <p:grpSp>
+        <p:nvGrpSpPr>
+          <p:cNvPr id="7" name="Actor"/>
+          <p:cNvGrpSpPr/>
+          <p:nvPr/>
+        </p:nvGrpSpPr>
+        <p:grpSpPr>
+          <a:xfrm>
+            <a:off x="152400" y="762000"/>
+            <a:ext cx="324036" cy="573410"/>
+            <a:chOff x="3239901" y="4149080"/>
+            <a:chExt cx="648072" cy="1146820"/>
+          </a:xfrm>
+        </p:grpSpPr>
+        <p:sp>
+          <p:nvSpPr>
+            <p:cNvPr id="8" name="Flowchart: Connector 7"/>
+            <p:cNvSpPr/>
+            <p:nvPr/>
+          </p:nvSpPr>
+          <p:spPr>
+            <a:xfrm>
+              <a:off x="3419872" y="4149080"/>
+              <a:ext cx="288032" cy="288032"/>
+            </a:xfrm>
+            <a:prstGeom prst="flowChartConnector">
+              <a:avLst/>
+            </a:prstGeom>
+            <a:solidFill>
+              <a:schemeClr val="bg1">
+                <a:lumMod val="85000"/>
+              </a:schemeClr>
+            </a:solidFill>
+            <a:ln w="28575">
+              <a:solidFill>
+                <a:schemeClr val="tx1"/>
+              </a:solidFill>
+            </a:ln>
+            <a:effectLst/>
+          </p:spPr>
+          <p:style>
+            <a:lnRef idx="1">
+              <a:schemeClr val="accent4"/>
+            </a:lnRef>
+            <a:fillRef idx="2">
+              <a:schemeClr val="accent4"/>
+            </a:fillRef>
+            <a:effectRef idx="1">
+              <a:schemeClr val="accent4"/>
+            </a:effectRef>
+            <a:fontRef idx="minor">
+              <a:schemeClr val="dk1"/>
+            </a:fontRef>
+          </p:style>
+          <p:txBody>
+            <a:bodyPr rtlCol="0" anchor="ctr"/>
+            <a:lstStyle/>
+            <a:p>
+              <a:pPr algn="ctr"/>
+              <a:endParaRPr lang="en-SG"/>
+            </a:p>
+          </p:txBody>
+        </p:sp>
+        <p:cxnSp>
+          <p:nvCxnSpPr>
+            <p:cNvPr id="9" name="Straight Connector 8"/>
+            <p:cNvCxnSpPr>
+              <a:stCxn id="8" idx="4"/>
+            </p:cNvCxnSpPr>
+            <p:nvPr/>
+          </p:nvCxnSpPr>
+          <p:spPr>
+            <a:xfrm>
+              <a:off x="3563888" y="4437112"/>
+              <a:ext cx="0" cy="504056"/>
+            </a:xfrm>
+            <a:prstGeom prst="line">
+              <a:avLst/>
+            </a:prstGeom>
+            <a:ln w="28575">
+              <a:solidFill>
+                <a:schemeClr val="tx1"/>
+              </a:solidFill>
+            </a:ln>
+            <a:effectLst/>
+          </p:spPr>
+          <p:style>
+            <a:lnRef idx="1">
+              <a:schemeClr val="accent4"/>
+            </a:lnRef>
+            <a:fillRef idx="2">
+              <a:schemeClr val="accent4"/>
+            </a:fillRef>
+            <a:effectRef idx="1">
+              <a:schemeClr val="accent4"/>
+            </a:effectRef>
+            <a:fontRef idx="minor">
+              <a:schemeClr val="dk1"/>
+            </a:fontRef>
+          </p:style>
+        </p:cxnSp>
+        <p:sp>
+          <p:nvSpPr>
+            <p:cNvPr id="10" name="Freeform 9"/>
+            <p:cNvSpPr/>
+            <p:nvPr/>
+          </p:nvSpPr>
+          <p:spPr>
+            <a:xfrm>
+              <a:off x="3324225" y="4933950"/>
+              <a:ext cx="479425" cy="361950"/>
+            </a:xfrm>
+            <a:custGeom>
+              <a:avLst/>
+              <a:gdLst>
+                <a:gd name="connsiteX0" fmla="*/ 0 w 479425"/>
+                <a:gd name="connsiteY0" fmla="*/ 355600 h 361950"/>
+                <a:gd name="connsiteX1" fmla="*/ 241300 w 479425"/>
+                <a:gd name="connsiteY1" fmla="*/ 0 h 361950"/>
+                <a:gd name="connsiteX2" fmla="*/ 479425 w 479425"/>
+                <a:gd name="connsiteY2" fmla="*/ 361950 h 361950"/>
+              </a:gdLst>
+              <a:ahLst/>
+              <a:cxnLst>
+                <a:cxn ang="0">
+                  <a:pos x="connsiteX0" y="connsiteY0"/>
+                </a:cxn>
+                <a:cxn ang="0">
+                  <a:pos x="connsiteX1" y="connsiteY1"/>
+                </a:cxn>
+                <a:cxn ang="0">
+                  <a:pos x="connsiteX2" y="connsiteY2"/>
+                </a:cxn>
+              </a:cxnLst>
+              <a:rect l="l" t="t" r="r" b="b"/>
+              <a:pathLst>
+                <a:path w="479425" h="361950">
+                  <a:moveTo>
+                    <a:pt x="0" y="355600"/>
+                  </a:moveTo>
+                  <a:lnTo>
+                    <a:pt x="241300" y="0"/>
+                  </a:lnTo>
+                  <a:lnTo>
+                    <a:pt x="479425" y="361950"/>
+                  </a:lnTo>
+                </a:path>
+              </a:pathLst>
+            </a:custGeom>
+            <a:noFill/>
+            <a:ln w="28575">
+              <a:solidFill>
+                <a:schemeClr val="tx1"/>
+              </a:solidFill>
+            </a:ln>
+            <a:effectLst/>
+          </p:spPr>
+          <p:style>
+            <a:lnRef idx="1">
+              <a:schemeClr val="accent4"/>
+            </a:lnRef>
+            <a:fillRef idx="2">
+              <a:schemeClr val="accent4"/>
+            </a:fillRef>
+            <a:effectRef idx="1">
+              <a:schemeClr val="accent4"/>
+            </a:effectRef>
+            <a:fontRef idx="minor">
+              <a:schemeClr val="dk1"/>
+            </a:fontRef>
+          </p:style>
+          <p:txBody>
+            <a:bodyPr rtlCol="0" anchor="ctr"/>
+            <a:lstStyle/>
+            <a:p>
+              <a:pPr algn="ctr"/>
+              <a:endParaRPr lang="en-SG"/>
+            </a:p>
+          </p:txBody>
+        </p:sp>
+        <p:cxnSp>
+          <p:nvCxnSpPr>
+            <p:cNvPr id="11" name="Straight Connector 10"/>
+            <p:cNvCxnSpPr/>
+            <p:nvPr/>
+          </p:nvCxnSpPr>
+          <p:spPr>
+            <a:xfrm>
+              <a:off x="3239901" y="4509120"/>
+              <a:ext cx="648072" cy="0"/>
+            </a:xfrm>
+            <a:prstGeom prst="line">
+              <a:avLst/>
+            </a:prstGeom>
+            <a:ln w="28575">
+              <a:solidFill>
+                <a:schemeClr val="tx1"/>
+              </a:solidFill>
+            </a:ln>
+            <a:effectLst/>
+          </p:spPr>
+          <p:style>
+            <a:lnRef idx="1">
+              <a:schemeClr val="accent4"/>
+            </a:lnRef>
+            <a:fillRef idx="2">
+              <a:schemeClr val="accent4"/>
+            </a:fillRef>
+            <a:effectRef idx="1">
+              <a:schemeClr val="accent4"/>
+            </a:effectRef>
+            <a:fontRef idx="minor">
+              <a:schemeClr val="dk1"/>
+            </a:fontRef>
+          </p:style>
+        </p:cxnSp>
+      </p:grpSp>
+      <p:sp>
+        <p:nvSpPr>
+          <p:cNvPr id="16" name="Rectangle 62"/>
+          <p:cNvSpPr/>
+          <p:nvPr/>
+        </p:nvSpPr>
+        <p:spPr>
+          <a:xfrm>
+            <a:off x="3335583" y="840213"/>
+            <a:ext cx="1093635" cy="346760"/>
+          </a:xfrm>
+          <a:prstGeom prst="rect">
+            <a:avLst/>
+          </a:prstGeom>
+          <a:solidFill>
+            <a:srgbClr val="0070C0"/>
+          </a:solidFill>
+          <a:ln w="19050">
+            <a:solidFill>
+              <a:srgbClr val="0070C0"/>
+            </a:solidFill>
+          </a:ln>
+          <a:effectLst/>
+        </p:spPr>
+        <p:style>
+          <a:lnRef idx="1">
+            <a:schemeClr val="accent2"/>
+          </a:lnRef>
+          <a:fillRef idx="2">
+            <a:schemeClr val="accent2"/>
+          </a:fillRef>
+          <a:effectRef idx="1">
+            <a:schemeClr val="accent2"/>
+          </a:effectRef>
+          <a:fontRef idx="minor">
+            <a:schemeClr val="dk1"/>
+          </a:fontRef>
+        </p:style>
+        <p:txBody>
+          <a:bodyPr rtlCol="0" anchor="ctr"/>
+          <a:lstStyle/>
+          <a:p>
+            <a:pPr algn="ctr"/>
+            <a:r>
+              <a:rPr lang="en-US" sz="1600" dirty="0" smtClean="0">
+                <a:solidFill>
+                  <a:schemeClr val="bg1"/>
+                </a:solidFill>
+              </a:rPr>
+              <a:t>:Logic</a:t>
+            </a:r>
+            <a:endParaRPr lang="en-SG" sz="1600" dirty="0">
+              <a:solidFill>
+                <a:schemeClr val="bg1"/>
+              </a:solidFill>
+            </a:endParaRPr>
+          </a:p>
+        </p:txBody>
+      </p:sp>
+      <p:cxnSp>
+        <p:nvCxnSpPr>
+          <p:cNvPr id="17" name="Straight Connector 16"/>
+          <p:cNvCxnSpPr/>
+          <p:nvPr/>
+        </p:nvCxnSpPr>
+        <p:spPr>
+          <a:xfrm>
+            <a:off x="3882400" y="1203884"/>
+            <a:ext cx="0" cy="1723059"/>
+          </a:xfrm>
+          <a:prstGeom prst="line">
+            <a:avLst/>
+          </a:prstGeom>
+          <a:ln w="19050">
+            <a:solidFill>
+              <a:srgbClr val="0070C0"/>
+            </a:solidFill>
+            <a:prstDash val="sysDash"/>
+          </a:ln>
+          <a:effectLst/>
+        </p:spPr>
+        <p:style>
+          <a:lnRef idx="1">
+            <a:schemeClr val="accent1"/>
+          </a:lnRef>
+          <a:fillRef idx="2">
+            <a:schemeClr val="accent1"/>
+          </a:fillRef>
+          <a:effectRef idx="1">
+            <a:schemeClr val="accent1"/>
+          </a:effectRef>
+          <a:fontRef idx="minor">
+            <a:schemeClr val="dk1"/>
+          </a:fontRef>
+        </p:style>
+      </p:cxnSp>
+      <p:sp>
+        <p:nvSpPr>
+          <p:cNvPr id="18" name="Rectangle 17"/>
+          <p:cNvSpPr/>
+          <p:nvPr/>
+        </p:nvSpPr>
+        <p:spPr>
+          <a:xfrm>
+            <a:off x="3810392" y="1662077"/>
+            <a:ext cx="144016" cy="832525"/>
+          </a:xfrm>
+          <a:prstGeom prst="rect">
+            <a:avLst/>
+          </a:prstGeom>
+          <a:solidFill>
+            <a:srgbClr val="0070C0"/>
+          </a:solidFill>
+          <a:ln>
+            <a:solidFill>
+              <a:srgbClr val="0070C0"/>
+            </a:solidFill>
+          </a:ln>
+          <a:effectLst/>
+        </p:spPr>
+        <p:style>
+          <a:lnRef idx="1">
+            <a:schemeClr val="accent3"/>
+          </a:lnRef>
+          <a:fillRef idx="2">
+            <a:schemeClr val="accent3"/>
+          </a:fillRef>
+          <a:effectRef idx="1">
+            <a:schemeClr val="accent3"/>
+          </a:effectRef>
+          <a:fontRef idx="minor">
+            <a:schemeClr val="dk1"/>
+          </a:fontRef>
+        </p:style>
+        <p:txBody>
+          <a:bodyPr rtlCol="0" anchor="ctr"/>
+          <a:lstStyle/>
+          <a:p>
+            <a:pPr algn="ctr"/>
+            <a:endParaRPr lang="en-SG" sz="1400">
+              <a:solidFill>
+                <a:schemeClr val="dk1"/>
+              </a:solidFill>
+            </a:endParaRPr>
+          </a:p>
+        </p:txBody>
+      </p:sp>
+      <p:cxnSp>
+        <p:nvCxnSpPr>
+          <p:cNvPr id="23" name="Straight Arrow Connector 22"/>
+          <p:cNvCxnSpPr/>
+          <p:nvPr/>
+        </p:nvCxnSpPr>
+        <p:spPr>
+          <a:xfrm>
+            <a:off x="466818" y="1554579"/>
+            <a:ext cx="1119851" cy="0"/>
+          </a:xfrm>
+          <a:prstGeom prst="straightConnector1">
+            <a:avLst/>
+          </a:prstGeom>
+          <a:ln w="19050">
+            <a:solidFill>
+              <a:schemeClr val="tx1"/>
+            </a:solidFill>
+            <a:tailEnd type="arrow"/>
+          </a:ln>
+        </p:spPr>
+        <p:style>
+          <a:lnRef idx="1">
+            <a:schemeClr val="accent1"/>
+          </a:lnRef>
+          <a:fillRef idx="0">
+            <a:schemeClr val="accent1"/>
+          </a:fillRef>
+          <a:effectRef idx="0">
+            <a:schemeClr val="accent1"/>
+          </a:effectRef>
+          <a:fontRef idx="minor">
+            <a:schemeClr val="tx1"/>
+          </a:fontRef>
+        </p:style>
+      </p:cxnSp>
+      <p:sp>
+        <p:nvSpPr>
+          <p:cNvPr id="24" name="TextBox 23"/>
+          <p:cNvSpPr txBox="1"/>
+          <p:nvPr/>
+        </p:nvSpPr>
+        <p:spPr>
+          <a:xfrm>
+            <a:off x="466818" y="1574480"/>
+            <a:ext cx="860170" cy="646331"/>
+          </a:xfrm>
+          <a:prstGeom prst="rect">
+            <a:avLst/>
+          </a:prstGeom>
+          <a:noFill/>
+        </p:spPr>
+        <p:txBody>
+          <a:bodyPr wrap="square" lIns="0" tIns="0" rIns="0" bIns="0" rtlCol="0">
+            <a:spAutoFit/>
+          </a:bodyPr>
+          <a:lstStyle/>
+          <a:p>
+            <a:r>
+              <a:rPr lang="en-US" sz="1400" dirty="0" smtClean="0"/>
+              <a:t>Backup GITHUB </a:t>
+            </a:r>
+            <a:r>
+              <a:rPr lang="en-US" sz="1400" dirty="0" err="1" smtClean="0"/>
+              <a:t>auth_token</a:t>
+            </a:r>
+            <a:endParaRPr lang="en-US" sz="1400" dirty="0"/>
+          </a:p>
+        </p:txBody>
+      </p:sp>
+      <p:cxnSp>
+        <p:nvCxnSpPr>
+          <p:cNvPr id="25" name="Straight Arrow Connector 24"/>
+          <p:cNvCxnSpPr/>
+          <p:nvPr/>
+        </p:nvCxnSpPr>
+        <p:spPr>
+          <a:xfrm>
+            <a:off x="1739069" y="1662078"/>
+            <a:ext cx="2071323" cy="0"/>
+          </a:xfrm>
+          <a:prstGeom prst="straightConnector1">
+            <a:avLst/>
+          </a:prstGeom>
+          <a:ln w="19050">
+            <a:solidFill>
+              <a:srgbClr val="00B050"/>
+            </a:solidFill>
+            <a:tailEnd type="arrow"/>
+          </a:ln>
+        </p:spPr>
+        <p:style>
+          <a:lnRef idx="1">
+            <a:schemeClr val="accent1"/>
+          </a:lnRef>
+          <a:fillRef idx="0">
+            <a:schemeClr val="accent1"/>
+          </a:fillRef>
+          <a:effectRef idx="0">
+            <a:schemeClr val="accent1"/>
+          </a:effectRef>
+          <a:fontRef idx="minor">
+            <a:schemeClr val="tx1"/>
+          </a:fontRef>
+        </p:style>
+      </p:cxnSp>
+      <p:sp>
+        <p:nvSpPr>
+          <p:cNvPr id="26" name="TextBox 25"/>
+          <p:cNvSpPr txBox="1"/>
+          <p:nvPr/>
+        </p:nvSpPr>
+        <p:spPr>
+          <a:xfrm>
+            <a:off x="1802431" y="1681979"/>
+            <a:ext cx="2030929" cy="369332"/>
+          </a:xfrm>
+          <a:prstGeom prst="rect">
+            <a:avLst/>
+          </a:prstGeom>
+          <a:noFill/>
+        </p:spPr>
+        <p:txBody>
+          <a:bodyPr wrap="square" lIns="0" tIns="0" rIns="0" bIns="0" rtlCol="0">
+            <a:spAutoFit/>
+          </a:bodyPr>
+          <a:lstStyle/>
+          <a:p>
+            <a:r>
+              <a:rPr lang="en-US" sz="1200" dirty="0" smtClean="0">
+                <a:solidFill>
+                  <a:srgbClr val="0070C0"/>
+                </a:solidFill>
+              </a:rPr>
+              <a:t>execute</a:t>
+            </a:r>
+            <a:r>
+              <a:rPr lang="en-US" sz="1200" dirty="0" smtClean="0">
+                <a:solidFill>
+                  <a:srgbClr val="0070C0"/>
+                </a:solidFill>
+              </a:rPr>
+              <a:t>(“backup GITHUB </a:t>
+            </a:r>
+            <a:r>
+              <a:rPr lang="en-US" sz="1200" dirty="0" err="1" smtClean="0">
+                <a:solidFill>
+                  <a:srgbClr val="0070C0"/>
+                </a:solidFill>
+              </a:rPr>
+              <a:t>auth_token</a:t>
+            </a:r>
+            <a:r>
+              <a:rPr lang="en-US" sz="1200" dirty="0" smtClean="0">
+                <a:solidFill>
+                  <a:srgbClr val="0070C0"/>
+                </a:solidFill>
+              </a:rPr>
+              <a:t>”)</a:t>
+            </a:r>
+            <a:endParaRPr lang="en-US" sz="1200" dirty="0">
+              <a:solidFill>
+                <a:srgbClr val="0070C0"/>
+              </a:solidFill>
+            </a:endParaRPr>
+          </a:p>
+        </p:txBody>
+      </p:sp>
+      <p:cxnSp>
+        <p:nvCxnSpPr>
+          <p:cNvPr id="28" name="Straight Arrow Connector 27"/>
+          <p:cNvCxnSpPr/>
+          <p:nvPr/>
+        </p:nvCxnSpPr>
+        <p:spPr>
+          <a:xfrm>
+            <a:off x="3986773" y="2078340"/>
+            <a:ext cx="4558021" cy="16371"/>
+          </a:xfrm>
+          <a:prstGeom prst="straightConnector1">
+            <a:avLst/>
+          </a:prstGeom>
+          <a:ln w="19050">
+            <a:solidFill>
+              <a:srgbClr val="0070C0"/>
+            </a:solidFill>
+            <a:tailEnd type="arrow"/>
+          </a:ln>
+        </p:spPr>
+        <p:style>
+          <a:lnRef idx="1">
+            <a:schemeClr val="accent1"/>
+          </a:lnRef>
+          <a:fillRef idx="0">
+            <a:schemeClr val="accent1"/>
+          </a:fillRef>
+          <a:effectRef idx="0">
+            <a:schemeClr val="accent1"/>
+          </a:effectRef>
+          <a:fontRef idx="minor">
+            <a:schemeClr val="tx1"/>
+          </a:fontRef>
+        </p:style>
+      </p:cxnSp>
+      <p:cxnSp>
+        <p:nvCxnSpPr>
+          <p:cNvPr id="35" name="Straight Arrow Connector 34"/>
+          <p:cNvCxnSpPr/>
+          <p:nvPr/>
+        </p:nvCxnSpPr>
+        <p:spPr>
+          <a:xfrm>
+            <a:off x="1739069" y="2494602"/>
+            <a:ext cx="2058118" cy="0"/>
+          </a:xfrm>
+          <a:prstGeom prst="straightConnector1">
+            <a:avLst/>
+          </a:prstGeom>
+          <a:ln w="19050">
+            <a:solidFill>
+              <a:srgbClr val="0070C0"/>
+            </a:solidFill>
+            <a:prstDash val="sysDash"/>
+            <a:headEnd type="arrow" w="med" len="med"/>
+            <a:tailEnd type="none" w="med" len="med"/>
+          </a:ln>
+        </p:spPr>
+        <p:style>
+          <a:lnRef idx="1">
+            <a:schemeClr val="accent1"/>
+          </a:lnRef>
+          <a:fillRef idx="0">
+            <a:schemeClr val="accent1"/>
+          </a:fillRef>
+          <a:effectRef idx="0">
+            <a:schemeClr val="accent1"/>
+          </a:effectRef>
+          <a:fontRef idx="minor">
+            <a:schemeClr val="tx1"/>
+          </a:fontRef>
+        </p:style>
+      </p:cxnSp>
+      <p:cxnSp>
+        <p:nvCxnSpPr>
+          <p:cNvPr id="37" name="Straight Arrow Connector 36"/>
+          <p:cNvCxnSpPr/>
+          <p:nvPr/>
+        </p:nvCxnSpPr>
+        <p:spPr>
+          <a:xfrm>
+            <a:off x="390618" y="2570802"/>
+            <a:ext cx="1196051" cy="0"/>
+          </a:xfrm>
+          <a:prstGeom prst="straightConnector1">
+            <a:avLst/>
+          </a:prstGeom>
+          <a:ln w="19050">
+            <a:solidFill>
+              <a:srgbClr val="00B050"/>
+            </a:solidFill>
+            <a:prstDash val="sysDash"/>
+            <a:headEnd type="arrow" w="med" len="med"/>
+            <a:tailEnd type="none" w="med" len="med"/>
+          </a:ln>
+        </p:spPr>
+        <p:style>
+          <a:lnRef idx="1">
+            <a:schemeClr val="accent1"/>
+          </a:lnRef>
+          <a:fillRef idx="0">
+            <a:schemeClr val="accent1"/>
+          </a:fillRef>
+          <a:effectRef idx="0">
+            <a:schemeClr val="accent1"/>
+          </a:effectRef>
+          <a:fontRef idx="minor">
+            <a:schemeClr val="tx1"/>
+          </a:fontRef>
+        </p:style>
+      </p:cxnSp>
+      <p:sp>
+        <p:nvSpPr>
+          <p:cNvPr id="39" name="Rectangle 62"/>
+          <p:cNvSpPr/>
+          <p:nvPr/>
+        </p:nvSpPr>
+        <p:spPr>
+          <a:xfrm>
+            <a:off x="7696200" y="819851"/>
+            <a:ext cx="1371600" cy="346760"/>
+          </a:xfrm>
+          <a:prstGeom prst="rect">
+            <a:avLst/>
+          </a:prstGeom>
+          <a:solidFill>
+            <a:schemeClr val="accent5">
+              <a:lumMod val="75000"/>
+            </a:schemeClr>
+          </a:solidFill>
+          <a:ln w="19050">
+            <a:solidFill>
+              <a:schemeClr val="accent5">
+                <a:lumMod val="75000"/>
+              </a:schemeClr>
+            </a:solidFill>
+          </a:ln>
+          <a:effectLst/>
+        </p:spPr>
+        <p:style>
+          <a:lnRef idx="1">
+            <a:schemeClr val="accent2"/>
+          </a:lnRef>
+          <a:fillRef idx="2">
+            <a:schemeClr val="accent2"/>
+          </a:fillRef>
+          <a:effectRef idx="1">
+            <a:schemeClr val="accent2"/>
+          </a:effectRef>
+          <a:fontRef idx="minor">
+            <a:schemeClr val="dk1"/>
+          </a:fontRef>
+        </p:style>
+        <p:txBody>
+          <a:bodyPr rtlCol="0" anchor="ctr"/>
+          <a:lstStyle/>
+          <a:p>
+            <a:pPr algn="ctr"/>
+            <a:r>
+              <a:rPr lang="en-US" sz="1600" dirty="0" smtClean="0">
+                <a:solidFill>
+                  <a:schemeClr val="bg1"/>
+                </a:solidFill>
+              </a:rPr>
+              <a:t>:</a:t>
+            </a:r>
+            <a:r>
+              <a:rPr lang="en-US" sz="1600" dirty="0" err="1" smtClean="0">
+                <a:solidFill>
+                  <a:schemeClr val="bg1"/>
+                </a:solidFill>
+              </a:rPr>
+              <a:t>EventsCenter</a:t>
+            </a:r>
+            <a:endParaRPr lang="en-SG" sz="1600" dirty="0">
+              <a:solidFill>
+                <a:schemeClr val="bg1"/>
+              </a:solidFill>
+            </a:endParaRPr>
+          </a:p>
+        </p:txBody>
+      </p:sp>
+      <p:cxnSp>
+        <p:nvCxnSpPr>
+          <p:cNvPr id="40" name="Straight Connector 39"/>
+          <p:cNvCxnSpPr/>
+          <p:nvPr/>
+        </p:nvCxnSpPr>
+        <p:spPr>
+          <a:xfrm>
+            <a:off x="8616802" y="1172905"/>
+            <a:ext cx="0" cy="1723059"/>
+          </a:xfrm>
+          <a:prstGeom prst="line">
+            <a:avLst/>
+          </a:prstGeom>
+          <a:ln w="19050">
+            <a:solidFill>
+              <a:schemeClr val="accent5">
+                <a:lumMod val="75000"/>
+              </a:schemeClr>
+            </a:solidFill>
+            <a:prstDash val="sysDash"/>
+          </a:ln>
+          <a:effectLst/>
+        </p:spPr>
+        <p:style>
+          <a:lnRef idx="1">
+            <a:schemeClr val="accent1"/>
+          </a:lnRef>
+          <a:fillRef idx="2">
+            <a:schemeClr val="accent1"/>
+          </a:fillRef>
+          <a:effectRef idx="1">
+            <a:schemeClr val="accent1"/>
+          </a:effectRef>
+          <a:fontRef idx="minor">
+            <a:schemeClr val="dk1"/>
+          </a:fontRef>
+        </p:style>
+      </p:cxnSp>
+      <p:sp>
+        <p:nvSpPr>
+          <p:cNvPr id="41" name="Rectangle 40"/>
+          <p:cNvSpPr/>
+          <p:nvPr/>
+        </p:nvSpPr>
+        <p:spPr>
+          <a:xfrm>
+            <a:off x="8545799" y="2070938"/>
+            <a:ext cx="142006" cy="176787"/>
+          </a:xfrm>
+          <a:prstGeom prst="rect">
+            <a:avLst/>
+          </a:prstGeom>
+          <a:solidFill>
+            <a:schemeClr val="accent5">
+              <a:lumMod val="75000"/>
+            </a:schemeClr>
+          </a:solidFill>
+          <a:ln>
+            <a:solidFill>
+              <a:schemeClr val="accent5">
+                <a:lumMod val="75000"/>
+              </a:schemeClr>
+            </a:solidFill>
+          </a:ln>
+          <a:effectLst/>
+        </p:spPr>
+        <p:style>
+          <a:lnRef idx="1">
+            <a:schemeClr val="accent3"/>
+          </a:lnRef>
+          <a:fillRef idx="2">
+            <a:schemeClr val="accent3"/>
+          </a:fillRef>
+          <a:effectRef idx="1">
+            <a:schemeClr val="accent3"/>
+          </a:effectRef>
+          <a:fontRef idx="minor">
+            <a:schemeClr val="dk1"/>
+          </a:fontRef>
+        </p:style>
+        <p:txBody>
+          <a:bodyPr rtlCol="0" anchor="ctr"/>
+          <a:lstStyle/>
+          <a:p>
+            <a:pPr algn="ctr"/>
+            <a:endParaRPr lang="en-SG" sz="1400">
+              <a:solidFill>
+                <a:schemeClr val="dk1"/>
+              </a:solidFill>
+            </a:endParaRPr>
+          </a:p>
+        </p:txBody>
+      </p:sp>
+      <p:cxnSp>
+        <p:nvCxnSpPr>
+          <p:cNvPr id="44" name="Straight Arrow Connector 43"/>
+          <p:cNvCxnSpPr/>
+          <p:nvPr/>
+        </p:nvCxnSpPr>
+        <p:spPr>
+          <a:xfrm flipV="1">
+            <a:off x="3953404" y="2243405"/>
+            <a:ext cx="4591390" cy="10828"/>
+          </a:xfrm>
+          <a:prstGeom prst="straightConnector1">
+            <a:avLst/>
+          </a:prstGeom>
+          <a:ln w="19050">
+            <a:solidFill>
+              <a:schemeClr val="accent5">
+                <a:lumMod val="75000"/>
+              </a:schemeClr>
+            </a:solidFill>
+            <a:prstDash val="sysDash"/>
+            <a:headEnd type="arrow" w="med" len="med"/>
+            <a:tailEnd type="none" w="med" len="med"/>
+          </a:ln>
+        </p:spPr>
+        <p:style>
+          <a:lnRef idx="1">
+            <a:schemeClr val="accent1"/>
+          </a:lnRef>
+          <a:fillRef idx="0">
+            <a:schemeClr val="accent1"/>
+          </a:fillRef>
+          <a:effectRef idx="0">
+            <a:schemeClr val="accent1"/>
+          </a:effectRef>
+          <a:fontRef idx="minor">
+            <a:schemeClr val="tx1"/>
+          </a:fontRef>
+        </p:style>
+      </p:cxnSp>
+      <p:sp>
+        <p:nvSpPr>
+          <p:cNvPr id="53" name="Rectangle 62"/>
+          <p:cNvSpPr/>
+          <p:nvPr/>
+        </p:nvSpPr>
+        <p:spPr>
+          <a:xfrm>
+            <a:off x="4953000" y="3276600"/>
+            <a:ext cx="1093635" cy="346760"/>
+          </a:xfrm>
+          <a:prstGeom prst="rect">
+            <a:avLst/>
+          </a:prstGeom>
+          <a:solidFill>
+            <a:schemeClr val="accent6">
+              <a:lumMod val="75000"/>
+            </a:schemeClr>
+          </a:solidFill>
+          <a:ln w="19050">
+            <a:solidFill>
+              <a:schemeClr val="accent6">
+                <a:lumMod val="75000"/>
+              </a:schemeClr>
+            </a:solidFill>
+          </a:ln>
+          <a:effectLst/>
+        </p:spPr>
+        <p:style>
+          <a:lnRef idx="1">
+            <a:schemeClr val="accent2"/>
+          </a:lnRef>
+          <a:fillRef idx="2">
+            <a:schemeClr val="accent2"/>
+          </a:fillRef>
+          <a:effectRef idx="1">
+            <a:schemeClr val="accent2"/>
+          </a:effectRef>
+          <a:fontRef idx="minor">
+            <a:schemeClr val="dk1"/>
+          </a:fontRef>
+        </p:style>
+        <p:txBody>
+          <a:bodyPr rtlCol="0" anchor="ctr"/>
+          <a:lstStyle/>
+          <a:p>
+            <a:pPr algn="ctr"/>
+            <a:r>
+              <a:rPr lang="en-US" sz="1600" dirty="0" smtClean="0">
+                <a:solidFill>
+                  <a:schemeClr val="bg1"/>
+                </a:solidFill>
+              </a:rPr>
+              <a:t>:Storage</a:t>
+            </a:r>
+            <a:endParaRPr lang="en-SG" sz="1600" dirty="0">
+              <a:solidFill>
+                <a:schemeClr val="bg1"/>
+              </a:solidFill>
+            </a:endParaRPr>
+          </a:p>
+        </p:txBody>
+      </p:sp>
+      <p:cxnSp>
+        <p:nvCxnSpPr>
+          <p:cNvPr id="54" name="Straight Connector 53"/>
+          <p:cNvCxnSpPr/>
+          <p:nvPr/>
+        </p:nvCxnSpPr>
+        <p:spPr>
+          <a:xfrm>
+            <a:off x="5499817" y="3640271"/>
+            <a:ext cx="19842" cy="1998529"/>
+          </a:xfrm>
+          <a:prstGeom prst="line">
+            <a:avLst/>
+          </a:prstGeom>
+          <a:ln w="19050">
+            <a:solidFill>
+              <a:schemeClr val="accent6">
+                <a:lumMod val="75000"/>
+              </a:schemeClr>
+            </a:solidFill>
+            <a:prstDash val="sysDash"/>
+          </a:ln>
+          <a:effectLst/>
+        </p:spPr>
+        <p:style>
+          <a:lnRef idx="1">
+            <a:schemeClr val="accent1"/>
+          </a:lnRef>
+          <a:fillRef idx="2">
+            <a:schemeClr val="accent1"/>
+          </a:fillRef>
+          <a:effectRef idx="1">
+            <a:schemeClr val="accent1"/>
+          </a:effectRef>
+          <a:fontRef idx="minor">
+            <a:schemeClr val="dk1"/>
+          </a:fontRef>
+        </p:style>
+      </p:cxnSp>
+      <p:sp>
+        <p:nvSpPr>
+          <p:cNvPr id="55" name="Rectangle 54"/>
+          <p:cNvSpPr/>
+          <p:nvPr/>
+        </p:nvSpPr>
+        <p:spPr>
+          <a:xfrm>
+            <a:off x="5456877" y="4343400"/>
+            <a:ext cx="129392" cy="1055682"/>
+          </a:xfrm>
+          <a:prstGeom prst="rect">
+            <a:avLst/>
+          </a:prstGeom>
+          <a:solidFill>
+            <a:schemeClr val="accent6">
+              <a:lumMod val="75000"/>
+            </a:schemeClr>
+          </a:solidFill>
+          <a:ln>
+            <a:solidFill>
+              <a:schemeClr val="accent6">
+                <a:lumMod val="75000"/>
+              </a:schemeClr>
+            </a:solidFill>
+          </a:ln>
+          <a:effectLst/>
+        </p:spPr>
+        <p:style>
+          <a:lnRef idx="1">
+            <a:schemeClr val="accent3"/>
+          </a:lnRef>
+          <a:fillRef idx="2">
+            <a:schemeClr val="accent3"/>
+          </a:fillRef>
+          <a:effectRef idx="1">
+            <a:schemeClr val="accent3"/>
+          </a:effectRef>
+          <a:fontRef idx="minor">
+            <a:schemeClr val="dk1"/>
+          </a:fontRef>
+        </p:style>
+        <p:txBody>
+          <a:bodyPr rtlCol="0" anchor="ctr"/>
+          <a:lstStyle/>
+          <a:p>
+            <a:pPr algn="ctr"/>
+            <a:endParaRPr lang="en-SG" sz="1400">
+              <a:solidFill>
+                <a:schemeClr val="dk1"/>
+              </a:solidFill>
+            </a:endParaRPr>
+          </a:p>
+        </p:txBody>
+      </p:sp>
+      <p:sp>
+        <p:nvSpPr>
+          <p:cNvPr id="62" name="TextBox 61"/>
+          <p:cNvSpPr txBox="1"/>
+          <p:nvPr/>
+        </p:nvSpPr>
+        <p:spPr>
+          <a:xfrm>
+            <a:off x="1671321" y="3821655"/>
+            <a:ext cx="2716635" cy="184666"/>
+          </a:xfrm>
+          <a:prstGeom prst="rect">
+            <a:avLst/>
+          </a:prstGeom>
+          <a:noFill/>
+        </p:spPr>
+        <p:txBody>
+          <a:bodyPr wrap="square" lIns="0" tIns="0" rIns="0" bIns="0" rtlCol="0">
+            <a:spAutoFit/>
+          </a:bodyPr>
+          <a:lstStyle/>
+          <a:p>
+            <a:r>
+              <a:rPr lang="en-US" sz="1200" dirty="0" smtClean="0">
+                <a:solidFill>
+                  <a:srgbClr val="0070C0"/>
+                </a:solidFill>
+              </a:rPr>
+              <a:t>post(</a:t>
+            </a:r>
+            <a:r>
+              <a:rPr lang="en-US" sz="1200" dirty="0" err="1">
+                <a:solidFill>
+                  <a:srgbClr val="0070C0"/>
+                </a:solidFill>
+              </a:rPr>
+              <a:t>OnlineBackupEvent</a:t>
+            </a:r>
+            <a:r>
+              <a:rPr lang="en-US" sz="1200" dirty="0" smtClean="0">
+                <a:solidFill>
+                  <a:srgbClr val="0070C0"/>
+                </a:solidFill>
+              </a:rPr>
+              <a:t>)</a:t>
+            </a:r>
+            <a:endParaRPr lang="en-US" sz="1200" dirty="0">
+              <a:solidFill>
+                <a:srgbClr val="0070C0"/>
+              </a:solidFill>
+            </a:endParaRPr>
+          </a:p>
+        </p:txBody>
+      </p:sp>
+      <p:cxnSp>
+        <p:nvCxnSpPr>
+          <p:cNvPr id="63" name="Straight Arrow Connector 62"/>
+          <p:cNvCxnSpPr/>
+          <p:nvPr/>
+        </p:nvCxnSpPr>
+        <p:spPr>
+          <a:xfrm flipH="1" flipV="1">
+            <a:off x="3417121" y="4941878"/>
+            <a:ext cx="2051652" cy="4484"/>
+          </a:xfrm>
+          <a:prstGeom prst="straightConnector1">
+            <a:avLst/>
+          </a:prstGeom>
+          <a:ln w="19050" cmpd="sng">
+            <a:solidFill>
+              <a:schemeClr val="accent6">
+                <a:lumMod val="75000"/>
+              </a:schemeClr>
+            </a:solidFill>
+            <a:prstDash val="solid"/>
+            <a:headEnd type="none" w="med" len="med"/>
+            <a:tailEnd type="arrow" w="med" len="med"/>
+          </a:ln>
+        </p:spPr>
+        <p:style>
+          <a:lnRef idx="1">
+            <a:schemeClr val="accent1"/>
+          </a:lnRef>
+          <a:fillRef idx="0">
+            <a:schemeClr val="accent1"/>
+          </a:fillRef>
+          <a:effectRef idx="0">
+            <a:schemeClr val="accent1"/>
+          </a:effectRef>
+          <a:fontRef idx="minor">
+            <a:schemeClr val="tx1"/>
+          </a:fontRef>
+        </p:style>
+      </p:cxnSp>
+      <p:sp>
+        <p:nvSpPr>
+          <p:cNvPr id="66" name="Rectangle 62"/>
+          <p:cNvSpPr/>
+          <p:nvPr/>
+        </p:nvSpPr>
+        <p:spPr>
+          <a:xfrm>
+            <a:off x="2720504" y="3293511"/>
+            <a:ext cx="1371600" cy="346760"/>
+          </a:xfrm>
+          <a:prstGeom prst="rect">
+            <a:avLst/>
+          </a:prstGeom>
+          <a:solidFill>
+            <a:schemeClr val="accent5">
+              <a:lumMod val="75000"/>
+            </a:schemeClr>
+          </a:solidFill>
+          <a:ln w="19050">
+            <a:solidFill>
+              <a:schemeClr val="accent5">
+                <a:lumMod val="75000"/>
+              </a:schemeClr>
+            </a:solidFill>
+          </a:ln>
+          <a:effectLst/>
+        </p:spPr>
+        <p:style>
+          <a:lnRef idx="1">
+            <a:schemeClr val="accent2"/>
+          </a:lnRef>
+          <a:fillRef idx="2">
+            <a:schemeClr val="accent2"/>
+          </a:fillRef>
+          <a:effectRef idx="1">
+            <a:schemeClr val="accent2"/>
+          </a:effectRef>
+          <a:fontRef idx="minor">
+            <a:schemeClr val="dk1"/>
+          </a:fontRef>
+        </p:style>
+        <p:txBody>
+          <a:bodyPr rtlCol="0" anchor="ctr"/>
+          <a:lstStyle/>
+          <a:p>
+            <a:pPr algn="ctr"/>
+            <a:r>
+              <a:rPr lang="en-US" sz="1600" dirty="0" smtClean="0">
+                <a:solidFill>
+                  <a:schemeClr val="bg1"/>
+                </a:solidFill>
+              </a:rPr>
+              <a:t>:</a:t>
+            </a:r>
+            <a:r>
+              <a:rPr lang="en-US" sz="1600" dirty="0" err="1" smtClean="0">
+                <a:solidFill>
+                  <a:schemeClr val="bg1"/>
+                </a:solidFill>
+              </a:rPr>
+              <a:t>EventsCenter</a:t>
+            </a:r>
+            <a:endParaRPr lang="en-SG" sz="1600" dirty="0">
+              <a:solidFill>
+                <a:schemeClr val="bg1"/>
+              </a:solidFill>
+            </a:endParaRPr>
+          </a:p>
+        </p:txBody>
+      </p:sp>
+      <p:cxnSp>
+        <p:nvCxnSpPr>
+          <p:cNvPr id="67" name="Straight Connector 66"/>
+          <p:cNvCxnSpPr/>
+          <p:nvPr/>
+        </p:nvCxnSpPr>
+        <p:spPr>
+          <a:xfrm flipH="1">
+            <a:off x="3380077" y="3646565"/>
+            <a:ext cx="6012" cy="1992235"/>
+          </a:xfrm>
+          <a:prstGeom prst="line">
+            <a:avLst/>
+          </a:prstGeom>
+          <a:ln w="19050">
+            <a:solidFill>
+              <a:schemeClr val="accent5">
+                <a:lumMod val="75000"/>
+              </a:schemeClr>
+            </a:solidFill>
+            <a:prstDash val="sysDash"/>
+          </a:ln>
+          <a:effectLst/>
+        </p:spPr>
+        <p:style>
+          <a:lnRef idx="1">
+            <a:schemeClr val="accent1"/>
+          </a:lnRef>
+          <a:fillRef idx="2">
+            <a:schemeClr val="accent1"/>
+          </a:fillRef>
+          <a:effectRef idx="1">
+            <a:schemeClr val="accent1"/>
+          </a:effectRef>
+          <a:fontRef idx="minor">
+            <a:schemeClr val="dk1"/>
+          </a:fontRef>
+        </p:style>
+      </p:cxnSp>
+      <p:sp>
+        <p:nvSpPr>
+          <p:cNvPr id="68" name="Rectangle 67"/>
+          <p:cNvSpPr/>
+          <p:nvPr/>
+        </p:nvSpPr>
+        <p:spPr>
+          <a:xfrm>
+            <a:off x="3314082" y="4069498"/>
+            <a:ext cx="138420" cy="1409068"/>
+          </a:xfrm>
+          <a:prstGeom prst="rect">
+            <a:avLst/>
+          </a:prstGeom>
+          <a:solidFill>
+            <a:schemeClr val="accent5">
+              <a:lumMod val="75000"/>
+            </a:schemeClr>
+          </a:solidFill>
+          <a:ln>
+            <a:solidFill>
+              <a:schemeClr val="accent5">
+                <a:lumMod val="75000"/>
+              </a:schemeClr>
+            </a:solidFill>
+          </a:ln>
+          <a:effectLst/>
+        </p:spPr>
+        <p:style>
+          <a:lnRef idx="1">
+            <a:schemeClr val="accent3"/>
+          </a:lnRef>
+          <a:fillRef idx="2">
+            <a:schemeClr val="accent3"/>
+          </a:fillRef>
+          <a:effectRef idx="1">
+            <a:schemeClr val="accent3"/>
+          </a:effectRef>
+          <a:fontRef idx="minor">
+            <a:schemeClr val="dk1"/>
+          </a:fontRef>
+        </p:style>
+        <p:txBody>
+          <a:bodyPr rtlCol="0" anchor="ctr"/>
+          <a:lstStyle/>
+          <a:p>
+            <a:pPr algn="ctr"/>
+            <a:endParaRPr lang="en-SG" sz="1400">
+              <a:solidFill>
+                <a:schemeClr val="dk1"/>
+              </a:solidFill>
+            </a:endParaRPr>
+          </a:p>
+        </p:txBody>
+      </p:sp>
+      <p:cxnSp>
+        <p:nvCxnSpPr>
+          <p:cNvPr id="69" name="Straight Arrow Connector 68"/>
+          <p:cNvCxnSpPr/>
+          <p:nvPr/>
+        </p:nvCxnSpPr>
+        <p:spPr>
+          <a:xfrm>
+            <a:off x="2008287" y="4069498"/>
+            <a:ext cx="1295400" cy="0"/>
+          </a:xfrm>
+          <a:prstGeom prst="straightConnector1">
+            <a:avLst/>
+          </a:prstGeom>
+          <a:ln w="19050">
+            <a:solidFill>
+              <a:srgbClr val="0070C0"/>
+            </a:solidFill>
+            <a:tailEnd type="arrow"/>
+          </a:ln>
+        </p:spPr>
+        <p:style>
+          <a:lnRef idx="1">
+            <a:schemeClr val="accent1"/>
+          </a:lnRef>
+          <a:fillRef idx="0">
+            <a:schemeClr val="accent1"/>
+          </a:fillRef>
+          <a:effectRef idx="0">
+            <a:schemeClr val="accent1"/>
+          </a:effectRef>
+          <a:fontRef idx="minor">
+            <a:schemeClr val="tx1"/>
+          </a:fontRef>
+        </p:style>
+      </p:cxnSp>
+      <p:cxnSp>
+        <p:nvCxnSpPr>
+          <p:cNvPr id="70" name="Straight Arrow Connector 69"/>
+          <p:cNvCxnSpPr/>
+          <p:nvPr/>
+        </p:nvCxnSpPr>
+        <p:spPr>
+          <a:xfrm>
+            <a:off x="1905000" y="5486400"/>
+            <a:ext cx="1448755" cy="0"/>
+          </a:xfrm>
+          <a:prstGeom prst="straightConnector1">
+            <a:avLst/>
+          </a:prstGeom>
+          <a:ln w="19050">
+            <a:solidFill>
+              <a:schemeClr val="accent5">
+                <a:lumMod val="75000"/>
+              </a:schemeClr>
+            </a:solidFill>
+            <a:prstDash val="sysDash"/>
+            <a:headEnd type="arrow" w="med" len="med"/>
+            <a:tailEnd type="none" w="med" len="med"/>
+          </a:ln>
+        </p:spPr>
+        <p:style>
+          <a:lnRef idx="1">
+            <a:schemeClr val="accent1"/>
+          </a:lnRef>
+          <a:fillRef idx="0">
+            <a:schemeClr val="accent1"/>
+          </a:fillRef>
+          <a:effectRef idx="0">
+            <a:schemeClr val="accent1"/>
+          </a:effectRef>
+          <a:fontRef idx="minor">
+            <a:schemeClr val="tx1"/>
+          </a:fontRef>
+        </p:style>
+      </p:cxnSp>
+      <p:cxnSp>
+        <p:nvCxnSpPr>
+          <p:cNvPr id="72" name="Straight Arrow Connector 71"/>
+          <p:cNvCxnSpPr/>
+          <p:nvPr/>
+        </p:nvCxnSpPr>
+        <p:spPr>
+          <a:xfrm>
+            <a:off x="3456087" y="4339292"/>
+            <a:ext cx="1971722" cy="0"/>
+          </a:xfrm>
+          <a:prstGeom prst="straightConnector1">
+            <a:avLst/>
+          </a:prstGeom>
+          <a:ln w="19050">
+            <a:solidFill>
+              <a:schemeClr val="accent5">
+                <a:lumMod val="75000"/>
+              </a:schemeClr>
+            </a:solidFill>
+            <a:headEnd type="none" w="med" len="med"/>
+            <a:tailEnd type="arrow" w="med" len="med"/>
+          </a:ln>
+        </p:spPr>
+        <p:style>
+          <a:lnRef idx="1">
+            <a:schemeClr val="accent1"/>
+          </a:lnRef>
+          <a:fillRef idx="0">
+            <a:schemeClr val="accent1"/>
+          </a:fillRef>
+          <a:effectRef idx="0">
+            <a:schemeClr val="accent1"/>
+          </a:effectRef>
+          <a:fontRef idx="minor">
+            <a:schemeClr val="tx1"/>
+          </a:fontRef>
+        </p:style>
+      </p:cxnSp>
+      <p:sp>
+        <p:nvSpPr>
+          <p:cNvPr id="74" name="TextBox 73"/>
+          <p:cNvSpPr txBox="1"/>
+          <p:nvPr/>
+        </p:nvSpPr>
+        <p:spPr>
+          <a:xfrm>
+            <a:off x="3706947" y="4117637"/>
+            <a:ext cx="1761826" cy="184666"/>
+          </a:xfrm>
+          <a:prstGeom prst="rect">
+            <a:avLst/>
+          </a:prstGeom>
+          <a:noFill/>
+        </p:spPr>
+        <p:txBody>
+          <a:bodyPr wrap="square" lIns="0" tIns="0" rIns="0" bIns="0" rtlCol="0">
+            <a:spAutoFit/>
+          </a:bodyPr>
+          <a:lstStyle/>
+          <a:p>
+            <a:r>
+              <a:rPr lang="en-US" sz="1200" dirty="0" err="1" smtClean="0">
+                <a:solidFill>
+                  <a:schemeClr val="accent6">
+                    <a:lumMod val="75000"/>
+                  </a:schemeClr>
+                </a:solidFill>
+              </a:rPr>
+              <a:t>handleOnlineBackupEvent</a:t>
+            </a:r>
+            <a:r>
+              <a:rPr lang="en-US" sz="1200" dirty="0" smtClean="0">
+                <a:solidFill>
+                  <a:schemeClr val="accent6">
+                    <a:lumMod val="75000"/>
+                  </a:schemeClr>
+                </a:solidFill>
+              </a:rPr>
+              <a:t>()</a:t>
+            </a:r>
+            <a:endParaRPr lang="en-US" sz="1200" dirty="0">
+              <a:solidFill>
+                <a:schemeClr val="accent6">
+                  <a:lumMod val="75000"/>
+                </a:schemeClr>
+              </a:solidFill>
+            </a:endParaRPr>
+          </a:p>
+        </p:txBody>
+      </p:sp>
+      <p:cxnSp>
+        <p:nvCxnSpPr>
+          <p:cNvPr id="85" name="Straight Connector 84"/>
+          <p:cNvCxnSpPr/>
+          <p:nvPr/>
+        </p:nvCxnSpPr>
+        <p:spPr>
+          <a:xfrm flipH="1">
+            <a:off x="314394" y="1328272"/>
+            <a:ext cx="24" cy="1598671"/>
+          </a:xfrm>
+          <a:prstGeom prst="line">
+            <a:avLst/>
+          </a:prstGeom>
+          <a:ln w="19050">
+            <a:solidFill>
+              <a:schemeClr val="tx1"/>
+            </a:solidFill>
+            <a:prstDash val="sysDash"/>
+          </a:ln>
+          <a:effectLst/>
+        </p:spPr>
+        <p:style>
+          <a:lnRef idx="1">
+            <a:schemeClr val="accent1"/>
+          </a:lnRef>
+          <a:fillRef idx="2">
+            <a:schemeClr val="accent1"/>
+          </a:fillRef>
+          <a:effectRef idx="1">
+            <a:schemeClr val="accent1"/>
+          </a:effectRef>
+          <a:fontRef idx="minor">
+            <a:schemeClr val="dk1"/>
+          </a:fontRef>
+        </p:style>
+      </p:cxnSp>
+      <p:sp>
+        <p:nvSpPr>
+          <p:cNvPr id="45" name="Rectangle 62"/>
+          <p:cNvSpPr/>
+          <p:nvPr/>
+        </p:nvSpPr>
+        <p:spPr>
+          <a:xfrm>
+            <a:off x="450872" y="3276600"/>
+            <a:ext cx="1093635" cy="346760"/>
+          </a:xfrm>
+          <a:prstGeom prst="rect">
+            <a:avLst/>
+          </a:prstGeom>
+          <a:solidFill>
+            <a:srgbClr val="00B050"/>
+          </a:solidFill>
+          <a:ln w="19050">
+            <a:solidFill>
+              <a:srgbClr val="00B050"/>
+            </a:solidFill>
+          </a:ln>
+          <a:effectLst/>
+        </p:spPr>
+        <p:style>
+          <a:lnRef idx="1">
+            <a:schemeClr val="accent2"/>
+          </a:lnRef>
+          <a:fillRef idx="2">
+            <a:schemeClr val="accent2"/>
+          </a:fillRef>
+          <a:effectRef idx="1">
+            <a:schemeClr val="accent2"/>
+          </a:effectRef>
+          <a:fontRef idx="minor">
+            <a:schemeClr val="dk1"/>
+          </a:fontRef>
+        </p:style>
+        <p:txBody>
+          <a:bodyPr rtlCol="0" anchor="ctr"/>
+          <a:lstStyle/>
+          <a:p>
+            <a:pPr algn="ctr"/>
+            <a:r>
+              <a:rPr lang="en-US" sz="1600" dirty="0" smtClean="0">
+                <a:solidFill>
+                  <a:schemeClr val="bg1"/>
+                </a:solidFill>
+              </a:rPr>
+              <a:t>:UI</a:t>
+            </a:r>
+            <a:endParaRPr lang="en-SG" sz="1600" dirty="0">
+              <a:solidFill>
+                <a:schemeClr val="bg1"/>
+              </a:solidFill>
+            </a:endParaRPr>
+          </a:p>
+        </p:txBody>
+      </p:sp>
+      <p:cxnSp>
+        <p:nvCxnSpPr>
+          <p:cNvPr id="46" name="Straight Connector 45"/>
+          <p:cNvCxnSpPr/>
+          <p:nvPr/>
+        </p:nvCxnSpPr>
+        <p:spPr>
+          <a:xfrm flipH="1">
+            <a:off x="972994" y="3640271"/>
+            <a:ext cx="24695" cy="1998529"/>
+          </a:xfrm>
+          <a:prstGeom prst="line">
+            <a:avLst/>
+          </a:prstGeom>
+          <a:ln w="19050">
+            <a:solidFill>
+              <a:srgbClr val="00B050"/>
+            </a:solidFill>
+            <a:prstDash val="sysDash"/>
+          </a:ln>
+          <a:effectLst/>
+        </p:spPr>
+        <p:style>
+          <a:lnRef idx="1">
+            <a:schemeClr val="accent1"/>
+          </a:lnRef>
+          <a:fillRef idx="2">
+            <a:schemeClr val="accent1"/>
+          </a:fillRef>
+          <a:effectRef idx="1">
+            <a:schemeClr val="accent1"/>
+          </a:effectRef>
+          <a:fontRef idx="minor">
+            <a:schemeClr val="dk1"/>
+          </a:fontRef>
+        </p:style>
+      </p:cxnSp>
+      <p:sp>
+        <p:nvSpPr>
+          <p:cNvPr id="47" name="Rectangle 46"/>
+          <p:cNvSpPr/>
+          <p:nvPr/>
+        </p:nvSpPr>
+        <p:spPr>
+          <a:xfrm>
+            <a:off x="925682" y="5029200"/>
+            <a:ext cx="119320" cy="292823"/>
+          </a:xfrm>
+          <a:prstGeom prst="rect">
+            <a:avLst/>
+          </a:prstGeom>
+          <a:solidFill>
+            <a:srgbClr val="00B050"/>
+          </a:solidFill>
+          <a:ln>
+            <a:solidFill>
+              <a:srgbClr val="00B050"/>
+            </a:solidFill>
+          </a:ln>
+          <a:effectLst/>
+        </p:spPr>
+        <p:style>
+          <a:lnRef idx="1">
+            <a:schemeClr val="accent3"/>
+          </a:lnRef>
+          <a:fillRef idx="2">
+            <a:schemeClr val="accent3"/>
+          </a:fillRef>
+          <a:effectRef idx="1">
+            <a:schemeClr val="accent3"/>
+          </a:effectRef>
+          <a:fontRef idx="minor">
+            <a:schemeClr val="dk1"/>
+          </a:fontRef>
+        </p:style>
+        <p:txBody>
+          <a:bodyPr rtlCol="0" anchor="ctr"/>
+          <a:lstStyle/>
+          <a:p>
+            <a:pPr algn="ctr"/>
+            <a:endParaRPr lang="en-SG" sz="1400">
+              <a:solidFill>
+                <a:schemeClr val="dk1"/>
+              </a:solidFill>
+            </a:endParaRPr>
+          </a:p>
+        </p:txBody>
+      </p:sp>
+      <p:cxnSp>
+        <p:nvCxnSpPr>
+          <p:cNvPr id="49" name="Straight Arrow Connector 48"/>
+          <p:cNvCxnSpPr/>
+          <p:nvPr/>
+        </p:nvCxnSpPr>
+        <p:spPr>
+          <a:xfrm>
+            <a:off x="1078081" y="5029200"/>
+            <a:ext cx="2236000" cy="0"/>
+          </a:xfrm>
+          <a:prstGeom prst="straightConnector1">
+            <a:avLst/>
+          </a:prstGeom>
+          <a:ln w="19050">
+            <a:solidFill>
+              <a:schemeClr val="accent5">
+                <a:lumMod val="75000"/>
+              </a:schemeClr>
+            </a:solidFill>
+            <a:headEnd type="arrow" w="med" len="med"/>
+            <a:tailEnd type="none" w="med" len="med"/>
+          </a:ln>
+        </p:spPr>
+        <p:style>
+          <a:lnRef idx="1">
+            <a:schemeClr val="accent1"/>
+          </a:lnRef>
+          <a:fillRef idx="0">
+            <a:schemeClr val="accent1"/>
+          </a:fillRef>
+          <a:effectRef idx="0">
+            <a:schemeClr val="accent1"/>
+          </a:effectRef>
+          <a:fontRef idx="minor">
+            <a:schemeClr val="tx1"/>
+          </a:fontRef>
+        </p:style>
+      </p:cxnSp>
+      <p:sp>
+        <p:nvSpPr>
+          <p:cNvPr id="12" name="Freeform 11"/>
+          <p:cNvSpPr/>
+          <p:nvPr/>
+        </p:nvSpPr>
+        <p:spPr>
+          <a:xfrm rot="240000" flipV="1">
+            <a:off x="3949272" y="1783976"/>
+            <a:ext cx="284621" cy="110537"/>
+          </a:xfrm>
+          <a:custGeom>
+            <a:avLst/>
+            <a:gdLst>
+              <a:gd name="connsiteX0" fmla="*/ 0 w 226400"/>
+              <a:gd name="connsiteY0" fmla="*/ 32920 h 171466"/>
+              <a:gd name="connsiteX1" fmla="*/ 157018 w 226400"/>
+              <a:gd name="connsiteY1" fmla="*/ 5211 h 171466"/>
+              <a:gd name="connsiteX2" fmla="*/ 221673 w 226400"/>
+              <a:gd name="connsiteY2" fmla="*/ 125284 h 171466"/>
+              <a:gd name="connsiteX3" fmla="*/ 36945 w 226400"/>
+              <a:gd name="connsiteY3" fmla="*/ 171466 h 171466"/>
+              <a:gd name="connsiteX0" fmla="*/ 88797 w 315197"/>
+              <a:gd name="connsiteY0" fmla="*/ 32920 h 172727"/>
+              <a:gd name="connsiteX1" fmla="*/ 245815 w 315197"/>
+              <a:gd name="connsiteY1" fmla="*/ 5211 h 172727"/>
+              <a:gd name="connsiteX2" fmla="*/ 310470 w 315197"/>
+              <a:gd name="connsiteY2" fmla="*/ 125284 h 172727"/>
+              <a:gd name="connsiteX3" fmla="*/ 0 w 315197"/>
+              <a:gd name="connsiteY3" fmla="*/ 172727 h 172727"/>
+            </a:gdLst>
+            <a:ahLst/>
+            <a:cxnLst>
+              <a:cxn ang="0">
+                <a:pos x="connsiteX0" y="connsiteY0"/>
+              </a:cxn>
+              <a:cxn ang="0">
+                <a:pos x="connsiteX1" y="connsiteY1"/>
+              </a:cxn>
+              <a:cxn ang="0">
+                <a:pos x="connsiteX2" y="connsiteY2"/>
+              </a:cxn>
+              <a:cxn ang="0">
+                <a:pos x="connsiteX3" y="connsiteY3"/>
+              </a:cxn>
+            </a:cxnLst>
+            <a:rect l="l" t="t" r="r" b="b"/>
+            <a:pathLst>
+              <a:path w="315197" h="172727">
+                <a:moveTo>
+                  <a:pt x="88797" y="32920"/>
+                </a:moveTo>
+                <a:cubicBezTo>
+                  <a:pt x="148833" y="11368"/>
+                  <a:pt x="208870" y="-10183"/>
+                  <a:pt x="245815" y="5211"/>
+                </a:cubicBezTo>
+                <a:cubicBezTo>
+                  <a:pt x="282760" y="20605"/>
+                  <a:pt x="330482" y="97575"/>
+                  <a:pt x="310470" y="125284"/>
+                </a:cubicBezTo>
+                <a:cubicBezTo>
+                  <a:pt x="290458" y="152993"/>
+                  <a:pt x="82358" y="163490"/>
+                  <a:pt x="0" y="172727"/>
+                </a:cubicBezTo>
+              </a:path>
+            </a:pathLst>
+          </a:custGeom>
+          <a:ln w="19050">
+            <a:solidFill>
+              <a:srgbClr val="0070C0"/>
+            </a:solidFill>
+            <a:headEnd type="arrow" w="med" len="med"/>
+            <a:tailEnd type="none" w="med" len="med"/>
+          </a:ln>
+        </p:spPr>
+        <p:style>
+          <a:lnRef idx="1">
+            <a:schemeClr val="accent1"/>
+          </a:lnRef>
+          <a:fillRef idx="0">
+            <a:schemeClr val="accent1"/>
+          </a:fillRef>
+          <a:effectRef idx="0">
+            <a:schemeClr val="accent1"/>
+          </a:effectRef>
+          <a:fontRef idx="minor">
+            <a:schemeClr val="tx1"/>
+          </a:fontRef>
+        </p:style>
+        <p:txBody>
+          <a:bodyPr rtlCol="0" anchor="ctr"/>
+          <a:lstStyle/>
+          <a:p>
+            <a:pPr algn="ctr"/>
+            <a:endParaRPr lang="en-SG"/>
+          </a:p>
+        </p:txBody>
+      </p:sp>
+      <p:sp>
+        <p:nvSpPr>
+          <p:cNvPr id="57" name="TextBox 56"/>
+          <p:cNvSpPr txBox="1"/>
+          <p:nvPr/>
+        </p:nvSpPr>
+        <p:spPr>
+          <a:xfrm>
+            <a:off x="0" y="4387880"/>
+            <a:ext cx="903208" cy="553998"/>
+          </a:xfrm>
+          <a:prstGeom prst="rect">
+            <a:avLst/>
+          </a:prstGeom>
+          <a:noFill/>
+        </p:spPr>
+        <p:txBody>
+          <a:bodyPr wrap="square" lIns="0" tIns="0" rIns="0" bIns="0" rtlCol="0">
+            <a:spAutoFit/>
+          </a:bodyPr>
+          <a:lstStyle/>
+          <a:p>
+            <a:pPr algn="r"/>
+            <a:r>
+              <a:rPr lang="en-US" sz="1200" dirty="0" smtClean="0">
+                <a:solidFill>
+                  <a:srgbClr val="00B050"/>
+                </a:solidFill>
+              </a:rPr>
+              <a:t>Update </a:t>
+            </a:r>
+            <a:r>
+              <a:rPr lang="en-US" sz="1200" dirty="0" err="1" smtClean="0">
+                <a:solidFill>
+                  <a:srgbClr val="00B050"/>
+                </a:solidFill>
+              </a:rPr>
+              <a:t>ResultDisplay</a:t>
+            </a:r>
+            <a:r>
+              <a:rPr lang="en-US" sz="1200" dirty="0" smtClean="0">
+                <a:solidFill>
+                  <a:srgbClr val="00B050"/>
+                </a:solidFill>
+              </a:rPr>
+              <a:t> Message</a:t>
+            </a:r>
+            <a:endParaRPr lang="en-US" sz="1200" dirty="0">
+              <a:solidFill>
+                <a:srgbClr val="00B050"/>
+              </a:solidFill>
+            </a:endParaRPr>
+          </a:p>
+        </p:txBody>
+      </p:sp>
+      <p:grpSp>
+        <p:nvGrpSpPr>
+          <p:cNvPr id="58" name="Group 57"/>
+          <p:cNvGrpSpPr/>
+          <p:nvPr/>
+        </p:nvGrpSpPr>
+        <p:grpSpPr>
+          <a:xfrm flipH="1">
+            <a:off x="5519659" y="4305664"/>
+            <a:ext cx="210433" cy="547920"/>
+            <a:chOff x="1035051" y="5548116"/>
+            <a:chExt cx="210433" cy="416884"/>
+          </a:xfrm>
+        </p:grpSpPr>
+        <p:sp>
+          <p:nvSpPr>
+            <p:cNvPr id="59" name="Freeform 58"/>
+            <p:cNvSpPr/>
+            <p:nvPr/>
+          </p:nvSpPr>
+          <p:spPr>
+            <a:xfrm rot="4080000" flipH="1" flipV="1">
+              <a:off x="1048157" y="5535010"/>
+              <a:ext cx="127405" cy="153618"/>
+            </a:xfrm>
+            <a:custGeom>
+              <a:avLst/>
+              <a:gdLst>
+                <a:gd name="connsiteX0" fmla="*/ 0 w 226400"/>
+                <a:gd name="connsiteY0" fmla="*/ 32920 h 171466"/>
+                <a:gd name="connsiteX1" fmla="*/ 157018 w 226400"/>
+                <a:gd name="connsiteY1" fmla="*/ 5211 h 171466"/>
+                <a:gd name="connsiteX2" fmla="*/ 221673 w 226400"/>
+                <a:gd name="connsiteY2" fmla="*/ 125284 h 171466"/>
+                <a:gd name="connsiteX3" fmla="*/ 36945 w 226400"/>
+                <a:gd name="connsiteY3" fmla="*/ 171466 h 171466"/>
+              </a:gdLst>
+              <a:ahLst/>
+              <a:cxnLst>
+                <a:cxn ang="0">
+                  <a:pos x="connsiteX0" y="connsiteY0"/>
+                </a:cxn>
+                <a:cxn ang="0">
+                  <a:pos x="connsiteX1" y="connsiteY1"/>
+                </a:cxn>
+                <a:cxn ang="0">
+                  <a:pos x="connsiteX2" y="connsiteY2"/>
+                </a:cxn>
+                <a:cxn ang="0">
+                  <a:pos x="connsiteX3" y="connsiteY3"/>
+                </a:cxn>
+              </a:cxnLst>
+              <a:rect l="l" t="t" r="r" b="b"/>
+              <a:pathLst>
+                <a:path w="226400" h="171466">
+                  <a:moveTo>
+                    <a:pt x="0" y="32920"/>
+                  </a:moveTo>
+                  <a:cubicBezTo>
+                    <a:pt x="60036" y="11368"/>
+                    <a:pt x="120073" y="-10183"/>
+                    <a:pt x="157018" y="5211"/>
+                  </a:cubicBezTo>
+                  <a:cubicBezTo>
+                    <a:pt x="193963" y="20605"/>
+                    <a:pt x="241685" y="97575"/>
+                    <a:pt x="221673" y="125284"/>
+                  </a:cubicBezTo>
+                  <a:cubicBezTo>
+                    <a:pt x="201661" y="152993"/>
+                    <a:pt x="119303" y="162229"/>
+                    <a:pt x="36945" y="171466"/>
+                  </a:cubicBezTo>
+                </a:path>
+              </a:pathLst>
+            </a:custGeom>
+            <a:ln w="19050">
+              <a:solidFill>
+                <a:schemeClr val="accent6">
+                  <a:lumMod val="75000"/>
+                </a:schemeClr>
+              </a:solidFill>
+              <a:headEnd type="arrow" w="med" len="med"/>
+              <a:tailEnd type="none" w="med" len="med"/>
+            </a:ln>
+          </p:spPr>
+          <p:style>
+            <a:lnRef idx="1">
+              <a:schemeClr val="accent1"/>
+            </a:lnRef>
+            <a:fillRef idx="0">
+              <a:schemeClr val="accent1"/>
+            </a:fillRef>
+            <a:effectRef idx="0">
+              <a:schemeClr val="accent1"/>
+            </a:effectRef>
+            <a:fontRef idx="minor">
+              <a:schemeClr val="tx1"/>
+            </a:fontRef>
+          </p:style>
+          <p:txBody>
+            <a:bodyPr rtlCol="0" anchor="ctr"/>
+            <a:lstStyle/>
+            <a:p>
+              <a:pPr algn="ctr"/>
+              <a:endParaRPr lang="en-SG"/>
+            </a:p>
+          </p:txBody>
+        </p:sp>
+        <p:sp>
+          <p:nvSpPr>
+            <p:cNvPr id="60" name="Rectangle 59"/>
+            <p:cNvSpPr/>
+            <p:nvPr/>
+          </p:nvSpPr>
+          <p:spPr>
+            <a:xfrm>
+              <a:off x="1132795" y="5615058"/>
+              <a:ext cx="112689" cy="349942"/>
+            </a:xfrm>
+            <a:prstGeom prst="rect">
+              <a:avLst/>
+            </a:prstGeom>
+            <a:solidFill>
+              <a:schemeClr val="accent6">
+                <a:lumMod val="75000"/>
+              </a:schemeClr>
+            </a:solidFill>
+            <a:ln>
+              <a:solidFill>
+                <a:schemeClr val="bg1"/>
+              </a:solidFill>
+            </a:ln>
+            <a:effectLst/>
+          </p:spPr>
+          <p:style>
+            <a:lnRef idx="1">
+              <a:schemeClr val="accent3"/>
+            </a:lnRef>
+            <a:fillRef idx="2">
+              <a:schemeClr val="accent3"/>
+            </a:fillRef>
+            <a:effectRef idx="1">
+              <a:schemeClr val="accent3"/>
+            </a:effectRef>
+            <a:fontRef idx="minor">
+              <a:schemeClr val="dk1"/>
+            </a:fontRef>
+          </p:style>
+          <p:txBody>
+            <a:bodyPr rtlCol="0" anchor="ctr"/>
+            <a:lstStyle/>
+            <a:p>
+              <a:pPr algn="ctr"/>
+              <a:endParaRPr lang="en-SG" sz="1400">
+                <a:solidFill>
+                  <a:schemeClr val="dk1"/>
+                </a:solidFill>
+              </a:endParaRPr>
+            </a:p>
+          </p:txBody>
+        </p:sp>
+      </p:grpSp>
+      <p:sp>
+        <p:nvSpPr>
+          <p:cNvPr id="61" name="TextBox 60"/>
+          <p:cNvSpPr txBox="1"/>
+          <p:nvPr/>
+        </p:nvSpPr>
+        <p:spPr>
+          <a:xfrm>
+            <a:off x="5591268" y="4040028"/>
+            <a:ext cx="1473790" cy="184666"/>
+          </a:xfrm>
+          <a:prstGeom prst="rect">
+            <a:avLst/>
+          </a:prstGeom>
+          <a:noFill/>
+        </p:spPr>
+        <p:txBody>
+          <a:bodyPr wrap="square" lIns="0" tIns="0" rIns="0" bIns="0" rtlCol="0">
+            <a:spAutoFit/>
+          </a:bodyPr>
+          <a:lstStyle/>
+          <a:p>
+            <a:r>
+              <a:rPr lang="en-US" sz="1200" dirty="0" err="1" smtClean="0">
+                <a:solidFill>
+                  <a:schemeClr val="accent6">
+                    <a:lumMod val="75000"/>
+                  </a:schemeClr>
+                </a:solidFill>
+              </a:rPr>
+              <a:t>backupOnline</a:t>
+            </a:r>
+            <a:r>
+              <a:rPr lang="en-US" sz="1200" dirty="0" smtClean="0">
+                <a:solidFill>
+                  <a:schemeClr val="accent6">
+                    <a:lumMod val="75000"/>
+                  </a:schemeClr>
+                </a:solidFill>
+              </a:rPr>
+              <a:t>(data…)</a:t>
+            </a:r>
+            <a:endParaRPr lang="en-US" sz="1200" dirty="0">
+              <a:solidFill>
+                <a:schemeClr val="accent6">
+                  <a:lumMod val="75000"/>
+                </a:schemeClr>
+              </a:solidFill>
+            </a:endParaRPr>
+          </a:p>
+        </p:txBody>
+      </p:sp>
+      <p:sp>
+        <p:nvSpPr>
+          <p:cNvPr id="71" name="Rectangle 70"/>
+          <p:cNvSpPr/>
+          <p:nvPr/>
+        </p:nvSpPr>
+        <p:spPr>
+          <a:xfrm>
+            <a:off x="3905368" y="1839245"/>
+            <a:ext cx="121048" cy="251360"/>
+          </a:xfrm>
+          <a:prstGeom prst="rect">
+            <a:avLst/>
+          </a:prstGeom>
+          <a:solidFill>
+            <a:srgbClr val="0070C0"/>
+          </a:solidFill>
+          <a:ln>
+            <a:solidFill>
+              <a:schemeClr val="bg1"/>
+            </a:solidFill>
+          </a:ln>
+          <a:effectLst/>
+        </p:spPr>
+        <p:style>
+          <a:lnRef idx="1">
+            <a:schemeClr val="accent3"/>
+          </a:lnRef>
+          <a:fillRef idx="2">
+            <a:schemeClr val="accent3"/>
+          </a:fillRef>
+          <a:effectRef idx="1">
+            <a:schemeClr val="accent3"/>
+          </a:effectRef>
+          <a:fontRef idx="minor">
+            <a:schemeClr val="dk1"/>
+          </a:fontRef>
+        </p:style>
+        <p:txBody>
+          <a:bodyPr rtlCol="0" anchor="ctr"/>
+          <a:lstStyle/>
+          <a:p>
+            <a:pPr algn="ctr"/>
+            <a:endParaRPr lang="en-SG" sz="1400">
+              <a:solidFill>
+                <a:schemeClr val="dk1"/>
+              </a:solidFill>
+            </a:endParaRPr>
+          </a:p>
+        </p:txBody>
+      </p:sp>
+      <p:sp>
+        <p:nvSpPr>
+          <p:cNvPr id="73" name="TextBox 72"/>
+          <p:cNvSpPr txBox="1"/>
+          <p:nvPr/>
+        </p:nvSpPr>
+        <p:spPr>
+          <a:xfrm>
+            <a:off x="3986773" y="1530971"/>
+            <a:ext cx="2234601" cy="184666"/>
+          </a:xfrm>
+          <a:prstGeom prst="rect">
+            <a:avLst/>
+          </a:prstGeom>
+          <a:noFill/>
+        </p:spPr>
+        <p:txBody>
+          <a:bodyPr wrap="square" lIns="0" tIns="0" rIns="0" bIns="0" rtlCol="0">
+            <a:spAutoFit/>
+          </a:bodyPr>
+          <a:lstStyle/>
+          <a:p>
+            <a:r>
+              <a:rPr lang="en-US" sz="1200" dirty="0" err="1" smtClean="0">
+                <a:solidFill>
+                  <a:srgbClr val="0070C0"/>
+                </a:solidFill>
+              </a:rPr>
+              <a:t>onlineBackupCommand</a:t>
+            </a:r>
+            <a:r>
+              <a:rPr lang="en-US" sz="1200" dirty="0" smtClean="0">
+                <a:solidFill>
+                  <a:srgbClr val="0070C0"/>
+                </a:solidFill>
+              </a:rPr>
+              <a:t>(model)</a:t>
+            </a:r>
+            <a:endParaRPr lang="en-US" sz="1200" dirty="0">
+              <a:solidFill>
+                <a:srgbClr val="0070C0"/>
+              </a:solidFill>
+            </a:endParaRPr>
+          </a:p>
+        </p:txBody>
+      </p:sp>
+      <p:sp>
+        <p:nvSpPr>
+          <p:cNvPr id="75" name="TextBox 74"/>
+          <p:cNvSpPr txBox="1"/>
+          <p:nvPr/>
+        </p:nvSpPr>
+        <p:spPr>
+          <a:xfrm>
+            <a:off x="5360428" y="1823957"/>
+            <a:ext cx="1634331" cy="184666"/>
+          </a:xfrm>
+          <a:prstGeom prst="rect">
+            <a:avLst/>
+          </a:prstGeom>
+          <a:noFill/>
+        </p:spPr>
+        <p:txBody>
+          <a:bodyPr wrap="square" lIns="0" tIns="0" rIns="0" bIns="0" rtlCol="0">
+            <a:spAutoFit/>
+          </a:bodyPr>
+          <a:lstStyle/>
+          <a:p>
+            <a:r>
+              <a:rPr lang="en-US" sz="1200" dirty="0" smtClean="0">
+                <a:solidFill>
+                  <a:srgbClr val="0070C0"/>
+                </a:solidFill>
+              </a:rPr>
+              <a:t>post(</a:t>
+            </a:r>
+            <a:r>
+              <a:rPr lang="en-US" sz="1200" dirty="0" err="1" smtClean="0">
+                <a:solidFill>
+                  <a:srgbClr val="0070C0"/>
+                </a:solidFill>
+              </a:rPr>
+              <a:t>OnlineBackupEvent</a:t>
+            </a:r>
+            <a:r>
+              <a:rPr lang="en-US" sz="1200" dirty="0" smtClean="0">
+                <a:solidFill>
+                  <a:srgbClr val="0070C0"/>
+                </a:solidFill>
+              </a:rPr>
+              <a:t>)</a:t>
+            </a:r>
+            <a:endParaRPr lang="en-US" sz="1200" dirty="0">
+              <a:solidFill>
+                <a:srgbClr val="0070C0"/>
+              </a:solidFill>
+            </a:endParaRPr>
+          </a:p>
+        </p:txBody>
+      </p:sp>
+      <p:sp>
+        <p:nvSpPr>
+          <p:cNvPr id="78" name="Rectangle 62"/>
+          <p:cNvSpPr/>
+          <p:nvPr/>
+        </p:nvSpPr>
+        <p:spPr>
+          <a:xfrm>
+            <a:off x="6847231" y="3293511"/>
+            <a:ext cx="1697564" cy="346760"/>
+          </a:xfrm>
+          <a:prstGeom prst="rect">
+            <a:avLst/>
+          </a:prstGeom>
+          <a:solidFill>
+            <a:srgbClr val="7030A0"/>
+          </a:solidFill>
+          <a:ln w="19050">
+            <a:solidFill>
+              <a:srgbClr val="7030A0"/>
+            </a:solidFill>
+          </a:ln>
+          <a:effectLst/>
+        </p:spPr>
+        <p:style>
+          <a:lnRef idx="1">
+            <a:schemeClr val="accent2"/>
+          </a:lnRef>
+          <a:fillRef idx="2">
+            <a:schemeClr val="accent2"/>
+          </a:fillRef>
+          <a:effectRef idx="1">
+            <a:schemeClr val="accent2"/>
+          </a:effectRef>
+          <a:fontRef idx="minor">
+            <a:schemeClr val="dk1"/>
+          </a:fontRef>
+        </p:style>
+        <p:txBody>
+          <a:bodyPr rtlCol="0" anchor="ctr"/>
+          <a:lstStyle/>
+          <a:p>
+            <a:pPr algn="ctr"/>
+            <a:r>
+              <a:rPr lang="en-US" sz="1600" dirty="0" smtClean="0">
+                <a:solidFill>
+                  <a:schemeClr val="bg1"/>
+                </a:solidFill>
+              </a:rPr>
+              <a:t>:</a:t>
+            </a:r>
+            <a:r>
+              <a:rPr lang="en-US" sz="1600" dirty="0" err="1" smtClean="0">
+                <a:solidFill>
+                  <a:schemeClr val="bg1"/>
+                </a:solidFill>
+              </a:rPr>
+              <a:t>ExecutorService</a:t>
+            </a:r>
+            <a:endParaRPr lang="en-SG" sz="1600" dirty="0">
+              <a:solidFill>
+                <a:schemeClr val="bg1"/>
+              </a:solidFill>
+            </a:endParaRPr>
+          </a:p>
+        </p:txBody>
+      </p:sp>
+      <p:cxnSp>
+        <p:nvCxnSpPr>
+          <p:cNvPr id="79" name="Straight Connector 78"/>
+          <p:cNvCxnSpPr/>
+          <p:nvPr/>
+        </p:nvCxnSpPr>
+        <p:spPr>
+          <a:xfrm flipH="1">
+            <a:off x="7695613" y="3657182"/>
+            <a:ext cx="399" cy="1981618"/>
+          </a:xfrm>
+          <a:prstGeom prst="line">
+            <a:avLst/>
+          </a:prstGeom>
+          <a:ln w="19050">
+            <a:solidFill>
+              <a:srgbClr val="7030A0"/>
+            </a:solidFill>
+            <a:prstDash val="sysDash"/>
+          </a:ln>
+          <a:effectLst/>
+        </p:spPr>
+        <p:style>
+          <a:lnRef idx="1">
+            <a:schemeClr val="accent1"/>
+          </a:lnRef>
+          <a:fillRef idx="2">
+            <a:schemeClr val="accent1"/>
+          </a:fillRef>
+          <a:effectRef idx="1">
+            <a:schemeClr val="accent1"/>
+          </a:effectRef>
+          <a:fontRef idx="minor">
+            <a:schemeClr val="dk1"/>
+          </a:fontRef>
+        </p:style>
+      </p:cxnSp>
+      <p:sp>
+        <p:nvSpPr>
+          <p:cNvPr id="80" name="Rectangle 79"/>
+          <p:cNvSpPr/>
+          <p:nvPr/>
+        </p:nvSpPr>
+        <p:spPr>
+          <a:xfrm>
+            <a:off x="7624004" y="4495801"/>
+            <a:ext cx="142006" cy="355640"/>
+          </a:xfrm>
+          <a:prstGeom prst="rect">
+            <a:avLst/>
+          </a:prstGeom>
+          <a:solidFill>
+            <a:srgbClr val="7030A0"/>
+          </a:solidFill>
+          <a:ln>
+            <a:solidFill>
+              <a:srgbClr val="7030A0"/>
+            </a:solidFill>
+          </a:ln>
+          <a:effectLst/>
+        </p:spPr>
+        <p:style>
+          <a:lnRef idx="1">
+            <a:schemeClr val="accent3"/>
+          </a:lnRef>
+          <a:fillRef idx="2">
+            <a:schemeClr val="accent3"/>
+          </a:fillRef>
+          <a:effectRef idx="1">
+            <a:schemeClr val="accent3"/>
+          </a:effectRef>
+          <a:fontRef idx="minor">
+            <a:schemeClr val="dk1"/>
+          </a:fontRef>
+        </p:style>
+        <p:txBody>
+          <a:bodyPr rtlCol="0" anchor="ctr"/>
+          <a:lstStyle/>
+          <a:p>
+            <a:pPr algn="ctr"/>
+            <a:endParaRPr lang="en-SG" sz="1400">
+              <a:solidFill>
+                <a:schemeClr val="dk1"/>
+              </a:solidFill>
+            </a:endParaRPr>
+          </a:p>
+        </p:txBody>
+      </p:sp>
+      <p:sp>
+        <p:nvSpPr>
+          <p:cNvPr id="87" name="Rectangle 86"/>
+          <p:cNvSpPr/>
+          <p:nvPr/>
+        </p:nvSpPr>
+        <p:spPr>
+          <a:xfrm>
+            <a:off x="7624004" y="4537343"/>
+            <a:ext cx="1138996" cy="272147"/>
+          </a:xfrm>
+          <a:prstGeom prst="rect">
+            <a:avLst/>
+          </a:prstGeom>
+          <a:solidFill>
+            <a:schemeClr val="bg1"/>
+          </a:solidFill>
+          <a:ln>
+            <a:solidFill>
+              <a:schemeClr val="tx1"/>
+            </a:solidFill>
+          </a:ln>
+        </p:spPr>
+        <p:style>
+          <a:lnRef idx="2">
+            <a:schemeClr val="accent4">
+              <a:shade val="50000"/>
+            </a:schemeClr>
+          </a:lnRef>
+          <a:fillRef idx="1">
+            <a:schemeClr val="accent4"/>
+          </a:fillRef>
+          <a:effectRef idx="0">
+            <a:schemeClr val="accent4"/>
+          </a:effectRef>
+          <a:fontRef idx="minor">
+            <a:schemeClr val="lt1"/>
+          </a:fontRef>
+        </p:style>
+        <p:txBody>
+          <a:bodyPr rtlCol="0" anchor="ctr"/>
+          <a:lstStyle/>
+          <a:p>
+            <a:pPr algn="ctr"/>
+            <a:endParaRPr lang="en-SG" sz="600" dirty="0">
+              <a:solidFill>
+                <a:schemeClr val="tx1"/>
+              </a:solidFill>
+            </a:endParaRPr>
+          </a:p>
+        </p:txBody>
+      </p:sp>
+      <p:cxnSp>
+        <p:nvCxnSpPr>
+          <p:cNvPr id="91" name="Straight Connector 90"/>
+          <p:cNvCxnSpPr/>
+          <p:nvPr/>
+        </p:nvCxnSpPr>
+        <p:spPr>
+          <a:xfrm>
+            <a:off x="7924800" y="4537344"/>
+            <a:ext cx="0" cy="73127"/>
+          </a:xfrm>
+          <a:prstGeom prst="line">
+            <a:avLst/>
+          </a:prstGeom>
+          <a:ln>
+            <a:solidFill>
+              <a:srgbClr val="7030A0"/>
+            </a:solidFill>
+          </a:ln>
+        </p:spPr>
+        <p:style>
+          <a:lnRef idx="1">
+            <a:schemeClr val="accent1"/>
+          </a:lnRef>
+          <a:fillRef idx="0">
+            <a:schemeClr val="accent1"/>
+          </a:fillRef>
+          <a:effectRef idx="0">
+            <a:schemeClr val="accent1"/>
+          </a:effectRef>
+          <a:fontRef idx="minor">
+            <a:schemeClr val="tx1"/>
+          </a:fontRef>
+        </p:style>
+      </p:cxnSp>
+      <p:cxnSp>
+        <p:nvCxnSpPr>
+          <p:cNvPr id="94" name="Straight Connector 93"/>
+          <p:cNvCxnSpPr/>
+          <p:nvPr/>
+        </p:nvCxnSpPr>
+        <p:spPr>
+          <a:xfrm>
+            <a:off x="7620000" y="4668750"/>
+            <a:ext cx="263506" cy="0"/>
+          </a:xfrm>
+          <a:prstGeom prst="line">
+            <a:avLst/>
+          </a:prstGeom>
+          <a:ln>
+            <a:solidFill>
+              <a:srgbClr val="7030A0"/>
+            </a:solidFill>
+          </a:ln>
+        </p:spPr>
+        <p:style>
+          <a:lnRef idx="1">
+            <a:schemeClr val="accent1"/>
+          </a:lnRef>
+          <a:fillRef idx="0">
+            <a:schemeClr val="accent1"/>
+          </a:fillRef>
+          <a:effectRef idx="0">
+            <a:schemeClr val="accent1"/>
+          </a:effectRef>
+          <a:fontRef idx="minor">
+            <a:schemeClr val="tx1"/>
+          </a:fontRef>
+        </p:style>
+      </p:cxnSp>
+      <p:cxnSp>
+        <p:nvCxnSpPr>
+          <p:cNvPr id="97" name="Straight Connector 96"/>
+          <p:cNvCxnSpPr/>
+          <p:nvPr/>
+        </p:nvCxnSpPr>
+        <p:spPr>
+          <a:xfrm flipH="1">
+            <a:off x="7883506" y="4610471"/>
+            <a:ext cx="41294" cy="58279"/>
+          </a:xfrm>
+          <a:prstGeom prst="line">
+            <a:avLst/>
+          </a:prstGeom>
+          <a:ln>
+            <a:solidFill>
+              <a:srgbClr val="7030A0"/>
+            </a:solidFill>
+          </a:ln>
+        </p:spPr>
+        <p:style>
+          <a:lnRef idx="1">
+            <a:schemeClr val="accent1"/>
+          </a:lnRef>
+          <a:fillRef idx="0">
+            <a:schemeClr val="accent1"/>
+          </a:fillRef>
+          <a:effectRef idx="0">
+            <a:schemeClr val="accent1"/>
+          </a:effectRef>
+          <a:fontRef idx="minor">
+            <a:schemeClr val="tx1"/>
+          </a:fontRef>
+        </p:style>
+      </p:cxnSp>
+      <p:sp>
+        <p:nvSpPr>
+          <p:cNvPr id="102" name="TextBox 101"/>
+          <p:cNvSpPr txBox="1"/>
+          <p:nvPr/>
+        </p:nvSpPr>
+        <p:spPr>
+          <a:xfrm>
+            <a:off x="7620000" y="4508540"/>
+            <a:ext cx="304800" cy="200055"/>
+          </a:xfrm>
+          <a:prstGeom prst="rect">
+            <a:avLst/>
+          </a:prstGeom>
+          <a:noFill/>
+        </p:spPr>
+        <p:txBody>
+          <a:bodyPr wrap="square" rtlCol="0">
+            <a:spAutoFit/>
+          </a:bodyPr>
+          <a:lstStyle/>
+          <a:p>
+            <a:r>
+              <a:rPr lang="en-SG" sz="700" dirty="0" smtClean="0"/>
+              <a:t>ref</a:t>
+            </a:r>
+            <a:endParaRPr lang="en-SG" sz="700" dirty="0"/>
+          </a:p>
+        </p:txBody>
+      </p:sp>
+      <p:sp>
+        <p:nvSpPr>
+          <p:cNvPr id="103" name="Rectangle 102"/>
+          <p:cNvSpPr/>
+          <p:nvPr/>
+        </p:nvSpPr>
+        <p:spPr>
+          <a:xfrm>
+            <a:off x="7588699" y="4641057"/>
+            <a:ext cx="1189749" cy="184666"/>
+          </a:xfrm>
+          <a:prstGeom prst="rect">
+            <a:avLst/>
+          </a:prstGeom>
+        </p:spPr>
+        <p:txBody>
+          <a:bodyPr wrap="none">
+            <a:spAutoFit/>
+          </a:bodyPr>
+          <a:lstStyle/>
+          <a:p>
+            <a:pPr algn="ctr"/>
+            <a:r>
+              <a:rPr lang="en-SG" sz="600" dirty="0"/>
+              <a:t>Multithread </a:t>
+            </a:r>
+            <a:r>
+              <a:rPr lang="en-SG" sz="600" dirty="0" smtClean="0"/>
+              <a:t>online backup </a:t>
+            </a:r>
+            <a:r>
+              <a:rPr lang="en-SG" sz="600" dirty="0"/>
+              <a:t>tasks</a:t>
+            </a:r>
+            <a:endParaRPr lang="en-SG" sz="600" dirty="0"/>
+          </a:p>
+        </p:txBody>
+      </p:sp>
+      <p:cxnSp>
+        <p:nvCxnSpPr>
+          <p:cNvPr id="105" name="Straight Arrow Connector 104"/>
+          <p:cNvCxnSpPr/>
+          <p:nvPr/>
+        </p:nvCxnSpPr>
+        <p:spPr>
+          <a:xfrm flipH="1" flipV="1">
+            <a:off x="5591316" y="4821942"/>
+            <a:ext cx="2035178" cy="22296"/>
+          </a:xfrm>
+          <a:prstGeom prst="straightConnector1">
+            <a:avLst/>
+          </a:prstGeom>
+          <a:ln w="19050">
+            <a:solidFill>
+              <a:schemeClr val="accent6">
+                <a:lumMod val="75000"/>
+              </a:schemeClr>
+            </a:solidFill>
+            <a:prstDash val="sysDash"/>
+            <a:headEnd type="none" w="med" len="med"/>
+            <a:tailEnd type="arrow" w="med" len="med"/>
+          </a:ln>
+        </p:spPr>
+        <p:style>
+          <a:lnRef idx="1">
+            <a:schemeClr val="accent1"/>
+          </a:lnRef>
+          <a:fillRef idx="0">
+            <a:schemeClr val="accent1"/>
+          </a:fillRef>
+          <a:effectRef idx="0">
+            <a:schemeClr val="accent1"/>
+          </a:effectRef>
+          <a:fontRef idx="minor">
+            <a:schemeClr val="tx1"/>
+          </a:fontRef>
+        </p:style>
+      </p:cxnSp>
+      <p:sp>
+        <p:nvSpPr>
+          <p:cNvPr id="115" name="Rectangle 114"/>
+          <p:cNvSpPr/>
+          <p:nvPr/>
+        </p:nvSpPr>
+        <p:spPr>
+          <a:xfrm>
+            <a:off x="3455933" y="4701806"/>
+            <a:ext cx="1816523" cy="246221"/>
+          </a:xfrm>
+          <a:prstGeom prst="rect">
+            <a:avLst/>
+          </a:prstGeom>
+        </p:spPr>
+        <p:txBody>
+          <a:bodyPr wrap="none">
+            <a:spAutoFit/>
+          </a:bodyPr>
+          <a:lstStyle/>
+          <a:p>
+            <a:r>
+              <a:rPr lang="en-SG" sz="1000" dirty="0">
+                <a:solidFill>
+                  <a:srgbClr val="E46C0A"/>
+                </a:solidFill>
+              </a:rPr>
+              <a:t>post(</a:t>
+            </a:r>
+            <a:r>
+              <a:rPr lang="en-SG" sz="1000" dirty="0" err="1">
+                <a:solidFill>
+                  <a:srgbClr val="E46C0A"/>
+                </a:solidFill>
+              </a:rPr>
+              <a:t>NewResultAvailableEvent</a:t>
+            </a:r>
+            <a:r>
+              <a:rPr lang="en-SG" sz="1000" dirty="0">
+                <a:solidFill>
+                  <a:srgbClr val="E46C0A"/>
+                </a:solidFill>
+              </a:rPr>
+              <a:t>)</a:t>
+            </a:r>
+          </a:p>
+        </p:txBody>
+      </p:sp>
+      <p:sp>
+        <p:nvSpPr>
+          <p:cNvPr id="124" name="TextBox 123"/>
+          <p:cNvSpPr txBox="1"/>
+          <p:nvPr/>
+        </p:nvSpPr>
+        <p:spPr>
+          <a:xfrm>
+            <a:off x="1187586" y="4825517"/>
+            <a:ext cx="2659870" cy="153888"/>
+          </a:xfrm>
+          <a:prstGeom prst="rect">
+            <a:avLst/>
+          </a:prstGeom>
+          <a:noFill/>
+        </p:spPr>
+        <p:txBody>
+          <a:bodyPr wrap="square" lIns="0" tIns="0" rIns="0" bIns="0" rtlCol="0">
+            <a:spAutoFit/>
+          </a:bodyPr>
+          <a:lstStyle/>
+          <a:p>
+            <a:r>
+              <a:rPr lang="en-US" sz="1000" dirty="0" smtClean="0">
+                <a:solidFill>
+                  <a:srgbClr val="00B050"/>
+                </a:solidFill>
+              </a:rPr>
+              <a:t>handle</a:t>
+            </a:r>
+            <a:r>
+              <a:rPr lang="en-SG" sz="1000" dirty="0" err="1" smtClean="0">
+                <a:solidFill>
+                  <a:srgbClr val="00B050"/>
+                </a:solidFill>
+              </a:rPr>
+              <a:t>NewResultAvailableEvent</a:t>
+            </a:r>
+            <a:r>
+              <a:rPr lang="en-US" sz="1000" dirty="0" smtClean="0">
+                <a:solidFill>
+                  <a:srgbClr val="00B050"/>
+                </a:solidFill>
+              </a:rPr>
+              <a:t>()</a:t>
+            </a:r>
+            <a:endParaRPr lang="en-US" sz="1000" dirty="0">
+              <a:solidFill>
+                <a:srgbClr val="00B050"/>
+              </a:solidFill>
+            </a:endParaRPr>
+          </a:p>
+        </p:txBody>
+      </p:sp>
+      <p:grpSp>
+        <p:nvGrpSpPr>
+          <p:cNvPr id="125" name="Group 124"/>
+          <p:cNvGrpSpPr/>
+          <p:nvPr/>
+        </p:nvGrpSpPr>
+        <p:grpSpPr>
+          <a:xfrm>
+            <a:off x="755645" y="4987893"/>
+            <a:ext cx="217349" cy="270072"/>
+            <a:chOff x="1028134" y="5612032"/>
+            <a:chExt cx="217349" cy="270072"/>
+          </a:xfrm>
+        </p:grpSpPr>
+        <p:sp>
+          <p:nvSpPr>
+            <p:cNvPr id="126" name="Freeform 125"/>
+            <p:cNvSpPr/>
+            <p:nvPr/>
+          </p:nvSpPr>
+          <p:spPr>
+            <a:xfrm rot="2600998" flipH="1" flipV="1">
+              <a:off x="1028134" y="5612032"/>
+              <a:ext cx="167452" cy="116880"/>
+            </a:xfrm>
+            <a:custGeom>
+              <a:avLst/>
+              <a:gdLst>
+                <a:gd name="connsiteX0" fmla="*/ 0 w 226400"/>
+                <a:gd name="connsiteY0" fmla="*/ 32920 h 171466"/>
+                <a:gd name="connsiteX1" fmla="*/ 157018 w 226400"/>
+                <a:gd name="connsiteY1" fmla="*/ 5211 h 171466"/>
+                <a:gd name="connsiteX2" fmla="*/ 221673 w 226400"/>
+                <a:gd name="connsiteY2" fmla="*/ 125284 h 171466"/>
+                <a:gd name="connsiteX3" fmla="*/ 36945 w 226400"/>
+                <a:gd name="connsiteY3" fmla="*/ 171466 h 171466"/>
+              </a:gdLst>
+              <a:ahLst/>
+              <a:cxnLst>
+                <a:cxn ang="0">
+                  <a:pos x="connsiteX0" y="connsiteY0"/>
+                </a:cxn>
+                <a:cxn ang="0">
+                  <a:pos x="connsiteX1" y="connsiteY1"/>
+                </a:cxn>
+                <a:cxn ang="0">
+                  <a:pos x="connsiteX2" y="connsiteY2"/>
+                </a:cxn>
+                <a:cxn ang="0">
+                  <a:pos x="connsiteX3" y="connsiteY3"/>
+                </a:cxn>
+              </a:cxnLst>
+              <a:rect l="l" t="t" r="r" b="b"/>
+              <a:pathLst>
+                <a:path w="226400" h="171466">
+                  <a:moveTo>
+                    <a:pt x="0" y="32920"/>
+                  </a:moveTo>
+                  <a:cubicBezTo>
+                    <a:pt x="60036" y="11368"/>
+                    <a:pt x="120073" y="-10183"/>
+                    <a:pt x="157018" y="5211"/>
+                  </a:cubicBezTo>
+                  <a:cubicBezTo>
+                    <a:pt x="193963" y="20605"/>
+                    <a:pt x="241685" y="97575"/>
+                    <a:pt x="221673" y="125284"/>
+                  </a:cubicBezTo>
+                  <a:cubicBezTo>
+                    <a:pt x="201661" y="152993"/>
+                    <a:pt x="119303" y="162229"/>
+                    <a:pt x="36945" y="171466"/>
+                  </a:cubicBezTo>
+                </a:path>
+              </a:pathLst>
+            </a:custGeom>
+            <a:ln w="19050">
+              <a:solidFill>
+                <a:srgbClr val="00B050"/>
+              </a:solidFill>
+              <a:headEnd type="arrow" w="med" len="med"/>
+              <a:tailEnd type="none" w="med" len="med"/>
+            </a:ln>
+          </p:spPr>
+          <p:style>
+            <a:lnRef idx="1">
+              <a:schemeClr val="accent1"/>
+            </a:lnRef>
+            <a:fillRef idx="0">
+              <a:schemeClr val="accent1"/>
+            </a:fillRef>
+            <a:effectRef idx="0">
+              <a:schemeClr val="accent1"/>
+            </a:effectRef>
+            <a:fontRef idx="minor">
+              <a:schemeClr val="tx1"/>
+            </a:fontRef>
+          </p:style>
+          <p:txBody>
+            <a:bodyPr rtlCol="0" anchor="ctr"/>
+            <a:lstStyle/>
+            <a:p>
+              <a:pPr algn="ctr"/>
+              <a:endParaRPr lang="en-SG"/>
+            </a:p>
+          </p:txBody>
+        </p:sp>
+        <p:sp>
+          <p:nvSpPr>
+            <p:cNvPr id="127" name="Rectangle 126"/>
+            <p:cNvSpPr/>
+            <p:nvPr/>
+          </p:nvSpPr>
+          <p:spPr>
+            <a:xfrm>
+              <a:off x="1147403" y="5712513"/>
+              <a:ext cx="98080" cy="169591"/>
+            </a:xfrm>
+            <a:prstGeom prst="rect">
+              <a:avLst/>
+            </a:prstGeom>
+            <a:solidFill>
+              <a:srgbClr val="00B050"/>
+            </a:solidFill>
+            <a:ln>
+              <a:solidFill>
+                <a:schemeClr val="bg1"/>
+              </a:solidFill>
+            </a:ln>
+            <a:effectLst/>
+          </p:spPr>
+          <p:style>
+            <a:lnRef idx="1">
+              <a:schemeClr val="accent3"/>
+            </a:lnRef>
+            <a:fillRef idx="2">
+              <a:schemeClr val="accent3"/>
+            </a:fillRef>
+            <a:effectRef idx="1">
+              <a:schemeClr val="accent3"/>
+            </a:effectRef>
+            <a:fontRef idx="minor">
+              <a:schemeClr val="dk1"/>
+            </a:fontRef>
+          </p:style>
+          <p:txBody>
+            <a:bodyPr rtlCol="0" anchor="ctr"/>
+            <a:lstStyle/>
+            <a:p>
+              <a:pPr algn="ctr"/>
+              <a:endParaRPr lang="en-SG" sz="1400">
+                <a:solidFill>
+                  <a:schemeClr val="dk1"/>
+                </a:solidFill>
+              </a:endParaRPr>
+            </a:p>
+          </p:txBody>
+        </p:sp>
+      </p:grpSp>
+      <p:cxnSp>
+        <p:nvCxnSpPr>
+          <p:cNvPr id="133" name="Straight Arrow Connector 132"/>
+          <p:cNvCxnSpPr/>
+          <p:nvPr/>
+        </p:nvCxnSpPr>
+        <p:spPr>
+          <a:xfrm flipH="1">
+            <a:off x="1078081" y="5334000"/>
+            <a:ext cx="2236000" cy="0"/>
+          </a:xfrm>
+          <a:prstGeom prst="straightConnector1">
+            <a:avLst/>
+          </a:prstGeom>
+          <a:ln w="19050">
+            <a:solidFill>
+              <a:srgbClr val="00B050"/>
+            </a:solidFill>
+            <a:prstDash val="sysDash"/>
+            <a:headEnd type="arrow" w="med" len="med"/>
+            <a:tailEnd type="none" w="med" len="med"/>
+          </a:ln>
+        </p:spPr>
+        <p:style>
+          <a:lnRef idx="1">
+            <a:schemeClr val="accent1"/>
+          </a:lnRef>
+          <a:fillRef idx="0">
+            <a:schemeClr val="accent1"/>
+          </a:fillRef>
+          <a:effectRef idx="0">
+            <a:schemeClr val="accent1"/>
+          </a:effectRef>
+          <a:fontRef idx="minor">
+            <a:schemeClr val="tx1"/>
+          </a:fontRef>
+        </p:style>
+      </p:cxnSp>
+      <p:cxnSp>
+        <p:nvCxnSpPr>
+          <p:cNvPr id="76" name="Straight Arrow Connector 75"/>
+          <p:cNvCxnSpPr/>
+          <p:nvPr/>
+        </p:nvCxnSpPr>
+        <p:spPr>
+          <a:xfrm flipH="1" flipV="1">
+            <a:off x="3449467" y="5399082"/>
+            <a:ext cx="2051652" cy="4484"/>
+          </a:xfrm>
+          <a:prstGeom prst="straightConnector1">
+            <a:avLst/>
+          </a:prstGeom>
+          <a:ln w="19050" cmpd="sng">
+            <a:solidFill>
+              <a:schemeClr val="accent6">
+                <a:lumMod val="75000"/>
+              </a:schemeClr>
+            </a:solidFill>
+            <a:prstDash val="solid"/>
+            <a:headEnd type="none" w="med" len="med"/>
+            <a:tailEnd type="arrow" w="med" len="med"/>
+          </a:ln>
+        </p:spPr>
+        <p:style>
+          <a:lnRef idx="1">
+            <a:schemeClr val="accent1"/>
+          </a:lnRef>
+          <a:fillRef idx="0">
+            <a:schemeClr val="accent1"/>
+          </a:fillRef>
+          <a:effectRef idx="0">
+            <a:schemeClr val="accent1"/>
+          </a:effectRef>
+          <a:fontRef idx="minor">
+            <a:schemeClr val="tx1"/>
+          </a:fontRef>
+        </p:style>
+      </p:cxnSp>
+      <p:sp>
+        <p:nvSpPr>
+          <p:cNvPr id="77" name="Rectangle 76"/>
+          <p:cNvSpPr/>
+          <p:nvPr/>
+        </p:nvSpPr>
+        <p:spPr>
+          <a:xfrm>
+            <a:off x="3352800" y="5159010"/>
+            <a:ext cx="2225289" cy="246221"/>
+          </a:xfrm>
+          <a:prstGeom prst="rect">
+            <a:avLst/>
+          </a:prstGeom>
+        </p:spPr>
+        <p:txBody>
+          <a:bodyPr wrap="none">
+            <a:spAutoFit/>
+          </a:bodyPr>
+          <a:lstStyle/>
+          <a:p>
+            <a:r>
+              <a:rPr lang="en-SG" sz="1000" dirty="0">
+                <a:solidFill>
+                  <a:srgbClr val="E46C0A"/>
+                </a:solidFill>
+              </a:rPr>
+              <a:t>post(</a:t>
+            </a:r>
+            <a:r>
+              <a:rPr lang="en-SG" sz="1000" dirty="0" err="1">
+                <a:solidFill>
+                  <a:srgbClr val="E46C0A"/>
+                </a:solidFill>
+              </a:rPr>
+              <a:t>OnlineBackupSuccessResultEvent</a:t>
+            </a:r>
+            <a:r>
+              <a:rPr lang="en-SG" sz="1000" dirty="0">
+                <a:solidFill>
+                  <a:srgbClr val="E46C0A"/>
+                </a:solidFill>
+              </a:rPr>
+              <a:t>)</a:t>
+            </a:r>
+          </a:p>
+        </p:txBody>
+      </p:sp>
+    </p:spTree>
+    <p:extLst>
+      <p:ext uri="{BB962C8B-B14F-4D97-AF65-F5344CB8AC3E}">
+        <p14:creationId xmlns:p14="http://schemas.microsoft.com/office/powerpoint/2010/main" val="3896718228"/>
+      </p:ext>
+    </p:extLst>
+  </p:cSld>
+  <p:clrMapOvr>
+    <a:masterClrMapping/>
+  </p:clrMapOvr>
+</p:sld>
+</file>
+
+<file path=ppt/slides/slide4.xml><?xml version="1.0" encoding="utf-8"?>
+<p:sld xmlns:a="http://schemas.openxmlformats.org/drawingml/2006/main" xmlns:r="http://schemas.openxmlformats.org/officeDocument/2006/relationships" xmlns:p="http://schemas.openxmlformats.org/presentationml/2006/main">
+  <p:cSld>
+    <p:spTree>
+      <p:nvGrpSpPr>
+        <p:cNvPr id="1" name=""/>
+        <p:cNvGrpSpPr/>
+        <p:nvPr/>
+      </p:nvGrpSpPr>
+      <p:grpSpPr>
+        <a:xfrm>
+          <a:off x="0" y="0"/>
+          <a:ext cx="0" cy="0"/>
+          <a:chOff x="0" y="0"/>
+          <a:chExt cx="0" cy="0"/>
+        </a:xfrm>
+      </p:grpSpPr>
+      <p:sp>
+        <p:nvSpPr>
+          <p:cNvPr id="83" name="Rectangle 62"/>
+          <p:cNvSpPr/>
+          <p:nvPr/>
+        </p:nvSpPr>
+        <p:spPr>
+          <a:xfrm>
+            <a:off x="5721328" y="1066800"/>
+            <a:ext cx="1093635" cy="346760"/>
+          </a:xfrm>
+          <a:prstGeom prst="rect">
+            <a:avLst/>
+          </a:prstGeom>
+          <a:solidFill>
+            <a:srgbClr val="C00000"/>
+          </a:solidFill>
+          <a:ln w="19050">
+            <a:solidFill>
+              <a:srgbClr val="C00000"/>
+            </a:solidFill>
+          </a:ln>
+          <a:effectLst/>
+        </p:spPr>
+        <p:style>
+          <a:lnRef idx="1">
+            <a:schemeClr val="accent2"/>
+          </a:lnRef>
+          <a:fillRef idx="2">
+            <a:schemeClr val="accent2"/>
+          </a:fillRef>
+          <a:effectRef idx="1">
+            <a:schemeClr val="accent2"/>
+          </a:effectRef>
+          <a:fontRef idx="minor">
+            <a:schemeClr val="dk1"/>
+          </a:fontRef>
+        </p:style>
+        <p:txBody>
+          <a:bodyPr rtlCol="0" anchor="ctr"/>
+          <a:lstStyle/>
+          <a:p>
+            <a:pPr algn="ctr"/>
+            <a:r>
+              <a:rPr lang="en-US" sz="1600" dirty="0" smtClean="0">
+                <a:solidFill>
+                  <a:schemeClr val="bg1"/>
+                </a:solidFill>
+              </a:rPr>
+              <a:t>:Model</a:t>
+            </a:r>
+            <a:endParaRPr lang="en-SG" sz="1600" dirty="0">
+              <a:solidFill>
+                <a:schemeClr val="bg1"/>
+              </a:solidFill>
+            </a:endParaRPr>
+          </a:p>
+        </p:txBody>
+      </p:sp>
+      <p:cxnSp>
+        <p:nvCxnSpPr>
+          <p:cNvPr id="84" name="Straight Connector 83"/>
+          <p:cNvCxnSpPr/>
+          <p:nvPr/>
+        </p:nvCxnSpPr>
+        <p:spPr>
+          <a:xfrm>
+            <a:off x="6268145" y="1430471"/>
+            <a:ext cx="19842" cy="1998529"/>
+          </a:xfrm>
+          <a:prstGeom prst="line">
+            <a:avLst/>
+          </a:prstGeom>
+          <a:ln w="19050">
+            <a:solidFill>
+              <a:srgbClr val="C00000"/>
+            </a:solidFill>
+            <a:prstDash val="sysDash"/>
+          </a:ln>
+          <a:effectLst/>
+        </p:spPr>
+        <p:style>
+          <a:lnRef idx="1">
+            <a:schemeClr val="accent1"/>
+          </a:lnRef>
+          <a:fillRef idx="2">
+            <a:schemeClr val="accent1"/>
+          </a:fillRef>
+          <a:effectRef idx="1">
+            <a:schemeClr val="accent1"/>
+          </a:effectRef>
+          <a:fontRef idx="minor">
+            <a:schemeClr val="dk1"/>
+          </a:fontRef>
+        </p:style>
+      </p:cxnSp>
+      <p:sp>
+        <p:nvSpPr>
+          <p:cNvPr id="86" name="Rectangle 85"/>
+          <p:cNvSpPr/>
+          <p:nvPr/>
+        </p:nvSpPr>
+        <p:spPr>
+          <a:xfrm>
+            <a:off x="6225205" y="2133600"/>
+            <a:ext cx="129392" cy="1055682"/>
+          </a:xfrm>
+          <a:prstGeom prst="rect">
+            <a:avLst/>
+          </a:prstGeom>
+          <a:solidFill>
+            <a:srgbClr val="C00000"/>
+          </a:solidFill>
+          <a:ln>
+            <a:solidFill>
+              <a:srgbClr val="C00000"/>
+            </a:solidFill>
+          </a:ln>
+          <a:effectLst/>
+        </p:spPr>
+        <p:style>
+          <a:lnRef idx="1">
+            <a:schemeClr val="accent3"/>
+          </a:lnRef>
+          <a:fillRef idx="2">
+            <a:schemeClr val="accent3"/>
+          </a:fillRef>
+          <a:effectRef idx="1">
+            <a:schemeClr val="accent3"/>
+          </a:effectRef>
+          <a:fontRef idx="minor">
+            <a:schemeClr val="dk1"/>
+          </a:fontRef>
+        </p:style>
+        <p:txBody>
+          <a:bodyPr rtlCol="0" anchor="ctr"/>
+          <a:lstStyle/>
+          <a:p>
+            <a:pPr algn="ctr"/>
+            <a:endParaRPr lang="en-SG" sz="1400">
+              <a:solidFill>
+                <a:schemeClr val="dk1"/>
+              </a:solidFill>
+            </a:endParaRPr>
+          </a:p>
+        </p:txBody>
+      </p:sp>
+      <p:sp>
+        <p:nvSpPr>
+          <p:cNvPr id="88" name="TextBox 87"/>
+          <p:cNvSpPr txBox="1"/>
+          <p:nvPr/>
+        </p:nvSpPr>
+        <p:spPr>
+          <a:xfrm>
+            <a:off x="1886781" y="1612344"/>
+            <a:ext cx="2716635" cy="184666"/>
+          </a:xfrm>
+          <a:prstGeom prst="rect">
+            <a:avLst/>
+          </a:prstGeom>
+          <a:noFill/>
+        </p:spPr>
+        <p:txBody>
+          <a:bodyPr wrap="square" lIns="0" tIns="0" rIns="0" bIns="0" rtlCol="0">
+            <a:spAutoFit/>
+          </a:bodyPr>
+          <a:lstStyle/>
+          <a:p>
+            <a:r>
+              <a:rPr lang="en-SG" sz="1200" dirty="0">
+                <a:solidFill>
+                  <a:srgbClr val="0070C0"/>
+                </a:solidFill>
+              </a:rPr>
+              <a:t>post(</a:t>
+            </a:r>
+            <a:r>
+              <a:rPr lang="en-SG" sz="1200" dirty="0" err="1">
+                <a:solidFill>
+                  <a:srgbClr val="0070C0"/>
+                </a:solidFill>
+              </a:rPr>
+              <a:t>OnlineBackupSuccessResultEvent</a:t>
+            </a:r>
+            <a:r>
+              <a:rPr lang="en-US" sz="1200" dirty="0" smtClean="0">
+                <a:solidFill>
+                  <a:srgbClr val="0070C0"/>
+                </a:solidFill>
+              </a:rPr>
+              <a:t>)</a:t>
+            </a:r>
+            <a:endParaRPr lang="en-US" sz="1200" dirty="0">
+              <a:solidFill>
+                <a:srgbClr val="0070C0"/>
+              </a:solidFill>
+            </a:endParaRPr>
+          </a:p>
+        </p:txBody>
+      </p:sp>
+      <p:cxnSp>
+        <p:nvCxnSpPr>
+          <p:cNvPr id="89" name="Straight Arrow Connector 88"/>
+          <p:cNvCxnSpPr/>
+          <p:nvPr/>
+        </p:nvCxnSpPr>
+        <p:spPr>
+          <a:xfrm flipH="1" flipV="1">
+            <a:off x="4185449" y="2345928"/>
+            <a:ext cx="2051652" cy="4484"/>
+          </a:xfrm>
+          <a:prstGeom prst="straightConnector1">
+            <a:avLst/>
+          </a:prstGeom>
+          <a:ln w="19050" cmpd="sng">
+            <a:solidFill>
+              <a:srgbClr val="C00000"/>
+            </a:solidFill>
+            <a:prstDash val="solid"/>
+            <a:headEnd type="none" w="med" len="med"/>
+            <a:tailEnd type="arrow" w="med" len="med"/>
+          </a:ln>
+        </p:spPr>
+        <p:style>
+          <a:lnRef idx="1">
+            <a:schemeClr val="accent1"/>
+          </a:lnRef>
+          <a:fillRef idx="0">
+            <a:schemeClr val="accent1"/>
+          </a:fillRef>
+          <a:effectRef idx="0">
+            <a:schemeClr val="accent1"/>
+          </a:effectRef>
+          <a:fontRef idx="minor">
+            <a:schemeClr val="tx1"/>
+          </a:fontRef>
+        </p:style>
+      </p:cxnSp>
+      <p:sp>
+        <p:nvSpPr>
+          <p:cNvPr id="90" name="Rectangle 62"/>
+          <p:cNvSpPr/>
+          <p:nvPr/>
+        </p:nvSpPr>
+        <p:spPr>
+          <a:xfrm>
+            <a:off x="3488832" y="1083711"/>
+            <a:ext cx="1371600" cy="346760"/>
+          </a:xfrm>
+          <a:prstGeom prst="rect">
+            <a:avLst/>
+          </a:prstGeom>
+          <a:solidFill>
+            <a:schemeClr val="accent5">
+              <a:lumMod val="75000"/>
+            </a:schemeClr>
+          </a:solidFill>
+          <a:ln w="19050">
+            <a:solidFill>
+              <a:schemeClr val="accent5">
+                <a:lumMod val="75000"/>
+              </a:schemeClr>
+            </a:solidFill>
+          </a:ln>
+          <a:effectLst/>
+        </p:spPr>
+        <p:style>
+          <a:lnRef idx="1">
+            <a:schemeClr val="accent2"/>
+          </a:lnRef>
+          <a:fillRef idx="2">
+            <a:schemeClr val="accent2"/>
+          </a:fillRef>
+          <a:effectRef idx="1">
+            <a:schemeClr val="accent2"/>
+          </a:effectRef>
+          <a:fontRef idx="minor">
+            <a:schemeClr val="dk1"/>
+          </a:fontRef>
+        </p:style>
+        <p:txBody>
+          <a:bodyPr rtlCol="0" anchor="ctr"/>
+          <a:lstStyle/>
+          <a:p>
+            <a:pPr algn="ctr"/>
+            <a:r>
+              <a:rPr lang="en-US" sz="1600" dirty="0" smtClean="0">
+                <a:solidFill>
+                  <a:schemeClr val="bg1"/>
+                </a:solidFill>
+              </a:rPr>
+              <a:t>:</a:t>
+            </a:r>
+            <a:r>
+              <a:rPr lang="en-US" sz="1600" dirty="0" err="1" smtClean="0">
+                <a:solidFill>
+                  <a:schemeClr val="bg1"/>
+                </a:solidFill>
+              </a:rPr>
+              <a:t>EventsCenter</a:t>
+            </a:r>
+            <a:endParaRPr lang="en-SG" sz="1600" dirty="0">
+              <a:solidFill>
+                <a:schemeClr val="bg1"/>
+              </a:solidFill>
+            </a:endParaRPr>
+          </a:p>
+        </p:txBody>
+      </p:sp>
+      <p:cxnSp>
+        <p:nvCxnSpPr>
+          <p:cNvPr id="92" name="Straight Connector 91"/>
+          <p:cNvCxnSpPr/>
+          <p:nvPr/>
+        </p:nvCxnSpPr>
+        <p:spPr>
+          <a:xfrm flipH="1">
+            <a:off x="4148405" y="1436765"/>
+            <a:ext cx="6012" cy="1992235"/>
+          </a:xfrm>
+          <a:prstGeom prst="line">
+            <a:avLst/>
+          </a:prstGeom>
+          <a:ln w="19050">
+            <a:solidFill>
+              <a:schemeClr val="accent5">
+                <a:lumMod val="75000"/>
+              </a:schemeClr>
+            </a:solidFill>
+            <a:prstDash val="sysDash"/>
+          </a:ln>
+          <a:effectLst/>
+        </p:spPr>
+        <p:style>
+          <a:lnRef idx="1">
+            <a:schemeClr val="accent1"/>
+          </a:lnRef>
+          <a:fillRef idx="2">
+            <a:schemeClr val="accent1"/>
+          </a:fillRef>
+          <a:effectRef idx="1">
+            <a:schemeClr val="accent1"/>
+          </a:effectRef>
+          <a:fontRef idx="minor">
+            <a:schemeClr val="dk1"/>
+          </a:fontRef>
+        </p:style>
+      </p:cxnSp>
+      <p:sp>
+        <p:nvSpPr>
+          <p:cNvPr id="93" name="Rectangle 92"/>
+          <p:cNvSpPr/>
+          <p:nvPr/>
+        </p:nvSpPr>
+        <p:spPr>
+          <a:xfrm>
+            <a:off x="4082410" y="1859698"/>
+            <a:ext cx="138420" cy="1409068"/>
+          </a:xfrm>
+          <a:prstGeom prst="rect">
+            <a:avLst/>
+          </a:prstGeom>
+          <a:solidFill>
+            <a:schemeClr val="accent5">
+              <a:lumMod val="75000"/>
+            </a:schemeClr>
+          </a:solidFill>
+          <a:ln>
+            <a:solidFill>
+              <a:schemeClr val="accent5">
+                <a:lumMod val="75000"/>
+              </a:schemeClr>
+            </a:solidFill>
+          </a:ln>
+          <a:effectLst/>
+        </p:spPr>
+        <p:style>
+          <a:lnRef idx="1">
+            <a:schemeClr val="accent3"/>
+          </a:lnRef>
+          <a:fillRef idx="2">
+            <a:schemeClr val="accent3"/>
+          </a:fillRef>
+          <a:effectRef idx="1">
+            <a:schemeClr val="accent3"/>
+          </a:effectRef>
+          <a:fontRef idx="minor">
+            <a:schemeClr val="dk1"/>
+          </a:fontRef>
+        </p:style>
+        <p:txBody>
+          <a:bodyPr rtlCol="0" anchor="ctr"/>
+          <a:lstStyle/>
+          <a:p>
+            <a:pPr algn="ctr"/>
+            <a:endParaRPr lang="en-SG" sz="1400">
+              <a:solidFill>
+                <a:schemeClr val="dk1"/>
+              </a:solidFill>
+            </a:endParaRPr>
+          </a:p>
+        </p:txBody>
+      </p:sp>
+      <p:cxnSp>
+        <p:nvCxnSpPr>
+          <p:cNvPr id="95" name="Straight Arrow Connector 94"/>
+          <p:cNvCxnSpPr/>
+          <p:nvPr/>
+        </p:nvCxnSpPr>
+        <p:spPr>
+          <a:xfrm>
+            <a:off x="2776615" y="1859698"/>
+            <a:ext cx="1295400" cy="0"/>
+          </a:xfrm>
+          <a:prstGeom prst="straightConnector1">
+            <a:avLst/>
+          </a:prstGeom>
+          <a:ln w="19050">
+            <a:solidFill>
+              <a:srgbClr val="0070C0"/>
+            </a:solidFill>
+            <a:tailEnd type="arrow"/>
+          </a:ln>
+        </p:spPr>
+        <p:style>
+          <a:lnRef idx="1">
+            <a:schemeClr val="accent1"/>
+          </a:lnRef>
+          <a:fillRef idx="0">
+            <a:schemeClr val="accent1"/>
+          </a:fillRef>
+          <a:effectRef idx="0">
+            <a:schemeClr val="accent1"/>
+          </a:effectRef>
+          <a:fontRef idx="minor">
+            <a:schemeClr val="tx1"/>
+          </a:fontRef>
+        </p:style>
+      </p:cxnSp>
+      <p:cxnSp>
+        <p:nvCxnSpPr>
+          <p:cNvPr id="96" name="Straight Arrow Connector 95"/>
+          <p:cNvCxnSpPr/>
+          <p:nvPr/>
+        </p:nvCxnSpPr>
+        <p:spPr>
+          <a:xfrm>
+            <a:off x="2673328" y="3276600"/>
+            <a:ext cx="1448755" cy="0"/>
+          </a:xfrm>
+          <a:prstGeom prst="straightConnector1">
+            <a:avLst/>
+          </a:prstGeom>
+          <a:ln w="19050">
+            <a:solidFill>
+              <a:schemeClr val="accent5">
+                <a:lumMod val="75000"/>
+              </a:schemeClr>
+            </a:solidFill>
+            <a:prstDash val="sysDash"/>
+            <a:headEnd type="arrow" w="med" len="med"/>
+            <a:tailEnd type="none" w="med" len="med"/>
+          </a:ln>
+        </p:spPr>
+        <p:style>
+          <a:lnRef idx="1">
+            <a:schemeClr val="accent1"/>
+          </a:lnRef>
+          <a:fillRef idx="0">
+            <a:schemeClr val="accent1"/>
+          </a:fillRef>
+          <a:effectRef idx="0">
+            <a:schemeClr val="accent1"/>
+          </a:effectRef>
+          <a:fontRef idx="minor">
+            <a:schemeClr val="tx1"/>
+          </a:fontRef>
+        </p:style>
+      </p:cxnSp>
+      <p:cxnSp>
+        <p:nvCxnSpPr>
+          <p:cNvPr id="98" name="Straight Arrow Connector 97"/>
+          <p:cNvCxnSpPr>
+            <a:endCxn id="86" idx="0"/>
+          </p:cNvCxnSpPr>
+          <p:nvPr/>
+        </p:nvCxnSpPr>
+        <p:spPr>
+          <a:xfrm>
+            <a:off x="4224415" y="2129492"/>
+            <a:ext cx="2065486" cy="4108"/>
+          </a:xfrm>
+          <a:prstGeom prst="straightConnector1">
+            <a:avLst/>
+          </a:prstGeom>
+          <a:ln w="19050">
+            <a:solidFill>
+              <a:srgbClr val="C00000"/>
+            </a:solidFill>
+            <a:headEnd type="none" w="med" len="med"/>
+            <a:tailEnd type="arrow" w="med" len="med"/>
+          </a:ln>
+        </p:spPr>
+        <p:style>
+          <a:lnRef idx="1">
+            <a:schemeClr val="accent1"/>
+          </a:lnRef>
+          <a:fillRef idx="0">
+            <a:schemeClr val="accent1"/>
+          </a:fillRef>
+          <a:effectRef idx="0">
+            <a:schemeClr val="accent1"/>
+          </a:effectRef>
+          <a:fontRef idx="minor">
+            <a:schemeClr val="tx1"/>
+          </a:fontRef>
+        </p:style>
+      </p:cxnSp>
+      <p:sp>
+        <p:nvSpPr>
+          <p:cNvPr id="100" name="Rectangle 62"/>
+          <p:cNvSpPr/>
+          <p:nvPr/>
+        </p:nvSpPr>
+        <p:spPr>
+          <a:xfrm>
+            <a:off x="1219200" y="1066800"/>
+            <a:ext cx="1093635" cy="346760"/>
+          </a:xfrm>
+          <a:prstGeom prst="rect">
+            <a:avLst/>
+          </a:prstGeom>
+          <a:solidFill>
+            <a:srgbClr val="00B050"/>
+          </a:solidFill>
+          <a:ln w="19050">
+            <a:solidFill>
+              <a:srgbClr val="00B050"/>
+            </a:solidFill>
+          </a:ln>
+          <a:effectLst/>
+        </p:spPr>
+        <p:style>
+          <a:lnRef idx="1">
+            <a:schemeClr val="accent2"/>
+          </a:lnRef>
+          <a:fillRef idx="2">
+            <a:schemeClr val="accent2"/>
+          </a:fillRef>
+          <a:effectRef idx="1">
+            <a:schemeClr val="accent2"/>
+          </a:effectRef>
+          <a:fontRef idx="minor">
+            <a:schemeClr val="dk1"/>
+          </a:fontRef>
+        </p:style>
+        <p:txBody>
+          <a:bodyPr rtlCol="0" anchor="ctr"/>
+          <a:lstStyle/>
+          <a:p>
+            <a:pPr algn="ctr"/>
+            <a:r>
+              <a:rPr lang="en-US" sz="1600" dirty="0" smtClean="0">
+                <a:solidFill>
+                  <a:schemeClr val="bg1"/>
+                </a:solidFill>
+              </a:rPr>
+              <a:t>:UI</a:t>
+            </a:r>
+            <a:endParaRPr lang="en-SG" sz="1600" dirty="0">
+              <a:solidFill>
+                <a:schemeClr val="bg1"/>
+              </a:solidFill>
+            </a:endParaRPr>
+          </a:p>
+        </p:txBody>
+      </p:sp>
+      <p:cxnSp>
+        <p:nvCxnSpPr>
+          <p:cNvPr id="101" name="Straight Connector 100"/>
+          <p:cNvCxnSpPr/>
+          <p:nvPr/>
+        </p:nvCxnSpPr>
+        <p:spPr>
+          <a:xfrm flipH="1">
+            <a:off x="1741322" y="1430471"/>
+            <a:ext cx="24695" cy="1998529"/>
+          </a:xfrm>
+          <a:prstGeom prst="line">
+            <a:avLst/>
+          </a:prstGeom>
+          <a:ln w="19050">
+            <a:solidFill>
+              <a:srgbClr val="00B050"/>
+            </a:solidFill>
+            <a:prstDash val="sysDash"/>
+          </a:ln>
+          <a:effectLst/>
+        </p:spPr>
+        <p:style>
+          <a:lnRef idx="1">
+            <a:schemeClr val="accent1"/>
+          </a:lnRef>
+          <a:fillRef idx="2">
+            <a:schemeClr val="accent1"/>
+          </a:fillRef>
+          <a:effectRef idx="1">
+            <a:schemeClr val="accent1"/>
+          </a:effectRef>
+          <a:fontRef idx="minor">
+            <a:schemeClr val="dk1"/>
+          </a:fontRef>
+        </p:style>
+      </p:cxnSp>
+      <p:sp>
+        <p:nvSpPr>
+          <p:cNvPr id="104" name="Rectangle 103"/>
+          <p:cNvSpPr/>
+          <p:nvPr/>
+        </p:nvSpPr>
+        <p:spPr>
+          <a:xfrm>
+            <a:off x="1694010" y="2819400"/>
+            <a:ext cx="119320" cy="292823"/>
+          </a:xfrm>
+          <a:prstGeom prst="rect">
+            <a:avLst/>
+          </a:prstGeom>
+          <a:solidFill>
+            <a:srgbClr val="00B050"/>
+          </a:solidFill>
+          <a:ln>
+            <a:solidFill>
+              <a:srgbClr val="00B050"/>
+            </a:solidFill>
+          </a:ln>
+          <a:effectLst/>
+        </p:spPr>
+        <p:style>
+          <a:lnRef idx="1">
+            <a:schemeClr val="accent3"/>
+          </a:lnRef>
+          <a:fillRef idx="2">
+            <a:schemeClr val="accent3"/>
+          </a:fillRef>
+          <a:effectRef idx="1">
+            <a:schemeClr val="accent3"/>
+          </a:effectRef>
+          <a:fontRef idx="minor">
+            <a:schemeClr val="dk1"/>
+          </a:fontRef>
+        </p:style>
+        <p:txBody>
+          <a:bodyPr rtlCol="0" anchor="ctr"/>
+          <a:lstStyle/>
+          <a:p>
+            <a:pPr algn="ctr"/>
+            <a:endParaRPr lang="en-SG" sz="1400">
+              <a:solidFill>
+                <a:schemeClr val="dk1"/>
+              </a:solidFill>
+            </a:endParaRPr>
+          </a:p>
+        </p:txBody>
+      </p:sp>
+      <p:cxnSp>
+        <p:nvCxnSpPr>
+          <p:cNvPr id="106" name="Straight Arrow Connector 105"/>
+          <p:cNvCxnSpPr/>
+          <p:nvPr/>
+        </p:nvCxnSpPr>
+        <p:spPr>
+          <a:xfrm>
+            <a:off x="1846409" y="2819400"/>
+            <a:ext cx="2236000" cy="0"/>
+          </a:xfrm>
+          <a:prstGeom prst="straightConnector1">
+            <a:avLst/>
+          </a:prstGeom>
+          <a:ln w="19050">
+            <a:solidFill>
+              <a:schemeClr val="accent5">
+                <a:lumMod val="75000"/>
+              </a:schemeClr>
+            </a:solidFill>
+            <a:headEnd type="arrow" w="med" len="med"/>
+            <a:tailEnd type="none" w="med" len="med"/>
+          </a:ln>
+        </p:spPr>
+        <p:style>
+          <a:lnRef idx="1">
+            <a:schemeClr val="accent1"/>
+          </a:lnRef>
+          <a:fillRef idx="0">
+            <a:schemeClr val="accent1"/>
+          </a:fillRef>
+          <a:effectRef idx="0">
+            <a:schemeClr val="accent1"/>
+          </a:effectRef>
+          <a:fontRef idx="minor">
+            <a:schemeClr val="tx1"/>
+          </a:fontRef>
+        </p:style>
+      </p:cxnSp>
+      <p:grpSp>
+        <p:nvGrpSpPr>
+          <p:cNvPr id="108" name="Group 107"/>
+          <p:cNvGrpSpPr/>
+          <p:nvPr/>
+        </p:nvGrpSpPr>
+        <p:grpSpPr>
+          <a:xfrm flipH="1">
+            <a:off x="6287987" y="2095864"/>
+            <a:ext cx="210433" cy="547920"/>
+            <a:chOff x="1035051" y="5548116"/>
+            <a:chExt cx="210433" cy="416884"/>
+          </a:xfrm>
+        </p:grpSpPr>
+        <p:sp>
+          <p:nvSpPr>
+            <p:cNvPr id="109" name="Freeform 108"/>
+            <p:cNvSpPr/>
+            <p:nvPr/>
+          </p:nvSpPr>
+          <p:spPr>
+            <a:xfrm rot="4080000" flipH="1" flipV="1">
+              <a:off x="1048157" y="5535010"/>
+              <a:ext cx="127405" cy="153618"/>
+            </a:xfrm>
+            <a:custGeom>
+              <a:avLst/>
+              <a:gdLst>
+                <a:gd name="connsiteX0" fmla="*/ 0 w 226400"/>
+                <a:gd name="connsiteY0" fmla="*/ 32920 h 171466"/>
+                <a:gd name="connsiteX1" fmla="*/ 157018 w 226400"/>
+                <a:gd name="connsiteY1" fmla="*/ 5211 h 171466"/>
+                <a:gd name="connsiteX2" fmla="*/ 221673 w 226400"/>
+                <a:gd name="connsiteY2" fmla="*/ 125284 h 171466"/>
+                <a:gd name="connsiteX3" fmla="*/ 36945 w 226400"/>
+                <a:gd name="connsiteY3" fmla="*/ 171466 h 171466"/>
+              </a:gdLst>
+              <a:ahLst/>
+              <a:cxnLst>
+                <a:cxn ang="0">
+                  <a:pos x="connsiteX0" y="connsiteY0"/>
+                </a:cxn>
+                <a:cxn ang="0">
+                  <a:pos x="connsiteX1" y="connsiteY1"/>
+                </a:cxn>
+                <a:cxn ang="0">
+                  <a:pos x="connsiteX2" y="connsiteY2"/>
+                </a:cxn>
+                <a:cxn ang="0">
+                  <a:pos x="connsiteX3" y="connsiteY3"/>
+                </a:cxn>
+              </a:cxnLst>
+              <a:rect l="l" t="t" r="r" b="b"/>
+              <a:pathLst>
+                <a:path w="226400" h="171466">
+                  <a:moveTo>
+                    <a:pt x="0" y="32920"/>
+                  </a:moveTo>
+                  <a:cubicBezTo>
+                    <a:pt x="60036" y="11368"/>
+                    <a:pt x="120073" y="-10183"/>
+                    <a:pt x="157018" y="5211"/>
+                  </a:cubicBezTo>
+                  <a:cubicBezTo>
+                    <a:pt x="193963" y="20605"/>
+                    <a:pt x="241685" y="97575"/>
+                    <a:pt x="221673" y="125284"/>
+                  </a:cubicBezTo>
+                  <a:cubicBezTo>
+                    <a:pt x="201661" y="152993"/>
+                    <a:pt x="119303" y="162229"/>
+                    <a:pt x="36945" y="171466"/>
+                  </a:cubicBezTo>
+                </a:path>
+              </a:pathLst>
+            </a:custGeom>
+            <a:ln w="19050">
+              <a:solidFill>
+                <a:srgbClr val="C00000"/>
+              </a:solidFill>
+              <a:headEnd type="arrow" w="med" len="med"/>
+              <a:tailEnd type="none" w="med" len="med"/>
+            </a:ln>
+          </p:spPr>
+          <p:style>
+            <a:lnRef idx="1">
+              <a:schemeClr val="accent1"/>
+            </a:lnRef>
+            <a:fillRef idx="0">
+              <a:schemeClr val="accent1"/>
+            </a:fillRef>
+            <a:effectRef idx="0">
+              <a:schemeClr val="accent1"/>
+            </a:effectRef>
+            <a:fontRef idx="minor">
+              <a:schemeClr val="tx1"/>
+            </a:fontRef>
+          </p:style>
+          <p:txBody>
+            <a:bodyPr rtlCol="0" anchor="ctr"/>
+            <a:lstStyle/>
+            <a:p>
+              <a:pPr algn="ctr"/>
+              <a:endParaRPr lang="en-SG"/>
+            </a:p>
+          </p:txBody>
+        </p:sp>
+        <p:sp>
+          <p:nvSpPr>
+            <p:cNvPr id="110" name="Rectangle 109"/>
+            <p:cNvSpPr/>
+            <p:nvPr/>
+          </p:nvSpPr>
+          <p:spPr>
+            <a:xfrm>
+              <a:off x="1132795" y="5615058"/>
+              <a:ext cx="112689" cy="349942"/>
+            </a:xfrm>
+            <a:prstGeom prst="rect">
+              <a:avLst/>
+            </a:prstGeom>
+            <a:solidFill>
+              <a:srgbClr val="C00000"/>
+            </a:solidFill>
+            <a:ln>
+              <a:solidFill>
+                <a:schemeClr val="bg1"/>
+              </a:solidFill>
+            </a:ln>
+            <a:effectLst/>
+          </p:spPr>
+          <p:style>
+            <a:lnRef idx="1">
+              <a:schemeClr val="accent3"/>
+            </a:lnRef>
+            <a:fillRef idx="2">
+              <a:schemeClr val="accent3"/>
+            </a:fillRef>
+            <a:effectRef idx="1">
+              <a:schemeClr val="accent3"/>
+            </a:effectRef>
+            <a:fontRef idx="minor">
+              <a:schemeClr val="dk1"/>
+            </a:fontRef>
+          </p:style>
+          <p:txBody>
+            <a:bodyPr rtlCol="0" anchor="ctr"/>
+            <a:lstStyle/>
+            <a:p>
+              <a:pPr algn="ctr"/>
+              <a:endParaRPr lang="en-SG" sz="1400">
+                <a:solidFill>
+                  <a:schemeClr val="dk1"/>
+                </a:solidFill>
+              </a:endParaRPr>
+            </a:p>
+          </p:txBody>
+        </p:sp>
+      </p:grpSp>
+      <p:sp>
+        <p:nvSpPr>
+          <p:cNvPr id="123" name="Rectangle 122"/>
+          <p:cNvSpPr/>
+          <p:nvPr/>
+        </p:nvSpPr>
+        <p:spPr>
+          <a:xfrm>
+            <a:off x="4224415" y="2286000"/>
+            <a:ext cx="1744388" cy="246221"/>
+          </a:xfrm>
+          <a:prstGeom prst="rect">
+            <a:avLst/>
+          </a:prstGeom>
+          <a:ln>
+            <a:noFill/>
+          </a:ln>
+        </p:spPr>
+        <p:txBody>
+          <a:bodyPr wrap="none">
+            <a:spAutoFit/>
+          </a:bodyPr>
+          <a:lstStyle/>
+          <a:p>
+            <a:r>
+              <a:rPr lang="en-SG" sz="1000" dirty="0">
+                <a:solidFill>
+                  <a:schemeClr val="accent2"/>
+                </a:solidFill>
+              </a:rPr>
+              <a:t>post(</a:t>
+            </a:r>
+            <a:r>
+              <a:rPr lang="en-SG" sz="1000" dirty="0" err="1">
+                <a:solidFill>
+                  <a:schemeClr val="accent2"/>
+                </a:solidFill>
+              </a:rPr>
+              <a:t>UserPrefsChangedEvent</a:t>
+            </a:r>
+            <a:r>
+              <a:rPr lang="en-SG" sz="1000" dirty="0">
+                <a:solidFill>
+                  <a:schemeClr val="accent2"/>
+                </a:solidFill>
+              </a:rPr>
+              <a:t>)</a:t>
+            </a:r>
+          </a:p>
+        </p:txBody>
+      </p:sp>
+      <p:grpSp>
+        <p:nvGrpSpPr>
+          <p:cNvPr id="129" name="Group 128"/>
+          <p:cNvGrpSpPr/>
+          <p:nvPr/>
+        </p:nvGrpSpPr>
+        <p:grpSpPr>
+          <a:xfrm>
+            <a:off x="1523973" y="2778093"/>
+            <a:ext cx="217349" cy="270072"/>
+            <a:chOff x="1028134" y="5612032"/>
+            <a:chExt cx="217349" cy="270072"/>
+          </a:xfrm>
+        </p:grpSpPr>
+        <p:sp>
+          <p:nvSpPr>
+            <p:cNvPr id="130" name="Freeform 129"/>
+            <p:cNvSpPr/>
+            <p:nvPr/>
+          </p:nvSpPr>
+          <p:spPr>
+            <a:xfrm rot="2600998" flipH="1" flipV="1">
+              <a:off x="1028134" y="5612032"/>
+              <a:ext cx="167452" cy="116880"/>
+            </a:xfrm>
+            <a:custGeom>
+              <a:avLst/>
+              <a:gdLst>
+                <a:gd name="connsiteX0" fmla="*/ 0 w 226400"/>
+                <a:gd name="connsiteY0" fmla="*/ 32920 h 171466"/>
+                <a:gd name="connsiteX1" fmla="*/ 157018 w 226400"/>
+                <a:gd name="connsiteY1" fmla="*/ 5211 h 171466"/>
+                <a:gd name="connsiteX2" fmla="*/ 221673 w 226400"/>
+                <a:gd name="connsiteY2" fmla="*/ 125284 h 171466"/>
+                <a:gd name="connsiteX3" fmla="*/ 36945 w 226400"/>
+                <a:gd name="connsiteY3" fmla="*/ 171466 h 171466"/>
+              </a:gdLst>
+              <a:ahLst/>
+              <a:cxnLst>
+                <a:cxn ang="0">
+                  <a:pos x="connsiteX0" y="connsiteY0"/>
+                </a:cxn>
+                <a:cxn ang="0">
+                  <a:pos x="connsiteX1" y="connsiteY1"/>
+                </a:cxn>
+                <a:cxn ang="0">
+                  <a:pos x="connsiteX2" y="connsiteY2"/>
+                </a:cxn>
+                <a:cxn ang="0">
+                  <a:pos x="connsiteX3" y="connsiteY3"/>
+                </a:cxn>
+              </a:cxnLst>
+              <a:rect l="l" t="t" r="r" b="b"/>
+              <a:pathLst>
+                <a:path w="226400" h="171466">
+                  <a:moveTo>
+                    <a:pt x="0" y="32920"/>
+                  </a:moveTo>
+                  <a:cubicBezTo>
+                    <a:pt x="60036" y="11368"/>
+                    <a:pt x="120073" y="-10183"/>
+                    <a:pt x="157018" y="5211"/>
+                  </a:cubicBezTo>
+                  <a:cubicBezTo>
+                    <a:pt x="193963" y="20605"/>
+                    <a:pt x="241685" y="97575"/>
+                    <a:pt x="221673" y="125284"/>
+                  </a:cubicBezTo>
+                  <a:cubicBezTo>
+                    <a:pt x="201661" y="152993"/>
+                    <a:pt x="119303" y="162229"/>
+                    <a:pt x="36945" y="171466"/>
+                  </a:cubicBezTo>
+                </a:path>
+              </a:pathLst>
+            </a:custGeom>
+            <a:ln w="19050">
+              <a:solidFill>
+                <a:srgbClr val="00B050"/>
+              </a:solidFill>
+              <a:headEnd type="arrow" w="med" len="med"/>
+              <a:tailEnd type="none" w="med" len="med"/>
+            </a:ln>
+          </p:spPr>
+          <p:style>
+            <a:lnRef idx="1">
+              <a:schemeClr val="accent1"/>
+            </a:lnRef>
+            <a:fillRef idx="0">
+              <a:schemeClr val="accent1"/>
+            </a:fillRef>
+            <a:effectRef idx="0">
+              <a:schemeClr val="accent1"/>
+            </a:effectRef>
+            <a:fontRef idx="minor">
+              <a:schemeClr val="tx1"/>
+            </a:fontRef>
+          </p:style>
+          <p:txBody>
+            <a:bodyPr rtlCol="0" anchor="ctr"/>
+            <a:lstStyle/>
+            <a:p>
+              <a:pPr algn="ctr"/>
+              <a:endParaRPr lang="en-SG"/>
+            </a:p>
+          </p:txBody>
+        </p:sp>
+        <p:sp>
+          <p:nvSpPr>
+            <p:cNvPr id="131" name="Rectangle 130"/>
+            <p:cNvSpPr/>
+            <p:nvPr/>
+          </p:nvSpPr>
+          <p:spPr>
+            <a:xfrm>
+              <a:off x="1147403" y="5712513"/>
+              <a:ext cx="98080" cy="169591"/>
+            </a:xfrm>
+            <a:prstGeom prst="rect">
+              <a:avLst/>
+            </a:prstGeom>
+            <a:solidFill>
+              <a:srgbClr val="00B050"/>
+            </a:solidFill>
+            <a:ln>
+              <a:solidFill>
+                <a:schemeClr val="bg1"/>
+              </a:solidFill>
+            </a:ln>
+            <a:effectLst/>
+          </p:spPr>
+          <p:style>
+            <a:lnRef idx="1">
+              <a:schemeClr val="accent3"/>
+            </a:lnRef>
+            <a:fillRef idx="2">
+              <a:schemeClr val="accent3"/>
+            </a:fillRef>
+            <a:effectRef idx="1">
+              <a:schemeClr val="accent3"/>
+            </a:effectRef>
+            <a:fontRef idx="minor">
+              <a:schemeClr val="dk1"/>
+            </a:fontRef>
+          </p:style>
+          <p:txBody>
+            <a:bodyPr rtlCol="0" anchor="ctr"/>
+            <a:lstStyle/>
+            <a:p>
+              <a:pPr algn="ctr"/>
+              <a:endParaRPr lang="en-SG" sz="1400">
+                <a:solidFill>
+                  <a:schemeClr val="dk1"/>
+                </a:solidFill>
+              </a:endParaRPr>
+            </a:p>
+          </p:txBody>
+        </p:sp>
+      </p:grpSp>
+      <p:cxnSp>
+        <p:nvCxnSpPr>
+          <p:cNvPr id="132" name="Straight Arrow Connector 131"/>
+          <p:cNvCxnSpPr/>
+          <p:nvPr/>
+        </p:nvCxnSpPr>
+        <p:spPr>
+          <a:xfrm flipH="1">
+            <a:off x="1846409" y="3124200"/>
+            <a:ext cx="2236000" cy="0"/>
+          </a:xfrm>
+          <a:prstGeom prst="straightConnector1">
+            <a:avLst/>
+          </a:prstGeom>
+          <a:ln w="19050">
+            <a:solidFill>
+              <a:srgbClr val="00B050"/>
+            </a:solidFill>
+            <a:prstDash val="sysDash"/>
+            <a:headEnd type="arrow" w="med" len="med"/>
+            <a:tailEnd type="none" w="med" len="med"/>
+          </a:ln>
+        </p:spPr>
+        <p:style>
+          <a:lnRef idx="1">
+            <a:schemeClr val="accent1"/>
+          </a:lnRef>
+          <a:fillRef idx="0">
+            <a:schemeClr val="accent1"/>
+          </a:fillRef>
+          <a:effectRef idx="0">
+            <a:schemeClr val="accent1"/>
+          </a:effectRef>
+          <a:fontRef idx="minor">
+            <a:schemeClr val="tx1"/>
+          </a:fontRef>
+        </p:style>
+      </p:cxnSp>
+      <p:cxnSp>
+        <p:nvCxnSpPr>
+          <p:cNvPr id="134" name="Straight Arrow Connector 133"/>
+          <p:cNvCxnSpPr/>
+          <p:nvPr/>
+        </p:nvCxnSpPr>
+        <p:spPr>
+          <a:xfrm flipH="1" flipV="1">
+            <a:off x="4217795" y="2590800"/>
+            <a:ext cx="2051652" cy="4484"/>
+          </a:xfrm>
+          <a:prstGeom prst="straightConnector1">
+            <a:avLst/>
+          </a:prstGeom>
+          <a:ln w="19050" cmpd="sng">
+            <a:solidFill>
+              <a:srgbClr val="C00000"/>
+            </a:solidFill>
+            <a:prstDash val="solid"/>
+            <a:headEnd type="none" w="med" len="med"/>
+            <a:tailEnd type="arrow" w="med" len="med"/>
+          </a:ln>
+        </p:spPr>
+        <p:style>
+          <a:lnRef idx="1">
+            <a:schemeClr val="accent1"/>
+          </a:lnRef>
+          <a:fillRef idx="0">
+            <a:schemeClr val="accent1"/>
+          </a:fillRef>
+          <a:effectRef idx="0">
+            <a:schemeClr val="accent1"/>
+          </a:effectRef>
+          <a:fontRef idx="minor">
+            <a:schemeClr val="tx1"/>
+          </a:fontRef>
+        </p:style>
+      </p:cxnSp>
+      <p:sp>
+        <p:nvSpPr>
+          <p:cNvPr id="135" name="Rectangle 134"/>
+          <p:cNvSpPr/>
+          <p:nvPr/>
+        </p:nvSpPr>
+        <p:spPr>
+          <a:xfrm>
+            <a:off x="4217933" y="2573179"/>
+            <a:ext cx="2106667" cy="246221"/>
+          </a:xfrm>
+          <a:prstGeom prst="rect">
+            <a:avLst/>
+          </a:prstGeom>
+          <a:ln>
+            <a:noFill/>
+          </a:ln>
+        </p:spPr>
+        <p:txBody>
+          <a:bodyPr wrap="none">
+            <a:spAutoFit/>
+          </a:bodyPr>
+          <a:lstStyle/>
+          <a:p>
+            <a:r>
+              <a:rPr lang="en-SG" sz="1000" dirty="0">
+                <a:solidFill>
+                  <a:schemeClr val="accent2"/>
+                </a:solidFill>
+              </a:rPr>
+              <a:t>post(</a:t>
+            </a:r>
+            <a:r>
+              <a:rPr lang="en-SG" sz="1000" dirty="0" err="1">
+                <a:solidFill>
+                  <a:schemeClr val="accent2"/>
+                </a:solidFill>
+              </a:rPr>
+              <a:t>NewNotificationAvailableEvent</a:t>
+            </a:r>
+            <a:r>
+              <a:rPr lang="en-SG" sz="1000" dirty="0">
+                <a:solidFill>
+                  <a:schemeClr val="accent2"/>
+                </a:solidFill>
+              </a:rPr>
+              <a:t>)</a:t>
+            </a:r>
+          </a:p>
+        </p:txBody>
+      </p:sp>
+      <p:sp>
+        <p:nvSpPr>
+          <p:cNvPr id="112" name="TextBox 111"/>
+          <p:cNvSpPr txBox="1"/>
+          <p:nvPr/>
+        </p:nvSpPr>
+        <p:spPr>
+          <a:xfrm>
+            <a:off x="304800" y="2233136"/>
+            <a:ext cx="1206105" cy="738664"/>
+          </a:xfrm>
+          <a:prstGeom prst="rect">
+            <a:avLst/>
+          </a:prstGeom>
+          <a:noFill/>
+        </p:spPr>
+        <p:txBody>
+          <a:bodyPr wrap="square" lIns="0" tIns="0" rIns="0" bIns="0" rtlCol="0">
+            <a:spAutoFit/>
+          </a:bodyPr>
+          <a:lstStyle/>
+          <a:p>
+            <a:pPr algn="r"/>
+            <a:r>
+              <a:rPr lang="en-US" sz="1200" dirty="0" smtClean="0">
+                <a:solidFill>
+                  <a:srgbClr val="00B050"/>
+                </a:solidFill>
+              </a:rPr>
+              <a:t>Show backup success notification with reference </a:t>
+            </a:r>
+            <a:r>
+              <a:rPr lang="en-US" sz="1200" dirty="0" err="1" smtClean="0">
+                <a:solidFill>
+                  <a:srgbClr val="00B050"/>
+                </a:solidFill>
+              </a:rPr>
+              <a:t>url</a:t>
+            </a:r>
+            <a:endParaRPr lang="en-US" sz="1200" dirty="0">
+              <a:solidFill>
+                <a:srgbClr val="00B050"/>
+              </a:solidFill>
+            </a:endParaRPr>
+          </a:p>
+        </p:txBody>
+      </p:sp>
+      <p:sp>
+        <p:nvSpPr>
+          <p:cNvPr id="113" name="TextBox 112"/>
+          <p:cNvSpPr txBox="1"/>
+          <p:nvPr/>
+        </p:nvSpPr>
+        <p:spPr>
+          <a:xfrm>
+            <a:off x="1980610" y="2615804"/>
+            <a:ext cx="2659870" cy="153888"/>
+          </a:xfrm>
+          <a:prstGeom prst="rect">
+            <a:avLst/>
+          </a:prstGeom>
+          <a:noFill/>
+        </p:spPr>
+        <p:txBody>
+          <a:bodyPr wrap="square" lIns="0" tIns="0" rIns="0" bIns="0" rtlCol="0">
+            <a:spAutoFit/>
+          </a:bodyPr>
+          <a:lstStyle/>
+          <a:p>
+            <a:r>
+              <a:rPr lang="en-US" sz="1000" dirty="0" smtClean="0">
+                <a:solidFill>
+                  <a:srgbClr val="00B050"/>
+                </a:solidFill>
+              </a:rPr>
+              <a:t>handle</a:t>
+            </a:r>
+            <a:r>
+              <a:rPr lang="en-SG" sz="1000" dirty="0" err="1" smtClean="0">
+                <a:solidFill>
+                  <a:srgbClr val="00B050"/>
+                </a:solidFill>
+              </a:rPr>
+              <a:t>NewNotificationAvailableEvent</a:t>
+            </a:r>
+            <a:r>
+              <a:rPr lang="en-US" sz="1000" dirty="0" smtClean="0">
+                <a:solidFill>
+                  <a:srgbClr val="00B050"/>
+                </a:solidFill>
+              </a:rPr>
+              <a:t>()</a:t>
+            </a:r>
+            <a:endParaRPr lang="en-US" sz="1000" dirty="0">
+              <a:solidFill>
+                <a:srgbClr val="00B050"/>
+              </a:solidFill>
+            </a:endParaRPr>
+          </a:p>
+        </p:txBody>
+      </p:sp>
+      <p:sp>
+        <p:nvSpPr>
+          <p:cNvPr id="114" name="TextBox 113"/>
+          <p:cNvSpPr txBox="1"/>
+          <p:nvPr/>
+        </p:nvSpPr>
+        <p:spPr>
+          <a:xfrm>
+            <a:off x="4286825" y="1947446"/>
+            <a:ext cx="1981320" cy="338554"/>
+          </a:xfrm>
+          <a:prstGeom prst="rect">
+            <a:avLst/>
+          </a:prstGeom>
+          <a:noFill/>
+          <a:ln>
+            <a:noFill/>
+          </a:ln>
+        </p:spPr>
+        <p:txBody>
+          <a:bodyPr wrap="square" lIns="0" tIns="0" rIns="0" bIns="0" rtlCol="0">
+            <a:spAutoFit/>
+          </a:bodyPr>
+          <a:lstStyle/>
+          <a:p>
+            <a:r>
+              <a:rPr lang="en-US" sz="1100" dirty="0" err="1" smtClean="0">
+                <a:solidFill>
+                  <a:schemeClr val="accent2"/>
+                </a:solidFill>
+              </a:rPr>
+              <a:t>handleOnlineBackupSuccessResultEvent</a:t>
+            </a:r>
+            <a:r>
+              <a:rPr lang="en-US" sz="1100" dirty="0" smtClean="0">
+                <a:solidFill>
+                  <a:schemeClr val="accent2"/>
+                </a:solidFill>
+              </a:rPr>
+              <a:t>()</a:t>
+            </a:r>
+            <a:endParaRPr lang="en-US" sz="1100" dirty="0">
+              <a:solidFill>
+                <a:schemeClr val="accent2"/>
+              </a:solidFill>
+            </a:endParaRPr>
+          </a:p>
+        </p:txBody>
+      </p:sp>
+      <p:sp>
+        <p:nvSpPr>
+          <p:cNvPr id="116" name="Rectangle 62"/>
+          <p:cNvSpPr/>
+          <p:nvPr/>
+        </p:nvSpPr>
+        <p:spPr>
+          <a:xfrm>
+            <a:off x="5710933" y="3741415"/>
+            <a:ext cx="1093635" cy="346760"/>
+          </a:xfrm>
+          <a:prstGeom prst="rect">
+            <a:avLst/>
+          </a:prstGeom>
+          <a:solidFill>
+            <a:srgbClr val="E46C0A"/>
+          </a:solidFill>
+          <a:ln w="19050">
+            <a:solidFill>
+              <a:srgbClr val="E46C0A"/>
+            </a:solidFill>
+          </a:ln>
+          <a:effectLst/>
+        </p:spPr>
+        <p:style>
+          <a:lnRef idx="1">
+            <a:schemeClr val="accent2"/>
+          </a:lnRef>
+          <a:fillRef idx="2">
+            <a:schemeClr val="accent2"/>
+          </a:fillRef>
+          <a:effectRef idx="1">
+            <a:schemeClr val="accent2"/>
+          </a:effectRef>
+          <a:fontRef idx="minor">
+            <a:schemeClr val="dk1"/>
+          </a:fontRef>
+        </p:style>
+        <p:txBody>
+          <a:bodyPr rtlCol="0" anchor="ctr"/>
+          <a:lstStyle/>
+          <a:p>
+            <a:pPr algn="ctr"/>
+            <a:r>
+              <a:rPr lang="en-US" sz="1600" dirty="0" smtClean="0">
+                <a:solidFill>
+                  <a:schemeClr val="bg1"/>
+                </a:solidFill>
+              </a:rPr>
+              <a:t>:Storage</a:t>
+            </a:r>
+            <a:endParaRPr lang="en-SG" sz="1600" dirty="0">
+              <a:solidFill>
+                <a:schemeClr val="bg1"/>
+              </a:solidFill>
+            </a:endParaRPr>
+          </a:p>
+        </p:txBody>
+      </p:sp>
+      <p:cxnSp>
+        <p:nvCxnSpPr>
+          <p:cNvPr id="117" name="Straight Connector 116"/>
+          <p:cNvCxnSpPr/>
+          <p:nvPr/>
+        </p:nvCxnSpPr>
+        <p:spPr>
+          <a:xfrm>
+            <a:off x="6257750" y="4105086"/>
+            <a:ext cx="14282" cy="1438504"/>
+          </a:xfrm>
+          <a:prstGeom prst="line">
+            <a:avLst/>
+          </a:prstGeom>
+          <a:ln w="19050">
+            <a:solidFill>
+              <a:srgbClr val="E46C0A"/>
+            </a:solidFill>
+            <a:prstDash val="sysDash"/>
+          </a:ln>
+          <a:effectLst/>
+        </p:spPr>
+        <p:style>
+          <a:lnRef idx="1">
+            <a:schemeClr val="accent1"/>
+          </a:lnRef>
+          <a:fillRef idx="2">
+            <a:schemeClr val="accent1"/>
+          </a:fillRef>
+          <a:effectRef idx="1">
+            <a:schemeClr val="accent1"/>
+          </a:effectRef>
+          <a:fontRef idx="minor">
+            <a:schemeClr val="dk1"/>
+          </a:fontRef>
+        </p:style>
+      </p:cxnSp>
+      <p:sp>
+        <p:nvSpPr>
+          <p:cNvPr id="118" name="Rectangle 117"/>
+          <p:cNvSpPr/>
+          <p:nvPr/>
+        </p:nvSpPr>
+        <p:spPr>
+          <a:xfrm>
+            <a:off x="6214810" y="4808215"/>
+            <a:ext cx="104221" cy="373385"/>
+          </a:xfrm>
+          <a:prstGeom prst="rect">
+            <a:avLst/>
+          </a:prstGeom>
+          <a:solidFill>
+            <a:srgbClr val="E46C0A"/>
+          </a:solidFill>
+          <a:ln>
+            <a:solidFill>
+              <a:srgbClr val="E46C0A"/>
+            </a:solidFill>
+          </a:ln>
+          <a:effectLst/>
+        </p:spPr>
+        <p:style>
+          <a:lnRef idx="1">
+            <a:schemeClr val="accent3"/>
+          </a:lnRef>
+          <a:fillRef idx="2">
+            <a:schemeClr val="accent3"/>
+          </a:fillRef>
+          <a:effectRef idx="1">
+            <a:schemeClr val="accent3"/>
+          </a:effectRef>
+          <a:fontRef idx="minor">
+            <a:schemeClr val="dk1"/>
+          </a:fontRef>
+        </p:style>
+        <p:txBody>
+          <a:bodyPr rtlCol="0" anchor="ctr"/>
+          <a:lstStyle/>
+          <a:p>
+            <a:pPr algn="ctr"/>
+            <a:endParaRPr lang="en-SG" sz="1400">
+              <a:solidFill>
+                <a:schemeClr val="dk1"/>
+              </a:solidFill>
+            </a:endParaRPr>
+          </a:p>
+        </p:txBody>
+      </p:sp>
+      <p:sp>
+        <p:nvSpPr>
+          <p:cNvPr id="119" name="TextBox 118"/>
+          <p:cNvSpPr txBox="1"/>
+          <p:nvPr/>
+        </p:nvSpPr>
+        <p:spPr>
+          <a:xfrm>
+            <a:off x="2236365" y="4286959"/>
+            <a:ext cx="2716635" cy="184666"/>
+          </a:xfrm>
+          <a:prstGeom prst="rect">
+            <a:avLst/>
+          </a:prstGeom>
+          <a:noFill/>
+        </p:spPr>
+        <p:txBody>
+          <a:bodyPr wrap="square" lIns="0" tIns="0" rIns="0" bIns="0" rtlCol="0">
+            <a:spAutoFit/>
+          </a:bodyPr>
+          <a:lstStyle/>
+          <a:p>
+            <a:r>
+              <a:rPr lang="en-US" sz="1200" dirty="0" smtClean="0">
+                <a:solidFill>
+                  <a:srgbClr val="0070C0"/>
+                </a:solidFill>
+              </a:rPr>
+              <a:t>post(</a:t>
+            </a:r>
+            <a:r>
+              <a:rPr lang="en-US" sz="1200" dirty="0" err="1" smtClean="0">
+                <a:solidFill>
+                  <a:srgbClr val="0070C0"/>
+                </a:solidFill>
+              </a:rPr>
+              <a:t>UserPrefsChangedEvent</a:t>
+            </a:r>
+            <a:r>
+              <a:rPr lang="en-US" sz="1200" dirty="0" smtClean="0">
+                <a:solidFill>
+                  <a:srgbClr val="0070C0"/>
+                </a:solidFill>
+              </a:rPr>
+              <a:t>)</a:t>
+            </a:r>
+            <a:endParaRPr lang="en-US" sz="1200" dirty="0">
+              <a:solidFill>
+                <a:srgbClr val="0070C0"/>
+              </a:solidFill>
+            </a:endParaRPr>
+          </a:p>
+        </p:txBody>
+      </p:sp>
+      <p:sp>
+        <p:nvSpPr>
+          <p:cNvPr id="121" name="Rectangle 62"/>
+          <p:cNvSpPr/>
+          <p:nvPr/>
+        </p:nvSpPr>
+        <p:spPr>
+          <a:xfrm>
+            <a:off x="3478437" y="3758326"/>
+            <a:ext cx="1371600" cy="346760"/>
+          </a:xfrm>
+          <a:prstGeom prst="rect">
+            <a:avLst/>
+          </a:prstGeom>
+          <a:solidFill>
+            <a:schemeClr val="accent5">
+              <a:lumMod val="75000"/>
+            </a:schemeClr>
+          </a:solidFill>
+          <a:ln w="19050">
+            <a:solidFill>
+              <a:schemeClr val="accent5">
+                <a:lumMod val="75000"/>
+              </a:schemeClr>
+            </a:solidFill>
+          </a:ln>
+          <a:effectLst/>
+        </p:spPr>
+        <p:style>
+          <a:lnRef idx="1">
+            <a:schemeClr val="accent2"/>
+          </a:lnRef>
+          <a:fillRef idx="2">
+            <a:schemeClr val="accent2"/>
+          </a:fillRef>
+          <a:effectRef idx="1">
+            <a:schemeClr val="accent2"/>
+          </a:effectRef>
+          <a:fontRef idx="minor">
+            <a:schemeClr val="dk1"/>
+          </a:fontRef>
+        </p:style>
+        <p:txBody>
+          <a:bodyPr rtlCol="0" anchor="ctr"/>
+          <a:lstStyle/>
+          <a:p>
+            <a:pPr algn="ctr"/>
+            <a:r>
+              <a:rPr lang="en-US" sz="1600" dirty="0" smtClean="0">
+                <a:solidFill>
+                  <a:schemeClr val="bg1"/>
+                </a:solidFill>
+              </a:rPr>
+              <a:t>:</a:t>
+            </a:r>
+            <a:r>
+              <a:rPr lang="en-US" sz="1600" dirty="0" err="1" smtClean="0">
+                <a:solidFill>
+                  <a:schemeClr val="bg1"/>
+                </a:solidFill>
+              </a:rPr>
+              <a:t>EventsCenter</a:t>
+            </a:r>
+            <a:endParaRPr lang="en-SG" sz="1600" dirty="0">
+              <a:solidFill>
+                <a:schemeClr val="bg1"/>
+              </a:solidFill>
+            </a:endParaRPr>
+          </a:p>
+        </p:txBody>
+      </p:sp>
+      <p:cxnSp>
+        <p:nvCxnSpPr>
+          <p:cNvPr id="136" name="Straight Connector 135"/>
+          <p:cNvCxnSpPr/>
+          <p:nvPr/>
+        </p:nvCxnSpPr>
+        <p:spPr>
+          <a:xfrm>
+            <a:off x="4144022" y="4111380"/>
+            <a:ext cx="0" cy="1451220"/>
+          </a:xfrm>
+          <a:prstGeom prst="line">
+            <a:avLst/>
+          </a:prstGeom>
+          <a:ln w="19050">
+            <a:solidFill>
+              <a:schemeClr val="accent5">
+                <a:lumMod val="75000"/>
+              </a:schemeClr>
+            </a:solidFill>
+            <a:prstDash val="sysDash"/>
+          </a:ln>
+          <a:effectLst/>
+        </p:spPr>
+        <p:style>
+          <a:lnRef idx="1">
+            <a:schemeClr val="accent1"/>
+          </a:lnRef>
+          <a:fillRef idx="2">
+            <a:schemeClr val="accent1"/>
+          </a:fillRef>
+          <a:effectRef idx="1">
+            <a:schemeClr val="accent1"/>
+          </a:effectRef>
+          <a:fontRef idx="minor">
+            <a:schemeClr val="dk1"/>
+          </a:fontRef>
+        </p:style>
+      </p:cxnSp>
+      <p:sp>
+        <p:nvSpPr>
+          <p:cNvPr id="137" name="Rectangle 136"/>
+          <p:cNvSpPr/>
+          <p:nvPr/>
+        </p:nvSpPr>
+        <p:spPr>
+          <a:xfrm>
+            <a:off x="4072015" y="4534313"/>
+            <a:ext cx="124068" cy="795270"/>
+          </a:xfrm>
+          <a:prstGeom prst="rect">
+            <a:avLst/>
+          </a:prstGeom>
+          <a:solidFill>
+            <a:schemeClr val="accent5">
+              <a:lumMod val="75000"/>
+            </a:schemeClr>
+          </a:solidFill>
+          <a:ln>
+            <a:solidFill>
+              <a:schemeClr val="accent5">
+                <a:lumMod val="75000"/>
+              </a:schemeClr>
+            </a:solidFill>
+          </a:ln>
+          <a:effectLst/>
+        </p:spPr>
+        <p:style>
+          <a:lnRef idx="1">
+            <a:schemeClr val="accent3"/>
+          </a:lnRef>
+          <a:fillRef idx="2">
+            <a:schemeClr val="accent3"/>
+          </a:fillRef>
+          <a:effectRef idx="1">
+            <a:schemeClr val="accent3"/>
+          </a:effectRef>
+          <a:fontRef idx="minor">
+            <a:schemeClr val="dk1"/>
+          </a:fontRef>
+        </p:style>
+        <p:txBody>
+          <a:bodyPr rtlCol="0" anchor="ctr"/>
+          <a:lstStyle/>
+          <a:p>
+            <a:pPr algn="ctr"/>
+            <a:endParaRPr lang="en-SG" sz="1400">
+              <a:solidFill>
+                <a:schemeClr val="dk1"/>
+              </a:solidFill>
+            </a:endParaRPr>
+          </a:p>
+        </p:txBody>
+      </p:sp>
+      <p:cxnSp>
+        <p:nvCxnSpPr>
+          <p:cNvPr id="138" name="Straight Arrow Connector 137"/>
+          <p:cNvCxnSpPr/>
+          <p:nvPr/>
+        </p:nvCxnSpPr>
+        <p:spPr>
+          <a:xfrm>
+            <a:off x="2766220" y="4534313"/>
+            <a:ext cx="1295400" cy="0"/>
+          </a:xfrm>
+          <a:prstGeom prst="straightConnector1">
+            <a:avLst/>
+          </a:prstGeom>
+          <a:ln w="19050">
+            <a:solidFill>
+              <a:srgbClr val="0070C0"/>
+            </a:solidFill>
+            <a:tailEnd type="arrow"/>
+          </a:ln>
+        </p:spPr>
+        <p:style>
+          <a:lnRef idx="1">
+            <a:schemeClr val="accent1"/>
+          </a:lnRef>
+          <a:fillRef idx="0">
+            <a:schemeClr val="accent1"/>
+          </a:fillRef>
+          <a:effectRef idx="0">
+            <a:schemeClr val="accent1"/>
+          </a:effectRef>
+          <a:fontRef idx="minor">
+            <a:schemeClr val="tx1"/>
+          </a:fontRef>
+        </p:style>
+      </p:cxnSp>
+      <p:cxnSp>
+        <p:nvCxnSpPr>
+          <p:cNvPr id="139" name="Straight Arrow Connector 138"/>
+          <p:cNvCxnSpPr/>
+          <p:nvPr/>
+        </p:nvCxnSpPr>
+        <p:spPr>
+          <a:xfrm>
+            <a:off x="2699650" y="5334000"/>
+            <a:ext cx="1448755" cy="0"/>
+          </a:xfrm>
+          <a:prstGeom prst="straightConnector1">
+            <a:avLst/>
+          </a:prstGeom>
+          <a:ln w="19050">
+            <a:solidFill>
+              <a:schemeClr val="accent5">
+                <a:lumMod val="75000"/>
+              </a:schemeClr>
+            </a:solidFill>
+            <a:prstDash val="sysDash"/>
+            <a:headEnd type="arrow" w="med" len="med"/>
+            <a:tailEnd type="none" w="med" len="med"/>
+          </a:ln>
+        </p:spPr>
+        <p:style>
+          <a:lnRef idx="1">
+            <a:schemeClr val="accent1"/>
+          </a:lnRef>
+          <a:fillRef idx="0">
+            <a:schemeClr val="accent1"/>
+          </a:fillRef>
+          <a:effectRef idx="0">
+            <a:schemeClr val="accent1"/>
+          </a:effectRef>
+          <a:fontRef idx="minor">
+            <a:schemeClr val="tx1"/>
+          </a:fontRef>
+        </p:style>
+      </p:cxnSp>
+      <p:cxnSp>
+        <p:nvCxnSpPr>
+          <p:cNvPr id="140" name="Straight Arrow Connector 139"/>
+          <p:cNvCxnSpPr>
+            <a:endCxn id="118" idx="0"/>
+          </p:cNvCxnSpPr>
+          <p:nvPr/>
+        </p:nvCxnSpPr>
+        <p:spPr>
+          <a:xfrm>
+            <a:off x="4214020" y="4804107"/>
+            <a:ext cx="2052901" cy="4108"/>
+          </a:xfrm>
+          <a:prstGeom prst="straightConnector1">
+            <a:avLst/>
+          </a:prstGeom>
+          <a:ln w="19050">
+            <a:solidFill>
+              <a:srgbClr val="E46C0A"/>
+            </a:solidFill>
+            <a:headEnd type="none" w="med" len="med"/>
+            <a:tailEnd type="arrow" w="med" len="med"/>
+          </a:ln>
+        </p:spPr>
+        <p:style>
+          <a:lnRef idx="1">
+            <a:schemeClr val="accent1"/>
+          </a:lnRef>
+          <a:fillRef idx="0">
+            <a:schemeClr val="accent1"/>
+          </a:fillRef>
+          <a:effectRef idx="0">
+            <a:schemeClr val="accent1"/>
+          </a:effectRef>
+          <a:fontRef idx="minor">
+            <a:schemeClr val="tx1"/>
+          </a:fontRef>
+        </p:style>
+      </p:cxnSp>
+      <p:grpSp>
+        <p:nvGrpSpPr>
+          <p:cNvPr id="145" name="Group 144"/>
+          <p:cNvGrpSpPr/>
+          <p:nvPr/>
+        </p:nvGrpSpPr>
+        <p:grpSpPr>
+          <a:xfrm flipH="1">
+            <a:off x="6277592" y="4770485"/>
+            <a:ext cx="210433" cy="334657"/>
+            <a:chOff x="1035051" y="5548116"/>
+            <a:chExt cx="210433" cy="254623"/>
+          </a:xfrm>
+        </p:grpSpPr>
+        <p:sp>
+          <p:nvSpPr>
+            <p:cNvPr id="146" name="Freeform 145"/>
+            <p:cNvSpPr/>
+            <p:nvPr/>
+          </p:nvSpPr>
+          <p:spPr>
+            <a:xfrm rot="4080000" flipH="1" flipV="1">
+              <a:off x="1048157" y="5535010"/>
+              <a:ext cx="127405" cy="153618"/>
+            </a:xfrm>
+            <a:custGeom>
+              <a:avLst/>
+              <a:gdLst>
+                <a:gd name="connsiteX0" fmla="*/ 0 w 226400"/>
+                <a:gd name="connsiteY0" fmla="*/ 32920 h 171466"/>
+                <a:gd name="connsiteX1" fmla="*/ 157018 w 226400"/>
+                <a:gd name="connsiteY1" fmla="*/ 5211 h 171466"/>
+                <a:gd name="connsiteX2" fmla="*/ 221673 w 226400"/>
+                <a:gd name="connsiteY2" fmla="*/ 125284 h 171466"/>
+                <a:gd name="connsiteX3" fmla="*/ 36945 w 226400"/>
+                <a:gd name="connsiteY3" fmla="*/ 171466 h 171466"/>
+              </a:gdLst>
+              <a:ahLst/>
+              <a:cxnLst>
+                <a:cxn ang="0">
+                  <a:pos x="connsiteX0" y="connsiteY0"/>
+                </a:cxn>
+                <a:cxn ang="0">
+                  <a:pos x="connsiteX1" y="connsiteY1"/>
+                </a:cxn>
+                <a:cxn ang="0">
+                  <a:pos x="connsiteX2" y="connsiteY2"/>
+                </a:cxn>
+                <a:cxn ang="0">
+                  <a:pos x="connsiteX3" y="connsiteY3"/>
+                </a:cxn>
+              </a:cxnLst>
+              <a:rect l="l" t="t" r="r" b="b"/>
+              <a:pathLst>
+                <a:path w="226400" h="171466">
+                  <a:moveTo>
+                    <a:pt x="0" y="32920"/>
+                  </a:moveTo>
+                  <a:cubicBezTo>
+                    <a:pt x="60036" y="11368"/>
+                    <a:pt x="120073" y="-10183"/>
+                    <a:pt x="157018" y="5211"/>
+                  </a:cubicBezTo>
+                  <a:cubicBezTo>
+                    <a:pt x="193963" y="20605"/>
+                    <a:pt x="241685" y="97575"/>
+                    <a:pt x="221673" y="125284"/>
+                  </a:cubicBezTo>
+                  <a:cubicBezTo>
+                    <a:pt x="201661" y="152993"/>
+                    <a:pt x="119303" y="162229"/>
+                    <a:pt x="36945" y="171466"/>
+                  </a:cubicBezTo>
+                </a:path>
+              </a:pathLst>
+            </a:custGeom>
+            <a:ln w="19050">
+              <a:solidFill>
+                <a:srgbClr val="E46C0A"/>
+              </a:solidFill>
+              <a:headEnd type="arrow" w="med" len="med"/>
+              <a:tailEnd type="none" w="med" len="med"/>
+            </a:ln>
+          </p:spPr>
+          <p:style>
+            <a:lnRef idx="1">
+              <a:schemeClr val="accent1"/>
+            </a:lnRef>
+            <a:fillRef idx="0">
+              <a:schemeClr val="accent1"/>
+            </a:fillRef>
+            <a:effectRef idx="0">
+              <a:schemeClr val="accent1"/>
+            </a:effectRef>
+            <a:fontRef idx="minor">
+              <a:schemeClr val="tx1"/>
+            </a:fontRef>
+          </p:style>
+          <p:txBody>
+            <a:bodyPr rtlCol="0" anchor="ctr"/>
+            <a:lstStyle/>
+            <a:p>
+              <a:pPr algn="ctr"/>
+              <a:endParaRPr lang="en-SG"/>
+            </a:p>
+          </p:txBody>
+        </p:sp>
+        <p:sp>
+          <p:nvSpPr>
+            <p:cNvPr id="147" name="Rectangle 146"/>
+            <p:cNvSpPr/>
+            <p:nvPr/>
+          </p:nvSpPr>
+          <p:spPr>
+            <a:xfrm>
+              <a:off x="1135934" y="5615058"/>
+              <a:ext cx="109550" cy="187681"/>
+            </a:xfrm>
+            <a:prstGeom prst="rect">
+              <a:avLst/>
+            </a:prstGeom>
+            <a:solidFill>
+              <a:srgbClr val="E46C0A"/>
+            </a:solidFill>
+            <a:ln>
+              <a:solidFill>
+                <a:schemeClr val="bg1"/>
+              </a:solidFill>
+            </a:ln>
+            <a:effectLst/>
+          </p:spPr>
+          <p:style>
+            <a:lnRef idx="1">
+              <a:schemeClr val="accent3"/>
+            </a:lnRef>
+            <a:fillRef idx="2">
+              <a:schemeClr val="accent3"/>
+            </a:fillRef>
+            <a:effectRef idx="1">
+              <a:schemeClr val="accent3"/>
+            </a:effectRef>
+            <a:fontRef idx="minor">
+              <a:schemeClr val="dk1"/>
+            </a:fontRef>
+          </p:style>
+          <p:txBody>
+            <a:bodyPr rtlCol="0" anchor="ctr"/>
+            <a:lstStyle/>
+            <a:p>
+              <a:pPr algn="ctr"/>
+              <a:endParaRPr lang="en-SG" sz="1400">
+                <a:solidFill>
+                  <a:schemeClr val="dk1"/>
+                </a:solidFill>
+              </a:endParaRPr>
+            </a:p>
+          </p:txBody>
+        </p:sp>
+      </p:grpSp>
+      <p:sp>
+        <p:nvSpPr>
+          <p:cNvPr id="158" name="TextBox 157"/>
+          <p:cNvSpPr txBox="1"/>
+          <p:nvPr/>
+        </p:nvSpPr>
+        <p:spPr>
+          <a:xfrm>
+            <a:off x="4276430" y="4622061"/>
+            <a:ext cx="1981320" cy="169277"/>
+          </a:xfrm>
+          <a:prstGeom prst="rect">
+            <a:avLst/>
+          </a:prstGeom>
+          <a:noFill/>
+          <a:ln>
+            <a:noFill/>
+          </a:ln>
+        </p:spPr>
+        <p:txBody>
+          <a:bodyPr wrap="square" lIns="0" tIns="0" rIns="0" bIns="0" rtlCol="0">
+            <a:spAutoFit/>
+          </a:bodyPr>
+          <a:lstStyle/>
+          <a:p>
+            <a:r>
+              <a:rPr lang="en-US" sz="1100" dirty="0" err="1">
+                <a:solidFill>
+                  <a:srgbClr val="E46C0A"/>
+                </a:solidFill>
+              </a:rPr>
+              <a:t>handleUserPrefsChangedEvent</a:t>
+            </a:r>
+            <a:r>
+              <a:rPr lang="en-US" sz="1100" dirty="0">
+                <a:solidFill>
+                  <a:srgbClr val="E46C0A"/>
+                </a:solidFill>
+              </a:rPr>
+              <a:t>()</a:t>
+            </a:r>
+            <a:endParaRPr lang="en-US" sz="1100" dirty="0">
+              <a:solidFill>
+                <a:srgbClr val="E46C0A"/>
+              </a:solidFill>
+            </a:endParaRPr>
+          </a:p>
+        </p:txBody>
+      </p:sp>
+      <p:sp>
+        <p:nvSpPr>
+          <p:cNvPr id="14" name="Rectangle 13"/>
+          <p:cNvSpPr/>
+          <p:nvPr/>
+        </p:nvSpPr>
+        <p:spPr>
+          <a:xfrm>
+            <a:off x="6387142" y="4556339"/>
+            <a:ext cx="1399742" cy="261610"/>
+          </a:xfrm>
+          <a:prstGeom prst="rect">
+            <a:avLst/>
+          </a:prstGeom>
+        </p:spPr>
+        <p:txBody>
+          <a:bodyPr wrap="none">
+            <a:spAutoFit/>
+          </a:bodyPr>
+          <a:lstStyle/>
+          <a:p>
+            <a:r>
+              <a:rPr lang="en-SG" sz="1100" dirty="0" smtClean="0">
+                <a:solidFill>
+                  <a:srgbClr val="E46C0A"/>
+                </a:solidFill>
+              </a:rPr>
+              <a:t>Save </a:t>
+            </a:r>
+            <a:r>
+              <a:rPr lang="en-SG" sz="1100" dirty="0" err="1" smtClean="0">
+                <a:solidFill>
+                  <a:srgbClr val="E46C0A"/>
+                </a:solidFill>
+              </a:rPr>
+              <a:t>UserPrefs</a:t>
+            </a:r>
+            <a:r>
+              <a:rPr lang="en-SG" sz="1100" dirty="0" smtClean="0">
+                <a:solidFill>
+                  <a:srgbClr val="E46C0A"/>
+                </a:solidFill>
+              </a:rPr>
+              <a:t> to file</a:t>
+            </a:r>
+            <a:endParaRPr lang="en-SG" sz="1100" dirty="0">
+              <a:solidFill>
+                <a:srgbClr val="E46C0A"/>
+              </a:solidFill>
+            </a:endParaRPr>
+          </a:p>
+        </p:txBody>
+      </p:sp>
+      <p:cxnSp>
+        <p:nvCxnSpPr>
+          <p:cNvPr id="159" name="Straight Arrow Connector 158"/>
+          <p:cNvCxnSpPr/>
+          <p:nvPr/>
+        </p:nvCxnSpPr>
+        <p:spPr>
+          <a:xfrm flipH="1" flipV="1">
+            <a:off x="4215925" y="5174745"/>
+            <a:ext cx="2015599" cy="6855"/>
+          </a:xfrm>
+          <a:prstGeom prst="straightConnector1">
+            <a:avLst/>
+          </a:prstGeom>
+          <a:ln w="19050">
+            <a:solidFill>
+              <a:schemeClr val="accent6">
+                <a:lumMod val="75000"/>
+              </a:schemeClr>
+            </a:solidFill>
+            <a:prstDash val="sysDash"/>
+            <a:headEnd type="none" w="med" len="med"/>
+            <a:tailEnd type="arrow" w="med" len="med"/>
+          </a:ln>
+        </p:spPr>
+        <p:style>
+          <a:lnRef idx="1">
+            <a:schemeClr val="accent1"/>
+          </a:lnRef>
+          <a:fillRef idx="0">
+            <a:schemeClr val="accent1"/>
+          </a:fillRef>
+          <a:effectRef idx="0">
+            <a:schemeClr val="accent1"/>
+          </a:effectRef>
+          <a:fontRef idx="minor">
+            <a:schemeClr val="tx1"/>
+          </a:fontRef>
+        </p:style>
+      </p:cxnSp>
+      <p:sp>
+        <p:nvSpPr>
+          <p:cNvPr id="22" name="Rectangle 21"/>
+          <p:cNvSpPr/>
+          <p:nvPr/>
+        </p:nvSpPr>
+        <p:spPr>
+          <a:xfrm>
+            <a:off x="6347505" y="1856601"/>
+            <a:ext cx="2339295" cy="276999"/>
+          </a:xfrm>
+          <a:prstGeom prst="rect">
+            <a:avLst/>
+          </a:prstGeom>
+        </p:spPr>
+        <p:txBody>
+          <a:bodyPr wrap="none">
+            <a:spAutoFit/>
+          </a:bodyPr>
+          <a:lstStyle/>
+          <a:p>
+            <a:r>
+              <a:rPr lang="en-SG" sz="1200" dirty="0" err="1">
+                <a:solidFill>
+                  <a:srgbClr val="C00000"/>
+                </a:solidFill>
+              </a:rPr>
+              <a:t>handleOnlineBackupSuccessResult</a:t>
+            </a:r>
+            <a:endParaRPr lang="en-SG" sz="1200" dirty="0">
+              <a:solidFill>
+                <a:srgbClr val="C00000"/>
+              </a:solidFill>
+            </a:endParaRPr>
+          </a:p>
+        </p:txBody>
+      </p:sp>
+    </p:spTree>
+    <p:extLst>
+      <p:ext uri="{BB962C8B-B14F-4D97-AF65-F5344CB8AC3E}">
+        <p14:creationId xmlns:p14="http://schemas.microsoft.com/office/powerpoint/2010/main" val="4121266621"/>
       </p:ext>
     </p:extLst>
   </p:cSld>

--- a/docs/diagrams/HighLevelSequenceDiagrams.pptx
+++ b/docs/diagrams/HighLevelSequenceDiagrams.pptx
@@ -5,13 +5,15 @@
     <p:sldMasterId id="2147483648" r:id="rId1"/>
   </p:sldMasterIdLst>
   <p:notesMasterIdLst>
-    <p:notesMasterId r:id="rId6"/>
+    <p:notesMasterId r:id="rId8"/>
   </p:notesMasterIdLst>
   <p:sldIdLst>
     <p:sldId id="266" r:id="rId2"/>
     <p:sldId id="267" r:id="rId3"/>
     <p:sldId id="268" r:id="rId4"/>
     <p:sldId id="269" r:id="rId5"/>
+    <p:sldId id="270" r:id="rId6"/>
+    <p:sldId id="271" r:id="rId7"/>
   </p:sldIdLst>
   <p:sldSz cx="9144000" cy="6858000" type="screen4x3"/>
   <p:notesSz cx="6858000" cy="9144000"/>
@@ -734,6 +736,182 @@
     <p:extLst>
       <p:ext uri="{BB962C8B-B14F-4D97-AF65-F5344CB8AC3E}">
         <p14:creationId xmlns:p14="http://schemas.microsoft.com/office/powerpoint/2010/main" val="114219948"/>
+      </p:ext>
+    </p:extLst>
+  </p:cSld>
+  <p:clrMapOvr>
+    <a:masterClrMapping/>
+  </p:clrMapOvr>
+</p:notes>
+</file>
+
+<file path=ppt/notesSlides/notesSlide4.xml><?xml version="1.0" encoding="utf-8"?>
+<p:notes xmlns:a="http://schemas.openxmlformats.org/drawingml/2006/main" xmlns:r="http://schemas.openxmlformats.org/officeDocument/2006/relationships" xmlns:p="http://schemas.openxmlformats.org/presentationml/2006/main">
+  <p:cSld>
+    <p:spTree>
+      <p:nvGrpSpPr>
+        <p:cNvPr id="1" name=""/>
+        <p:cNvGrpSpPr/>
+        <p:nvPr/>
+      </p:nvGrpSpPr>
+      <p:grpSpPr>
+        <a:xfrm>
+          <a:off x="0" y="0"/>
+          <a:ext cx="0" cy="0"/>
+          <a:chOff x="0" y="0"/>
+          <a:chExt cx="0" cy="0"/>
+        </a:xfrm>
+      </p:grpSpPr>
+      <p:sp>
+        <p:nvSpPr>
+          <p:cNvPr id="2" name="Slide Image Placeholder 1"/>
+          <p:cNvSpPr>
+            <a:spLocks noGrp="1" noRot="1" noChangeAspect="1"/>
+          </p:cNvSpPr>
+          <p:nvPr>
+            <p:ph type="sldImg"/>
+          </p:nvPr>
+        </p:nvSpPr>
+        <p:spPr/>
+      </p:sp>
+      <p:sp>
+        <p:nvSpPr>
+          <p:cNvPr id="3" name="Notes Placeholder 2"/>
+          <p:cNvSpPr>
+            <a:spLocks noGrp="1"/>
+          </p:cNvSpPr>
+          <p:nvPr>
+            <p:ph type="body" idx="1"/>
+          </p:nvPr>
+        </p:nvSpPr>
+        <p:spPr/>
+        <p:txBody>
+          <a:bodyPr/>
+          <a:lstStyle/>
+          <a:p>
+            <a:r>
+              <a:rPr lang="en-SG" dirty="0" smtClean="0"/>
+              <a:t>Backup command</a:t>
+            </a:r>
+            <a:endParaRPr lang="en-SG" dirty="0"/>
+          </a:p>
+        </p:txBody>
+      </p:sp>
+      <p:sp>
+        <p:nvSpPr>
+          <p:cNvPr id="4" name="Slide Number Placeholder 3"/>
+          <p:cNvSpPr>
+            <a:spLocks noGrp="1"/>
+          </p:cNvSpPr>
+          <p:nvPr>
+            <p:ph type="sldNum" sz="quarter" idx="10"/>
+          </p:nvPr>
+        </p:nvSpPr>
+        <p:spPr/>
+        <p:txBody>
+          <a:bodyPr/>
+          <a:lstStyle/>
+          <a:p>
+            <a:fld id="{5A7AB025-77E3-4BD1-A2FD-B3183DBA47A3}" type="slidenum">
+              <a:rPr lang="en-US" smtClean="0"/>
+              <a:t>5</a:t>
+            </a:fld>
+            <a:endParaRPr lang="en-US"/>
+          </a:p>
+        </p:txBody>
+      </p:sp>
+    </p:spTree>
+    <p:extLst>
+      <p:ext uri="{BB962C8B-B14F-4D97-AF65-F5344CB8AC3E}">
+        <p14:creationId xmlns:p14="http://schemas.microsoft.com/office/powerpoint/2010/main" val="1573906898"/>
+      </p:ext>
+    </p:extLst>
+  </p:cSld>
+  <p:clrMapOvr>
+    <a:masterClrMapping/>
+  </p:clrMapOvr>
+</p:notes>
+</file>
+
+<file path=ppt/notesSlides/notesSlide5.xml><?xml version="1.0" encoding="utf-8"?>
+<p:notes xmlns:a="http://schemas.openxmlformats.org/drawingml/2006/main" xmlns:r="http://schemas.openxmlformats.org/officeDocument/2006/relationships" xmlns:p="http://schemas.openxmlformats.org/presentationml/2006/main">
+  <p:cSld>
+    <p:spTree>
+      <p:nvGrpSpPr>
+        <p:cNvPr id="1" name=""/>
+        <p:cNvGrpSpPr/>
+        <p:nvPr/>
+      </p:nvGrpSpPr>
+      <p:grpSpPr>
+        <a:xfrm>
+          <a:off x="0" y="0"/>
+          <a:ext cx="0" cy="0"/>
+          <a:chOff x="0" y="0"/>
+          <a:chExt cx="0" cy="0"/>
+        </a:xfrm>
+      </p:grpSpPr>
+      <p:sp>
+        <p:nvSpPr>
+          <p:cNvPr id="2" name="Slide Image Placeholder 1"/>
+          <p:cNvSpPr>
+            <a:spLocks noGrp="1" noRot="1" noChangeAspect="1"/>
+          </p:cNvSpPr>
+          <p:nvPr>
+            <p:ph type="sldImg"/>
+          </p:nvPr>
+        </p:nvSpPr>
+        <p:spPr/>
+      </p:sp>
+      <p:sp>
+        <p:nvSpPr>
+          <p:cNvPr id="3" name="Notes Placeholder 2"/>
+          <p:cNvSpPr>
+            <a:spLocks noGrp="1"/>
+          </p:cNvSpPr>
+          <p:nvPr>
+            <p:ph type="body" idx="1"/>
+          </p:nvPr>
+        </p:nvSpPr>
+        <p:spPr/>
+        <p:txBody>
+          <a:bodyPr/>
+          <a:lstStyle/>
+          <a:p>
+            <a:r>
+              <a:rPr lang="en-SG" dirty="0" smtClean="0"/>
+              <a:t>Backup command</a:t>
+            </a:r>
+            <a:endParaRPr lang="en-SG" dirty="0"/>
+          </a:p>
+        </p:txBody>
+      </p:sp>
+      <p:sp>
+        <p:nvSpPr>
+          <p:cNvPr id="4" name="Slide Number Placeholder 3"/>
+          <p:cNvSpPr>
+            <a:spLocks noGrp="1"/>
+          </p:cNvSpPr>
+          <p:nvPr>
+            <p:ph type="sldNum" sz="quarter" idx="10"/>
+          </p:nvPr>
+        </p:nvSpPr>
+        <p:spPr/>
+        <p:txBody>
+          <a:bodyPr/>
+          <a:lstStyle/>
+          <a:p>
+            <a:fld id="{5A7AB025-77E3-4BD1-A2FD-B3183DBA47A3}" type="slidenum">
+              <a:rPr lang="en-US" smtClean="0"/>
+              <a:t>6</a:t>
+            </a:fld>
+            <a:endParaRPr lang="en-US"/>
+          </a:p>
+        </p:txBody>
+      </p:sp>
+    </p:spTree>
+    <p:extLst>
+      <p:ext uri="{BB962C8B-B14F-4D97-AF65-F5344CB8AC3E}">
+        <p14:creationId xmlns:p14="http://schemas.microsoft.com/office/powerpoint/2010/main" val="3421249243"/>
       </p:ext>
     </p:extLst>
   </p:cSld>
@@ -7056,15 +7234,7 @@
                   <a:srgbClr val="0070C0"/>
                 </a:solidFill>
               </a:rPr>
-              <a:t>execute</a:t>
-            </a:r>
-            <a:r>
-              <a:rPr lang="en-US" sz="1400" dirty="0" smtClean="0">
-                <a:solidFill>
-                  <a:srgbClr val="0070C0"/>
-                </a:solidFill>
-              </a:rPr>
-              <a:t>(“backup”)</a:t>
+              <a:t>execute(“backup”)</a:t>
             </a:r>
             <a:endParaRPr lang="en-US" sz="1400" dirty="0">
               <a:solidFill>
@@ -7594,11 +7764,6 @@
               </a:rPr>
               <a:t>)</a:t>
             </a:r>
-            <a:endParaRPr lang="en-US" sz="1200" dirty="0">
-              <a:solidFill>
-                <a:srgbClr val="0070C0"/>
-              </a:solidFill>
-            </a:endParaRPr>
           </a:p>
         </p:txBody>
       </p:sp>
@@ -9073,7 +9238,6 @@
               <a:rPr lang="en-SG" sz="600" dirty="0"/>
               <a:t>Multithread local backup tasks</a:t>
             </a:r>
-            <a:endParaRPr lang="en-SG" sz="600" dirty="0"/>
           </a:p>
         </p:txBody>
       </p:sp>
@@ -10133,15 +10297,7 @@
                   <a:srgbClr val="0070C0"/>
                 </a:solidFill>
               </a:rPr>
-              <a:t>execute</a:t>
-            </a:r>
-            <a:r>
-              <a:rPr lang="en-US" sz="1200" dirty="0" smtClean="0">
-                <a:solidFill>
-                  <a:srgbClr val="0070C0"/>
-                </a:solidFill>
-              </a:rPr>
-              <a:t>(“backup GITHUB </a:t>
+              <a:t>execute(“backup GITHUB </a:t>
             </a:r>
             <a:r>
               <a:rPr lang="en-US" sz="1200" dirty="0" err="1" smtClean="0">
@@ -12188,7 +12344,6 @@
               <a:rPr lang="en-SG" sz="600" dirty="0"/>
               <a:t>tasks</a:t>
             </a:r>
-            <a:endParaRPr lang="en-SG" sz="600" dirty="0"/>
           </a:p>
         </p:txBody>
       </p:sp>
@@ -14681,11 +14836,6 @@
               </a:rPr>
               <a:t>()</a:t>
             </a:r>
-            <a:endParaRPr lang="en-US" sz="1100" dirty="0">
-              <a:solidFill>
-                <a:srgbClr val="E46C0A"/>
-              </a:solidFill>
-            </a:endParaRPr>
           </a:p>
         </p:txBody>
       </p:sp>
@@ -14823,6 +14973,5251 @@
     <p:extLst>
       <p:ext uri="{BB962C8B-B14F-4D97-AF65-F5344CB8AC3E}">
         <p14:creationId xmlns:p14="http://schemas.microsoft.com/office/powerpoint/2010/main" val="4121266621"/>
+      </p:ext>
+    </p:extLst>
+  </p:cSld>
+  <p:clrMapOvr>
+    <a:masterClrMapping/>
+  </p:clrMapOvr>
+</p:sld>
+</file>
+
+<file path=ppt/slides/slide5.xml><?xml version="1.0" encoding="utf-8"?>
+<p:sld xmlns:a="http://schemas.openxmlformats.org/drawingml/2006/main" xmlns:r="http://schemas.openxmlformats.org/officeDocument/2006/relationships" xmlns:p="http://schemas.openxmlformats.org/presentationml/2006/main">
+  <p:cSld>
+    <p:spTree>
+      <p:nvGrpSpPr>
+        <p:cNvPr id="1" name=""/>
+        <p:cNvGrpSpPr/>
+        <p:nvPr/>
+      </p:nvGrpSpPr>
+      <p:grpSpPr>
+        <a:xfrm>
+          <a:off x="0" y="0"/>
+          <a:ext cx="0" cy="0"/>
+          <a:chOff x="0" y="0"/>
+          <a:chExt cx="0" cy="0"/>
+        </a:xfrm>
+      </p:grpSpPr>
+      <p:sp>
+        <p:nvSpPr>
+          <p:cNvPr id="2" name="Rectangle 62"/>
+          <p:cNvSpPr/>
+          <p:nvPr/>
+        </p:nvSpPr>
+        <p:spPr>
+          <a:xfrm>
+            <a:off x="1111860" y="988926"/>
+            <a:ext cx="1093635" cy="346760"/>
+          </a:xfrm>
+          <a:prstGeom prst="rect">
+            <a:avLst/>
+          </a:prstGeom>
+          <a:solidFill>
+            <a:srgbClr val="00B050"/>
+          </a:solidFill>
+          <a:ln w="19050">
+            <a:solidFill>
+              <a:srgbClr val="00B050"/>
+            </a:solidFill>
+          </a:ln>
+          <a:effectLst/>
+        </p:spPr>
+        <p:style>
+          <a:lnRef idx="1">
+            <a:schemeClr val="accent2"/>
+          </a:lnRef>
+          <a:fillRef idx="2">
+            <a:schemeClr val="accent2"/>
+          </a:fillRef>
+          <a:effectRef idx="1">
+            <a:schemeClr val="accent2"/>
+          </a:effectRef>
+          <a:fontRef idx="minor">
+            <a:schemeClr val="dk1"/>
+          </a:fontRef>
+        </p:style>
+        <p:txBody>
+          <a:bodyPr rtlCol="0" anchor="ctr"/>
+          <a:lstStyle/>
+          <a:p>
+            <a:pPr algn="ctr"/>
+            <a:r>
+              <a:rPr lang="en-US" sz="1600" dirty="0" smtClean="0">
+                <a:solidFill>
+                  <a:schemeClr val="bg1"/>
+                </a:solidFill>
+              </a:rPr>
+              <a:t>:UI</a:t>
+            </a:r>
+            <a:endParaRPr lang="en-SG" sz="1600" dirty="0">
+              <a:solidFill>
+                <a:schemeClr val="bg1"/>
+              </a:solidFill>
+            </a:endParaRPr>
+          </a:p>
+        </p:txBody>
+      </p:sp>
+      <p:cxnSp>
+        <p:nvCxnSpPr>
+          <p:cNvPr id="5" name="Straight Connector 4"/>
+          <p:cNvCxnSpPr/>
+          <p:nvPr/>
+        </p:nvCxnSpPr>
+        <p:spPr>
+          <a:xfrm>
+            <a:off x="1658677" y="1352597"/>
+            <a:ext cx="0" cy="1723059"/>
+          </a:xfrm>
+          <a:prstGeom prst="line">
+            <a:avLst/>
+          </a:prstGeom>
+          <a:ln w="19050">
+            <a:solidFill>
+              <a:srgbClr val="00B050"/>
+            </a:solidFill>
+            <a:prstDash val="sysDash"/>
+          </a:ln>
+          <a:effectLst/>
+        </p:spPr>
+        <p:style>
+          <a:lnRef idx="1">
+            <a:schemeClr val="accent1"/>
+          </a:lnRef>
+          <a:fillRef idx="2">
+            <a:schemeClr val="accent1"/>
+          </a:fillRef>
+          <a:effectRef idx="1">
+            <a:schemeClr val="accent1"/>
+          </a:effectRef>
+          <a:fontRef idx="minor">
+            <a:schemeClr val="dk1"/>
+          </a:fontRef>
+        </p:style>
+      </p:cxnSp>
+      <p:sp>
+        <p:nvSpPr>
+          <p:cNvPr id="6" name="Rectangle 5"/>
+          <p:cNvSpPr/>
+          <p:nvPr/>
+        </p:nvSpPr>
+        <p:spPr>
+          <a:xfrm>
+            <a:off x="1586669" y="1703292"/>
+            <a:ext cx="152400" cy="1019910"/>
+          </a:xfrm>
+          <a:prstGeom prst="rect">
+            <a:avLst/>
+          </a:prstGeom>
+          <a:solidFill>
+            <a:srgbClr val="00B050"/>
+          </a:solidFill>
+          <a:ln>
+            <a:solidFill>
+              <a:srgbClr val="00B050"/>
+            </a:solidFill>
+          </a:ln>
+          <a:effectLst/>
+        </p:spPr>
+        <p:style>
+          <a:lnRef idx="1">
+            <a:schemeClr val="accent3"/>
+          </a:lnRef>
+          <a:fillRef idx="2">
+            <a:schemeClr val="accent3"/>
+          </a:fillRef>
+          <a:effectRef idx="1">
+            <a:schemeClr val="accent3"/>
+          </a:effectRef>
+          <a:fontRef idx="minor">
+            <a:schemeClr val="dk1"/>
+          </a:fontRef>
+        </p:style>
+        <p:txBody>
+          <a:bodyPr rtlCol="0" anchor="ctr"/>
+          <a:lstStyle/>
+          <a:p>
+            <a:pPr algn="ctr"/>
+            <a:endParaRPr lang="en-SG" sz="1400">
+              <a:solidFill>
+                <a:schemeClr val="dk1"/>
+              </a:solidFill>
+            </a:endParaRPr>
+          </a:p>
+        </p:txBody>
+      </p:sp>
+      <p:grpSp>
+        <p:nvGrpSpPr>
+          <p:cNvPr id="7" name="Actor"/>
+          <p:cNvGrpSpPr/>
+          <p:nvPr/>
+        </p:nvGrpSpPr>
+        <p:grpSpPr>
+          <a:xfrm>
+            <a:off x="152400" y="914400"/>
+            <a:ext cx="324036" cy="573410"/>
+            <a:chOff x="3239901" y="4149080"/>
+            <a:chExt cx="648072" cy="1146820"/>
+          </a:xfrm>
+        </p:grpSpPr>
+        <p:sp>
+          <p:nvSpPr>
+            <p:cNvPr id="8" name="Flowchart: Connector 7"/>
+            <p:cNvSpPr/>
+            <p:nvPr/>
+          </p:nvSpPr>
+          <p:spPr>
+            <a:xfrm>
+              <a:off x="3419872" y="4149080"/>
+              <a:ext cx="288032" cy="288032"/>
+            </a:xfrm>
+            <a:prstGeom prst="flowChartConnector">
+              <a:avLst/>
+            </a:prstGeom>
+            <a:solidFill>
+              <a:schemeClr val="bg1">
+                <a:lumMod val="85000"/>
+              </a:schemeClr>
+            </a:solidFill>
+            <a:ln w="28575">
+              <a:solidFill>
+                <a:schemeClr val="tx1"/>
+              </a:solidFill>
+            </a:ln>
+            <a:effectLst/>
+          </p:spPr>
+          <p:style>
+            <a:lnRef idx="1">
+              <a:schemeClr val="accent4"/>
+            </a:lnRef>
+            <a:fillRef idx="2">
+              <a:schemeClr val="accent4"/>
+            </a:fillRef>
+            <a:effectRef idx="1">
+              <a:schemeClr val="accent4"/>
+            </a:effectRef>
+            <a:fontRef idx="minor">
+              <a:schemeClr val="dk1"/>
+            </a:fontRef>
+          </p:style>
+          <p:txBody>
+            <a:bodyPr rtlCol="0" anchor="ctr"/>
+            <a:lstStyle/>
+            <a:p>
+              <a:pPr algn="ctr"/>
+              <a:endParaRPr lang="en-SG"/>
+            </a:p>
+          </p:txBody>
+        </p:sp>
+        <p:cxnSp>
+          <p:nvCxnSpPr>
+            <p:cNvPr id="9" name="Straight Connector 8"/>
+            <p:cNvCxnSpPr>
+              <a:stCxn id="8" idx="4"/>
+            </p:cNvCxnSpPr>
+            <p:nvPr/>
+          </p:nvCxnSpPr>
+          <p:spPr>
+            <a:xfrm>
+              <a:off x="3563888" y="4437112"/>
+              <a:ext cx="0" cy="504056"/>
+            </a:xfrm>
+            <a:prstGeom prst="line">
+              <a:avLst/>
+            </a:prstGeom>
+            <a:ln w="28575">
+              <a:solidFill>
+                <a:schemeClr val="tx1"/>
+              </a:solidFill>
+            </a:ln>
+            <a:effectLst/>
+          </p:spPr>
+          <p:style>
+            <a:lnRef idx="1">
+              <a:schemeClr val="accent4"/>
+            </a:lnRef>
+            <a:fillRef idx="2">
+              <a:schemeClr val="accent4"/>
+            </a:fillRef>
+            <a:effectRef idx="1">
+              <a:schemeClr val="accent4"/>
+            </a:effectRef>
+            <a:fontRef idx="minor">
+              <a:schemeClr val="dk1"/>
+            </a:fontRef>
+          </p:style>
+        </p:cxnSp>
+        <p:sp>
+          <p:nvSpPr>
+            <p:cNvPr id="10" name="Freeform 9"/>
+            <p:cNvSpPr/>
+            <p:nvPr/>
+          </p:nvSpPr>
+          <p:spPr>
+            <a:xfrm>
+              <a:off x="3324225" y="4933950"/>
+              <a:ext cx="479425" cy="361950"/>
+            </a:xfrm>
+            <a:custGeom>
+              <a:avLst/>
+              <a:gdLst>
+                <a:gd name="connsiteX0" fmla="*/ 0 w 479425"/>
+                <a:gd name="connsiteY0" fmla="*/ 355600 h 361950"/>
+                <a:gd name="connsiteX1" fmla="*/ 241300 w 479425"/>
+                <a:gd name="connsiteY1" fmla="*/ 0 h 361950"/>
+                <a:gd name="connsiteX2" fmla="*/ 479425 w 479425"/>
+                <a:gd name="connsiteY2" fmla="*/ 361950 h 361950"/>
+              </a:gdLst>
+              <a:ahLst/>
+              <a:cxnLst>
+                <a:cxn ang="0">
+                  <a:pos x="connsiteX0" y="connsiteY0"/>
+                </a:cxn>
+                <a:cxn ang="0">
+                  <a:pos x="connsiteX1" y="connsiteY1"/>
+                </a:cxn>
+                <a:cxn ang="0">
+                  <a:pos x="connsiteX2" y="connsiteY2"/>
+                </a:cxn>
+              </a:cxnLst>
+              <a:rect l="l" t="t" r="r" b="b"/>
+              <a:pathLst>
+                <a:path w="479425" h="361950">
+                  <a:moveTo>
+                    <a:pt x="0" y="355600"/>
+                  </a:moveTo>
+                  <a:lnTo>
+                    <a:pt x="241300" y="0"/>
+                  </a:lnTo>
+                  <a:lnTo>
+                    <a:pt x="479425" y="361950"/>
+                  </a:lnTo>
+                </a:path>
+              </a:pathLst>
+            </a:custGeom>
+            <a:noFill/>
+            <a:ln w="28575">
+              <a:solidFill>
+                <a:schemeClr val="tx1"/>
+              </a:solidFill>
+            </a:ln>
+            <a:effectLst/>
+          </p:spPr>
+          <p:style>
+            <a:lnRef idx="1">
+              <a:schemeClr val="accent4"/>
+            </a:lnRef>
+            <a:fillRef idx="2">
+              <a:schemeClr val="accent4"/>
+            </a:fillRef>
+            <a:effectRef idx="1">
+              <a:schemeClr val="accent4"/>
+            </a:effectRef>
+            <a:fontRef idx="minor">
+              <a:schemeClr val="dk1"/>
+            </a:fontRef>
+          </p:style>
+          <p:txBody>
+            <a:bodyPr rtlCol="0" anchor="ctr"/>
+            <a:lstStyle/>
+            <a:p>
+              <a:pPr algn="ctr"/>
+              <a:endParaRPr lang="en-SG"/>
+            </a:p>
+          </p:txBody>
+        </p:sp>
+        <p:cxnSp>
+          <p:nvCxnSpPr>
+            <p:cNvPr id="11" name="Straight Connector 10"/>
+            <p:cNvCxnSpPr/>
+            <p:nvPr/>
+          </p:nvCxnSpPr>
+          <p:spPr>
+            <a:xfrm>
+              <a:off x="3239901" y="4509120"/>
+              <a:ext cx="648072" cy="0"/>
+            </a:xfrm>
+            <a:prstGeom prst="line">
+              <a:avLst/>
+            </a:prstGeom>
+            <a:ln w="28575">
+              <a:solidFill>
+                <a:schemeClr val="tx1"/>
+              </a:solidFill>
+            </a:ln>
+            <a:effectLst/>
+          </p:spPr>
+          <p:style>
+            <a:lnRef idx="1">
+              <a:schemeClr val="accent4"/>
+            </a:lnRef>
+            <a:fillRef idx="2">
+              <a:schemeClr val="accent4"/>
+            </a:fillRef>
+            <a:effectRef idx="1">
+              <a:schemeClr val="accent4"/>
+            </a:effectRef>
+            <a:fontRef idx="minor">
+              <a:schemeClr val="dk1"/>
+            </a:fontRef>
+          </p:style>
+        </p:cxnSp>
+      </p:grpSp>
+      <p:sp>
+        <p:nvSpPr>
+          <p:cNvPr id="16" name="Rectangle 62"/>
+          <p:cNvSpPr/>
+          <p:nvPr/>
+        </p:nvSpPr>
+        <p:spPr>
+          <a:xfrm>
+            <a:off x="3335583" y="992613"/>
+            <a:ext cx="1093635" cy="346760"/>
+          </a:xfrm>
+          <a:prstGeom prst="rect">
+            <a:avLst/>
+          </a:prstGeom>
+          <a:solidFill>
+            <a:srgbClr val="0070C0"/>
+          </a:solidFill>
+          <a:ln w="19050">
+            <a:solidFill>
+              <a:srgbClr val="0070C0"/>
+            </a:solidFill>
+          </a:ln>
+          <a:effectLst/>
+        </p:spPr>
+        <p:style>
+          <a:lnRef idx="1">
+            <a:schemeClr val="accent2"/>
+          </a:lnRef>
+          <a:fillRef idx="2">
+            <a:schemeClr val="accent2"/>
+          </a:fillRef>
+          <a:effectRef idx="1">
+            <a:schemeClr val="accent2"/>
+          </a:effectRef>
+          <a:fontRef idx="minor">
+            <a:schemeClr val="dk1"/>
+          </a:fontRef>
+        </p:style>
+        <p:txBody>
+          <a:bodyPr rtlCol="0" anchor="ctr"/>
+          <a:lstStyle/>
+          <a:p>
+            <a:pPr algn="ctr"/>
+            <a:r>
+              <a:rPr lang="en-US" sz="1600" dirty="0" smtClean="0">
+                <a:solidFill>
+                  <a:schemeClr val="bg1"/>
+                </a:solidFill>
+              </a:rPr>
+              <a:t>:Logic</a:t>
+            </a:r>
+            <a:endParaRPr lang="en-SG" sz="1600" dirty="0">
+              <a:solidFill>
+                <a:schemeClr val="bg1"/>
+              </a:solidFill>
+            </a:endParaRPr>
+          </a:p>
+        </p:txBody>
+      </p:sp>
+      <p:cxnSp>
+        <p:nvCxnSpPr>
+          <p:cNvPr id="17" name="Straight Connector 16"/>
+          <p:cNvCxnSpPr/>
+          <p:nvPr/>
+        </p:nvCxnSpPr>
+        <p:spPr>
+          <a:xfrm>
+            <a:off x="3882400" y="1356284"/>
+            <a:ext cx="0" cy="1723059"/>
+          </a:xfrm>
+          <a:prstGeom prst="line">
+            <a:avLst/>
+          </a:prstGeom>
+          <a:ln w="19050">
+            <a:solidFill>
+              <a:srgbClr val="0070C0"/>
+            </a:solidFill>
+            <a:prstDash val="sysDash"/>
+          </a:ln>
+          <a:effectLst/>
+        </p:spPr>
+        <p:style>
+          <a:lnRef idx="1">
+            <a:schemeClr val="accent1"/>
+          </a:lnRef>
+          <a:fillRef idx="2">
+            <a:schemeClr val="accent1"/>
+          </a:fillRef>
+          <a:effectRef idx="1">
+            <a:schemeClr val="accent1"/>
+          </a:effectRef>
+          <a:fontRef idx="minor">
+            <a:schemeClr val="dk1"/>
+          </a:fontRef>
+        </p:style>
+      </p:cxnSp>
+      <p:sp>
+        <p:nvSpPr>
+          <p:cNvPr id="18" name="Rectangle 17"/>
+          <p:cNvSpPr/>
+          <p:nvPr/>
+        </p:nvSpPr>
+        <p:spPr>
+          <a:xfrm>
+            <a:off x="3810392" y="1814477"/>
+            <a:ext cx="144016" cy="832525"/>
+          </a:xfrm>
+          <a:prstGeom prst="rect">
+            <a:avLst/>
+          </a:prstGeom>
+          <a:solidFill>
+            <a:srgbClr val="0070C0"/>
+          </a:solidFill>
+          <a:ln>
+            <a:solidFill>
+              <a:srgbClr val="0070C0"/>
+            </a:solidFill>
+          </a:ln>
+          <a:effectLst/>
+        </p:spPr>
+        <p:style>
+          <a:lnRef idx="1">
+            <a:schemeClr val="accent3"/>
+          </a:lnRef>
+          <a:fillRef idx="2">
+            <a:schemeClr val="accent3"/>
+          </a:fillRef>
+          <a:effectRef idx="1">
+            <a:schemeClr val="accent3"/>
+          </a:effectRef>
+          <a:fontRef idx="minor">
+            <a:schemeClr val="dk1"/>
+          </a:fontRef>
+        </p:style>
+        <p:txBody>
+          <a:bodyPr rtlCol="0" anchor="ctr"/>
+          <a:lstStyle/>
+          <a:p>
+            <a:pPr algn="ctr"/>
+            <a:endParaRPr lang="en-SG" sz="1400">
+              <a:solidFill>
+                <a:schemeClr val="dk1"/>
+              </a:solidFill>
+            </a:endParaRPr>
+          </a:p>
+        </p:txBody>
+      </p:sp>
+      <p:cxnSp>
+        <p:nvCxnSpPr>
+          <p:cNvPr id="23" name="Straight Arrow Connector 22"/>
+          <p:cNvCxnSpPr/>
+          <p:nvPr/>
+        </p:nvCxnSpPr>
+        <p:spPr>
+          <a:xfrm>
+            <a:off x="466818" y="1706979"/>
+            <a:ext cx="1119851" cy="0"/>
+          </a:xfrm>
+          <a:prstGeom prst="straightConnector1">
+            <a:avLst/>
+          </a:prstGeom>
+          <a:ln w="19050">
+            <a:solidFill>
+              <a:schemeClr val="tx1"/>
+            </a:solidFill>
+            <a:tailEnd type="arrow"/>
+          </a:ln>
+        </p:spPr>
+        <p:style>
+          <a:lnRef idx="1">
+            <a:schemeClr val="accent1"/>
+          </a:lnRef>
+          <a:fillRef idx="0">
+            <a:schemeClr val="accent1"/>
+          </a:fillRef>
+          <a:effectRef idx="0">
+            <a:schemeClr val="accent1"/>
+          </a:effectRef>
+          <a:fontRef idx="minor">
+            <a:schemeClr val="tx1"/>
+          </a:fontRef>
+        </p:style>
+      </p:cxnSp>
+      <p:sp>
+        <p:nvSpPr>
+          <p:cNvPr id="24" name="TextBox 23"/>
+          <p:cNvSpPr txBox="1"/>
+          <p:nvPr/>
+        </p:nvSpPr>
+        <p:spPr>
+          <a:xfrm>
+            <a:off x="466818" y="1726880"/>
+            <a:ext cx="860170" cy="215444"/>
+          </a:xfrm>
+          <a:prstGeom prst="rect">
+            <a:avLst/>
+          </a:prstGeom>
+          <a:noFill/>
+        </p:spPr>
+        <p:txBody>
+          <a:bodyPr wrap="square" lIns="0" tIns="0" rIns="0" bIns="0" rtlCol="0">
+            <a:spAutoFit/>
+          </a:bodyPr>
+          <a:lstStyle/>
+          <a:p>
+            <a:r>
+              <a:rPr lang="en-US" sz="1400" dirty="0" smtClean="0"/>
+              <a:t>restore</a:t>
+            </a:r>
+            <a:endParaRPr lang="en-US" sz="1400" dirty="0"/>
+          </a:p>
+        </p:txBody>
+      </p:sp>
+      <p:cxnSp>
+        <p:nvCxnSpPr>
+          <p:cNvPr id="25" name="Straight Arrow Connector 24"/>
+          <p:cNvCxnSpPr/>
+          <p:nvPr/>
+        </p:nvCxnSpPr>
+        <p:spPr>
+          <a:xfrm>
+            <a:off x="1739069" y="1814478"/>
+            <a:ext cx="2071323" cy="0"/>
+          </a:xfrm>
+          <a:prstGeom prst="straightConnector1">
+            <a:avLst/>
+          </a:prstGeom>
+          <a:ln w="19050">
+            <a:solidFill>
+              <a:srgbClr val="00B050"/>
+            </a:solidFill>
+            <a:tailEnd type="arrow"/>
+          </a:ln>
+        </p:spPr>
+        <p:style>
+          <a:lnRef idx="1">
+            <a:schemeClr val="accent1"/>
+          </a:lnRef>
+          <a:fillRef idx="0">
+            <a:schemeClr val="accent1"/>
+          </a:fillRef>
+          <a:effectRef idx="0">
+            <a:schemeClr val="accent1"/>
+          </a:effectRef>
+          <a:fontRef idx="minor">
+            <a:schemeClr val="tx1"/>
+          </a:fontRef>
+        </p:style>
+      </p:cxnSp>
+      <p:sp>
+        <p:nvSpPr>
+          <p:cNvPr id="26" name="TextBox 25"/>
+          <p:cNvSpPr txBox="1"/>
+          <p:nvPr/>
+        </p:nvSpPr>
+        <p:spPr>
+          <a:xfrm>
+            <a:off x="2166172" y="1834379"/>
+            <a:ext cx="1424846" cy="215444"/>
+          </a:xfrm>
+          <a:prstGeom prst="rect">
+            <a:avLst/>
+          </a:prstGeom>
+          <a:noFill/>
+        </p:spPr>
+        <p:txBody>
+          <a:bodyPr wrap="square" lIns="0" tIns="0" rIns="0" bIns="0" rtlCol="0">
+            <a:spAutoFit/>
+          </a:bodyPr>
+          <a:lstStyle/>
+          <a:p>
+            <a:r>
+              <a:rPr lang="en-US" sz="1400" dirty="0" smtClean="0">
+                <a:solidFill>
+                  <a:srgbClr val="0070C0"/>
+                </a:solidFill>
+              </a:rPr>
+              <a:t>execute</a:t>
+            </a:r>
+            <a:r>
+              <a:rPr lang="en-US" sz="1400" dirty="0" smtClean="0">
+                <a:solidFill>
+                  <a:srgbClr val="0070C0"/>
+                </a:solidFill>
+              </a:rPr>
+              <a:t>(“restore”)</a:t>
+            </a:r>
+            <a:endParaRPr lang="en-US" sz="1400" dirty="0">
+              <a:solidFill>
+                <a:srgbClr val="0070C0"/>
+              </a:solidFill>
+            </a:endParaRPr>
+          </a:p>
+        </p:txBody>
+      </p:sp>
+      <p:cxnSp>
+        <p:nvCxnSpPr>
+          <p:cNvPr id="28" name="Straight Arrow Connector 27"/>
+          <p:cNvCxnSpPr/>
+          <p:nvPr/>
+        </p:nvCxnSpPr>
+        <p:spPr>
+          <a:xfrm>
+            <a:off x="3986773" y="2230740"/>
+            <a:ext cx="4558021" cy="16371"/>
+          </a:xfrm>
+          <a:prstGeom prst="straightConnector1">
+            <a:avLst/>
+          </a:prstGeom>
+          <a:ln w="19050">
+            <a:solidFill>
+              <a:srgbClr val="0070C0"/>
+            </a:solidFill>
+            <a:tailEnd type="arrow"/>
+          </a:ln>
+        </p:spPr>
+        <p:style>
+          <a:lnRef idx="1">
+            <a:schemeClr val="accent1"/>
+          </a:lnRef>
+          <a:fillRef idx="0">
+            <a:schemeClr val="accent1"/>
+          </a:fillRef>
+          <a:effectRef idx="0">
+            <a:schemeClr val="accent1"/>
+          </a:effectRef>
+          <a:fontRef idx="minor">
+            <a:schemeClr val="tx1"/>
+          </a:fontRef>
+        </p:style>
+      </p:cxnSp>
+      <p:cxnSp>
+        <p:nvCxnSpPr>
+          <p:cNvPr id="35" name="Straight Arrow Connector 34"/>
+          <p:cNvCxnSpPr/>
+          <p:nvPr/>
+        </p:nvCxnSpPr>
+        <p:spPr>
+          <a:xfrm>
+            <a:off x="1739069" y="2647002"/>
+            <a:ext cx="2058118" cy="0"/>
+          </a:xfrm>
+          <a:prstGeom prst="straightConnector1">
+            <a:avLst/>
+          </a:prstGeom>
+          <a:ln w="19050">
+            <a:solidFill>
+              <a:srgbClr val="0070C0"/>
+            </a:solidFill>
+            <a:prstDash val="sysDash"/>
+            <a:headEnd type="arrow" w="med" len="med"/>
+            <a:tailEnd type="none" w="med" len="med"/>
+          </a:ln>
+        </p:spPr>
+        <p:style>
+          <a:lnRef idx="1">
+            <a:schemeClr val="accent1"/>
+          </a:lnRef>
+          <a:fillRef idx="0">
+            <a:schemeClr val="accent1"/>
+          </a:fillRef>
+          <a:effectRef idx="0">
+            <a:schemeClr val="accent1"/>
+          </a:effectRef>
+          <a:fontRef idx="minor">
+            <a:schemeClr val="tx1"/>
+          </a:fontRef>
+        </p:style>
+      </p:cxnSp>
+      <p:cxnSp>
+        <p:nvCxnSpPr>
+          <p:cNvPr id="37" name="Straight Arrow Connector 36"/>
+          <p:cNvCxnSpPr/>
+          <p:nvPr/>
+        </p:nvCxnSpPr>
+        <p:spPr>
+          <a:xfrm>
+            <a:off x="390618" y="2723202"/>
+            <a:ext cx="1196051" cy="0"/>
+          </a:xfrm>
+          <a:prstGeom prst="straightConnector1">
+            <a:avLst/>
+          </a:prstGeom>
+          <a:ln w="19050">
+            <a:solidFill>
+              <a:srgbClr val="00B050"/>
+            </a:solidFill>
+            <a:prstDash val="sysDash"/>
+            <a:headEnd type="arrow" w="med" len="med"/>
+            <a:tailEnd type="none" w="med" len="med"/>
+          </a:ln>
+        </p:spPr>
+        <p:style>
+          <a:lnRef idx="1">
+            <a:schemeClr val="accent1"/>
+          </a:lnRef>
+          <a:fillRef idx="0">
+            <a:schemeClr val="accent1"/>
+          </a:fillRef>
+          <a:effectRef idx="0">
+            <a:schemeClr val="accent1"/>
+          </a:effectRef>
+          <a:fontRef idx="minor">
+            <a:schemeClr val="tx1"/>
+          </a:fontRef>
+        </p:style>
+      </p:cxnSp>
+      <p:sp>
+        <p:nvSpPr>
+          <p:cNvPr id="39" name="Rectangle 62"/>
+          <p:cNvSpPr/>
+          <p:nvPr/>
+        </p:nvSpPr>
+        <p:spPr>
+          <a:xfrm>
+            <a:off x="7696200" y="972251"/>
+            <a:ext cx="1371600" cy="346760"/>
+          </a:xfrm>
+          <a:prstGeom prst="rect">
+            <a:avLst/>
+          </a:prstGeom>
+          <a:solidFill>
+            <a:schemeClr val="accent5">
+              <a:lumMod val="75000"/>
+            </a:schemeClr>
+          </a:solidFill>
+          <a:ln w="19050">
+            <a:solidFill>
+              <a:schemeClr val="accent5">
+                <a:lumMod val="75000"/>
+              </a:schemeClr>
+            </a:solidFill>
+          </a:ln>
+          <a:effectLst/>
+        </p:spPr>
+        <p:style>
+          <a:lnRef idx="1">
+            <a:schemeClr val="accent2"/>
+          </a:lnRef>
+          <a:fillRef idx="2">
+            <a:schemeClr val="accent2"/>
+          </a:fillRef>
+          <a:effectRef idx="1">
+            <a:schemeClr val="accent2"/>
+          </a:effectRef>
+          <a:fontRef idx="minor">
+            <a:schemeClr val="dk1"/>
+          </a:fontRef>
+        </p:style>
+        <p:txBody>
+          <a:bodyPr rtlCol="0" anchor="ctr"/>
+          <a:lstStyle/>
+          <a:p>
+            <a:pPr algn="ctr"/>
+            <a:r>
+              <a:rPr lang="en-US" sz="1600" dirty="0" smtClean="0">
+                <a:solidFill>
+                  <a:schemeClr val="bg1"/>
+                </a:solidFill>
+              </a:rPr>
+              <a:t>:</a:t>
+            </a:r>
+            <a:r>
+              <a:rPr lang="en-US" sz="1600" dirty="0" err="1" smtClean="0">
+                <a:solidFill>
+                  <a:schemeClr val="bg1"/>
+                </a:solidFill>
+              </a:rPr>
+              <a:t>EventsCenter</a:t>
+            </a:r>
+            <a:endParaRPr lang="en-SG" sz="1600" dirty="0">
+              <a:solidFill>
+                <a:schemeClr val="bg1"/>
+              </a:solidFill>
+            </a:endParaRPr>
+          </a:p>
+        </p:txBody>
+      </p:sp>
+      <p:cxnSp>
+        <p:nvCxnSpPr>
+          <p:cNvPr id="40" name="Straight Connector 39"/>
+          <p:cNvCxnSpPr/>
+          <p:nvPr/>
+        </p:nvCxnSpPr>
+        <p:spPr>
+          <a:xfrm>
+            <a:off x="8616802" y="1325305"/>
+            <a:ext cx="0" cy="1723059"/>
+          </a:xfrm>
+          <a:prstGeom prst="line">
+            <a:avLst/>
+          </a:prstGeom>
+          <a:ln w="19050">
+            <a:solidFill>
+              <a:schemeClr val="accent5">
+                <a:lumMod val="75000"/>
+              </a:schemeClr>
+            </a:solidFill>
+            <a:prstDash val="sysDash"/>
+          </a:ln>
+          <a:effectLst/>
+        </p:spPr>
+        <p:style>
+          <a:lnRef idx="1">
+            <a:schemeClr val="accent1"/>
+          </a:lnRef>
+          <a:fillRef idx="2">
+            <a:schemeClr val="accent1"/>
+          </a:fillRef>
+          <a:effectRef idx="1">
+            <a:schemeClr val="accent1"/>
+          </a:effectRef>
+          <a:fontRef idx="minor">
+            <a:schemeClr val="dk1"/>
+          </a:fontRef>
+        </p:style>
+      </p:cxnSp>
+      <p:sp>
+        <p:nvSpPr>
+          <p:cNvPr id="41" name="Rectangle 40"/>
+          <p:cNvSpPr/>
+          <p:nvPr/>
+        </p:nvSpPr>
+        <p:spPr>
+          <a:xfrm>
+            <a:off x="8545799" y="2223338"/>
+            <a:ext cx="142006" cy="176787"/>
+          </a:xfrm>
+          <a:prstGeom prst="rect">
+            <a:avLst/>
+          </a:prstGeom>
+          <a:solidFill>
+            <a:schemeClr val="accent5">
+              <a:lumMod val="75000"/>
+            </a:schemeClr>
+          </a:solidFill>
+          <a:ln>
+            <a:solidFill>
+              <a:schemeClr val="accent5">
+                <a:lumMod val="75000"/>
+              </a:schemeClr>
+            </a:solidFill>
+          </a:ln>
+          <a:effectLst/>
+        </p:spPr>
+        <p:style>
+          <a:lnRef idx="1">
+            <a:schemeClr val="accent3"/>
+          </a:lnRef>
+          <a:fillRef idx="2">
+            <a:schemeClr val="accent3"/>
+          </a:fillRef>
+          <a:effectRef idx="1">
+            <a:schemeClr val="accent3"/>
+          </a:effectRef>
+          <a:fontRef idx="minor">
+            <a:schemeClr val="dk1"/>
+          </a:fontRef>
+        </p:style>
+        <p:txBody>
+          <a:bodyPr rtlCol="0" anchor="ctr"/>
+          <a:lstStyle/>
+          <a:p>
+            <a:pPr algn="ctr"/>
+            <a:endParaRPr lang="en-SG" sz="1400">
+              <a:solidFill>
+                <a:schemeClr val="dk1"/>
+              </a:solidFill>
+            </a:endParaRPr>
+          </a:p>
+        </p:txBody>
+      </p:sp>
+      <p:cxnSp>
+        <p:nvCxnSpPr>
+          <p:cNvPr id="44" name="Straight Arrow Connector 43"/>
+          <p:cNvCxnSpPr/>
+          <p:nvPr/>
+        </p:nvCxnSpPr>
+        <p:spPr>
+          <a:xfrm flipV="1">
+            <a:off x="3953404" y="2395805"/>
+            <a:ext cx="4591390" cy="10828"/>
+          </a:xfrm>
+          <a:prstGeom prst="straightConnector1">
+            <a:avLst/>
+          </a:prstGeom>
+          <a:ln w="19050">
+            <a:solidFill>
+              <a:schemeClr val="accent5">
+                <a:lumMod val="75000"/>
+              </a:schemeClr>
+            </a:solidFill>
+            <a:prstDash val="sysDash"/>
+            <a:headEnd type="arrow" w="med" len="med"/>
+            <a:tailEnd type="none" w="med" len="med"/>
+          </a:ln>
+        </p:spPr>
+        <p:style>
+          <a:lnRef idx="1">
+            <a:schemeClr val="accent1"/>
+          </a:lnRef>
+          <a:fillRef idx="0">
+            <a:schemeClr val="accent1"/>
+          </a:fillRef>
+          <a:effectRef idx="0">
+            <a:schemeClr val="accent1"/>
+          </a:effectRef>
+          <a:fontRef idx="minor">
+            <a:schemeClr val="tx1"/>
+          </a:fontRef>
+        </p:style>
+      </p:cxnSp>
+      <p:sp>
+        <p:nvSpPr>
+          <p:cNvPr id="53" name="Rectangle 62"/>
+          <p:cNvSpPr/>
+          <p:nvPr/>
+        </p:nvSpPr>
+        <p:spPr>
+          <a:xfrm>
+            <a:off x="5022440" y="3657600"/>
+            <a:ext cx="1093635" cy="346760"/>
+          </a:xfrm>
+          <a:prstGeom prst="rect">
+            <a:avLst/>
+          </a:prstGeom>
+          <a:solidFill>
+            <a:schemeClr val="accent6">
+              <a:lumMod val="75000"/>
+            </a:schemeClr>
+          </a:solidFill>
+          <a:ln w="19050">
+            <a:solidFill>
+              <a:schemeClr val="accent6">
+                <a:lumMod val="75000"/>
+              </a:schemeClr>
+            </a:solidFill>
+          </a:ln>
+          <a:effectLst/>
+        </p:spPr>
+        <p:style>
+          <a:lnRef idx="1">
+            <a:schemeClr val="accent2"/>
+          </a:lnRef>
+          <a:fillRef idx="2">
+            <a:schemeClr val="accent2"/>
+          </a:fillRef>
+          <a:effectRef idx="1">
+            <a:schemeClr val="accent2"/>
+          </a:effectRef>
+          <a:fontRef idx="minor">
+            <a:schemeClr val="dk1"/>
+          </a:fontRef>
+        </p:style>
+        <p:txBody>
+          <a:bodyPr rtlCol="0" anchor="ctr"/>
+          <a:lstStyle/>
+          <a:p>
+            <a:pPr algn="ctr"/>
+            <a:r>
+              <a:rPr lang="en-US" sz="1600" dirty="0" smtClean="0">
+                <a:solidFill>
+                  <a:schemeClr val="bg1"/>
+                </a:solidFill>
+              </a:rPr>
+              <a:t>:Storage</a:t>
+            </a:r>
+            <a:endParaRPr lang="en-SG" sz="1600" dirty="0">
+              <a:solidFill>
+                <a:schemeClr val="bg1"/>
+              </a:solidFill>
+            </a:endParaRPr>
+          </a:p>
+        </p:txBody>
+      </p:sp>
+      <p:cxnSp>
+        <p:nvCxnSpPr>
+          <p:cNvPr id="54" name="Straight Connector 53"/>
+          <p:cNvCxnSpPr/>
+          <p:nvPr/>
+        </p:nvCxnSpPr>
+        <p:spPr>
+          <a:xfrm>
+            <a:off x="5569257" y="4021271"/>
+            <a:ext cx="19842" cy="1998529"/>
+          </a:xfrm>
+          <a:prstGeom prst="line">
+            <a:avLst/>
+          </a:prstGeom>
+          <a:ln w="19050">
+            <a:solidFill>
+              <a:schemeClr val="accent6">
+                <a:lumMod val="75000"/>
+              </a:schemeClr>
+            </a:solidFill>
+            <a:prstDash val="sysDash"/>
+          </a:ln>
+          <a:effectLst/>
+        </p:spPr>
+        <p:style>
+          <a:lnRef idx="1">
+            <a:schemeClr val="accent1"/>
+          </a:lnRef>
+          <a:fillRef idx="2">
+            <a:schemeClr val="accent1"/>
+          </a:fillRef>
+          <a:effectRef idx="1">
+            <a:schemeClr val="accent1"/>
+          </a:effectRef>
+          <a:fontRef idx="minor">
+            <a:schemeClr val="dk1"/>
+          </a:fontRef>
+        </p:style>
+      </p:cxnSp>
+      <p:sp>
+        <p:nvSpPr>
+          <p:cNvPr id="55" name="Rectangle 54"/>
+          <p:cNvSpPr/>
+          <p:nvPr/>
+        </p:nvSpPr>
+        <p:spPr>
+          <a:xfrm>
+            <a:off x="5513181" y="4724400"/>
+            <a:ext cx="137970" cy="598478"/>
+          </a:xfrm>
+          <a:prstGeom prst="rect">
+            <a:avLst/>
+          </a:prstGeom>
+          <a:solidFill>
+            <a:schemeClr val="accent6">
+              <a:lumMod val="75000"/>
+            </a:schemeClr>
+          </a:solidFill>
+          <a:ln>
+            <a:solidFill>
+              <a:schemeClr val="accent6">
+                <a:lumMod val="75000"/>
+              </a:schemeClr>
+            </a:solidFill>
+          </a:ln>
+          <a:effectLst/>
+        </p:spPr>
+        <p:style>
+          <a:lnRef idx="1">
+            <a:schemeClr val="accent3"/>
+          </a:lnRef>
+          <a:fillRef idx="2">
+            <a:schemeClr val="accent3"/>
+          </a:fillRef>
+          <a:effectRef idx="1">
+            <a:schemeClr val="accent3"/>
+          </a:effectRef>
+          <a:fontRef idx="minor">
+            <a:schemeClr val="dk1"/>
+          </a:fontRef>
+        </p:style>
+        <p:txBody>
+          <a:bodyPr rtlCol="0" anchor="ctr"/>
+          <a:lstStyle/>
+          <a:p>
+            <a:pPr algn="ctr"/>
+            <a:endParaRPr lang="en-SG" sz="1400">
+              <a:solidFill>
+                <a:schemeClr val="dk1"/>
+              </a:solidFill>
+            </a:endParaRPr>
+          </a:p>
+        </p:txBody>
+      </p:sp>
+      <p:sp>
+        <p:nvSpPr>
+          <p:cNvPr id="62" name="TextBox 61"/>
+          <p:cNvSpPr txBox="1"/>
+          <p:nvPr/>
+        </p:nvSpPr>
+        <p:spPr>
+          <a:xfrm>
+            <a:off x="1671321" y="4202655"/>
+            <a:ext cx="2716635" cy="184666"/>
+          </a:xfrm>
+          <a:prstGeom prst="rect">
+            <a:avLst/>
+          </a:prstGeom>
+          <a:noFill/>
+        </p:spPr>
+        <p:txBody>
+          <a:bodyPr wrap="square" lIns="0" tIns="0" rIns="0" bIns="0" rtlCol="0">
+            <a:spAutoFit/>
+          </a:bodyPr>
+          <a:lstStyle/>
+          <a:p>
+            <a:r>
+              <a:rPr lang="en-US" sz="1200" dirty="0" smtClean="0">
+                <a:solidFill>
+                  <a:srgbClr val="0070C0"/>
+                </a:solidFill>
+              </a:rPr>
+              <a:t>post(</a:t>
+            </a:r>
+            <a:r>
+              <a:rPr lang="en-US" sz="1200" dirty="0" err="1" smtClean="0">
+                <a:solidFill>
+                  <a:srgbClr val="0070C0"/>
+                </a:solidFill>
+              </a:rPr>
+              <a:t>LocalRestoreEvent</a:t>
+            </a:r>
+            <a:r>
+              <a:rPr lang="en-US" sz="1200" dirty="0">
+                <a:solidFill>
+                  <a:srgbClr val="0070C0"/>
+                </a:solidFill>
+              </a:rPr>
+              <a:t>)</a:t>
+            </a:r>
+          </a:p>
+        </p:txBody>
+      </p:sp>
+      <p:cxnSp>
+        <p:nvCxnSpPr>
+          <p:cNvPr id="63" name="Straight Arrow Connector 62"/>
+          <p:cNvCxnSpPr>
+            <a:stCxn id="55" idx="2"/>
+          </p:cNvCxnSpPr>
+          <p:nvPr/>
+        </p:nvCxnSpPr>
+        <p:spPr>
+          <a:xfrm flipH="1">
+            <a:off x="3452504" y="5322878"/>
+            <a:ext cx="2129662" cy="0"/>
+          </a:xfrm>
+          <a:prstGeom prst="straightConnector1">
+            <a:avLst/>
+          </a:prstGeom>
+          <a:ln w="19050" cmpd="sng">
+            <a:solidFill>
+              <a:schemeClr val="accent6">
+                <a:lumMod val="75000"/>
+              </a:schemeClr>
+            </a:solidFill>
+            <a:prstDash val="solid"/>
+            <a:headEnd type="none" w="med" len="med"/>
+            <a:tailEnd type="arrow" w="med" len="med"/>
+          </a:ln>
+        </p:spPr>
+        <p:style>
+          <a:lnRef idx="1">
+            <a:schemeClr val="accent1"/>
+          </a:lnRef>
+          <a:fillRef idx="0">
+            <a:schemeClr val="accent1"/>
+          </a:fillRef>
+          <a:effectRef idx="0">
+            <a:schemeClr val="accent1"/>
+          </a:effectRef>
+          <a:fontRef idx="minor">
+            <a:schemeClr val="tx1"/>
+          </a:fontRef>
+        </p:style>
+      </p:cxnSp>
+      <p:sp>
+        <p:nvSpPr>
+          <p:cNvPr id="66" name="Rectangle 62"/>
+          <p:cNvSpPr/>
+          <p:nvPr/>
+        </p:nvSpPr>
+        <p:spPr>
+          <a:xfrm>
+            <a:off x="2720504" y="3674511"/>
+            <a:ext cx="1371600" cy="346760"/>
+          </a:xfrm>
+          <a:prstGeom prst="rect">
+            <a:avLst/>
+          </a:prstGeom>
+          <a:solidFill>
+            <a:schemeClr val="accent5">
+              <a:lumMod val="75000"/>
+            </a:schemeClr>
+          </a:solidFill>
+          <a:ln w="19050">
+            <a:solidFill>
+              <a:schemeClr val="accent5">
+                <a:lumMod val="75000"/>
+              </a:schemeClr>
+            </a:solidFill>
+          </a:ln>
+          <a:effectLst/>
+        </p:spPr>
+        <p:style>
+          <a:lnRef idx="1">
+            <a:schemeClr val="accent2"/>
+          </a:lnRef>
+          <a:fillRef idx="2">
+            <a:schemeClr val="accent2"/>
+          </a:fillRef>
+          <a:effectRef idx="1">
+            <a:schemeClr val="accent2"/>
+          </a:effectRef>
+          <a:fontRef idx="minor">
+            <a:schemeClr val="dk1"/>
+          </a:fontRef>
+        </p:style>
+        <p:txBody>
+          <a:bodyPr rtlCol="0" anchor="ctr"/>
+          <a:lstStyle/>
+          <a:p>
+            <a:pPr algn="ctr"/>
+            <a:r>
+              <a:rPr lang="en-US" sz="1600" dirty="0" smtClean="0">
+                <a:solidFill>
+                  <a:schemeClr val="bg1"/>
+                </a:solidFill>
+              </a:rPr>
+              <a:t>:</a:t>
+            </a:r>
+            <a:r>
+              <a:rPr lang="en-US" sz="1600" dirty="0" err="1" smtClean="0">
+                <a:solidFill>
+                  <a:schemeClr val="bg1"/>
+                </a:solidFill>
+              </a:rPr>
+              <a:t>EventsCenter</a:t>
+            </a:r>
+            <a:endParaRPr lang="en-SG" sz="1600" dirty="0">
+              <a:solidFill>
+                <a:schemeClr val="bg1"/>
+              </a:solidFill>
+            </a:endParaRPr>
+          </a:p>
+        </p:txBody>
+      </p:sp>
+      <p:cxnSp>
+        <p:nvCxnSpPr>
+          <p:cNvPr id="67" name="Straight Connector 66"/>
+          <p:cNvCxnSpPr/>
+          <p:nvPr/>
+        </p:nvCxnSpPr>
+        <p:spPr>
+          <a:xfrm flipH="1">
+            <a:off x="3380077" y="4027565"/>
+            <a:ext cx="6012" cy="1992235"/>
+          </a:xfrm>
+          <a:prstGeom prst="line">
+            <a:avLst/>
+          </a:prstGeom>
+          <a:ln w="19050">
+            <a:solidFill>
+              <a:schemeClr val="accent5">
+                <a:lumMod val="75000"/>
+              </a:schemeClr>
+            </a:solidFill>
+            <a:prstDash val="sysDash"/>
+          </a:ln>
+          <a:effectLst/>
+        </p:spPr>
+        <p:style>
+          <a:lnRef idx="1">
+            <a:schemeClr val="accent1"/>
+          </a:lnRef>
+          <a:fillRef idx="2">
+            <a:schemeClr val="accent1"/>
+          </a:fillRef>
+          <a:effectRef idx="1">
+            <a:schemeClr val="accent1"/>
+          </a:effectRef>
+          <a:fontRef idx="minor">
+            <a:schemeClr val="dk1"/>
+          </a:fontRef>
+        </p:style>
+      </p:cxnSp>
+      <p:sp>
+        <p:nvSpPr>
+          <p:cNvPr id="68" name="Rectangle 67"/>
+          <p:cNvSpPr/>
+          <p:nvPr/>
+        </p:nvSpPr>
+        <p:spPr>
+          <a:xfrm>
+            <a:off x="3314082" y="4450498"/>
+            <a:ext cx="131489" cy="1126425"/>
+          </a:xfrm>
+          <a:prstGeom prst="rect">
+            <a:avLst/>
+          </a:prstGeom>
+          <a:solidFill>
+            <a:schemeClr val="accent5">
+              <a:lumMod val="75000"/>
+            </a:schemeClr>
+          </a:solidFill>
+          <a:ln>
+            <a:solidFill>
+              <a:schemeClr val="accent5">
+                <a:lumMod val="75000"/>
+              </a:schemeClr>
+            </a:solidFill>
+          </a:ln>
+          <a:effectLst/>
+        </p:spPr>
+        <p:style>
+          <a:lnRef idx="1">
+            <a:schemeClr val="accent3"/>
+          </a:lnRef>
+          <a:fillRef idx="2">
+            <a:schemeClr val="accent3"/>
+          </a:fillRef>
+          <a:effectRef idx="1">
+            <a:schemeClr val="accent3"/>
+          </a:effectRef>
+          <a:fontRef idx="minor">
+            <a:schemeClr val="dk1"/>
+          </a:fontRef>
+        </p:style>
+        <p:txBody>
+          <a:bodyPr rtlCol="0" anchor="ctr"/>
+          <a:lstStyle/>
+          <a:p>
+            <a:pPr algn="ctr"/>
+            <a:endParaRPr lang="en-SG" sz="1400">
+              <a:solidFill>
+                <a:schemeClr val="dk1"/>
+              </a:solidFill>
+            </a:endParaRPr>
+          </a:p>
+        </p:txBody>
+      </p:sp>
+      <p:cxnSp>
+        <p:nvCxnSpPr>
+          <p:cNvPr id="69" name="Straight Arrow Connector 68"/>
+          <p:cNvCxnSpPr/>
+          <p:nvPr/>
+        </p:nvCxnSpPr>
+        <p:spPr>
+          <a:xfrm>
+            <a:off x="2008287" y="4450498"/>
+            <a:ext cx="1295400" cy="0"/>
+          </a:xfrm>
+          <a:prstGeom prst="straightConnector1">
+            <a:avLst/>
+          </a:prstGeom>
+          <a:ln w="19050">
+            <a:solidFill>
+              <a:srgbClr val="0070C0"/>
+            </a:solidFill>
+            <a:tailEnd type="arrow"/>
+          </a:ln>
+        </p:spPr>
+        <p:style>
+          <a:lnRef idx="1">
+            <a:schemeClr val="accent1"/>
+          </a:lnRef>
+          <a:fillRef idx="0">
+            <a:schemeClr val="accent1"/>
+          </a:fillRef>
+          <a:effectRef idx="0">
+            <a:schemeClr val="accent1"/>
+          </a:effectRef>
+          <a:fontRef idx="minor">
+            <a:schemeClr val="tx1"/>
+          </a:fontRef>
+        </p:style>
+      </p:cxnSp>
+      <p:cxnSp>
+        <p:nvCxnSpPr>
+          <p:cNvPr id="70" name="Straight Arrow Connector 69"/>
+          <p:cNvCxnSpPr/>
+          <p:nvPr/>
+        </p:nvCxnSpPr>
+        <p:spPr>
+          <a:xfrm>
+            <a:off x="1931322" y="5583454"/>
+            <a:ext cx="1448755" cy="0"/>
+          </a:xfrm>
+          <a:prstGeom prst="straightConnector1">
+            <a:avLst/>
+          </a:prstGeom>
+          <a:ln w="19050">
+            <a:solidFill>
+              <a:schemeClr val="accent5">
+                <a:lumMod val="75000"/>
+              </a:schemeClr>
+            </a:solidFill>
+            <a:prstDash val="sysDash"/>
+            <a:headEnd type="arrow" w="med" len="med"/>
+            <a:tailEnd type="none" w="med" len="med"/>
+          </a:ln>
+        </p:spPr>
+        <p:style>
+          <a:lnRef idx="1">
+            <a:schemeClr val="accent1"/>
+          </a:lnRef>
+          <a:fillRef idx="0">
+            <a:schemeClr val="accent1"/>
+          </a:fillRef>
+          <a:effectRef idx="0">
+            <a:schemeClr val="accent1"/>
+          </a:effectRef>
+          <a:fontRef idx="minor">
+            <a:schemeClr val="tx1"/>
+          </a:fontRef>
+        </p:style>
+      </p:cxnSp>
+      <p:cxnSp>
+        <p:nvCxnSpPr>
+          <p:cNvPr id="72" name="Straight Arrow Connector 71"/>
+          <p:cNvCxnSpPr/>
+          <p:nvPr/>
+        </p:nvCxnSpPr>
+        <p:spPr>
+          <a:xfrm>
+            <a:off x="3330287" y="4719673"/>
+            <a:ext cx="2179462" cy="21638"/>
+          </a:xfrm>
+          <a:prstGeom prst="straightConnector1">
+            <a:avLst/>
+          </a:prstGeom>
+          <a:ln w="19050">
+            <a:solidFill>
+              <a:schemeClr val="accent5">
+                <a:lumMod val="75000"/>
+              </a:schemeClr>
+            </a:solidFill>
+            <a:headEnd type="none" w="med" len="med"/>
+            <a:tailEnd type="arrow" w="med" len="med"/>
+          </a:ln>
+        </p:spPr>
+        <p:style>
+          <a:lnRef idx="1">
+            <a:schemeClr val="accent1"/>
+          </a:lnRef>
+          <a:fillRef idx="0">
+            <a:schemeClr val="accent1"/>
+          </a:fillRef>
+          <a:effectRef idx="0">
+            <a:schemeClr val="accent1"/>
+          </a:effectRef>
+          <a:fontRef idx="minor">
+            <a:schemeClr val="tx1"/>
+          </a:fontRef>
+        </p:style>
+      </p:cxnSp>
+      <p:sp>
+        <p:nvSpPr>
+          <p:cNvPr id="74" name="TextBox 73"/>
+          <p:cNvSpPr txBox="1"/>
+          <p:nvPr/>
+        </p:nvSpPr>
+        <p:spPr>
+          <a:xfrm>
+            <a:off x="3591018" y="4498637"/>
+            <a:ext cx="1753277" cy="184666"/>
+          </a:xfrm>
+          <a:prstGeom prst="rect">
+            <a:avLst/>
+          </a:prstGeom>
+          <a:noFill/>
+        </p:spPr>
+        <p:txBody>
+          <a:bodyPr wrap="square" lIns="0" tIns="0" rIns="0" bIns="0" rtlCol="0">
+            <a:spAutoFit/>
+          </a:bodyPr>
+          <a:lstStyle/>
+          <a:p>
+            <a:r>
+              <a:rPr lang="en-US" sz="1200" dirty="0" err="1" smtClean="0">
+                <a:solidFill>
+                  <a:schemeClr val="accent6">
+                    <a:lumMod val="75000"/>
+                  </a:schemeClr>
+                </a:solidFill>
+              </a:rPr>
+              <a:t>handleLocalRestoreEvent</a:t>
+            </a:r>
+            <a:r>
+              <a:rPr lang="en-US" sz="1200" dirty="0" smtClean="0">
+                <a:solidFill>
+                  <a:schemeClr val="accent6">
+                    <a:lumMod val="75000"/>
+                  </a:schemeClr>
+                </a:solidFill>
+              </a:rPr>
+              <a:t>()</a:t>
+            </a:r>
+            <a:endParaRPr lang="en-US" sz="1200" dirty="0">
+              <a:solidFill>
+                <a:schemeClr val="accent6">
+                  <a:lumMod val="75000"/>
+                </a:schemeClr>
+              </a:solidFill>
+            </a:endParaRPr>
+          </a:p>
+        </p:txBody>
+      </p:sp>
+      <p:cxnSp>
+        <p:nvCxnSpPr>
+          <p:cNvPr id="85" name="Straight Connector 84"/>
+          <p:cNvCxnSpPr/>
+          <p:nvPr/>
+        </p:nvCxnSpPr>
+        <p:spPr>
+          <a:xfrm flipH="1">
+            <a:off x="314394" y="1480672"/>
+            <a:ext cx="24" cy="1598671"/>
+          </a:xfrm>
+          <a:prstGeom prst="line">
+            <a:avLst/>
+          </a:prstGeom>
+          <a:ln w="19050">
+            <a:solidFill>
+              <a:schemeClr val="tx1"/>
+            </a:solidFill>
+            <a:prstDash val="sysDash"/>
+          </a:ln>
+          <a:effectLst/>
+        </p:spPr>
+        <p:style>
+          <a:lnRef idx="1">
+            <a:schemeClr val="accent1"/>
+          </a:lnRef>
+          <a:fillRef idx="2">
+            <a:schemeClr val="accent1"/>
+          </a:fillRef>
+          <a:effectRef idx="1">
+            <a:schemeClr val="accent1"/>
+          </a:effectRef>
+          <a:fontRef idx="minor">
+            <a:schemeClr val="dk1"/>
+          </a:fontRef>
+        </p:style>
+      </p:cxnSp>
+      <p:sp>
+        <p:nvSpPr>
+          <p:cNvPr id="12" name="Freeform 11"/>
+          <p:cNvSpPr/>
+          <p:nvPr/>
+        </p:nvSpPr>
+        <p:spPr>
+          <a:xfrm rot="240000" flipV="1">
+            <a:off x="3949272" y="1936376"/>
+            <a:ext cx="284621" cy="110537"/>
+          </a:xfrm>
+          <a:custGeom>
+            <a:avLst/>
+            <a:gdLst>
+              <a:gd name="connsiteX0" fmla="*/ 0 w 226400"/>
+              <a:gd name="connsiteY0" fmla="*/ 32920 h 171466"/>
+              <a:gd name="connsiteX1" fmla="*/ 157018 w 226400"/>
+              <a:gd name="connsiteY1" fmla="*/ 5211 h 171466"/>
+              <a:gd name="connsiteX2" fmla="*/ 221673 w 226400"/>
+              <a:gd name="connsiteY2" fmla="*/ 125284 h 171466"/>
+              <a:gd name="connsiteX3" fmla="*/ 36945 w 226400"/>
+              <a:gd name="connsiteY3" fmla="*/ 171466 h 171466"/>
+              <a:gd name="connsiteX0" fmla="*/ 88797 w 315197"/>
+              <a:gd name="connsiteY0" fmla="*/ 32920 h 172727"/>
+              <a:gd name="connsiteX1" fmla="*/ 245815 w 315197"/>
+              <a:gd name="connsiteY1" fmla="*/ 5211 h 172727"/>
+              <a:gd name="connsiteX2" fmla="*/ 310470 w 315197"/>
+              <a:gd name="connsiteY2" fmla="*/ 125284 h 172727"/>
+              <a:gd name="connsiteX3" fmla="*/ 0 w 315197"/>
+              <a:gd name="connsiteY3" fmla="*/ 172727 h 172727"/>
+            </a:gdLst>
+            <a:ahLst/>
+            <a:cxnLst>
+              <a:cxn ang="0">
+                <a:pos x="connsiteX0" y="connsiteY0"/>
+              </a:cxn>
+              <a:cxn ang="0">
+                <a:pos x="connsiteX1" y="connsiteY1"/>
+              </a:cxn>
+              <a:cxn ang="0">
+                <a:pos x="connsiteX2" y="connsiteY2"/>
+              </a:cxn>
+              <a:cxn ang="0">
+                <a:pos x="connsiteX3" y="connsiteY3"/>
+              </a:cxn>
+            </a:cxnLst>
+            <a:rect l="l" t="t" r="r" b="b"/>
+            <a:pathLst>
+              <a:path w="315197" h="172727">
+                <a:moveTo>
+                  <a:pt x="88797" y="32920"/>
+                </a:moveTo>
+                <a:cubicBezTo>
+                  <a:pt x="148833" y="11368"/>
+                  <a:pt x="208870" y="-10183"/>
+                  <a:pt x="245815" y="5211"/>
+                </a:cubicBezTo>
+                <a:cubicBezTo>
+                  <a:pt x="282760" y="20605"/>
+                  <a:pt x="330482" y="97575"/>
+                  <a:pt x="310470" y="125284"/>
+                </a:cubicBezTo>
+                <a:cubicBezTo>
+                  <a:pt x="290458" y="152993"/>
+                  <a:pt x="82358" y="163490"/>
+                  <a:pt x="0" y="172727"/>
+                </a:cubicBezTo>
+              </a:path>
+            </a:pathLst>
+          </a:custGeom>
+          <a:ln w="19050">
+            <a:solidFill>
+              <a:srgbClr val="0070C0"/>
+            </a:solidFill>
+            <a:headEnd type="arrow" w="med" len="med"/>
+            <a:tailEnd type="none" w="med" len="med"/>
+          </a:ln>
+        </p:spPr>
+        <p:style>
+          <a:lnRef idx="1">
+            <a:schemeClr val="accent1"/>
+          </a:lnRef>
+          <a:fillRef idx="0">
+            <a:schemeClr val="accent1"/>
+          </a:fillRef>
+          <a:effectRef idx="0">
+            <a:schemeClr val="accent1"/>
+          </a:effectRef>
+          <a:fontRef idx="minor">
+            <a:schemeClr val="tx1"/>
+          </a:fontRef>
+        </p:style>
+        <p:txBody>
+          <a:bodyPr rtlCol="0" anchor="ctr"/>
+          <a:lstStyle/>
+          <a:p>
+            <a:pPr algn="ctr"/>
+            <a:endParaRPr lang="en-SG"/>
+          </a:p>
+        </p:txBody>
+      </p:sp>
+      <p:grpSp>
+        <p:nvGrpSpPr>
+          <p:cNvPr id="58" name="Group 57"/>
+          <p:cNvGrpSpPr/>
+          <p:nvPr/>
+        </p:nvGrpSpPr>
+        <p:grpSpPr>
+          <a:xfrm flipH="1">
+            <a:off x="5589099" y="4686664"/>
+            <a:ext cx="210433" cy="547920"/>
+            <a:chOff x="1035051" y="5548116"/>
+            <a:chExt cx="210433" cy="416884"/>
+          </a:xfrm>
+        </p:grpSpPr>
+        <p:sp>
+          <p:nvSpPr>
+            <p:cNvPr id="59" name="Freeform 58"/>
+            <p:cNvSpPr/>
+            <p:nvPr/>
+          </p:nvSpPr>
+          <p:spPr>
+            <a:xfrm rot="4080000" flipH="1" flipV="1">
+              <a:off x="1048157" y="5535010"/>
+              <a:ext cx="127405" cy="153618"/>
+            </a:xfrm>
+            <a:custGeom>
+              <a:avLst/>
+              <a:gdLst>
+                <a:gd name="connsiteX0" fmla="*/ 0 w 226400"/>
+                <a:gd name="connsiteY0" fmla="*/ 32920 h 171466"/>
+                <a:gd name="connsiteX1" fmla="*/ 157018 w 226400"/>
+                <a:gd name="connsiteY1" fmla="*/ 5211 h 171466"/>
+                <a:gd name="connsiteX2" fmla="*/ 221673 w 226400"/>
+                <a:gd name="connsiteY2" fmla="*/ 125284 h 171466"/>
+                <a:gd name="connsiteX3" fmla="*/ 36945 w 226400"/>
+                <a:gd name="connsiteY3" fmla="*/ 171466 h 171466"/>
+              </a:gdLst>
+              <a:ahLst/>
+              <a:cxnLst>
+                <a:cxn ang="0">
+                  <a:pos x="connsiteX0" y="connsiteY0"/>
+                </a:cxn>
+                <a:cxn ang="0">
+                  <a:pos x="connsiteX1" y="connsiteY1"/>
+                </a:cxn>
+                <a:cxn ang="0">
+                  <a:pos x="connsiteX2" y="connsiteY2"/>
+                </a:cxn>
+                <a:cxn ang="0">
+                  <a:pos x="connsiteX3" y="connsiteY3"/>
+                </a:cxn>
+              </a:cxnLst>
+              <a:rect l="l" t="t" r="r" b="b"/>
+              <a:pathLst>
+                <a:path w="226400" h="171466">
+                  <a:moveTo>
+                    <a:pt x="0" y="32920"/>
+                  </a:moveTo>
+                  <a:cubicBezTo>
+                    <a:pt x="60036" y="11368"/>
+                    <a:pt x="120073" y="-10183"/>
+                    <a:pt x="157018" y="5211"/>
+                  </a:cubicBezTo>
+                  <a:cubicBezTo>
+                    <a:pt x="193963" y="20605"/>
+                    <a:pt x="241685" y="97575"/>
+                    <a:pt x="221673" y="125284"/>
+                  </a:cubicBezTo>
+                  <a:cubicBezTo>
+                    <a:pt x="201661" y="152993"/>
+                    <a:pt x="119303" y="162229"/>
+                    <a:pt x="36945" y="171466"/>
+                  </a:cubicBezTo>
+                </a:path>
+              </a:pathLst>
+            </a:custGeom>
+            <a:ln w="19050">
+              <a:solidFill>
+                <a:schemeClr val="accent6">
+                  <a:lumMod val="75000"/>
+                </a:schemeClr>
+              </a:solidFill>
+              <a:headEnd type="arrow" w="med" len="med"/>
+              <a:tailEnd type="none" w="med" len="med"/>
+            </a:ln>
+          </p:spPr>
+          <p:style>
+            <a:lnRef idx="1">
+              <a:schemeClr val="accent1"/>
+            </a:lnRef>
+            <a:fillRef idx="0">
+              <a:schemeClr val="accent1"/>
+            </a:fillRef>
+            <a:effectRef idx="0">
+              <a:schemeClr val="accent1"/>
+            </a:effectRef>
+            <a:fontRef idx="minor">
+              <a:schemeClr val="tx1"/>
+            </a:fontRef>
+          </p:style>
+          <p:txBody>
+            <a:bodyPr rtlCol="0" anchor="ctr"/>
+            <a:lstStyle/>
+            <a:p>
+              <a:pPr algn="ctr"/>
+              <a:endParaRPr lang="en-SG"/>
+            </a:p>
+          </p:txBody>
+        </p:sp>
+        <p:sp>
+          <p:nvSpPr>
+            <p:cNvPr id="60" name="Rectangle 59"/>
+            <p:cNvSpPr/>
+            <p:nvPr/>
+          </p:nvSpPr>
+          <p:spPr>
+            <a:xfrm>
+              <a:off x="1132795" y="5615058"/>
+              <a:ext cx="112689" cy="349942"/>
+            </a:xfrm>
+            <a:prstGeom prst="rect">
+              <a:avLst/>
+            </a:prstGeom>
+            <a:solidFill>
+              <a:schemeClr val="accent6">
+                <a:lumMod val="75000"/>
+              </a:schemeClr>
+            </a:solidFill>
+            <a:ln>
+              <a:solidFill>
+                <a:schemeClr val="bg1"/>
+              </a:solidFill>
+            </a:ln>
+            <a:effectLst/>
+          </p:spPr>
+          <p:style>
+            <a:lnRef idx="1">
+              <a:schemeClr val="accent3"/>
+            </a:lnRef>
+            <a:fillRef idx="2">
+              <a:schemeClr val="accent3"/>
+            </a:fillRef>
+            <a:effectRef idx="1">
+              <a:schemeClr val="accent3"/>
+            </a:effectRef>
+            <a:fontRef idx="minor">
+              <a:schemeClr val="dk1"/>
+            </a:fontRef>
+          </p:style>
+          <p:txBody>
+            <a:bodyPr rtlCol="0" anchor="ctr"/>
+            <a:lstStyle/>
+            <a:p>
+              <a:pPr algn="ctr"/>
+              <a:endParaRPr lang="en-SG" sz="1400">
+                <a:solidFill>
+                  <a:schemeClr val="dk1"/>
+                </a:solidFill>
+              </a:endParaRPr>
+            </a:p>
+          </p:txBody>
+        </p:sp>
+      </p:grpSp>
+      <p:sp>
+        <p:nvSpPr>
+          <p:cNvPr id="71" name="Rectangle 70"/>
+          <p:cNvSpPr/>
+          <p:nvPr/>
+        </p:nvSpPr>
+        <p:spPr>
+          <a:xfrm>
+            <a:off x="3905368" y="1991645"/>
+            <a:ext cx="121048" cy="251360"/>
+          </a:xfrm>
+          <a:prstGeom prst="rect">
+            <a:avLst/>
+          </a:prstGeom>
+          <a:solidFill>
+            <a:srgbClr val="0070C0"/>
+          </a:solidFill>
+          <a:ln>
+            <a:solidFill>
+              <a:schemeClr val="bg1"/>
+            </a:solidFill>
+          </a:ln>
+          <a:effectLst/>
+        </p:spPr>
+        <p:style>
+          <a:lnRef idx="1">
+            <a:schemeClr val="accent3"/>
+          </a:lnRef>
+          <a:fillRef idx="2">
+            <a:schemeClr val="accent3"/>
+          </a:fillRef>
+          <a:effectRef idx="1">
+            <a:schemeClr val="accent3"/>
+          </a:effectRef>
+          <a:fontRef idx="minor">
+            <a:schemeClr val="dk1"/>
+          </a:fontRef>
+        </p:style>
+        <p:txBody>
+          <a:bodyPr rtlCol="0" anchor="ctr"/>
+          <a:lstStyle/>
+          <a:p>
+            <a:pPr algn="ctr"/>
+            <a:endParaRPr lang="en-SG" sz="1400">
+              <a:solidFill>
+                <a:schemeClr val="dk1"/>
+              </a:solidFill>
+            </a:endParaRPr>
+          </a:p>
+        </p:txBody>
+      </p:sp>
+      <p:sp>
+        <p:nvSpPr>
+          <p:cNvPr id="73" name="TextBox 72"/>
+          <p:cNvSpPr txBox="1"/>
+          <p:nvPr/>
+        </p:nvSpPr>
+        <p:spPr>
+          <a:xfrm>
+            <a:off x="3986773" y="1683371"/>
+            <a:ext cx="2234601" cy="184666"/>
+          </a:xfrm>
+          <a:prstGeom prst="rect">
+            <a:avLst/>
+          </a:prstGeom>
+          <a:noFill/>
+        </p:spPr>
+        <p:txBody>
+          <a:bodyPr wrap="square" lIns="0" tIns="0" rIns="0" bIns="0" rtlCol="0">
+            <a:spAutoFit/>
+          </a:bodyPr>
+          <a:lstStyle/>
+          <a:p>
+            <a:r>
+              <a:rPr lang="en-US" sz="1200" dirty="0" err="1" smtClean="0">
+                <a:solidFill>
+                  <a:srgbClr val="0070C0"/>
+                </a:solidFill>
+              </a:rPr>
+              <a:t>localRestoreCommand</a:t>
+            </a:r>
+            <a:r>
+              <a:rPr lang="en-US" sz="1200" dirty="0" smtClean="0">
+                <a:solidFill>
+                  <a:srgbClr val="0070C0"/>
+                </a:solidFill>
+              </a:rPr>
+              <a:t>(model</a:t>
+            </a:r>
+            <a:r>
+              <a:rPr lang="en-US" sz="1200" dirty="0" smtClean="0">
+                <a:solidFill>
+                  <a:srgbClr val="0070C0"/>
+                </a:solidFill>
+              </a:rPr>
+              <a:t>)</a:t>
+            </a:r>
+            <a:endParaRPr lang="en-US" sz="1200" dirty="0">
+              <a:solidFill>
+                <a:srgbClr val="0070C0"/>
+              </a:solidFill>
+            </a:endParaRPr>
+          </a:p>
+        </p:txBody>
+      </p:sp>
+      <p:sp>
+        <p:nvSpPr>
+          <p:cNvPr id="75" name="TextBox 74"/>
+          <p:cNvSpPr txBox="1"/>
+          <p:nvPr/>
+        </p:nvSpPr>
+        <p:spPr>
+          <a:xfrm>
+            <a:off x="5360428" y="1976357"/>
+            <a:ext cx="1634331" cy="184666"/>
+          </a:xfrm>
+          <a:prstGeom prst="rect">
+            <a:avLst/>
+          </a:prstGeom>
+          <a:noFill/>
+        </p:spPr>
+        <p:txBody>
+          <a:bodyPr wrap="square" lIns="0" tIns="0" rIns="0" bIns="0" rtlCol="0">
+            <a:spAutoFit/>
+          </a:bodyPr>
+          <a:lstStyle/>
+          <a:p>
+            <a:r>
+              <a:rPr lang="en-US" sz="1200" dirty="0" smtClean="0">
+                <a:solidFill>
+                  <a:srgbClr val="0070C0"/>
+                </a:solidFill>
+              </a:rPr>
+              <a:t>post(</a:t>
+            </a:r>
+            <a:r>
+              <a:rPr lang="en-US" sz="1200" dirty="0" err="1" smtClean="0">
+                <a:solidFill>
+                  <a:srgbClr val="0070C0"/>
+                </a:solidFill>
+              </a:rPr>
+              <a:t>LocalRestoreEvent</a:t>
+            </a:r>
+            <a:r>
+              <a:rPr lang="en-US" sz="1200" dirty="0" smtClean="0">
+                <a:solidFill>
+                  <a:srgbClr val="0070C0"/>
+                </a:solidFill>
+              </a:rPr>
+              <a:t>)</a:t>
+            </a:r>
+            <a:endParaRPr lang="en-US" sz="1200" dirty="0">
+              <a:solidFill>
+                <a:srgbClr val="0070C0"/>
+              </a:solidFill>
+            </a:endParaRPr>
+          </a:p>
+        </p:txBody>
+      </p:sp>
+      <p:sp>
+        <p:nvSpPr>
+          <p:cNvPr id="87" name="Rectangle 86"/>
+          <p:cNvSpPr/>
+          <p:nvPr/>
+        </p:nvSpPr>
+        <p:spPr>
+          <a:xfrm>
+            <a:off x="5643805" y="4889707"/>
+            <a:ext cx="1584520" cy="272147"/>
+          </a:xfrm>
+          <a:prstGeom prst="rect">
+            <a:avLst/>
+          </a:prstGeom>
+          <a:solidFill>
+            <a:schemeClr val="bg1"/>
+          </a:solidFill>
+          <a:ln>
+            <a:solidFill>
+              <a:schemeClr val="tx1"/>
+            </a:solidFill>
+          </a:ln>
+        </p:spPr>
+        <p:style>
+          <a:lnRef idx="2">
+            <a:schemeClr val="accent4">
+              <a:shade val="50000"/>
+            </a:schemeClr>
+          </a:lnRef>
+          <a:fillRef idx="1">
+            <a:schemeClr val="accent4"/>
+          </a:fillRef>
+          <a:effectRef idx="0">
+            <a:schemeClr val="accent4"/>
+          </a:effectRef>
+          <a:fontRef idx="minor">
+            <a:schemeClr val="lt1"/>
+          </a:fontRef>
+        </p:style>
+        <p:txBody>
+          <a:bodyPr rtlCol="0" anchor="ctr"/>
+          <a:lstStyle/>
+          <a:p>
+            <a:pPr algn="ctr"/>
+            <a:endParaRPr lang="en-SG" sz="600" dirty="0">
+              <a:solidFill>
+                <a:schemeClr val="tx1"/>
+              </a:solidFill>
+            </a:endParaRPr>
+          </a:p>
+        </p:txBody>
+      </p:sp>
+      <p:cxnSp>
+        <p:nvCxnSpPr>
+          <p:cNvPr id="91" name="Straight Connector 90"/>
+          <p:cNvCxnSpPr/>
+          <p:nvPr/>
+        </p:nvCxnSpPr>
+        <p:spPr>
+          <a:xfrm>
+            <a:off x="5944601" y="4889708"/>
+            <a:ext cx="0" cy="73127"/>
+          </a:xfrm>
+          <a:prstGeom prst="line">
+            <a:avLst/>
+          </a:prstGeom>
+          <a:ln>
+            <a:solidFill>
+              <a:srgbClr val="7030A0"/>
+            </a:solidFill>
+          </a:ln>
+        </p:spPr>
+        <p:style>
+          <a:lnRef idx="1">
+            <a:schemeClr val="accent1"/>
+          </a:lnRef>
+          <a:fillRef idx="0">
+            <a:schemeClr val="accent1"/>
+          </a:fillRef>
+          <a:effectRef idx="0">
+            <a:schemeClr val="accent1"/>
+          </a:effectRef>
+          <a:fontRef idx="minor">
+            <a:schemeClr val="tx1"/>
+          </a:fontRef>
+        </p:style>
+      </p:cxnSp>
+      <p:cxnSp>
+        <p:nvCxnSpPr>
+          <p:cNvPr id="94" name="Straight Connector 93"/>
+          <p:cNvCxnSpPr/>
+          <p:nvPr/>
+        </p:nvCxnSpPr>
+        <p:spPr>
+          <a:xfrm>
+            <a:off x="5639801" y="5021114"/>
+            <a:ext cx="263506" cy="0"/>
+          </a:xfrm>
+          <a:prstGeom prst="line">
+            <a:avLst/>
+          </a:prstGeom>
+          <a:ln>
+            <a:solidFill>
+              <a:srgbClr val="7030A0"/>
+            </a:solidFill>
+          </a:ln>
+        </p:spPr>
+        <p:style>
+          <a:lnRef idx="1">
+            <a:schemeClr val="accent1"/>
+          </a:lnRef>
+          <a:fillRef idx="0">
+            <a:schemeClr val="accent1"/>
+          </a:fillRef>
+          <a:effectRef idx="0">
+            <a:schemeClr val="accent1"/>
+          </a:effectRef>
+          <a:fontRef idx="minor">
+            <a:schemeClr val="tx1"/>
+          </a:fontRef>
+        </p:style>
+      </p:cxnSp>
+      <p:cxnSp>
+        <p:nvCxnSpPr>
+          <p:cNvPr id="97" name="Straight Connector 96"/>
+          <p:cNvCxnSpPr/>
+          <p:nvPr/>
+        </p:nvCxnSpPr>
+        <p:spPr>
+          <a:xfrm flipH="1">
+            <a:off x="5903307" y="4962835"/>
+            <a:ext cx="41294" cy="58279"/>
+          </a:xfrm>
+          <a:prstGeom prst="line">
+            <a:avLst/>
+          </a:prstGeom>
+          <a:ln>
+            <a:solidFill>
+              <a:srgbClr val="7030A0"/>
+            </a:solidFill>
+          </a:ln>
+        </p:spPr>
+        <p:style>
+          <a:lnRef idx="1">
+            <a:schemeClr val="accent1"/>
+          </a:lnRef>
+          <a:fillRef idx="0">
+            <a:schemeClr val="accent1"/>
+          </a:fillRef>
+          <a:effectRef idx="0">
+            <a:schemeClr val="accent1"/>
+          </a:effectRef>
+          <a:fontRef idx="minor">
+            <a:schemeClr val="tx1"/>
+          </a:fontRef>
+        </p:style>
+      </p:cxnSp>
+      <p:sp>
+        <p:nvSpPr>
+          <p:cNvPr id="102" name="TextBox 101"/>
+          <p:cNvSpPr txBox="1"/>
+          <p:nvPr/>
+        </p:nvSpPr>
+        <p:spPr>
+          <a:xfrm>
+            <a:off x="5639801" y="4860904"/>
+            <a:ext cx="304800" cy="200055"/>
+          </a:xfrm>
+          <a:prstGeom prst="rect">
+            <a:avLst/>
+          </a:prstGeom>
+          <a:noFill/>
+        </p:spPr>
+        <p:txBody>
+          <a:bodyPr wrap="square" rtlCol="0">
+            <a:spAutoFit/>
+          </a:bodyPr>
+          <a:lstStyle/>
+          <a:p>
+            <a:r>
+              <a:rPr lang="en-SG" sz="700" dirty="0" smtClean="0"/>
+              <a:t>ref</a:t>
+            </a:r>
+            <a:endParaRPr lang="en-SG" sz="700" dirty="0"/>
+          </a:p>
+        </p:txBody>
+      </p:sp>
+      <p:sp>
+        <p:nvSpPr>
+          <p:cNvPr id="103" name="Rectangle 102"/>
+          <p:cNvSpPr/>
+          <p:nvPr/>
+        </p:nvSpPr>
+        <p:spPr>
+          <a:xfrm>
+            <a:off x="5888206" y="4882751"/>
+            <a:ext cx="1426994" cy="200055"/>
+          </a:xfrm>
+          <a:prstGeom prst="rect">
+            <a:avLst/>
+          </a:prstGeom>
+        </p:spPr>
+        <p:txBody>
+          <a:bodyPr wrap="none">
+            <a:spAutoFit/>
+          </a:bodyPr>
+          <a:lstStyle/>
+          <a:p>
+            <a:pPr algn="ctr"/>
+            <a:r>
+              <a:rPr lang="en-SG" sz="700" dirty="0" smtClean="0"/>
+              <a:t>Read relevant books from storage</a:t>
+            </a:r>
+            <a:endParaRPr lang="en-SG" sz="700" dirty="0"/>
+          </a:p>
+        </p:txBody>
+      </p:sp>
+      <p:sp>
+        <p:nvSpPr>
+          <p:cNvPr id="88" name="TextBox 87"/>
+          <p:cNvSpPr txBox="1"/>
+          <p:nvPr/>
+        </p:nvSpPr>
+        <p:spPr>
+          <a:xfrm>
+            <a:off x="3478824" y="5110655"/>
+            <a:ext cx="2134019" cy="161583"/>
+          </a:xfrm>
+          <a:prstGeom prst="rect">
+            <a:avLst/>
+          </a:prstGeom>
+          <a:noFill/>
+        </p:spPr>
+        <p:txBody>
+          <a:bodyPr wrap="square" lIns="0" tIns="0" rIns="0" bIns="0" rtlCol="0">
+            <a:spAutoFit/>
+          </a:bodyPr>
+          <a:lstStyle/>
+          <a:p>
+            <a:r>
+              <a:rPr lang="en-US" sz="1050" dirty="0" smtClean="0">
+                <a:solidFill>
+                  <a:schemeClr val="accent6">
+                    <a:lumMod val="75000"/>
+                  </a:schemeClr>
+                </a:solidFill>
+              </a:rPr>
+              <a:t>post(</a:t>
+            </a:r>
+            <a:r>
+              <a:rPr lang="en-US" sz="1050" dirty="0" err="1" smtClean="0">
+                <a:solidFill>
+                  <a:schemeClr val="accent6">
+                    <a:lumMod val="75000"/>
+                  </a:schemeClr>
+                </a:solidFill>
+              </a:rPr>
+              <a:t>AddressBookLocalRestoreEvent</a:t>
+            </a:r>
+            <a:r>
+              <a:rPr lang="en-US" sz="1050" dirty="0" smtClean="0">
+                <a:solidFill>
+                  <a:schemeClr val="accent6">
+                    <a:lumMod val="75000"/>
+                  </a:schemeClr>
+                </a:solidFill>
+              </a:rPr>
+              <a:t>)</a:t>
+            </a:r>
+            <a:endParaRPr lang="en-US" sz="1050" dirty="0">
+              <a:solidFill>
+                <a:schemeClr val="accent6">
+                  <a:lumMod val="75000"/>
+                </a:schemeClr>
+              </a:solidFill>
+            </a:endParaRPr>
+          </a:p>
+        </p:txBody>
+      </p:sp>
+    </p:spTree>
+    <p:extLst>
+      <p:ext uri="{BB962C8B-B14F-4D97-AF65-F5344CB8AC3E}">
+        <p14:creationId xmlns:p14="http://schemas.microsoft.com/office/powerpoint/2010/main" val="532189831"/>
+      </p:ext>
+    </p:extLst>
+  </p:cSld>
+  <p:clrMapOvr>
+    <a:masterClrMapping/>
+  </p:clrMapOvr>
+</p:sld>
+</file>
+
+<file path=ppt/slides/slide6.xml><?xml version="1.0" encoding="utf-8"?>
+<p:sld xmlns:a="http://schemas.openxmlformats.org/drawingml/2006/main" xmlns:r="http://schemas.openxmlformats.org/officeDocument/2006/relationships" xmlns:p="http://schemas.openxmlformats.org/presentationml/2006/main">
+  <p:cSld>
+    <p:spTree>
+      <p:nvGrpSpPr>
+        <p:cNvPr id="1" name=""/>
+        <p:cNvGrpSpPr/>
+        <p:nvPr/>
+      </p:nvGrpSpPr>
+      <p:grpSpPr>
+        <a:xfrm>
+          <a:off x="0" y="0"/>
+          <a:ext cx="0" cy="0"/>
+          <a:chOff x="0" y="0"/>
+          <a:chExt cx="0" cy="0"/>
+        </a:xfrm>
+      </p:grpSpPr>
+      <p:sp>
+        <p:nvSpPr>
+          <p:cNvPr id="53" name="Rectangle 62"/>
+          <p:cNvSpPr/>
+          <p:nvPr/>
+        </p:nvSpPr>
+        <p:spPr>
+          <a:xfrm>
+            <a:off x="5959536" y="838530"/>
+            <a:ext cx="1093635" cy="346760"/>
+          </a:xfrm>
+          <a:prstGeom prst="rect">
+            <a:avLst/>
+          </a:prstGeom>
+          <a:solidFill>
+            <a:schemeClr val="accent2"/>
+          </a:solidFill>
+          <a:ln w="19050">
+            <a:solidFill>
+              <a:srgbClr val="C00000"/>
+            </a:solidFill>
+          </a:ln>
+          <a:effectLst/>
+        </p:spPr>
+        <p:style>
+          <a:lnRef idx="1">
+            <a:schemeClr val="accent2"/>
+          </a:lnRef>
+          <a:fillRef idx="2">
+            <a:schemeClr val="accent2"/>
+          </a:fillRef>
+          <a:effectRef idx="1">
+            <a:schemeClr val="accent2"/>
+          </a:effectRef>
+          <a:fontRef idx="minor">
+            <a:schemeClr val="dk1"/>
+          </a:fontRef>
+        </p:style>
+        <p:txBody>
+          <a:bodyPr rtlCol="0" anchor="ctr"/>
+          <a:lstStyle/>
+          <a:p>
+            <a:pPr algn="ctr"/>
+            <a:r>
+              <a:rPr lang="en-US" sz="1600" dirty="0" smtClean="0">
+                <a:solidFill>
+                  <a:schemeClr val="bg1"/>
+                </a:solidFill>
+              </a:rPr>
+              <a:t>:Model</a:t>
+            </a:r>
+            <a:endParaRPr lang="en-SG" sz="1600" dirty="0">
+              <a:solidFill>
+                <a:schemeClr val="bg1"/>
+              </a:solidFill>
+            </a:endParaRPr>
+          </a:p>
+        </p:txBody>
+      </p:sp>
+      <p:cxnSp>
+        <p:nvCxnSpPr>
+          <p:cNvPr id="54" name="Straight Connector 53"/>
+          <p:cNvCxnSpPr/>
+          <p:nvPr/>
+        </p:nvCxnSpPr>
+        <p:spPr>
+          <a:xfrm>
+            <a:off x="6506353" y="1202201"/>
+            <a:ext cx="19842" cy="1998529"/>
+          </a:xfrm>
+          <a:prstGeom prst="line">
+            <a:avLst/>
+          </a:prstGeom>
+          <a:ln w="19050">
+            <a:solidFill>
+              <a:srgbClr val="C00000"/>
+            </a:solidFill>
+            <a:prstDash val="sysDash"/>
+          </a:ln>
+          <a:effectLst/>
+        </p:spPr>
+        <p:style>
+          <a:lnRef idx="1">
+            <a:schemeClr val="accent1"/>
+          </a:lnRef>
+          <a:fillRef idx="2">
+            <a:schemeClr val="accent1"/>
+          </a:fillRef>
+          <a:effectRef idx="1">
+            <a:schemeClr val="accent1"/>
+          </a:effectRef>
+          <a:fontRef idx="minor">
+            <a:schemeClr val="dk1"/>
+          </a:fontRef>
+        </p:style>
+      </p:cxnSp>
+      <p:sp>
+        <p:nvSpPr>
+          <p:cNvPr id="55" name="Rectangle 54"/>
+          <p:cNvSpPr/>
+          <p:nvPr/>
+        </p:nvSpPr>
+        <p:spPr>
+          <a:xfrm>
+            <a:off x="6450277" y="1905330"/>
+            <a:ext cx="135084" cy="867706"/>
+          </a:xfrm>
+          <a:prstGeom prst="rect">
+            <a:avLst/>
+          </a:prstGeom>
+          <a:solidFill>
+            <a:schemeClr val="accent2"/>
+          </a:solidFill>
+          <a:ln>
+            <a:solidFill>
+              <a:schemeClr val="accent6">
+                <a:lumMod val="75000"/>
+              </a:schemeClr>
+            </a:solidFill>
+          </a:ln>
+          <a:effectLst/>
+        </p:spPr>
+        <p:style>
+          <a:lnRef idx="1">
+            <a:schemeClr val="accent3"/>
+          </a:lnRef>
+          <a:fillRef idx="2">
+            <a:schemeClr val="accent3"/>
+          </a:fillRef>
+          <a:effectRef idx="1">
+            <a:schemeClr val="accent3"/>
+          </a:effectRef>
+          <a:fontRef idx="minor">
+            <a:schemeClr val="dk1"/>
+          </a:fontRef>
+        </p:style>
+        <p:txBody>
+          <a:bodyPr rtlCol="0" anchor="ctr"/>
+          <a:lstStyle/>
+          <a:p>
+            <a:pPr algn="ctr"/>
+            <a:endParaRPr lang="en-SG" sz="1400">
+              <a:solidFill>
+                <a:schemeClr val="dk1"/>
+              </a:solidFill>
+            </a:endParaRPr>
+          </a:p>
+        </p:txBody>
+      </p:sp>
+      <p:sp>
+        <p:nvSpPr>
+          <p:cNvPr id="62" name="TextBox 61"/>
+          <p:cNvSpPr txBox="1"/>
+          <p:nvPr/>
+        </p:nvSpPr>
+        <p:spPr>
+          <a:xfrm>
+            <a:off x="2001747" y="1376499"/>
+            <a:ext cx="2716635" cy="184666"/>
+          </a:xfrm>
+          <a:prstGeom prst="rect">
+            <a:avLst/>
+          </a:prstGeom>
+          <a:noFill/>
+        </p:spPr>
+        <p:txBody>
+          <a:bodyPr wrap="square" lIns="0" tIns="0" rIns="0" bIns="0" rtlCol="0">
+            <a:spAutoFit/>
+          </a:bodyPr>
+          <a:lstStyle/>
+          <a:p>
+            <a:r>
+              <a:rPr lang="en-US" sz="1200" dirty="0">
+                <a:solidFill>
+                  <a:srgbClr val="0070C0"/>
+                </a:solidFill>
+              </a:rPr>
+              <a:t>post(</a:t>
+            </a:r>
+            <a:r>
+              <a:rPr lang="en-US" sz="1200" dirty="0" err="1">
+                <a:solidFill>
+                  <a:srgbClr val="0070C0"/>
+                </a:solidFill>
+              </a:rPr>
+              <a:t>AddressBookLocalRestoreEvent</a:t>
+            </a:r>
+            <a:r>
+              <a:rPr lang="en-US" sz="1200" dirty="0">
+                <a:solidFill>
+                  <a:srgbClr val="0070C0"/>
+                </a:solidFill>
+              </a:rPr>
+              <a:t>)</a:t>
+            </a:r>
+          </a:p>
+        </p:txBody>
+      </p:sp>
+      <p:cxnSp>
+        <p:nvCxnSpPr>
+          <p:cNvPr id="63" name="Straight Arrow Connector 62"/>
+          <p:cNvCxnSpPr/>
+          <p:nvPr/>
+        </p:nvCxnSpPr>
+        <p:spPr>
+          <a:xfrm flipH="1">
+            <a:off x="4378132" y="2542703"/>
+            <a:ext cx="2128221" cy="0"/>
+          </a:xfrm>
+          <a:prstGeom prst="straightConnector1">
+            <a:avLst/>
+          </a:prstGeom>
+          <a:ln w="19050" cmpd="sng">
+            <a:solidFill>
+              <a:srgbClr val="C00000"/>
+            </a:solidFill>
+            <a:prstDash val="solid"/>
+            <a:headEnd type="none" w="med" len="med"/>
+            <a:tailEnd type="arrow" w="med" len="med"/>
+          </a:ln>
+        </p:spPr>
+        <p:style>
+          <a:lnRef idx="1">
+            <a:schemeClr val="accent1"/>
+          </a:lnRef>
+          <a:fillRef idx="0">
+            <a:schemeClr val="accent1"/>
+          </a:fillRef>
+          <a:effectRef idx="0">
+            <a:schemeClr val="accent1"/>
+          </a:effectRef>
+          <a:fontRef idx="minor">
+            <a:schemeClr val="tx1"/>
+          </a:fontRef>
+        </p:style>
+      </p:cxnSp>
+      <p:sp>
+        <p:nvSpPr>
+          <p:cNvPr id="66" name="Rectangle 62"/>
+          <p:cNvSpPr/>
+          <p:nvPr/>
+        </p:nvSpPr>
+        <p:spPr>
+          <a:xfrm>
+            <a:off x="3657600" y="855441"/>
+            <a:ext cx="1371600" cy="346760"/>
+          </a:xfrm>
+          <a:prstGeom prst="rect">
+            <a:avLst/>
+          </a:prstGeom>
+          <a:solidFill>
+            <a:schemeClr val="accent5">
+              <a:lumMod val="75000"/>
+            </a:schemeClr>
+          </a:solidFill>
+          <a:ln w="19050">
+            <a:solidFill>
+              <a:schemeClr val="accent5">
+                <a:lumMod val="75000"/>
+              </a:schemeClr>
+            </a:solidFill>
+          </a:ln>
+          <a:effectLst/>
+        </p:spPr>
+        <p:style>
+          <a:lnRef idx="1">
+            <a:schemeClr val="accent2"/>
+          </a:lnRef>
+          <a:fillRef idx="2">
+            <a:schemeClr val="accent2"/>
+          </a:fillRef>
+          <a:effectRef idx="1">
+            <a:schemeClr val="accent2"/>
+          </a:effectRef>
+          <a:fontRef idx="minor">
+            <a:schemeClr val="dk1"/>
+          </a:fontRef>
+        </p:style>
+        <p:txBody>
+          <a:bodyPr rtlCol="0" anchor="ctr"/>
+          <a:lstStyle/>
+          <a:p>
+            <a:pPr algn="ctr"/>
+            <a:r>
+              <a:rPr lang="en-US" sz="1600" dirty="0" smtClean="0">
+                <a:solidFill>
+                  <a:schemeClr val="bg1"/>
+                </a:solidFill>
+              </a:rPr>
+              <a:t>:</a:t>
+            </a:r>
+            <a:r>
+              <a:rPr lang="en-US" sz="1600" dirty="0" err="1" smtClean="0">
+                <a:solidFill>
+                  <a:schemeClr val="bg1"/>
+                </a:solidFill>
+              </a:rPr>
+              <a:t>EventsCenter</a:t>
+            </a:r>
+            <a:endParaRPr lang="en-SG" sz="1600" dirty="0">
+              <a:solidFill>
+                <a:schemeClr val="bg1"/>
+              </a:solidFill>
+            </a:endParaRPr>
+          </a:p>
+        </p:txBody>
+      </p:sp>
+      <p:cxnSp>
+        <p:nvCxnSpPr>
+          <p:cNvPr id="67" name="Straight Connector 66"/>
+          <p:cNvCxnSpPr/>
+          <p:nvPr/>
+        </p:nvCxnSpPr>
+        <p:spPr>
+          <a:xfrm flipH="1">
+            <a:off x="4317173" y="1208495"/>
+            <a:ext cx="6012" cy="1992235"/>
+          </a:xfrm>
+          <a:prstGeom prst="line">
+            <a:avLst/>
+          </a:prstGeom>
+          <a:ln w="19050">
+            <a:solidFill>
+              <a:schemeClr val="accent5">
+                <a:lumMod val="75000"/>
+              </a:schemeClr>
+            </a:solidFill>
+            <a:prstDash val="sysDash"/>
+          </a:ln>
+          <a:effectLst/>
+        </p:spPr>
+        <p:style>
+          <a:lnRef idx="1">
+            <a:schemeClr val="accent1"/>
+          </a:lnRef>
+          <a:fillRef idx="2">
+            <a:schemeClr val="accent1"/>
+          </a:fillRef>
+          <a:effectRef idx="1">
+            <a:schemeClr val="accent1"/>
+          </a:effectRef>
+          <a:fontRef idx="minor">
+            <a:schemeClr val="dk1"/>
+          </a:fontRef>
+        </p:style>
+      </p:cxnSp>
+      <p:sp>
+        <p:nvSpPr>
+          <p:cNvPr id="68" name="Rectangle 67"/>
+          <p:cNvSpPr/>
+          <p:nvPr/>
+        </p:nvSpPr>
+        <p:spPr>
+          <a:xfrm>
+            <a:off x="4251178" y="1631428"/>
+            <a:ext cx="138420" cy="1409068"/>
+          </a:xfrm>
+          <a:prstGeom prst="rect">
+            <a:avLst/>
+          </a:prstGeom>
+          <a:solidFill>
+            <a:schemeClr val="accent5">
+              <a:lumMod val="75000"/>
+            </a:schemeClr>
+          </a:solidFill>
+          <a:ln>
+            <a:solidFill>
+              <a:schemeClr val="accent5">
+                <a:lumMod val="75000"/>
+              </a:schemeClr>
+            </a:solidFill>
+          </a:ln>
+          <a:effectLst/>
+        </p:spPr>
+        <p:style>
+          <a:lnRef idx="1">
+            <a:schemeClr val="accent3"/>
+          </a:lnRef>
+          <a:fillRef idx="2">
+            <a:schemeClr val="accent3"/>
+          </a:fillRef>
+          <a:effectRef idx="1">
+            <a:schemeClr val="accent3"/>
+          </a:effectRef>
+          <a:fontRef idx="minor">
+            <a:schemeClr val="dk1"/>
+          </a:fontRef>
+        </p:style>
+        <p:txBody>
+          <a:bodyPr rtlCol="0" anchor="ctr"/>
+          <a:lstStyle/>
+          <a:p>
+            <a:pPr algn="ctr"/>
+            <a:endParaRPr lang="en-SG" sz="1400">
+              <a:solidFill>
+                <a:schemeClr val="dk1"/>
+              </a:solidFill>
+            </a:endParaRPr>
+          </a:p>
+        </p:txBody>
+      </p:sp>
+      <p:cxnSp>
+        <p:nvCxnSpPr>
+          <p:cNvPr id="69" name="Straight Arrow Connector 68"/>
+          <p:cNvCxnSpPr/>
+          <p:nvPr/>
+        </p:nvCxnSpPr>
+        <p:spPr>
+          <a:xfrm>
+            <a:off x="2945383" y="1631428"/>
+            <a:ext cx="1295400" cy="0"/>
+          </a:xfrm>
+          <a:prstGeom prst="straightConnector1">
+            <a:avLst/>
+          </a:prstGeom>
+          <a:ln w="19050">
+            <a:solidFill>
+              <a:srgbClr val="0070C0"/>
+            </a:solidFill>
+            <a:tailEnd type="arrow"/>
+          </a:ln>
+        </p:spPr>
+        <p:style>
+          <a:lnRef idx="1">
+            <a:schemeClr val="accent1"/>
+          </a:lnRef>
+          <a:fillRef idx="0">
+            <a:schemeClr val="accent1"/>
+          </a:fillRef>
+          <a:effectRef idx="0">
+            <a:schemeClr val="accent1"/>
+          </a:effectRef>
+          <a:fontRef idx="minor">
+            <a:schemeClr val="tx1"/>
+          </a:fontRef>
+        </p:style>
+      </p:cxnSp>
+      <p:cxnSp>
+        <p:nvCxnSpPr>
+          <p:cNvPr id="70" name="Straight Arrow Connector 69"/>
+          <p:cNvCxnSpPr/>
+          <p:nvPr/>
+        </p:nvCxnSpPr>
+        <p:spPr>
+          <a:xfrm>
+            <a:off x="2842096" y="3048330"/>
+            <a:ext cx="1448755" cy="0"/>
+          </a:xfrm>
+          <a:prstGeom prst="straightConnector1">
+            <a:avLst/>
+          </a:prstGeom>
+          <a:ln w="19050">
+            <a:solidFill>
+              <a:schemeClr val="accent5">
+                <a:lumMod val="75000"/>
+              </a:schemeClr>
+            </a:solidFill>
+            <a:prstDash val="sysDash"/>
+            <a:headEnd type="arrow" w="med" len="med"/>
+            <a:tailEnd type="none" w="med" len="med"/>
+          </a:ln>
+        </p:spPr>
+        <p:style>
+          <a:lnRef idx="1">
+            <a:schemeClr val="accent1"/>
+          </a:lnRef>
+          <a:fillRef idx="0">
+            <a:schemeClr val="accent1"/>
+          </a:fillRef>
+          <a:effectRef idx="0">
+            <a:schemeClr val="accent1"/>
+          </a:effectRef>
+          <a:fontRef idx="minor">
+            <a:schemeClr val="tx1"/>
+          </a:fontRef>
+        </p:style>
+      </p:cxnSp>
+      <p:cxnSp>
+        <p:nvCxnSpPr>
+          <p:cNvPr id="72" name="Straight Arrow Connector 71"/>
+          <p:cNvCxnSpPr/>
+          <p:nvPr/>
+        </p:nvCxnSpPr>
+        <p:spPr>
+          <a:xfrm>
+            <a:off x="4267383" y="1900603"/>
+            <a:ext cx="2179462" cy="21638"/>
+          </a:xfrm>
+          <a:prstGeom prst="straightConnector1">
+            <a:avLst/>
+          </a:prstGeom>
+          <a:ln w="19050">
+            <a:solidFill>
+              <a:schemeClr val="accent5">
+                <a:lumMod val="75000"/>
+              </a:schemeClr>
+            </a:solidFill>
+            <a:headEnd type="none" w="med" len="med"/>
+            <a:tailEnd type="arrow" w="med" len="med"/>
+          </a:ln>
+        </p:spPr>
+        <p:style>
+          <a:lnRef idx="1">
+            <a:schemeClr val="accent1"/>
+          </a:lnRef>
+          <a:fillRef idx="0">
+            <a:schemeClr val="accent1"/>
+          </a:fillRef>
+          <a:effectRef idx="0">
+            <a:schemeClr val="accent1"/>
+          </a:effectRef>
+          <a:fontRef idx="minor">
+            <a:schemeClr val="tx1"/>
+          </a:fontRef>
+        </p:style>
+      </p:cxnSp>
+      <p:sp>
+        <p:nvSpPr>
+          <p:cNvPr id="74" name="TextBox 73"/>
+          <p:cNvSpPr txBox="1"/>
+          <p:nvPr/>
+        </p:nvSpPr>
+        <p:spPr>
+          <a:xfrm>
+            <a:off x="4528114" y="1705309"/>
+            <a:ext cx="1753277" cy="369332"/>
+          </a:xfrm>
+          <a:prstGeom prst="rect">
+            <a:avLst/>
+          </a:prstGeom>
+          <a:noFill/>
+        </p:spPr>
+        <p:txBody>
+          <a:bodyPr wrap="square" lIns="0" tIns="0" rIns="0" bIns="0" rtlCol="0">
+            <a:spAutoFit/>
+          </a:bodyPr>
+          <a:lstStyle/>
+          <a:p>
+            <a:r>
+              <a:rPr lang="en-US" sz="1200" dirty="0" err="1" smtClean="0">
+                <a:solidFill>
+                  <a:srgbClr val="C00000"/>
+                </a:solidFill>
+              </a:rPr>
+              <a:t>handleAddressBookLocalRestoreEvent</a:t>
+            </a:r>
+            <a:endParaRPr lang="en-US" sz="1200" dirty="0">
+              <a:solidFill>
+                <a:srgbClr val="C00000"/>
+              </a:solidFill>
+            </a:endParaRPr>
+          </a:p>
+        </p:txBody>
+      </p:sp>
+      <p:sp>
+        <p:nvSpPr>
+          <p:cNvPr id="45" name="Rectangle 62"/>
+          <p:cNvSpPr/>
+          <p:nvPr/>
+        </p:nvSpPr>
+        <p:spPr>
+          <a:xfrm>
+            <a:off x="1387968" y="838530"/>
+            <a:ext cx="1093635" cy="346760"/>
+          </a:xfrm>
+          <a:prstGeom prst="rect">
+            <a:avLst/>
+          </a:prstGeom>
+          <a:solidFill>
+            <a:srgbClr val="00B050"/>
+          </a:solidFill>
+          <a:ln w="19050">
+            <a:solidFill>
+              <a:srgbClr val="00B050"/>
+            </a:solidFill>
+          </a:ln>
+          <a:effectLst/>
+        </p:spPr>
+        <p:style>
+          <a:lnRef idx="1">
+            <a:schemeClr val="accent2"/>
+          </a:lnRef>
+          <a:fillRef idx="2">
+            <a:schemeClr val="accent2"/>
+          </a:fillRef>
+          <a:effectRef idx="1">
+            <a:schemeClr val="accent2"/>
+          </a:effectRef>
+          <a:fontRef idx="minor">
+            <a:schemeClr val="dk1"/>
+          </a:fontRef>
+        </p:style>
+        <p:txBody>
+          <a:bodyPr rtlCol="0" anchor="ctr"/>
+          <a:lstStyle/>
+          <a:p>
+            <a:pPr algn="ctr"/>
+            <a:r>
+              <a:rPr lang="en-US" sz="1600" dirty="0" smtClean="0">
+                <a:solidFill>
+                  <a:schemeClr val="bg1"/>
+                </a:solidFill>
+              </a:rPr>
+              <a:t>:UI</a:t>
+            </a:r>
+            <a:endParaRPr lang="en-SG" sz="1600" dirty="0">
+              <a:solidFill>
+                <a:schemeClr val="bg1"/>
+              </a:solidFill>
+            </a:endParaRPr>
+          </a:p>
+        </p:txBody>
+      </p:sp>
+      <p:cxnSp>
+        <p:nvCxnSpPr>
+          <p:cNvPr id="46" name="Straight Connector 45"/>
+          <p:cNvCxnSpPr/>
+          <p:nvPr/>
+        </p:nvCxnSpPr>
+        <p:spPr>
+          <a:xfrm flipH="1">
+            <a:off x="1910090" y="1202201"/>
+            <a:ext cx="24695" cy="1998529"/>
+          </a:xfrm>
+          <a:prstGeom prst="line">
+            <a:avLst/>
+          </a:prstGeom>
+          <a:ln w="19050">
+            <a:solidFill>
+              <a:srgbClr val="00B050"/>
+            </a:solidFill>
+            <a:prstDash val="sysDash"/>
+          </a:ln>
+          <a:effectLst/>
+        </p:spPr>
+        <p:style>
+          <a:lnRef idx="1">
+            <a:schemeClr val="accent1"/>
+          </a:lnRef>
+          <a:fillRef idx="2">
+            <a:schemeClr val="accent1"/>
+          </a:fillRef>
+          <a:effectRef idx="1">
+            <a:schemeClr val="accent1"/>
+          </a:effectRef>
+          <a:fontRef idx="minor">
+            <a:schemeClr val="dk1"/>
+          </a:fontRef>
+        </p:style>
+      </p:cxnSp>
+      <p:sp>
+        <p:nvSpPr>
+          <p:cNvPr id="47" name="Rectangle 46"/>
+          <p:cNvSpPr/>
+          <p:nvPr/>
+        </p:nvSpPr>
+        <p:spPr>
+          <a:xfrm>
+            <a:off x="1862778" y="2591130"/>
+            <a:ext cx="119320" cy="292823"/>
+          </a:xfrm>
+          <a:prstGeom prst="rect">
+            <a:avLst/>
+          </a:prstGeom>
+          <a:solidFill>
+            <a:srgbClr val="00B050"/>
+          </a:solidFill>
+          <a:ln>
+            <a:solidFill>
+              <a:srgbClr val="00B050"/>
+            </a:solidFill>
+          </a:ln>
+          <a:effectLst/>
+        </p:spPr>
+        <p:style>
+          <a:lnRef idx="1">
+            <a:schemeClr val="accent3"/>
+          </a:lnRef>
+          <a:fillRef idx="2">
+            <a:schemeClr val="accent3"/>
+          </a:fillRef>
+          <a:effectRef idx="1">
+            <a:schemeClr val="accent3"/>
+          </a:effectRef>
+          <a:fontRef idx="minor">
+            <a:schemeClr val="dk1"/>
+          </a:fontRef>
+        </p:style>
+        <p:txBody>
+          <a:bodyPr rtlCol="0" anchor="ctr"/>
+          <a:lstStyle/>
+          <a:p>
+            <a:pPr algn="ctr"/>
+            <a:endParaRPr lang="en-SG" sz="1400">
+              <a:solidFill>
+                <a:schemeClr val="dk1"/>
+              </a:solidFill>
+            </a:endParaRPr>
+          </a:p>
+        </p:txBody>
+      </p:sp>
+      <p:cxnSp>
+        <p:nvCxnSpPr>
+          <p:cNvPr id="49" name="Straight Arrow Connector 48"/>
+          <p:cNvCxnSpPr/>
+          <p:nvPr/>
+        </p:nvCxnSpPr>
+        <p:spPr>
+          <a:xfrm>
+            <a:off x="2015177" y="2591130"/>
+            <a:ext cx="2236000" cy="0"/>
+          </a:xfrm>
+          <a:prstGeom prst="straightConnector1">
+            <a:avLst/>
+          </a:prstGeom>
+          <a:ln w="19050">
+            <a:solidFill>
+              <a:schemeClr val="accent5">
+                <a:lumMod val="75000"/>
+              </a:schemeClr>
+            </a:solidFill>
+            <a:headEnd type="arrow" w="med" len="med"/>
+            <a:tailEnd type="none" w="med" len="med"/>
+          </a:ln>
+        </p:spPr>
+        <p:style>
+          <a:lnRef idx="1">
+            <a:schemeClr val="accent1"/>
+          </a:lnRef>
+          <a:fillRef idx="0">
+            <a:schemeClr val="accent1"/>
+          </a:fillRef>
+          <a:effectRef idx="0">
+            <a:schemeClr val="accent1"/>
+          </a:effectRef>
+          <a:fontRef idx="minor">
+            <a:schemeClr val="tx1"/>
+          </a:fontRef>
+        </p:style>
+      </p:cxnSp>
+      <p:sp>
+        <p:nvSpPr>
+          <p:cNvPr id="57" name="TextBox 56"/>
+          <p:cNvSpPr txBox="1"/>
+          <p:nvPr/>
+        </p:nvSpPr>
+        <p:spPr>
+          <a:xfrm>
+            <a:off x="556714" y="2004779"/>
+            <a:ext cx="1098264" cy="553998"/>
+          </a:xfrm>
+          <a:prstGeom prst="rect">
+            <a:avLst/>
+          </a:prstGeom>
+          <a:noFill/>
+        </p:spPr>
+        <p:txBody>
+          <a:bodyPr wrap="square" lIns="0" tIns="0" rIns="0" bIns="0" rtlCol="0">
+            <a:spAutoFit/>
+          </a:bodyPr>
+          <a:lstStyle/>
+          <a:p>
+            <a:pPr algn="r"/>
+            <a:r>
+              <a:rPr lang="en-US" sz="1200" dirty="0" smtClean="0">
+                <a:solidFill>
+                  <a:srgbClr val="00B050"/>
+                </a:solidFill>
+              </a:rPr>
+              <a:t>Show </a:t>
+            </a:r>
+            <a:r>
+              <a:rPr lang="en-US" sz="1200" dirty="0" smtClean="0">
+                <a:solidFill>
+                  <a:srgbClr val="00B050"/>
+                </a:solidFill>
+              </a:rPr>
+              <a:t>restore success </a:t>
+            </a:r>
+            <a:r>
+              <a:rPr lang="en-US" sz="1200" dirty="0" smtClean="0">
+                <a:solidFill>
+                  <a:srgbClr val="00B050"/>
+                </a:solidFill>
+              </a:rPr>
+              <a:t>notification</a:t>
+            </a:r>
+            <a:endParaRPr lang="en-US" sz="1200" dirty="0">
+              <a:solidFill>
+                <a:srgbClr val="00B050"/>
+              </a:solidFill>
+            </a:endParaRPr>
+          </a:p>
+        </p:txBody>
+      </p:sp>
+      <p:grpSp>
+        <p:nvGrpSpPr>
+          <p:cNvPr id="58" name="Group 57"/>
+          <p:cNvGrpSpPr/>
+          <p:nvPr/>
+        </p:nvGrpSpPr>
+        <p:grpSpPr>
+          <a:xfrm flipH="1">
+            <a:off x="6526192" y="1867591"/>
+            <a:ext cx="210434" cy="840639"/>
+            <a:chOff x="1035051" y="5548116"/>
+            <a:chExt cx="210434" cy="520154"/>
+          </a:xfrm>
+        </p:grpSpPr>
+        <p:sp>
+          <p:nvSpPr>
+            <p:cNvPr id="59" name="Freeform 58"/>
+            <p:cNvSpPr/>
+            <p:nvPr/>
+          </p:nvSpPr>
+          <p:spPr>
+            <a:xfrm rot="4080000" flipH="1" flipV="1">
+              <a:off x="1048157" y="5535010"/>
+              <a:ext cx="127405" cy="153618"/>
+            </a:xfrm>
+            <a:custGeom>
+              <a:avLst/>
+              <a:gdLst>
+                <a:gd name="connsiteX0" fmla="*/ 0 w 226400"/>
+                <a:gd name="connsiteY0" fmla="*/ 32920 h 171466"/>
+                <a:gd name="connsiteX1" fmla="*/ 157018 w 226400"/>
+                <a:gd name="connsiteY1" fmla="*/ 5211 h 171466"/>
+                <a:gd name="connsiteX2" fmla="*/ 221673 w 226400"/>
+                <a:gd name="connsiteY2" fmla="*/ 125284 h 171466"/>
+                <a:gd name="connsiteX3" fmla="*/ 36945 w 226400"/>
+                <a:gd name="connsiteY3" fmla="*/ 171466 h 171466"/>
+              </a:gdLst>
+              <a:ahLst/>
+              <a:cxnLst>
+                <a:cxn ang="0">
+                  <a:pos x="connsiteX0" y="connsiteY0"/>
+                </a:cxn>
+                <a:cxn ang="0">
+                  <a:pos x="connsiteX1" y="connsiteY1"/>
+                </a:cxn>
+                <a:cxn ang="0">
+                  <a:pos x="connsiteX2" y="connsiteY2"/>
+                </a:cxn>
+                <a:cxn ang="0">
+                  <a:pos x="connsiteX3" y="connsiteY3"/>
+                </a:cxn>
+              </a:cxnLst>
+              <a:rect l="l" t="t" r="r" b="b"/>
+              <a:pathLst>
+                <a:path w="226400" h="171466">
+                  <a:moveTo>
+                    <a:pt x="0" y="32920"/>
+                  </a:moveTo>
+                  <a:cubicBezTo>
+                    <a:pt x="60036" y="11368"/>
+                    <a:pt x="120073" y="-10183"/>
+                    <a:pt x="157018" y="5211"/>
+                  </a:cubicBezTo>
+                  <a:cubicBezTo>
+                    <a:pt x="193963" y="20605"/>
+                    <a:pt x="241685" y="97575"/>
+                    <a:pt x="221673" y="125284"/>
+                  </a:cubicBezTo>
+                  <a:cubicBezTo>
+                    <a:pt x="201661" y="152993"/>
+                    <a:pt x="119303" y="162229"/>
+                    <a:pt x="36945" y="171466"/>
+                  </a:cubicBezTo>
+                </a:path>
+              </a:pathLst>
+            </a:custGeom>
+            <a:ln w="19050">
+              <a:solidFill>
+                <a:srgbClr val="C00000"/>
+              </a:solidFill>
+              <a:headEnd type="arrow" w="med" len="med"/>
+              <a:tailEnd type="none" w="med" len="med"/>
+            </a:ln>
+          </p:spPr>
+          <p:style>
+            <a:lnRef idx="1">
+              <a:schemeClr val="accent1"/>
+            </a:lnRef>
+            <a:fillRef idx="0">
+              <a:schemeClr val="accent1"/>
+            </a:fillRef>
+            <a:effectRef idx="0">
+              <a:schemeClr val="accent1"/>
+            </a:effectRef>
+            <a:fontRef idx="minor">
+              <a:schemeClr val="tx1"/>
+            </a:fontRef>
+          </p:style>
+          <p:txBody>
+            <a:bodyPr rtlCol="0" anchor="ctr"/>
+            <a:lstStyle/>
+            <a:p>
+              <a:pPr algn="ctr"/>
+              <a:endParaRPr lang="en-SG"/>
+            </a:p>
+          </p:txBody>
+        </p:sp>
+        <p:sp>
+          <p:nvSpPr>
+            <p:cNvPr id="60" name="Rectangle 59"/>
+            <p:cNvSpPr/>
+            <p:nvPr/>
+          </p:nvSpPr>
+          <p:spPr>
+            <a:xfrm>
+              <a:off x="1120098" y="5615057"/>
+              <a:ext cx="125387" cy="453213"/>
+            </a:xfrm>
+            <a:prstGeom prst="rect">
+              <a:avLst/>
+            </a:prstGeom>
+            <a:solidFill>
+              <a:schemeClr val="accent2"/>
+            </a:solidFill>
+            <a:ln>
+              <a:solidFill>
+                <a:schemeClr val="bg1"/>
+              </a:solidFill>
+            </a:ln>
+            <a:effectLst/>
+          </p:spPr>
+          <p:style>
+            <a:lnRef idx="1">
+              <a:schemeClr val="accent3"/>
+            </a:lnRef>
+            <a:fillRef idx="2">
+              <a:schemeClr val="accent3"/>
+            </a:fillRef>
+            <a:effectRef idx="1">
+              <a:schemeClr val="accent3"/>
+            </a:effectRef>
+            <a:fontRef idx="minor">
+              <a:schemeClr val="dk1"/>
+            </a:fontRef>
+          </p:style>
+          <p:txBody>
+            <a:bodyPr rtlCol="0" anchor="ctr"/>
+            <a:lstStyle/>
+            <a:p>
+              <a:pPr algn="ctr"/>
+              <a:endParaRPr lang="en-SG" sz="1400">
+                <a:solidFill>
+                  <a:schemeClr val="dk1"/>
+                </a:solidFill>
+              </a:endParaRPr>
+            </a:p>
+          </p:txBody>
+        </p:sp>
+      </p:grpSp>
+      <p:sp>
+        <p:nvSpPr>
+          <p:cNvPr id="124" name="TextBox 123"/>
+          <p:cNvSpPr txBox="1"/>
+          <p:nvPr/>
+        </p:nvSpPr>
+        <p:spPr>
+          <a:xfrm>
+            <a:off x="2124682" y="2387447"/>
+            <a:ext cx="2659870" cy="153888"/>
+          </a:xfrm>
+          <a:prstGeom prst="rect">
+            <a:avLst/>
+          </a:prstGeom>
+          <a:noFill/>
+        </p:spPr>
+        <p:txBody>
+          <a:bodyPr wrap="square" lIns="0" tIns="0" rIns="0" bIns="0" rtlCol="0">
+            <a:spAutoFit/>
+          </a:bodyPr>
+          <a:lstStyle/>
+          <a:p>
+            <a:r>
+              <a:rPr lang="en-US" sz="1000" dirty="0" smtClean="0">
+                <a:solidFill>
+                  <a:srgbClr val="00B050"/>
+                </a:solidFill>
+              </a:rPr>
+              <a:t>handle</a:t>
+            </a:r>
+            <a:r>
+              <a:rPr lang="en-SG" sz="1000" dirty="0" err="1" smtClean="0">
+                <a:solidFill>
+                  <a:srgbClr val="00B050"/>
+                </a:solidFill>
+              </a:rPr>
+              <a:t>NewNotificationAvailableEvent</a:t>
+            </a:r>
+            <a:r>
+              <a:rPr lang="en-US" sz="1000" dirty="0" smtClean="0">
+                <a:solidFill>
+                  <a:srgbClr val="00B050"/>
+                </a:solidFill>
+              </a:rPr>
+              <a:t>()</a:t>
+            </a:r>
+            <a:endParaRPr lang="en-US" sz="1000" dirty="0">
+              <a:solidFill>
+                <a:srgbClr val="00B050"/>
+              </a:solidFill>
+            </a:endParaRPr>
+          </a:p>
+        </p:txBody>
+      </p:sp>
+      <p:grpSp>
+        <p:nvGrpSpPr>
+          <p:cNvPr id="125" name="Group 124"/>
+          <p:cNvGrpSpPr/>
+          <p:nvPr/>
+        </p:nvGrpSpPr>
+        <p:grpSpPr>
+          <a:xfrm>
+            <a:off x="1692741" y="2549823"/>
+            <a:ext cx="217349" cy="270072"/>
+            <a:chOff x="1028134" y="5612032"/>
+            <a:chExt cx="217349" cy="270072"/>
+          </a:xfrm>
+        </p:grpSpPr>
+        <p:sp>
+          <p:nvSpPr>
+            <p:cNvPr id="126" name="Freeform 125"/>
+            <p:cNvSpPr/>
+            <p:nvPr/>
+          </p:nvSpPr>
+          <p:spPr>
+            <a:xfrm rot="2600998" flipH="1" flipV="1">
+              <a:off x="1028134" y="5612032"/>
+              <a:ext cx="167452" cy="116880"/>
+            </a:xfrm>
+            <a:custGeom>
+              <a:avLst/>
+              <a:gdLst>
+                <a:gd name="connsiteX0" fmla="*/ 0 w 226400"/>
+                <a:gd name="connsiteY0" fmla="*/ 32920 h 171466"/>
+                <a:gd name="connsiteX1" fmla="*/ 157018 w 226400"/>
+                <a:gd name="connsiteY1" fmla="*/ 5211 h 171466"/>
+                <a:gd name="connsiteX2" fmla="*/ 221673 w 226400"/>
+                <a:gd name="connsiteY2" fmla="*/ 125284 h 171466"/>
+                <a:gd name="connsiteX3" fmla="*/ 36945 w 226400"/>
+                <a:gd name="connsiteY3" fmla="*/ 171466 h 171466"/>
+              </a:gdLst>
+              <a:ahLst/>
+              <a:cxnLst>
+                <a:cxn ang="0">
+                  <a:pos x="connsiteX0" y="connsiteY0"/>
+                </a:cxn>
+                <a:cxn ang="0">
+                  <a:pos x="connsiteX1" y="connsiteY1"/>
+                </a:cxn>
+                <a:cxn ang="0">
+                  <a:pos x="connsiteX2" y="connsiteY2"/>
+                </a:cxn>
+                <a:cxn ang="0">
+                  <a:pos x="connsiteX3" y="connsiteY3"/>
+                </a:cxn>
+              </a:cxnLst>
+              <a:rect l="l" t="t" r="r" b="b"/>
+              <a:pathLst>
+                <a:path w="226400" h="171466">
+                  <a:moveTo>
+                    <a:pt x="0" y="32920"/>
+                  </a:moveTo>
+                  <a:cubicBezTo>
+                    <a:pt x="60036" y="11368"/>
+                    <a:pt x="120073" y="-10183"/>
+                    <a:pt x="157018" y="5211"/>
+                  </a:cubicBezTo>
+                  <a:cubicBezTo>
+                    <a:pt x="193963" y="20605"/>
+                    <a:pt x="241685" y="97575"/>
+                    <a:pt x="221673" y="125284"/>
+                  </a:cubicBezTo>
+                  <a:cubicBezTo>
+                    <a:pt x="201661" y="152993"/>
+                    <a:pt x="119303" y="162229"/>
+                    <a:pt x="36945" y="171466"/>
+                  </a:cubicBezTo>
+                </a:path>
+              </a:pathLst>
+            </a:custGeom>
+            <a:ln w="19050">
+              <a:solidFill>
+                <a:srgbClr val="00B050"/>
+              </a:solidFill>
+              <a:headEnd type="arrow" w="med" len="med"/>
+              <a:tailEnd type="none" w="med" len="med"/>
+            </a:ln>
+          </p:spPr>
+          <p:style>
+            <a:lnRef idx="1">
+              <a:schemeClr val="accent1"/>
+            </a:lnRef>
+            <a:fillRef idx="0">
+              <a:schemeClr val="accent1"/>
+            </a:fillRef>
+            <a:effectRef idx="0">
+              <a:schemeClr val="accent1"/>
+            </a:effectRef>
+            <a:fontRef idx="minor">
+              <a:schemeClr val="tx1"/>
+            </a:fontRef>
+          </p:style>
+          <p:txBody>
+            <a:bodyPr rtlCol="0" anchor="ctr"/>
+            <a:lstStyle/>
+            <a:p>
+              <a:pPr algn="ctr"/>
+              <a:endParaRPr lang="en-SG"/>
+            </a:p>
+          </p:txBody>
+        </p:sp>
+        <p:sp>
+          <p:nvSpPr>
+            <p:cNvPr id="127" name="Rectangle 126"/>
+            <p:cNvSpPr/>
+            <p:nvPr/>
+          </p:nvSpPr>
+          <p:spPr>
+            <a:xfrm>
+              <a:off x="1147403" y="5712513"/>
+              <a:ext cx="98080" cy="169591"/>
+            </a:xfrm>
+            <a:prstGeom prst="rect">
+              <a:avLst/>
+            </a:prstGeom>
+            <a:solidFill>
+              <a:srgbClr val="00B050"/>
+            </a:solidFill>
+            <a:ln>
+              <a:solidFill>
+                <a:schemeClr val="bg1"/>
+              </a:solidFill>
+            </a:ln>
+            <a:effectLst/>
+          </p:spPr>
+          <p:style>
+            <a:lnRef idx="1">
+              <a:schemeClr val="accent3"/>
+            </a:lnRef>
+            <a:fillRef idx="2">
+              <a:schemeClr val="accent3"/>
+            </a:fillRef>
+            <a:effectRef idx="1">
+              <a:schemeClr val="accent3"/>
+            </a:effectRef>
+            <a:fontRef idx="minor">
+              <a:schemeClr val="dk1"/>
+            </a:fontRef>
+          </p:style>
+          <p:txBody>
+            <a:bodyPr rtlCol="0" anchor="ctr"/>
+            <a:lstStyle/>
+            <a:p>
+              <a:pPr algn="ctr"/>
+              <a:endParaRPr lang="en-SG" sz="1400">
+                <a:solidFill>
+                  <a:schemeClr val="dk1"/>
+                </a:solidFill>
+              </a:endParaRPr>
+            </a:p>
+          </p:txBody>
+        </p:sp>
+      </p:grpSp>
+      <p:cxnSp>
+        <p:nvCxnSpPr>
+          <p:cNvPr id="133" name="Straight Arrow Connector 132"/>
+          <p:cNvCxnSpPr/>
+          <p:nvPr/>
+        </p:nvCxnSpPr>
+        <p:spPr>
+          <a:xfrm flipH="1">
+            <a:off x="2015177" y="2895930"/>
+            <a:ext cx="2236000" cy="0"/>
+          </a:xfrm>
+          <a:prstGeom prst="straightConnector1">
+            <a:avLst/>
+          </a:prstGeom>
+          <a:ln w="19050">
+            <a:solidFill>
+              <a:srgbClr val="00B050"/>
+            </a:solidFill>
+            <a:prstDash val="sysDash"/>
+            <a:headEnd type="arrow" w="med" len="med"/>
+            <a:tailEnd type="none" w="med" len="med"/>
+          </a:ln>
+        </p:spPr>
+        <p:style>
+          <a:lnRef idx="1">
+            <a:schemeClr val="accent1"/>
+          </a:lnRef>
+          <a:fillRef idx="0">
+            <a:schemeClr val="accent1"/>
+          </a:fillRef>
+          <a:effectRef idx="0">
+            <a:schemeClr val="accent1"/>
+          </a:effectRef>
+          <a:fontRef idx="minor">
+            <a:schemeClr val="tx1"/>
+          </a:fontRef>
+        </p:style>
+      </p:cxnSp>
+      <p:sp>
+        <p:nvSpPr>
+          <p:cNvPr id="88" name="TextBox 87"/>
+          <p:cNvSpPr txBox="1"/>
+          <p:nvPr/>
+        </p:nvSpPr>
+        <p:spPr>
+          <a:xfrm>
+            <a:off x="4415920" y="2291585"/>
+            <a:ext cx="2134019" cy="161583"/>
+          </a:xfrm>
+          <a:prstGeom prst="rect">
+            <a:avLst/>
+          </a:prstGeom>
+          <a:noFill/>
+        </p:spPr>
+        <p:txBody>
+          <a:bodyPr wrap="square" lIns="0" tIns="0" rIns="0" bIns="0" rtlCol="0">
+            <a:spAutoFit/>
+          </a:bodyPr>
+          <a:lstStyle/>
+          <a:p>
+            <a:r>
+              <a:rPr lang="en-US" sz="1050" dirty="0" smtClean="0">
+                <a:solidFill>
+                  <a:srgbClr val="C00000"/>
+                </a:solidFill>
+              </a:rPr>
+              <a:t>post(</a:t>
+            </a:r>
+            <a:r>
+              <a:rPr lang="en-US" sz="1050" dirty="0" err="1" smtClean="0">
+                <a:solidFill>
+                  <a:srgbClr val="C00000"/>
+                </a:solidFill>
+              </a:rPr>
+              <a:t>AddressBookChangedEvent</a:t>
+            </a:r>
+            <a:r>
+              <a:rPr lang="en-US" sz="1050" dirty="0" smtClean="0">
+                <a:solidFill>
+                  <a:srgbClr val="C00000"/>
+                </a:solidFill>
+              </a:rPr>
+              <a:t>)</a:t>
+            </a:r>
+            <a:endParaRPr lang="en-US" sz="1050" dirty="0">
+              <a:solidFill>
+                <a:srgbClr val="C00000"/>
+              </a:solidFill>
+            </a:endParaRPr>
+          </a:p>
+        </p:txBody>
+      </p:sp>
+      <p:sp>
+        <p:nvSpPr>
+          <p:cNvPr id="4" name="Rectangle 3"/>
+          <p:cNvSpPr/>
+          <p:nvPr/>
+        </p:nvSpPr>
+        <p:spPr>
+          <a:xfrm>
+            <a:off x="6687002" y="1751475"/>
+            <a:ext cx="1541063" cy="276999"/>
+          </a:xfrm>
+          <a:prstGeom prst="rect">
+            <a:avLst/>
+          </a:prstGeom>
+        </p:spPr>
+        <p:txBody>
+          <a:bodyPr wrap="none">
+            <a:spAutoFit/>
+          </a:bodyPr>
+          <a:lstStyle/>
+          <a:p>
+            <a:r>
+              <a:rPr lang="en-SG" sz="1200" dirty="0" err="1" smtClean="0">
+                <a:solidFill>
+                  <a:srgbClr val="C00000"/>
+                </a:solidFill>
+              </a:rPr>
+              <a:t>restoreAddressBook</a:t>
+            </a:r>
+            <a:r>
+              <a:rPr lang="en-SG" sz="1200" dirty="0" smtClean="0">
+                <a:solidFill>
+                  <a:srgbClr val="C00000"/>
+                </a:solidFill>
+              </a:rPr>
+              <a:t>()</a:t>
+            </a:r>
+            <a:endParaRPr lang="en-SG" sz="1200" dirty="0">
+              <a:solidFill>
+                <a:srgbClr val="C00000"/>
+              </a:solidFill>
+            </a:endParaRPr>
+          </a:p>
+        </p:txBody>
+      </p:sp>
+      <p:grpSp>
+        <p:nvGrpSpPr>
+          <p:cNvPr id="65" name="Group 64"/>
+          <p:cNvGrpSpPr/>
+          <p:nvPr/>
+        </p:nvGrpSpPr>
+        <p:grpSpPr>
+          <a:xfrm flipH="1">
+            <a:off x="6588791" y="2124525"/>
+            <a:ext cx="210434" cy="466601"/>
+            <a:chOff x="1035051" y="5548116"/>
+            <a:chExt cx="210434" cy="281795"/>
+          </a:xfrm>
+        </p:grpSpPr>
+        <p:sp>
+          <p:nvSpPr>
+            <p:cNvPr id="76" name="Freeform 75"/>
+            <p:cNvSpPr/>
+            <p:nvPr/>
+          </p:nvSpPr>
+          <p:spPr>
+            <a:xfrm rot="4080000" flipH="1" flipV="1">
+              <a:off x="1048157" y="5535010"/>
+              <a:ext cx="127405" cy="153618"/>
+            </a:xfrm>
+            <a:custGeom>
+              <a:avLst/>
+              <a:gdLst>
+                <a:gd name="connsiteX0" fmla="*/ 0 w 226400"/>
+                <a:gd name="connsiteY0" fmla="*/ 32920 h 171466"/>
+                <a:gd name="connsiteX1" fmla="*/ 157018 w 226400"/>
+                <a:gd name="connsiteY1" fmla="*/ 5211 h 171466"/>
+                <a:gd name="connsiteX2" fmla="*/ 221673 w 226400"/>
+                <a:gd name="connsiteY2" fmla="*/ 125284 h 171466"/>
+                <a:gd name="connsiteX3" fmla="*/ 36945 w 226400"/>
+                <a:gd name="connsiteY3" fmla="*/ 171466 h 171466"/>
+              </a:gdLst>
+              <a:ahLst/>
+              <a:cxnLst>
+                <a:cxn ang="0">
+                  <a:pos x="connsiteX0" y="connsiteY0"/>
+                </a:cxn>
+                <a:cxn ang="0">
+                  <a:pos x="connsiteX1" y="connsiteY1"/>
+                </a:cxn>
+                <a:cxn ang="0">
+                  <a:pos x="connsiteX2" y="connsiteY2"/>
+                </a:cxn>
+                <a:cxn ang="0">
+                  <a:pos x="connsiteX3" y="connsiteY3"/>
+                </a:cxn>
+              </a:cxnLst>
+              <a:rect l="l" t="t" r="r" b="b"/>
+              <a:pathLst>
+                <a:path w="226400" h="171466">
+                  <a:moveTo>
+                    <a:pt x="0" y="32920"/>
+                  </a:moveTo>
+                  <a:cubicBezTo>
+                    <a:pt x="60036" y="11368"/>
+                    <a:pt x="120073" y="-10183"/>
+                    <a:pt x="157018" y="5211"/>
+                  </a:cubicBezTo>
+                  <a:cubicBezTo>
+                    <a:pt x="193963" y="20605"/>
+                    <a:pt x="241685" y="97575"/>
+                    <a:pt x="221673" y="125284"/>
+                  </a:cubicBezTo>
+                  <a:cubicBezTo>
+                    <a:pt x="201661" y="152993"/>
+                    <a:pt x="119303" y="162229"/>
+                    <a:pt x="36945" y="171466"/>
+                  </a:cubicBezTo>
+                </a:path>
+              </a:pathLst>
+            </a:custGeom>
+            <a:ln w="19050">
+              <a:solidFill>
+                <a:srgbClr val="C00000"/>
+              </a:solidFill>
+              <a:headEnd type="arrow" w="med" len="med"/>
+              <a:tailEnd type="none" w="med" len="med"/>
+            </a:ln>
+          </p:spPr>
+          <p:style>
+            <a:lnRef idx="1">
+              <a:schemeClr val="accent1"/>
+            </a:lnRef>
+            <a:fillRef idx="0">
+              <a:schemeClr val="accent1"/>
+            </a:fillRef>
+            <a:effectRef idx="0">
+              <a:schemeClr val="accent1"/>
+            </a:effectRef>
+            <a:fontRef idx="minor">
+              <a:schemeClr val="tx1"/>
+            </a:fontRef>
+          </p:style>
+          <p:txBody>
+            <a:bodyPr rtlCol="0" anchor="ctr"/>
+            <a:lstStyle/>
+            <a:p>
+              <a:pPr algn="ctr"/>
+              <a:endParaRPr lang="en-SG"/>
+            </a:p>
+          </p:txBody>
+        </p:sp>
+        <p:sp>
+          <p:nvSpPr>
+            <p:cNvPr id="77" name="Rectangle 76"/>
+            <p:cNvSpPr/>
+            <p:nvPr/>
+          </p:nvSpPr>
+          <p:spPr>
+            <a:xfrm>
+              <a:off x="1129253" y="5615058"/>
+              <a:ext cx="116232" cy="214853"/>
+            </a:xfrm>
+            <a:prstGeom prst="rect">
+              <a:avLst/>
+            </a:prstGeom>
+            <a:solidFill>
+              <a:schemeClr val="accent2"/>
+            </a:solidFill>
+            <a:ln>
+              <a:solidFill>
+                <a:schemeClr val="bg1"/>
+              </a:solidFill>
+            </a:ln>
+            <a:effectLst/>
+          </p:spPr>
+          <p:style>
+            <a:lnRef idx="1">
+              <a:schemeClr val="accent3"/>
+            </a:lnRef>
+            <a:fillRef idx="2">
+              <a:schemeClr val="accent3"/>
+            </a:fillRef>
+            <a:effectRef idx="1">
+              <a:schemeClr val="accent3"/>
+            </a:effectRef>
+            <a:fontRef idx="minor">
+              <a:schemeClr val="dk1"/>
+            </a:fontRef>
+          </p:style>
+          <p:txBody>
+            <a:bodyPr rtlCol="0" anchor="ctr"/>
+            <a:lstStyle/>
+            <a:p>
+              <a:pPr algn="ctr"/>
+              <a:endParaRPr lang="en-SG" sz="1400">
+                <a:solidFill>
+                  <a:schemeClr val="dk1"/>
+                </a:solidFill>
+              </a:endParaRPr>
+            </a:p>
+          </p:txBody>
+        </p:sp>
+      </p:grpSp>
+      <p:cxnSp>
+        <p:nvCxnSpPr>
+          <p:cNvPr id="78" name="Straight Arrow Connector 77"/>
+          <p:cNvCxnSpPr/>
+          <p:nvPr/>
+        </p:nvCxnSpPr>
+        <p:spPr>
+          <a:xfrm flipH="1">
+            <a:off x="4389598" y="2291585"/>
+            <a:ext cx="2128221" cy="0"/>
+          </a:xfrm>
+          <a:prstGeom prst="straightConnector1">
+            <a:avLst/>
+          </a:prstGeom>
+          <a:ln w="19050" cmpd="sng">
+            <a:solidFill>
+              <a:srgbClr val="C00000"/>
+            </a:solidFill>
+            <a:prstDash val="solid"/>
+            <a:headEnd type="none" w="med" len="med"/>
+            <a:tailEnd type="arrow" w="med" len="med"/>
+          </a:ln>
+        </p:spPr>
+        <p:style>
+          <a:lnRef idx="1">
+            <a:schemeClr val="accent1"/>
+          </a:lnRef>
+          <a:fillRef idx="0">
+            <a:schemeClr val="accent1"/>
+          </a:fillRef>
+          <a:effectRef idx="0">
+            <a:schemeClr val="accent1"/>
+          </a:effectRef>
+          <a:fontRef idx="minor">
+            <a:schemeClr val="tx1"/>
+          </a:fontRef>
+        </p:style>
+      </p:cxnSp>
+      <p:sp>
+        <p:nvSpPr>
+          <p:cNvPr id="79" name="Rectangle 78"/>
+          <p:cNvSpPr/>
+          <p:nvPr/>
+        </p:nvSpPr>
+        <p:spPr>
+          <a:xfrm>
+            <a:off x="6830225" y="2095377"/>
+            <a:ext cx="1353319" cy="276999"/>
+          </a:xfrm>
+          <a:prstGeom prst="rect">
+            <a:avLst/>
+          </a:prstGeom>
+        </p:spPr>
+        <p:txBody>
+          <a:bodyPr wrap="none">
+            <a:spAutoFit/>
+          </a:bodyPr>
+          <a:lstStyle/>
+          <a:p>
+            <a:r>
+              <a:rPr lang="en-SG" sz="1200" dirty="0" err="1" smtClean="0">
+                <a:solidFill>
+                  <a:srgbClr val="C00000"/>
+                </a:solidFill>
+              </a:rPr>
+              <a:t>checkAllRestored</a:t>
+            </a:r>
+            <a:r>
+              <a:rPr lang="en-SG" sz="1200" dirty="0" smtClean="0">
+                <a:solidFill>
+                  <a:srgbClr val="C00000"/>
+                </a:solidFill>
+              </a:rPr>
+              <a:t>()</a:t>
+            </a:r>
+            <a:endParaRPr lang="en-SG" sz="1200" dirty="0">
+              <a:solidFill>
+                <a:srgbClr val="C00000"/>
+              </a:solidFill>
+            </a:endParaRPr>
+          </a:p>
+        </p:txBody>
+      </p:sp>
+      <p:sp>
+        <p:nvSpPr>
+          <p:cNvPr id="80" name="Rectangle 79"/>
+          <p:cNvSpPr/>
+          <p:nvPr/>
+        </p:nvSpPr>
+        <p:spPr>
+          <a:xfrm>
+            <a:off x="4395499" y="2519170"/>
+            <a:ext cx="2106667" cy="246221"/>
+          </a:xfrm>
+          <a:prstGeom prst="rect">
+            <a:avLst/>
+          </a:prstGeom>
+        </p:spPr>
+        <p:txBody>
+          <a:bodyPr wrap="none">
+            <a:spAutoFit/>
+          </a:bodyPr>
+          <a:lstStyle/>
+          <a:p>
+            <a:r>
+              <a:rPr lang="en-SG" sz="1000" dirty="0" smtClean="0">
+                <a:solidFill>
+                  <a:srgbClr val="C00000"/>
+                </a:solidFill>
+              </a:rPr>
+              <a:t>post(</a:t>
+            </a:r>
+            <a:r>
+              <a:rPr lang="en-SG" sz="1000" dirty="0" err="1" smtClean="0">
+                <a:solidFill>
+                  <a:srgbClr val="C00000"/>
+                </a:solidFill>
+              </a:rPr>
+              <a:t>NewNotificationAvailableEvent</a:t>
+            </a:r>
+            <a:r>
+              <a:rPr lang="en-SG" sz="1000" dirty="0" smtClean="0">
+                <a:solidFill>
+                  <a:srgbClr val="C00000"/>
+                </a:solidFill>
+              </a:rPr>
+              <a:t>)</a:t>
+            </a:r>
+            <a:endParaRPr lang="en-SG" sz="1000" dirty="0">
+              <a:solidFill>
+                <a:srgbClr val="C00000"/>
+              </a:solidFill>
+            </a:endParaRPr>
+          </a:p>
+        </p:txBody>
+      </p:sp>
+      <p:sp>
+        <p:nvSpPr>
+          <p:cNvPr id="142" name="Rectangle 62"/>
+          <p:cNvSpPr/>
+          <p:nvPr/>
+        </p:nvSpPr>
+        <p:spPr>
+          <a:xfrm>
+            <a:off x="7370178" y="3621976"/>
+            <a:ext cx="1093635" cy="346760"/>
+          </a:xfrm>
+          <a:prstGeom prst="rect">
+            <a:avLst/>
+          </a:prstGeom>
+          <a:solidFill>
+            <a:schemeClr val="accent6">
+              <a:lumMod val="75000"/>
+            </a:schemeClr>
+          </a:solidFill>
+          <a:ln w="19050">
+            <a:solidFill>
+              <a:schemeClr val="accent6">
+                <a:lumMod val="75000"/>
+              </a:schemeClr>
+            </a:solidFill>
+          </a:ln>
+          <a:effectLst/>
+        </p:spPr>
+        <p:style>
+          <a:lnRef idx="1">
+            <a:schemeClr val="accent2"/>
+          </a:lnRef>
+          <a:fillRef idx="2">
+            <a:schemeClr val="accent2"/>
+          </a:fillRef>
+          <a:effectRef idx="1">
+            <a:schemeClr val="accent2"/>
+          </a:effectRef>
+          <a:fontRef idx="minor">
+            <a:schemeClr val="dk1"/>
+          </a:fontRef>
+        </p:style>
+        <p:txBody>
+          <a:bodyPr rtlCol="0" anchor="ctr"/>
+          <a:lstStyle/>
+          <a:p>
+            <a:pPr algn="ctr"/>
+            <a:r>
+              <a:rPr lang="en-US" sz="1600" dirty="0" smtClean="0">
+                <a:solidFill>
+                  <a:schemeClr val="bg1"/>
+                </a:solidFill>
+              </a:rPr>
+              <a:t>:Storage</a:t>
+            </a:r>
+            <a:endParaRPr lang="en-SG" sz="1600" dirty="0">
+              <a:solidFill>
+                <a:schemeClr val="bg1"/>
+              </a:solidFill>
+            </a:endParaRPr>
+          </a:p>
+        </p:txBody>
+      </p:sp>
+      <p:cxnSp>
+        <p:nvCxnSpPr>
+          <p:cNvPr id="143" name="Straight Connector 142"/>
+          <p:cNvCxnSpPr/>
+          <p:nvPr/>
+        </p:nvCxnSpPr>
+        <p:spPr>
+          <a:xfrm>
+            <a:off x="7916995" y="3985647"/>
+            <a:ext cx="0" cy="1723059"/>
+          </a:xfrm>
+          <a:prstGeom prst="line">
+            <a:avLst/>
+          </a:prstGeom>
+          <a:ln w="19050">
+            <a:solidFill>
+              <a:schemeClr val="accent6">
+                <a:lumMod val="75000"/>
+              </a:schemeClr>
+            </a:solidFill>
+            <a:prstDash val="sysDash"/>
+          </a:ln>
+          <a:effectLst/>
+        </p:spPr>
+        <p:style>
+          <a:lnRef idx="1">
+            <a:schemeClr val="accent1"/>
+          </a:lnRef>
+          <a:fillRef idx="2">
+            <a:schemeClr val="accent1"/>
+          </a:fillRef>
+          <a:effectRef idx="1">
+            <a:schemeClr val="accent1"/>
+          </a:effectRef>
+          <a:fontRef idx="minor">
+            <a:schemeClr val="dk1"/>
+          </a:fontRef>
+        </p:style>
+      </p:cxnSp>
+      <p:sp>
+        <p:nvSpPr>
+          <p:cNvPr id="144" name="Rectangle 143"/>
+          <p:cNvSpPr/>
+          <p:nvPr/>
+        </p:nvSpPr>
+        <p:spPr>
+          <a:xfrm>
+            <a:off x="7844987" y="4679316"/>
+            <a:ext cx="124478" cy="287409"/>
+          </a:xfrm>
+          <a:prstGeom prst="rect">
+            <a:avLst/>
+          </a:prstGeom>
+          <a:solidFill>
+            <a:schemeClr val="accent6">
+              <a:lumMod val="75000"/>
+            </a:schemeClr>
+          </a:solidFill>
+          <a:ln>
+            <a:solidFill>
+              <a:schemeClr val="accent6">
+                <a:lumMod val="75000"/>
+              </a:schemeClr>
+            </a:solidFill>
+          </a:ln>
+          <a:effectLst/>
+        </p:spPr>
+        <p:style>
+          <a:lnRef idx="1">
+            <a:schemeClr val="accent3"/>
+          </a:lnRef>
+          <a:fillRef idx="2">
+            <a:schemeClr val="accent3"/>
+          </a:fillRef>
+          <a:effectRef idx="1">
+            <a:schemeClr val="accent3"/>
+          </a:effectRef>
+          <a:fontRef idx="minor">
+            <a:schemeClr val="dk1"/>
+          </a:fontRef>
+        </p:style>
+        <p:txBody>
+          <a:bodyPr rtlCol="0" anchor="ctr"/>
+          <a:lstStyle/>
+          <a:p>
+            <a:pPr algn="ctr"/>
+            <a:endParaRPr lang="en-SG" sz="1400">
+              <a:solidFill>
+                <a:schemeClr val="dk1"/>
+              </a:solidFill>
+            </a:endParaRPr>
+          </a:p>
+        </p:txBody>
+      </p:sp>
+      <p:sp>
+        <p:nvSpPr>
+          <p:cNvPr id="145" name="TextBox 144"/>
+          <p:cNvSpPr txBox="1"/>
+          <p:nvPr/>
+        </p:nvSpPr>
+        <p:spPr>
+          <a:xfrm>
+            <a:off x="1810094" y="4141328"/>
+            <a:ext cx="2716635" cy="215444"/>
+          </a:xfrm>
+          <a:prstGeom prst="rect">
+            <a:avLst/>
+          </a:prstGeom>
+          <a:noFill/>
+        </p:spPr>
+        <p:txBody>
+          <a:bodyPr wrap="square" lIns="0" tIns="0" rIns="0" bIns="0" rtlCol="0">
+            <a:spAutoFit/>
+          </a:bodyPr>
+          <a:lstStyle/>
+          <a:p>
+            <a:r>
+              <a:rPr lang="en-US" sz="1400" dirty="0" smtClean="0">
+                <a:solidFill>
+                  <a:schemeClr val="accent5">
+                    <a:lumMod val="75000"/>
+                  </a:schemeClr>
+                </a:solidFill>
+              </a:rPr>
+              <a:t>post(</a:t>
+            </a:r>
+            <a:r>
+              <a:rPr lang="en-US" sz="1400" dirty="0" err="1" smtClean="0">
+                <a:solidFill>
+                  <a:schemeClr val="accent5">
+                    <a:lumMod val="75000"/>
+                  </a:schemeClr>
+                </a:solidFill>
+              </a:rPr>
+              <a:t>AddressBookChangedEvent</a:t>
+            </a:r>
+            <a:r>
+              <a:rPr lang="en-US" sz="1400" dirty="0" smtClean="0">
+                <a:solidFill>
+                  <a:schemeClr val="accent5">
+                    <a:lumMod val="75000"/>
+                  </a:schemeClr>
+                </a:solidFill>
+              </a:rPr>
+              <a:t>)</a:t>
+            </a:r>
+            <a:endParaRPr lang="en-US" sz="1400" dirty="0">
+              <a:solidFill>
+                <a:schemeClr val="accent5">
+                  <a:lumMod val="75000"/>
+                </a:schemeClr>
+              </a:solidFill>
+            </a:endParaRPr>
+          </a:p>
+        </p:txBody>
+      </p:sp>
+      <p:cxnSp>
+        <p:nvCxnSpPr>
+          <p:cNvPr id="146" name="Straight Arrow Connector 145"/>
+          <p:cNvCxnSpPr/>
+          <p:nvPr/>
+        </p:nvCxnSpPr>
+        <p:spPr>
+          <a:xfrm flipH="1">
+            <a:off x="4526729" y="4966725"/>
+            <a:ext cx="3383941" cy="0"/>
+          </a:xfrm>
+          <a:prstGeom prst="straightConnector1">
+            <a:avLst/>
+          </a:prstGeom>
+          <a:ln w="19050">
+            <a:solidFill>
+              <a:schemeClr val="accent6">
+                <a:lumMod val="75000"/>
+              </a:schemeClr>
+            </a:solidFill>
+            <a:prstDash val="sysDash"/>
+            <a:headEnd type="none" w="med" len="med"/>
+            <a:tailEnd type="arrow" w="med" len="med"/>
+          </a:ln>
+        </p:spPr>
+        <p:style>
+          <a:lnRef idx="1">
+            <a:schemeClr val="accent1"/>
+          </a:lnRef>
+          <a:fillRef idx="0">
+            <a:schemeClr val="accent1"/>
+          </a:fillRef>
+          <a:effectRef idx="0">
+            <a:schemeClr val="accent1"/>
+          </a:effectRef>
+          <a:fontRef idx="minor">
+            <a:schemeClr val="tx1"/>
+          </a:fontRef>
+        </p:style>
+      </p:cxnSp>
+      <p:sp>
+        <p:nvSpPr>
+          <p:cNvPr id="147" name="Rectangle 62"/>
+          <p:cNvSpPr/>
+          <p:nvPr/>
+        </p:nvSpPr>
+        <p:spPr>
+          <a:xfrm>
+            <a:off x="3791146" y="3638887"/>
+            <a:ext cx="1371600" cy="346760"/>
+          </a:xfrm>
+          <a:prstGeom prst="rect">
+            <a:avLst/>
+          </a:prstGeom>
+          <a:solidFill>
+            <a:schemeClr val="accent5">
+              <a:lumMod val="75000"/>
+            </a:schemeClr>
+          </a:solidFill>
+          <a:ln w="19050">
+            <a:solidFill>
+              <a:schemeClr val="accent5">
+                <a:lumMod val="75000"/>
+              </a:schemeClr>
+            </a:solidFill>
+          </a:ln>
+          <a:effectLst/>
+        </p:spPr>
+        <p:style>
+          <a:lnRef idx="1">
+            <a:schemeClr val="accent2"/>
+          </a:lnRef>
+          <a:fillRef idx="2">
+            <a:schemeClr val="accent2"/>
+          </a:fillRef>
+          <a:effectRef idx="1">
+            <a:schemeClr val="accent2"/>
+          </a:effectRef>
+          <a:fontRef idx="minor">
+            <a:schemeClr val="dk1"/>
+          </a:fontRef>
+        </p:style>
+        <p:txBody>
+          <a:bodyPr rtlCol="0" anchor="ctr"/>
+          <a:lstStyle/>
+          <a:p>
+            <a:pPr algn="ctr"/>
+            <a:r>
+              <a:rPr lang="en-US" sz="1600" dirty="0" smtClean="0">
+                <a:solidFill>
+                  <a:schemeClr val="bg1"/>
+                </a:solidFill>
+              </a:rPr>
+              <a:t>:</a:t>
+            </a:r>
+            <a:r>
+              <a:rPr lang="en-US" sz="1600" dirty="0" err="1" smtClean="0">
+                <a:solidFill>
+                  <a:schemeClr val="bg1"/>
+                </a:solidFill>
+              </a:rPr>
+              <a:t>EventsCenter</a:t>
+            </a:r>
+            <a:endParaRPr lang="en-SG" sz="1600" dirty="0">
+              <a:solidFill>
+                <a:schemeClr val="bg1"/>
+              </a:solidFill>
+            </a:endParaRPr>
+          </a:p>
+        </p:txBody>
+      </p:sp>
+      <p:cxnSp>
+        <p:nvCxnSpPr>
+          <p:cNvPr id="148" name="Straight Connector 147"/>
+          <p:cNvCxnSpPr/>
+          <p:nvPr/>
+        </p:nvCxnSpPr>
+        <p:spPr>
+          <a:xfrm>
+            <a:off x="4456731" y="3991941"/>
+            <a:ext cx="0" cy="1723059"/>
+          </a:xfrm>
+          <a:prstGeom prst="line">
+            <a:avLst/>
+          </a:prstGeom>
+          <a:ln w="19050">
+            <a:solidFill>
+              <a:schemeClr val="accent5">
+                <a:lumMod val="75000"/>
+              </a:schemeClr>
+            </a:solidFill>
+            <a:prstDash val="sysDash"/>
+          </a:ln>
+          <a:effectLst/>
+        </p:spPr>
+        <p:style>
+          <a:lnRef idx="1">
+            <a:schemeClr val="accent1"/>
+          </a:lnRef>
+          <a:fillRef idx="2">
+            <a:schemeClr val="accent1"/>
+          </a:fillRef>
+          <a:effectRef idx="1">
+            <a:schemeClr val="accent1"/>
+          </a:effectRef>
+          <a:fontRef idx="minor">
+            <a:schemeClr val="dk1"/>
+          </a:fontRef>
+        </p:style>
+      </p:cxnSp>
+      <p:sp>
+        <p:nvSpPr>
+          <p:cNvPr id="149" name="Rectangle 148"/>
+          <p:cNvSpPr/>
+          <p:nvPr/>
+        </p:nvSpPr>
+        <p:spPr>
+          <a:xfrm>
+            <a:off x="4384723" y="4414874"/>
+            <a:ext cx="142006" cy="1036757"/>
+          </a:xfrm>
+          <a:prstGeom prst="rect">
+            <a:avLst/>
+          </a:prstGeom>
+          <a:solidFill>
+            <a:schemeClr val="accent5">
+              <a:lumMod val="75000"/>
+            </a:schemeClr>
+          </a:solidFill>
+          <a:ln>
+            <a:solidFill>
+              <a:schemeClr val="accent5">
+                <a:lumMod val="75000"/>
+              </a:schemeClr>
+            </a:solidFill>
+          </a:ln>
+          <a:effectLst/>
+        </p:spPr>
+        <p:style>
+          <a:lnRef idx="1">
+            <a:schemeClr val="accent3"/>
+          </a:lnRef>
+          <a:fillRef idx="2">
+            <a:schemeClr val="accent3"/>
+          </a:fillRef>
+          <a:effectRef idx="1">
+            <a:schemeClr val="accent3"/>
+          </a:effectRef>
+          <a:fontRef idx="minor">
+            <a:schemeClr val="dk1"/>
+          </a:fontRef>
+        </p:style>
+        <p:txBody>
+          <a:bodyPr rtlCol="0" anchor="ctr"/>
+          <a:lstStyle/>
+          <a:p>
+            <a:pPr algn="ctr"/>
+            <a:endParaRPr lang="en-SG" sz="1400">
+              <a:solidFill>
+                <a:schemeClr val="dk1"/>
+              </a:solidFill>
+            </a:endParaRPr>
+          </a:p>
+        </p:txBody>
+      </p:sp>
+      <p:cxnSp>
+        <p:nvCxnSpPr>
+          <p:cNvPr id="150" name="Straight Arrow Connector 149"/>
+          <p:cNvCxnSpPr/>
+          <p:nvPr/>
+        </p:nvCxnSpPr>
+        <p:spPr>
+          <a:xfrm>
+            <a:off x="3078929" y="4414874"/>
+            <a:ext cx="1295400" cy="0"/>
+          </a:xfrm>
+          <a:prstGeom prst="straightConnector1">
+            <a:avLst/>
+          </a:prstGeom>
+          <a:ln w="19050">
+            <a:solidFill>
+              <a:srgbClr val="7030A0"/>
+            </a:solidFill>
+            <a:tailEnd type="arrow"/>
+          </a:ln>
+        </p:spPr>
+        <p:style>
+          <a:lnRef idx="1">
+            <a:schemeClr val="accent1"/>
+          </a:lnRef>
+          <a:fillRef idx="0">
+            <a:schemeClr val="accent1"/>
+          </a:fillRef>
+          <a:effectRef idx="0">
+            <a:schemeClr val="accent1"/>
+          </a:effectRef>
+          <a:fontRef idx="minor">
+            <a:schemeClr val="tx1"/>
+          </a:fontRef>
+        </p:style>
+      </p:cxnSp>
+      <p:cxnSp>
+        <p:nvCxnSpPr>
+          <p:cNvPr id="151" name="Straight Arrow Connector 150"/>
+          <p:cNvCxnSpPr/>
+          <p:nvPr/>
+        </p:nvCxnSpPr>
+        <p:spPr>
+          <a:xfrm>
+            <a:off x="2975642" y="5451631"/>
+            <a:ext cx="1448755" cy="0"/>
+          </a:xfrm>
+          <a:prstGeom prst="straightConnector1">
+            <a:avLst/>
+          </a:prstGeom>
+          <a:ln w="19050">
+            <a:solidFill>
+              <a:schemeClr val="accent5">
+                <a:lumMod val="75000"/>
+              </a:schemeClr>
+            </a:solidFill>
+            <a:prstDash val="sysDash"/>
+            <a:headEnd type="arrow" w="med" len="med"/>
+            <a:tailEnd type="none" w="med" len="med"/>
+          </a:ln>
+        </p:spPr>
+        <p:style>
+          <a:lnRef idx="1">
+            <a:schemeClr val="accent1"/>
+          </a:lnRef>
+          <a:fillRef idx="0">
+            <a:schemeClr val="accent1"/>
+          </a:fillRef>
+          <a:effectRef idx="0">
+            <a:schemeClr val="accent1"/>
+          </a:effectRef>
+          <a:fontRef idx="minor">
+            <a:schemeClr val="tx1"/>
+          </a:fontRef>
+        </p:style>
+      </p:cxnSp>
+      <p:cxnSp>
+        <p:nvCxnSpPr>
+          <p:cNvPr id="152" name="Straight Arrow Connector 151"/>
+          <p:cNvCxnSpPr/>
+          <p:nvPr/>
+        </p:nvCxnSpPr>
+        <p:spPr>
+          <a:xfrm>
+            <a:off x="4526729" y="4684668"/>
+            <a:ext cx="3318258" cy="0"/>
+          </a:xfrm>
+          <a:prstGeom prst="straightConnector1">
+            <a:avLst/>
+          </a:prstGeom>
+          <a:ln w="19050">
+            <a:solidFill>
+              <a:schemeClr val="accent5">
+                <a:lumMod val="75000"/>
+              </a:schemeClr>
+            </a:solidFill>
+            <a:headEnd type="none" w="med" len="med"/>
+            <a:tailEnd type="arrow" w="med" len="med"/>
+          </a:ln>
+        </p:spPr>
+        <p:style>
+          <a:lnRef idx="1">
+            <a:schemeClr val="accent1"/>
+          </a:lnRef>
+          <a:fillRef idx="0">
+            <a:schemeClr val="accent1"/>
+          </a:fillRef>
+          <a:effectRef idx="0">
+            <a:schemeClr val="accent1"/>
+          </a:effectRef>
+          <a:fontRef idx="minor">
+            <a:schemeClr val="tx1"/>
+          </a:fontRef>
+        </p:style>
+      </p:cxnSp>
+      <p:sp>
+        <p:nvSpPr>
+          <p:cNvPr id="153" name="TextBox 152"/>
+          <p:cNvSpPr txBox="1"/>
+          <p:nvPr/>
+        </p:nvSpPr>
+        <p:spPr>
+          <a:xfrm>
+            <a:off x="5036330" y="4409565"/>
+            <a:ext cx="2659870" cy="215444"/>
+          </a:xfrm>
+          <a:prstGeom prst="rect">
+            <a:avLst/>
+          </a:prstGeom>
+          <a:noFill/>
+        </p:spPr>
+        <p:txBody>
+          <a:bodyPr wrap="square" lIns="0" tIns="0" rIns="0" bIns="0" rtlCol="0">
+            <a:spAutoFit/>
+          </a:bodyPr>
+          <a:lstStyle/>
+          <a:p>
+            <a:r>
+              <a:rPr lang="en-US" sz="1400" dirty="0" err="1" smtClean="0">
+                <a:solidFill>
+                  <a:schemeClr val="accent6">
+                    <a:lumMod val="75000"/>
+                  </a:schemeClr>
+                </a:solidFill>
+              </a:rPr>
+              <a:t>handleAddresssBookChangedEvent</a:t>
+            </a:r>
+            <a:r>
+              <a:rPr lang="en-US" sz="1400" dirty="0" smtClean="0">
+                <a:solidFill>
+                  <a:schemeClr val="accent6">
+                    <a:lumMod val="75000"/>
+                  </a:schemeClr>
+                </a:solidFill>
+              </a:rPr>
+              <a:t>()</a:t>
+            </a:r>
+            <a:endParaRPr lang="en-US" sz="1400" dirty="0">
+              <a:solidFill>
+                <a:schemeClr val="accent6">
+                  <a:lumMod val="75000"/>
+                </a:schemeClr>
+              </a:solidFill>
+            </a:endParaRPr>
+          </a:p>
+        </p:txBody>
+      </p:sp>
+      <p:sp>
+        <p:nvSpPr>
+          <p:cNvPr id="154" name="Rectangle 62"/>
+          <p:cNvSpPr/>
+          <p:nvPr/>
+        </p:nvSpPr>
+        <p:spPr>
+          <a:xfrm>
+            <a:off x="721634" y="3621976"/>
+            <a:ext cx="1093635" cy="346760"/>
+          </a:xfrm>
+          <a:prstGeom prst="rect">
+            <a:avLst/>
+          </a:prstGeom>
+          <a:solidFill>
+            <a:srgbClr val="00B050"/>
+          </a:solidFill>
+          <a:ln w="19050">
+            <a:solidFill>
+              <a:srgbClr val="00B050"/>
+            </a:solidFill>
+          </a:ln>
+          <a:effectLst/>
+        </p:spPr>
+        <p:style>
+          <a:lnRef idx="1">
+            <a:schemeClr val="accent2"/>
+          </a:lnRef>
+          <a:fillRef idx="2">
+            <a:schemeClr val="accent2"/>
+          </a:fillRef>
+          <a:effectRef idx="1">
+            <a:schemeClr val="accent2"/>
+          </a:effectRef>
+          <a:fontRef idx="minor">
+            <a:schemeClr val="dk1"/>
+          </a:fontRef>
+        </p:style>
+        <p:txBody>
+          <a:bodyPr rtlCol="0" anchor="ctr"/>
+          <a:lstStyle/>
+          <a:p>
+            <a:pPr algn="ctr"/>
+            <a:r>
+              <a:rPr lang="en-US" sz="1600" dirty="0" smtClean="0">
+                <a:solidFill>
+                  <a:schemeClr val="bg1"/>
+                </a:solidFill>
+              </a:rPr>
+              <a:t>:UI</a:t>
+            </a:r>
+            <a:endParaRPr lang="en-SG" sz="1600" dirty="0">
+              <a:solidFill>
+                <a:schemeClr val="bg1"/>
+              </a:solidFill>
+            </a:endParaRPr>
+          </a:p>
+        </p:txBody>
+      </p:sp>
+      <p:cxnSp>
+        <p:nvCxnSpPr>
+          <p:cNvPr id="155" name="Straight Connector 154"/>
+          <p:cNvCxnSpPr/>
+          <p:nvPr/>
+        </p:nvCxnSpPr>
+        <p:spPr>
+          <a:xfrm>
+            <a:off x="1268451" y="3985647"/>
+            <a:ext cx="0" cy="1723059"/>
+          </a:xfrm>
+          <a:prstGeom prst="line">
+            <a:avLst/>
+          </a:prstGeom>
+          <a:ln w="19050">
+            <a:solidFill>
+              <a:srgbClr val="00B050"/>
+            </a:solidFill>
+            <a:prstDash val="sysDash"/>
+          </a:ln>
+          <a:effectLst/>
+        </p:spPr>
+        <p:style>
+          <a:lnRef idx="1">
+            <a:schemeClr val="accent1"/>
+          </a:lnRef>
+          <a:fillRef idx="2">
+            <a:schemeClr val="accent1"/>
+          </a:fillRef>
+          <a:effectRef idx="1">
+            <a:schemeClr val="accent1"/>
+          </a:effectRef>
+          <a:fontRef idx="minor">
+            <a:schemeClr val="dk1"/>
+          </a:fontRef>
+        </p:style>
+      </p:cxnSp>
+      <p:sp>
+        <p:nvSpPr>
+          <p:cNvPr id="156" name="Rectangle 155"/>
+          <p:cNvSpPr/>
+          <p:nvPr/>
+        </p:nvSpPr>
+        <p:spPr>
+          <a:xfrm>
+            <a:off x="1196443" y="5014126"/>
+            <a:ext cx="130545" cy="273128"/>
+          </a:xfrm>
+          <a:prstGeom prst="rect">
+            <a:avLst/>
+          </a:prstGeom>
+          <a:solidFill>
+            <a:srgbClr val="00B050"/>
+          </a:solidFill>
+          <a:ln>
+            <a:solidFill>
+              <a:srgbClr val="00B050"/>
+            </a:solidFill>
+          </a:ln>
+          <a:effectLst/>
+        </p:spPr>
+        <p:style>
+          <a:lnRef idx="1">
+            <a:schemeClr val="accent3"/>
+          </a:lnRef>
+          <a:fillRef idx="2">
+            <a:schemeClr val="accent3"/>
+          </a:fillRef>
+          <a:effectRef idx="1">
+            <a:schemeClr val="accent3"/>
+          </a:effectRef>
+          <a:fontRef idx="minor">
+            <a:schemeClr val="dk1"/>
+          </a:fontRef>
+        </p:style>
+        <p:txBody>
+          <a:bodyPr rtlCol="0" anchor="ctr"/>
+          <a:lstStyle/>
+          <a:p>
+            <a:pPr algn="ctr"/>
+            <a:endParaRPr lang="en-SG" sz="1400">
+              <a:solidFill>
+                <a:schemeClr val="dk1"/>
+              </a:solidFill>
+            </a:endParaRPr>
+          </a:p>
+        </p:txBody>
+      </p:sp>
+      <p:cxnSp>
+        <p:nvCxnSpPr>
+          <p:cNvPr id="157" name="Straight Arrow Connector 156"/>
+          <p:cNvCxnSpPr/>
+          <p:nvPr/>
+        </p:nvCxnSpPr>
+        <p:spPr>
+          <a:xfrm flipH="1">
+            <a:off x="1348843" y="5287254"/>
+            <a:ext cx="3061842" cy="0"/>
+          </a:xfrm>
+          <a:prstGeom prst="straightConnector1">
+            <a:avLst/>
+          </a:prstGeom>
+          <a:ln w="19050">
+            <a:solidFill>
+              <a:srgbClr val="00B050"/>
+            </a:solidFill>
+            <a:prstDash val="sysDash"/>
+            <a:headEnd type="arrow" w="med" len="med"/>
+            <a:tailEnd type="none" w="med" len="med"/>
+          </a:ln>
+        </p:spPr>
+        <p:style>
+          <a:lnRef idx="1">
+            <a:schemeClr val="accent1"/>
+          </a:lnRef>
+          <a:fillRef idx="0">
+            <a:schemeClr val="accent1"/>
+          </a:fillRef>
+          <a:effectRef idx="0">
+            <a:schemeClr val="accent1"/>
+          </a:effectRef>
+          <a:fontRef idx="minor">
+            <a:schemeClr val="tx1"/>
+          </a:fontRef>
+        </p:style>
+      </p:cxnSp>
+      <p:cxnSp>
+        <p:nvCxnSpPr>
+          <p:cNvPr id="158" name="Straight Arrow Connector 157"/>
+          <p:cNvCxnSpPr/>
+          <p:nvPr/>
+        </p:nvCxnSpPr>
+        <p:spPr>
+          <a:xfrm>
+            <a:off x="1348843" y="5014126"/>
+            <a:ext cx="3061841" cy="0"/>
+          </a:xfrm>
+          <a:prstGeom prst="straightConnector1">
+            <a:avLst/>
+          </a:prstGeom>
+          <a:ln w="19050">
+            <a:solidFill>
+              <a:schemeClr val="accent5">
+                <a:lumMod val="75000"/>
+              </a:schemeClr>
+            </a:solidFill>
+            <a:headEnd type="arrow" w="med" len="med"/>
+            <a:tailEnd type="none" w="med" len="med"/>
+          </a:ln>
+        </p:spPr>
+        <p:style>
+          <a:lnRef idx="1">
+            <a:schemeClr val="accent1"/>
+          </a:lnRef>
+          <a:fillRef idx="0">
+            <a:schemeClr val="accent1"/>
+          </a:fillRef>
+          <a:effectRef idx="0">
+            <a:schemeClr val="accent1"/>
+          </a:effectRef>
+          <a:fontRef idx="minor">
+            <a:schemeClr val="tx1"/>
+          </a:fontRef>
+        </p:style>
+      </p:cxnSp>
+      <p:sp>
+        <p:nvSpPr>
+          <p:cNvPr id="159" name="TextBox 158"/>
+          <p:cNvSpPr txBox="1"/>
+          <p:nvPr/>
+        </p:nvSpPr>
+        <p:spPr>
+          <a:xfrm>
+            <a:off x="1416276" y="4739023"/>
+            <a:ext cx="2659870" cy="215444"/>
+          </a:xfrm>
+          <a:prstGeom prst="rect">
+            <a:avLst/>
+          </a:prstGeom>
+          <a:noFill/>
+        </p:spPr>
+        <p:txBody>
+          <a:bodyPr wrap="square" lIns="0" tIns="0" rIns="0" bIns="0" rtlCol="0">
+            <a:spAutoFit/>
+          </a:bodyPr>
+          <a:lstStyle/>
+          <a:p>
+            <a:r>
+              <a:rPr lang="en-US" sz="1400" dirty="0" err="1" smtClean="0">
+                <a:solidFill>
+                  <a:srgbClr val="00B050"/>
+                </a:solidFill>
+              </a:rPr>
+              <a:t>handleAddresssBookChangedEvent</a:t>
+            </a:r>
+            <a:r>
+              <a:rPr lang="en-US" sz="1400" dirty="0" smtClean="0">
+                <a:solidFill>
+                  <a:srgbClr val="00B050"/>
+                </a:solidFill>
+              </a:rPr>
+              <a:t>()</a:t>
+            </a:r>
+            <a:endParaRPr lang="en-US" sz="1400" dirty="0">
+              <a:solidFill>
+                <a:srgbClr val="00B050"/>
+              </a:solidFill>
+            </a:endParaRPr>
+          </a:p>
+        </p:txBody>
+      </p:sp>
+      <p:grpSp>
+        <p:nvGrpSpPr>
+          <p:cNvPr id="160" name="Group 159"/>
+          <p:cNvGrpSpPr/>
+          <p:nvPr/>
+        </p:nvGrpSpPr>
+        <p:grpSpPr>
+          <a:xfrm>
+            <a:off x="1028134" y="4955686"/>
+            <a:ext cx="217349" cy="270072"/>
+            <a:chOff x="1028134" y="5612032"/>
+            <a:chExt cx="217349" cy="270072"/>
+          </a:xfrm>
+        </p:grpSpPr>
+        <p:sp>
+          <p:nvSpPr>
+            <p:cNvPr id="161" name="Freeform 160"/>
+            <p:cNvSpPr/>
+            <p:nvPr/>
+          </p:nvSpPr>
+          <p:spPr>
+            <a:xfrm rot="2600998" flipH="1" flipV="1">
+              <a:off x="1028134" y="5612032"/>
+              <a:ext cx="167452" cy="116880"/>
+            </a:xfrm>
+            <a:custGeom>
+              <a:avLst/>
+              <a:gdLst>
+                <a:gd name="connsiteX0" fmla="*/ 0 w 226400"/>
+                <a:gd name="connsiteY0" fmla="*/ 32920 h 171466"/>
+                <a:gd name="connsiteX1" fmla="*/ 157018 w 226400"/>
+                <a:gd name="connsiteY1" fmla="*/ 5211 h 171466"/>
+                <a:gd name="connsiteX2" fmla="*/ 221673 w 226400"/>
+                <a:gd name="connsiteY2" fmla="*/ 125284 h 171466"/>
+                <a:gd name="connsiteX3" fmla="*/ 36945 w 226400"/>
+                <a:gd name="connsiteY3" fmla="*/ 171466 h 171466"/>
+              </a:gdLst>
+              <a:ahLst/>
+              <a:cxnLst>
+                <a:cxn ang="0">
+                  <a:pos x="connsiteX0" y="connsiteY0"/>
+                </a:cxn>
+                <a:cxn ang="0">
+                  <a:pos x="connsiteX1" y="connsiteY1"/>
+                </a:cxn>
+                <a:cxn ang="0">
+                  <a:pos x="connsiteX2" y="connsiteY2"/>
+                </a:cxn>
+                <a:cxn ang="0">
+                  <a:pos x="connsiteX3" y="connsiteY3"/>
+                </a:cxn>
+              </a:cxnLst>
+              <a:rect l="l" t="t" r="r" b="b"/>
+              <a:pathLst>
+                <a:path w="226400" h="171466">
+                  <a:moveTo>
+                    <a:pt x="0" y="32920"/>
+                  </a:moveTo>
+                  <a:cubicBezTo>
+                    <a:pt x="60036" y="11368"/>
+                    <a:pt x="120073" y="-10183"/>
+                    <a:pt x="157018" y="5211"/>
+                  </a:cubicBezTo>
+                  <a:cubicBezTo>
+                    <a:pt x="193963" y="20605"/>
+                    <a:pt x="241685" y="97575"/>
+                    <a:pt x="221673" y="125284"/>
+                  </a:cubicBezTo>
+                  <a:cubicBezTo>
+                    <a:pt x="201661" y="152993"/>
+                    <a:pt x="119303" y="162229"/>
+                    <a:pt x="36945" y="171466"/>
+                  </a:cubicBezTo>
+                </a:path>
+              </a:pathLst>
+            </a:custGeom>
+            <a:ln w="19050">
+              <a:solidFill>
+                <a:srgbClr val="00B050"/>
+              </a:solidFill>
+              <a:headEnd type="arrow" w="med" len="med"/>
+              <a:tailEnd type="none" w="med" len="med"/>
+            </a:ln>
+          </p:spPr>
+          <p:style>
+            <a:lnRef idx="1">
+              <a:schemeClr val="accent1"/>
+            </a:lnRef>
+            <a:fillRef idx="0">
+              <a:schemeClr val="accent1"/>
+            </a:fillRef>
+            <a:effectRef idx="0">
+              <a:schemeClr val="accent1"/>
+            </a:effectRef>
+            <a:fontRef idx="minor">
+              <a:schemeClr val="tx1"/>
+            </a:fontRef>
+          </p:style>
+          <p:txBody>
+            <a:bodyPr rtlCol="0" anchor="ctr"/>
+            <a:lstStyle/>
+            <a:p>
+              <a:pPr algn="ctr"/>
+              <a:endParaRPr lang="en-SG"/>
+            </a:p>
+          </p:txBody>
+        </p:sp>
+        <p:sp>
+          <p:nvSpPr>
+            <p:cNvPr id="162" name="Rectangle 161"/>
+            <p:cNvSpPr/>
+            <p:nvPr/>
+          </p:nvSpPr>
+          <p:spPr>
+            <a:xfrm>
+              <a:off x="1147403" y="5712513"/>
+              <a:ext cx="98080" cy="169591"/>
+            </a:xfrm>
+            <a:prstGeom prst="rect">
+              <a:avLst/>
+            </a:prstGeom>
+            <a:solidFill>
+              <a:srgbClr val="00B050"/>
+            </a:solidFill>
+            <a:ln>
+              <a:solidFill>
+                <a:schemeClr val="bg1"/>
+              </a:solidFill>
+            </a:ln>
+            <a:effectLst/>
+          </p:spPr>
+          <p:style>
+            <a:lnRef idx="1">
+              <a:schemeClr val="accent3"/>
+            </a:lnRef>
+            <a:fillRef idx="2">
+              <a:schemeClr val="accent3"/>
+            </a:fillRef>
+            <a:effectRef idx="1">
+              <a:schemeClr val="accent3"/>
+            </a:effectRef>
+            <a:fontRef idx="minor">
+              <a:schemeClr val="dk1"/>
+            </a:fontRef>
+          </p:style>
+          <p:txBody>
+            <a:bodyPr rtlCol="0" anchor="ctr"/>
+            <a:lstStyle/>
+            <a:p>
+              <a:pPr algn="ctr"/>
+              <a:endParaRPr lang="en-SG" sz="1400">
+                <a:solidFill>
+                  <a:schemeClr val="dk1"/>
+                </a:solidFill>
+              </a:endParaRPr>
+            </a:p>
+          </p:txBody>
+        </p:sp>
+      </p:grpSp>
+      <p:sp>
+        <p:nvSpPr>
+          <p:cNvPr id="163" name="TextBox 162"/>
+          <p:cNvSpPr txBox="1"/>
+          <p:nvPr/>
+        </p:nvSpPr>
+        <p:spPr>
+          <a:xfrm>
+            <a:off x="194562" y="4788225"/>
+            <a:ext cx="794081" cy="646331"/>
+          </a:xfrm>
+          <a:prstGeom prst="rect">
+            <a:avLst/>
+          </a:prstGeom>
+          <a:noFill/>
+        </p:spPr>
+        <p:txBody>
+          <a:bodyPr wrap="square" lIns="0" tIns="0" rIns="0" bIns="0" rtlCol="0">
+            <a:spAutoFit/>
+          </a:bodyPr>
+          <a:lstStyle/>
+          <a:p>
+            <a:pPr algn="r"/>
+            <a:r>
+              <a:rPr lang="en-US" sz="1400" dirty="0" smtClean="0">
+                <a:solidFill>
+                  <a:srgbClr val="00B050"/>
+                </a:solidFill>
+              </a:rPr>
+              <a:t>Update </a:t>
+            </a:r>
+            <a:r>
+              <a:rPr lang="en-US" sz="1400" dirty="0" smtClean="0">
+                <a:solidFill>
+                  <a:srgbClr val="00B050"/>
+                </a:solidFill>
+              </a:rPr>
+              <a:t>Result Display</a:t>
+            </a:r>
+            <a:endParaRPr lang="en-US" sz="1400" dirty="0">
+              <a:solidFill>
+                <a:srgbClr val="00B050"/>
+              </a:solidFill>
+            </a:endParaRPr>
+          </a:p>
+        </p:txBody>
+      </p:sp>
+      <p:grpSp>
+        <p:nvGrpSpPr>
+          <p:cNvPr id="164" name="Group 163"/>
+          <p:cNvGrpSpPr/>
+          <p:nvPr/>
+        </p:nvGrpSpPr>
+        <p:grpSpPr>
+          <a:xfrm flipH="1">
+            <a:off x="7936842" y="4679316"/>
+            <a:ext cx="217349" cy="270072"/>
+            <a:chOff x="1028134" y="5612032"/>
+            <a:chExt cx="217349" cy="270072"/>
+          </a:xfrm>
+        </p:grpSpPr>
+        <p:sp>
+          <p:nvSpPr>
+            <p:cNvPr id="165" name="Freeform 164"/>
+            <p:cNvSpPr/>
+            <p:nvPr/>
+          </p:nvSpPr>
+          <p:spPr>
+            <a:xfrm rot="2600998" flipH="1" flipV="1">
+              <a:off x="1028134" y="5612032"/>
+              <a:ext cx="167452" cy="116880"/>
+            </a:xfrm>
+            <a:custGeom>
+              <a:avLst/>
+              <a:gdLst>
+                <a:gd name="connsiteX0" fmla="*/ 0 w 226400"/>
+                <a:gd name="connsiteY0" fmla="*/ 32920 h 171466"/>
+                <a:gd name="connsiteX1" fmla="*/ 157018 w 226400"/>
+                <a:gd name="connsiteY1" fmla="*/ 5211 h 171466"/>
+                <a:gd name="connsiteX2" fmla="*/ 221673 w 226400"/>
+                <a:gd name="connsiteY2" fmla="*/ 125284 h 171466"/>
+                <a:gd name="connsiteX3" fmla="*/ 36945 w 226400"/>
+                <a:gd name="connsiteY3" fmla="*/ 171466 h 171466"/>
+              </a:gdLst>
+              <a:ahLst/>
+              <a:cxnLst>
+                <a:cxn ang="0">
+                  <a:pos x="connsiteX0" y="connsiteY0"/>
+                </a:cxn>
+                <a:cxn ang="0">
+                  <a:pos x="connsiteX1" y="connsiteY1"/>
+                </a:cxn>
+                <a:cxn ang="0">
+                  <a:pos x="connsiteX2" y="connsiteY2"/>
+                </a:cxn>
+                <a:cxn ang="0">
+                  <a:pos x="connsiteX3" y="connsiteY3"/>
+                </a:cxn>
+              </a:cxnLst>
+              <a:rect l="l" t="t" r="r" b="b"/>
+              <a:pathLst>
+                <a:path w="226400" h="171466">
+                  <a:moveTo>
+                    <a:pt x="0" y="32920"/>
+                  </a:moveTo>
+                  <a:cubicBezTo>
+                    <a:pt x="60036" y="11368"/>
+                    <a:pt x="120073" y="-10183"/>
+                    <a:pt x="157018" y="5211"/>
+                  </a:cubicBezTo>
+                  <a:cubicBezTo>
+                    <a:pt x="193963" y="20605"/>
+                    <a:pt x="241685" y="97575"/>
+                    <a:pt x="221673" y="125284"/>
+                  </a:cubicBezTo>
+                  <a:cubicBezTo>
+                    <a:pt x="201661" y="152993"/>
+                    <a:pt x="119303" y="162229"/>
+                    <a:pt x="36945" y="171466"/>
+                  </a:cubicBezTo>
+                </a:path>
+              </a:pathLst>
+            </a:custGeom>
+            <a:ln w="19050">
+              <a:solidFill>
+                <a:schemeClr val="accent6">
+                  <a:lumMod val="75000"/>
+                </a:schemeClr>
+              </a:solidFill>
+              <a:headEnd type="arrow" w="med" len="med"/>
+              <a:tailEnd type="none" w="med" len="med"/>
+            </a:ln>
+          </p:spPr>
+          <p:style>
+            <a:lnRef idx="1">
+              <a:schemeClr val="accent1"/>
+            </a:lnRef>
+            <a:fillRef idx="0">
+              <a:schemeClr val="accent1"/>
+            </a:fillRef>
+            <a:effectRef idx="0">
+              <a:schemeClr val="accent1"/>
+            </a:effectRef>
+            <a:fontRef idx="minor">
+              <a:schemeClr val="tx1"/>
+            </a:fontRef>
+          </p:style>
+          <p:txBody>
+            <a:bodyPr rtlCol="0" anchor="ctr"/>
+            <a:lstStyle/>
+            <a:p>
+              <a:pPr algn="ctr"/>
+              <a:endParaRPr lang="en-SG"/>
+            </a:p>
+          </p:txBody>
+        </p:sp>
+        <p:sp>
+          <p:nvSpPr>
+            <p:cNvPr id="166" name="Rectangle 165"/>
+            <p:cNvSpPr/>
+            <p:nvPr/>
+          </p:nvSpPr>
+          <p:spPr>
+            <a:xfrm>
+              <a:off x="1147403" y="5712513"/>
+              <a:ext cx="98080" cy="169591"/>
+            </a:xfrm>
+            <a:prstGeom prst="rect">
+              <a:avLst/>
+            </a:prstGeom>
+            <a:solidFill>
+              <a:schemeClr val="accent6">
+                <a:lumMod val="75000"/>
+              </a:schemeClr>
+            </a:solidFill>
+            <a:ln>
+              <a:solidFill>
+                <a:schemeClr val="bg1"/>
+              </a:solidFill>
+            </a:ln>
+            <a:effectLst/>
+          </p:spPr>
+          <p:style>
+            <a:lnRef idx="1">
+              <a:schemeClr val="accent3"/>
+            </a:lnRef>
+            <a:fillRef idx="2">
+              <a:schemeClr val="accent3"/>
+            </a:fillRef>
+            <a:effectRef idx="1">
+              <a:schemeClr val="accent3"/>
+            </a:effectRef>
+            <a:fontRef idx="minor">
+              <a:schemeClr val="dk1"/>
+            </a:fontRef>
+          </p:style>
+          <p:txBody>
+            <a:bodyPr rtlCol="0" anchor="ctr"/>
+            <a:lstStyle/>
+            <a:p>
+              <a:pPr algn="ctr"/>
+              <a:endParaRPr lang="en-SG" sz="1400">
+                <a:solidFill>
+                  <a:schemeClr val="dk1"/>
+                </a:solidFill>
+              </a:endParaRPr>
+            </a:p>
+          </p:txBody>
+        </p:sp>
+      </p:grpSp>
+      <p:sp>
+        <p:nvSpPr>
+          <p:cNvPr id="167" name="TextBox 166"/>
+          <p:cNvSpPr txBox="1"/>
+          <p:nvPr/>
+        </p:nvSpPr>
+        <p:spPr>
+          <a:xfrm>
+            <a:off x="8223953" y="4524646"/>
+            <a:ext cx="539047" cy="430887"/>
+          </a:xfrm>
+          <a:prstGeom prst="rect">
+            <a:avLst/>
+          </a:prstGeom>
+          <a:noFill/>
+        </p:spPr>
+        <p:txBody>
+          <a:bodyPr wrap="square" lIns="0" tIns="0" rIns="0" bIns="0" rtlCol="0">
+            <a:spAutoFit/>
+          </a:bodyPr>
+          <a:lstStyle/>
+          <a:p>
+            <a:r>
+              <a:rPr lang="en-US" sz="1400" dirty="0" smtClean="0">
+                <a:solidFill>
+                  <a:schemeClr val="accent6">
+                    <a:lumMod val="75000"/>
+                  </a:schemeClr>
+                </a:solidFill>
+              </a:rPr>
+              <a:t>Save </a:t>
+            </a:r>
+            <a:br>
+              <a:rPr lang="en-US" sz="1400" dirty="0" smtClean="0">
+                <a:solidFill>
+                  <a:schemeClr val="accent6">
+                    <a:lumMod val="75000"/>
+                  </a:schemeClr>
+                </a:solidFill>
+              </a:rPr>
+            </a:br>
+            <a:r>
+              <a:rPr lang="en-US" sz="1400" dirty="0" smtClean="0">
+                <a:solidFill>
+                  <a:schemeClr val="accent6">
+                    <a:lumMod val="75000"/>
+                  </a:schemeClr>
+                </a:solidFill>
+              </a:rPr>
+              <a:t>to file</a:t>
+            </a:r>
+            <a:endParaRPr lang="en-US" sz="1400" dirty="0">
+              <a:solidFill>
+                <a:schemeClr val="accent6">
+                  <a:lumMod val="75000"/>
+                </a:schemeClr>
+              </a:solidFill>
+            </a:endParaRPr>
+          </a:p>
+        </p:txBody>
+      </p:sp>
+    </p:spTree>
+    <p:extLst>
+      <p:ext uri="{BB962C8B-B14F-4D97-AF65-F5344CB8AC3E}">
+        <p14:creationId xmlns:p14="http://schemas.microsoft.com/office/powerpoint/2010/main" val="3404815205"/>
       </p:ext>
     </p:extLst>
   </p:cSld>
